--- a/Informational Technology (Game Design)/Part 1 Redo/Cluster - Introduction to Game Design/AT04/AT04 Video Game History By Richard Pountney.pptx
+++ b/Informational Technology (Game Design)/Part 1 Redo/Cluster - Introduction to Game Design/AT04/AT04 Video Game History By Richard Pountney.pptx
@@ -6,6 +6,11 @@
   </p:sldMasterIdLst>
   <p:sldIdLst>
     <p:sldId id="256" r:id="rId2"/>
+    <p:sldId id="257" r:id="rId3"/>
+    <p:sldId id="258" r:id="rId4"/>
+    <p:sldId id="259" r:id="rId5"/>
+    <p:sldId id="260" r:id="rId6"/>
+    <p:sldId id="261" r:id="rId7"/>
   </p:sldIdLst>
   <p:sldSz cx="12192000" cy="6858000"/>
   <p:notesSz cx="6858000" cy="9144000"/>
@@ -104,6 +109,11 @@
       </a:defRPr>
     </a:lvl9pPr>
   </p:defaultTextStyle>
+  <p:extLst>
+    <p:ext uri="{EFAFB233-063F-42B5-8137-9DF3F51BA10A}">
+      <p15:sldGuideLst xmlns:p15="http://schemas.microsoft.com/office/powerpoint/2012/main"/>
+    </p:ext>
+  </p:extLst>
 </p:presentation>
 </file>
 
@@ -157,7 +167,7 @@
           <a:noFill/>
           <a:extLst>
             <a:ext uri="{909E8E84-426E-40dd-AFC4-6F175D3DCCD1}">
-              <a14:hiddenFill xmlns:a14="http://schemas.microsoft.com/office/drawing/2010/main" xmlns="">
+              <a14:hiddenFill xmlns="" xmlns:a14="http://schemas.microsoft.com/office/drawing/2010/main">
                 <a:solidFill>
                   <a:srgbClr val="FFFFFF"/>
                 </a:solidFill>
@@ -217,7 +227,7 @@
             </a:ln>
             <a:extLst>
               <a:ext uri="{91240B29-F687-4f45-9708-019B960494DF}">
-                <a14:hiddenLine xmlns:a14="http://schemas.microsoft.com/office/drawing/2010/main" xmlns="" w="9525">
+                <a14:hiddenLine xmlns="" xmlns:a14="http://schemas.microsoft.com/office/drawing/2010/main" w="9525">
                   <a:solidFill>
                     <a:srgbClr val="000000"/>
                   </a:solidFill>
@@ -307,7 +317,7 @@
             </a:ln>
             <a:extLst>
               <a:ext uri="{91240B29-F687-4f45-9708-019B960494DF}">
-                <a14:hiddenLine xmlns:a14="http://schemas.microsoft.com/office/drawing/2010/main" xmlns="" w="9525">
+                <a14:hiddenLine xmlns="" xmlns:a14="http://schemas.microsoft.com/office/drawing/2010/main" w="9525">
                   <a:solidFill>
                     <a:srgbClr val="000000"/>
                   </a:solidFill>
@@ -397,7 +407,7 @@
             </a:ln>
             <a:extLst>
               <a:ext uri="{91240B29-F687-4f45-9708-019B960494DF}">
-                <a14:hiddenLine xmlns:a14="http://schemas.microsoft.com/office/drawing/2010/main" xmlns="" w="9525">
+                <a14:hiddenLine xmlns="" xmlns:a14="http://schemas.microsoft.com/office/drawing/2010/main" w="9525">
                   <a:solidFill>
                     <a:srgbClr val="000000"/>
                   </a:solidFill>
@@ -431,7 +441,7 @@
             </a:ln>
             <a:extLst>
               <a:ext uri="{91240B29-F687-4f45-9708-019B960494DF}">
-                <a14:hiddenLine xmlns:a14="http://schemas.microsoft.com/office/drawing/2010/main" xmlns="" w="9525">
+                <a14:hiddenLine xmlns="" xmlns:a14="http://schemas.microsoft.com/office/drawing/2010/main" w="9525">
                   <a:solidFill>
                     <a:srgbClr val="000000"/>
                   </a:solidFill>
@@ -521,7 +531,7 @@
             </a:ln>
             <a:extLst>
               <a:ext uri="{91240B29-F687-4f45-9708-019B960494DF}">
-                <a14:hiddenLine xmlns:a14="http://schemas.microsoft.com/office/drawing/2010/main" xmlns="" w="9525">
+                <a14:hiddenLine xmlns="" xmlns:a14="http://schemas.microsoft.com/office/drawing/2010/main" w="9525">
                   <a:solidFill>
                     <a:srgbClr val="000000"/>
                   </a:solidFill>
@@ -583,7 +593,7 @@
             </a:ln>
             <a:extLst>
               <a:ext uri="{91240B29-F687-4f45-9708-019B960494DF}">
-                <a14:hiddenLine xmlns:a14="http://schemas.microsoft.com/office/drawing/2010/main" xmlns="" w="9525">
+                <a14:hiddenLine xmlns="" xmlns:a14="http://schemas.microsoft.com/office/drawing/2010/main" w="9525">
                   <a:solidFill>
                     <a:srgbClr val="000000"/>
                   </a:solidFill>
@@ -645,7 +655,7 @@
             </a:ln>
             <a:extLst>
               <a:ext uri="{91240B29-F687-4f45-9708-019B960494DF}">
-                <a14:hiddenLine xmlns:a14="http://schemas.microsoft.com/office/drawing/2010/main" xmlns="" w="9525">
+                <a14:hiddenLine xmlns="" xmlns:a14="http://schemas.microsoft.com/office/drawing/2010/main" w="9525">
                   <a:solidFill>
                     <a:srgbClr val="000000"/>
                   </a:solidFill>
@@ -735,7 +745,7 @@
             </a:ln>
             <a:extLst>
               <a:ext uri="{91240B29-F687-4f45-9708-019B960494DF}">
-                <a14:hiddenLine xmlns:a14="http://schemas.microsoft.com/office/drawing/2010/main" xmlns="" w="9525">
+                <a14:hiddenLine xmlns="" xmlns:a14="http://schemas.microsoft.com/office/drawing/2010/main" w="9525">
                   <a:solidFill>
                     <a:srgbClr val="000000"/>
                   </a:solidFill>
@@ -797,7 +807,7 @@
             </a:ln>
             <a:extLst>
               <a:ext uri="{91240B29-F687-4f45-9708-019B960494DF}">
-                <a14:hiddenLine xmlns:a14="http://schemas.microsoft.com/office/drawing/2010/main" xmlns="" w="9525">
+                <a14:hiddenLine xmlns="" xmlns:a14="http://schemas.microsoft.com/office/drawing/2010/main" w="9525">
                   <a:solidFill>
                     <a:srgbClr val="000000"/>
                   </a:solidFill>
@@ -859,7 +869,7 @@
             </a:ln>
             <a:extLst>
               <a:ext uri="{91240B29-F687-4f45-9708-019B960494DF}">
-                <a14:hiddenLine xmlns:a14="http://schemas.microsoft.com/office/drawing/2010/main" xmlns="" w="9525">
+                <a14:hiddenLine xmlns="" xmlns:a14="http://schemas.microsoft.com/office/drawing/2010/main" w="9525">
                   <a:solidFill>
                     <a:srgbClr val="000000"/>
                   </a:solidFill>
@@ -949,7 +959,7 @@
             </a:ln>
             <a:extLst>
               <a:ext uri="{91240B29-F687-4f45-9708-019B960494DF}">
-                <a14:hiddenLine xmlns:a14="http://schemas.microsoft.com/office/drawing/2010/main" xmlns="" w="9525">
+                <a14:hiddenLine xmlns="" xmlns:a14="http://schemas.microsoft.com/office/drawing/2010/main" w="9525">
                   <a:solidFill>
                     <a:srgbClr val="000000"/>
                   </a:solidFill>
@@ -1039,7 +1049,7 @@
             </a:ln>
             <a:extLst>
               <a:ext uri="{91240B29-F687-4f45-9708-019B960494DF}">
-                <a14:hiddenLine xmlns:a14="http://schemas.microsoft.com/office/drawing/2010/main" xmlns="" w="9525">
+                <a14:hiddenLine xmlns="" xmlns:a14="http://schemas.microsoft.com/office/drawing/2010/main" w="9525">
                   <a:solidFill>
                     <a:srgbClr val="000000"/>
                   </a:solidFill>
@@ -1101,7 +1111,7 @@
             </a:ln>
             <a:extLst>
               <a:ext uri="{91240B29-F687-4f45-9708-019B960494DF}">
-                <a14:hiddenLine xmlns:a14="http://schemas.microsoft.com/office/drawing/2010/main" xmlns="" w="9525">
+                <a14:hiddenLine xmlns="" xmlns:a14="http://schemas.microsoft.com/office/drawing/2010/main" w="9525">
                   <a:solidFill>
                     <a:srgbClr val="000000"/>
                   </a:solidFill>
@@ -1211,7 +1221,7 @@
             </a:ln>
             <a:extLst>
               <a:ext uri="{91240B29-F687-4f45-9708-019B960494DF}">
-                <a14:hiddenLine xmlns:a14="http://schemas.microsoft.com/office/drawing/2010/main" xmlns="" w="9525">
+                <a14:hiddenLine xmlns="" xmlns:a14="http://schemas.microsoft.com/office/drawing/2010/main" w="9525">
                   <a:solidFill>
                     <a:srgbClr val="000000"/>
                   </a:solidFill>
@@ -1273,7 +1283,7 @@
             </a:ln>
             <a:extLst>
               <a:ext uri="{91240B29-F687-4f45-9708-019B960494DF}">
-                <a14:hiddenLine xmlns:a14="http://schemas.microsoft.com/office/drawing/2010/main" xmlns="" w="9525">
+                <a14:hiddenLine xmlns="" xmlns:a14="http://schemas.microsoft.com/office/drawing/2010/main" w="9525">
                   <a:solidFill>
                     <a:srgbClr val="000000"/>
                   </a:solidFill>
@@ -1363,7 +1373,7 @@
             </a:ln>
             <a:extLst>
               <a:ext uri="{91240B29-F687-4f45-9708-019B960494DF}">
-                <a14:hiddenLine xmlns:a14="http://schemas.microsoft.com/office/drawing/2010/main" xmlns="" w="9525">
+                <a14:hiddenLine xmlns="" xmlns:a14="http://schemas.microsoft.com/office/drawing/2010/main" w="9525">
                   <a:solidFill>
                     <a:srgbClr val="000000"/>
                   </a:solidFill>
@@ -1453,7 +1463,7 @@
             </a:ln>
             <a:extLst>
               <a:ext uri="{91240B29-F687-4f45-9708-019B960494DF}">
-                <a14:hiddenLine xmlns:a14="http://schemas.microsoft.com/office/drawing/2010/main" xmlns="" w="9525">
+                <a14:hiddenLine xmlns="" xmlns:a14="http://schemas.microsoft.com/office/drawing/2010/main" w="9525">
                   <a:solidFill>
                     <a:srgbClr val="000000"/>
                   </a:solidFill>
@@ -1515,7 +1525,7 @@
             </a:ln>
             <a:extLst>
               <a:ext uri="{91240B29-F687-4f45-9708-019B960494DF}">
-                <a14:hiddenLine xmlns:a14="http://schemas.microsoft.com/office/drawing/2010/main" xmlns="" w="9525">
+                <a14:hiddenLine xmlns="" xmlns:a14="http://schemas.microsoft.com/office/drawing/2010/main" w="9525">
                   <a:solidFill>
                     <a:srgbClr val="000000"/>
                   </a:solidFill>
@@ -1605,7 +1615,7 @@
             </a:ln>
             <a:extLst>
               <a:ext uri="{91240B29-F687-4f45-9708-019B960494DF}">
-                <a14:hiddenLine xmlns:a14="http://schemas.microsoft.com/office/drawing/2010/main" xmlns="" w="9525">
+                <a14:hiddenLine xmlns="" xmlns:a14="http://schemas.microsoft.com/office/drawing/2010/main" w="9525">
                   <a:solidFill>
                     <a:srgbClr val="000000"/>
                   </a:solidFill>
@@ -1695,7 +1705,7 @@
             </a:ln>
             <a:extLst>
               <a:ext uri="{91240B29-F687-4f45-9708-019B960494DF}">
-                <a14:hiddenLine xmlns:a14="http://schemas.microsoft.com/office/drawing/2010/main" xmlns="" w="9525">
+                <a14:hiddenLine xmlns="" xmlns:a14="http://schemas.microsoft.com/office/drawing/2010/main" w="9525">
                   <a:solidFill>
                     <a:srgbClr val="000000"/>
                   </a:solidFill>
@@ -1751,7 +1761,7 @@
             </a:ln>
             <a:extLst>
               <a:ext uri="{91240B29-F687-4f45-9708-019B960494DF}">
-                <a14:hiddenLine xmlns:a14="http://schemas.microsoft.com/office/drawing/2010/main" xmlns="" w="9525">
+                <a14:hiddenLine xmlns="" xmlns:a14="http://schemas.microsoft.com/office/drawing/2010/main" w="9525">
                   <a:solidFill>
                     <a:srgbClr val="000000"/>
                   </a:solidFill>
@@ -1841,7 +1851,7 @@
             </a:ln>
             <a:extLst>
               <a:ext uri="{91240B29-F687-4f45-9708-019B960494DF}">
-                <a14:hiddenLine xmlns:a14="http://schemas.microsoft.com/office/drawing/2010/main" xmlns="" w="9525">
+                <a14:hiddenLine xmlns="" xmlns:a14="http://schemas.microsoft.com/office/drawing/2010/main" w="9525">
                   <a:solidFill>
                     <a:srgbClr val="000000"/>
                   </a:solidFill>
@@ -1897,7 +1907,7 @@
             </a:ln>
             <a:extLst>
               <a:ext uri="{91240B29-F687-4f45-9708-019B960494DF}">
-                <a14:hiddenLine xmlns:a14="http://schemas.microsoft.com/office/drawing/2010/main" xmlns="" w="9525">
+                <a14:hiddenLine xmlns="" xmlns:a14="http://schemas.microsoft.com/office/drawing/2010/main" w="9525">
                   <a:solidFill>
                     <a:srgbClr val="000000"/>
                   </a:solidFill>
@@ -1987,7 +1997,7 @@
             </a:ln>
             <a:extLst>
               <a:ext uri="{91240B29-F687-4f45-9708-019B960494DF}">
-                <a14:hiddenLine xmlns:a14="http://schemas.microsoft.com/office/drawing/2010/main" xmlns="" w="9525">
+                <a14:hiddenLine xmlns="" xmlns:a14="http://schemas.microsoft.com/office/drawing/2010/main" w="9525">
                   <a:solidFill>
                     <a:srgbClr val="000000"/>
                   </a:solidFill>
@@ -2055,7 +2065,7 @@
             </a:ln>
             <a:extLst>
               <a:ext uri="{91240B29-F687-4f45-9708-019B960494DF}">
-                <a14:hiddenLine xmlns:a14="http://schemas.microsoft.com/office/drawing/2010/main" xmlns="" w="9525">
+                <a14:hiddenLine xmlns="" xmlns:a14="http://schemas.microsoft.com/office/drawing/2010/main" w="9525">
                   <a:solidFill>
                     <a:srgbClr val="000000"/>
                   </a:solidFill>
@@ -2145,7 +2155,7 @@
             </a:ln>
             <a:extLst>
               <a:ext uri="{91240B29-F687-4f45-9708-019B960494DF}">
-                <a14:hiddenLine xmlns:a14="http://schemas.microsoft.com/office/drawing/2010/main" xmlns="" w="9525">
+                <a14:hiddenLine xmlns="" xmlns:a14="http://schemas.microsoft.com/office/drawing/2010/main" w="9525">
                   <a:solidFill>
                     <a:srgbClr val="000000"/>
                   </a:solidFill>
@@ -2213,7 +2223,7 @@
             </a:ln>
             <a:extLst>
               <a:ext uri="{91240B29-F687-4f45-9708-019B960494DF}">
-                <a14:hiddenLine xmlns:a14="http://schemas.microsoft.com/office/drawing/2010/main" xmlns="" w="9525">
+                <a14:hiddenLine xmlns="" xmlns:a14="http://schemas.microsoft.com/office/drawing/2010/main" w="9525">
                   <a:solidFill>
                     <a:srgbClr val="000000"/>
                   </a:solidFill>
@@ -2303,7 +2313,7 @@
             </a:ln>
             <a:extLst>
               <a:ext uri="{91240B29-F687-4f45-9708-019B960494DF}">
-                <a14:hiddenLine xmlns:a14="http://schemas.microsoft.com/office/drawing/2010/main" xmlns="" w="9525">
+                <a14:hiddenLine xmlns="" xmlns:a14="http://schemas.microsoft.com/office/drawing/2010/main" w="9525">
                   <a:solidFill>
                     <a:srgbClr val="000000"/>
                   </a:solidFill>
@@ -2337,7 +2347,7 @@
             </a:ln>
             <a:extLst>
               <a:ext uri="{91240B29-F687-4f45-9708-019B960494DF}">
-                <a14:hiddenLine xmlns:a14="http://schemas.microsoft.com/office/drawing/2010/main" xmlns="" w="9525">
+                <a14:hiddenLine xmlns="" xmlns:a14="http://schemas.microsoft.com/office/drawing/2010/main" w="9525">
                   <a:solidFill>
                     <a:srgbClr val="000000"/>
                   </a:solidFill>
@@ -2427,7 +2437,7 @@
             </a:ln>
             <a:extLst>
               <a:ext uri="{91240B29-F687-4f45-9708-019B960494DF}">
-                <a14:hiddenLine xmlns:a14="http://schemas.microsoft.com/office/drawing/2010/main" xmlns="" w="9525">
+                <a14:hiddenLine xmlns="" xmlns:a14="http://schemas.microsoft.com/office/drawing/2010/main" w="9525">
                   <a:solidFill>
                     <a:srgbClr val="000000"/>
                   </a:solidFill>
@@ -2489,7 +2499,7 @@
             </a:ln>
             <a:extLst>
               <a:ext uri="{91240B29-F687-4f45-9708-019B960494DF}">
-                <a14:hiddenLine xmlns:a14="http://schemas.microsoft.com/office/drawing/2010/main" xmlns="" w="9525">
+                <a14:hiddenLine xmlns="" xmlns:a14="http://schemas.microsoft.com/office/drawing/2010/main" w="9525">
                   <a:solidFill>
                     <a:srgbClr val="000000"/>
                   </a:solidFill>
@@ -2551,7 +2561,7 @@
             </a:ln>
             <a:extLst>
               <a:ext uri="{91240B29-F687-4f45-9708-019B960494DF}">
-                <a14:hiddenLine xmlns:a14="http://schemas.microsoft.com/office/drawing/2010/main" xmlns="" w="9525">
+                <a14:hiddenLine xmlns="" xmlns:a14="http://schemas.microsoft.com/office/drawing/2010/main" w="9525">
                   <a:solidFill>
                     <a:srgbClr val="000000"/>
                   </a:solidFill>
@@ -2641,7 +2651,7 @@
             </a:ln>
             <a:extLst>
               <a:ext uri="{91240B29-F687-4f45-9708-019B960494DF}">
-                <a14:hiddenLine xmlns:a14="http://schemas.microsoft.com/office/drawing/2010/main" xmlns="" w="9525">
+                <a14:hiddenLine xmlns="" xmlns:a14="http://schemas.microsoft.com/office/drawing/2010/main" w="9525">
                   <a:solidFill>
                     <a:srgbClr val="000000"/>
                   </a:solidFill>
@@ -2709,7 +2719,7 @@
             </a:ln>
             <a:extLst>
               <a:ext uri="{91240B29-F687-4f45-9708-019B960494DF}">
-                <a14:hiddenLine xmlns:a14="http://schemas.microsoft.com/office/drawing/2010/main" xmlns="" w="9525">
+                <a14:hiddenLine xmlns="" xmlns:a14="http://schemas.microsoft.com/office/drawing/2010/main" w="9525">
                   <a:solidFill>
                     <a:srgbClr val="000000"/>
                   </a:solidFill>
@@ -2771,7 +2781,7 @@
             </a:ln>
             <a:extLst>
               <a:ext uri="{91240B29-F687-4f45-9708-019B960494DF}">
-                <a14:hiddenLine xmlns:a14="http://schemas.microsoft.com/office/drawing/2010/main" xmlns="" w="9525">
+                <a14:hiddenLine xmlns="" xmlns:a14="http://schemas.microsoft.com/office/drawing/2010/main" w="9525">
                   <a:solidFill>
                     <a:srgbClr val="000000"/>
                   </a:solidFill>
@@ -2861,7 +2871,7 @@
             </a:ln>
             <a:extLst>
               <a:ext uri="{91240B29-F687-4f45-9708-019B960494DF}">
-                <a14:hiddenLine xmlns:a14="http://schemas.microsoft.com/office/drawing/2010/main" xmlns="" w="9525">
+                <a14:hiddenLine xmlns="" xmlns:a14="http://schemas.microsoft.com/office/drawing/2010/main" w="9525">
                   <a:solidFill>
                     <a:srgbClr val="000000"/>
                   </a:solidFill>
@@ -2923,7 +2933,7 @@
             </a:ln>
             <a:extLst>
               <a:ext uri="{91240B29-F687-4f45-9708-019B960494DF}">
-                <a14:hiddenLine xmlns:a14="http://schemas.microsoft.com/office/drawing/2010/main" xmlns="" w="9525">
+                <a14:hiddenLine xmlns="" xmlns:a14="http://schemas.microsoft.com/office/drawing/2010/main" w="9525">
                   <a:solidFill>
                     <a:srgbClr val="000000"/>
                   </a:solidFill>
@@ -3013,7 +3023,7 @@
             </a:ln>
             <a:extLst>
               <a:ext uri="{91240B29-F687-4f45-9708-019B960494DF}">
-                <a14:hiddenLine xmlns:a14="http://schemas.microsoft.com/office/drawing/2010/main" xmlns="" w="9525">
+                <a14:hiddenLine xmlns="" xmlns:a14="http://schemas.microsoft.com/office/drawing/2010/main" w="9525">
                   <a:solidFill>
                     <a:srgbClr val="000000"/>
                   </a:solidFill>
@@ -3075,7 +3085,7 @@
             </a:ln>
             <a:extLst>
               <a:ext uri="{91240B29-F687-4f45-9708-019B960494DF}">
-                <a14:hiddenLine xmlns:a14="http://schemas.microsoft.com/office/drawing/2010/main" xmlns="" w="9525">
+                <a14:hiddenLine xmlns="" xmlns:a14="http://schemas.microsoft.com/office/drawing/2010/main" w="9525">
                   <a:solidFill>
                     <a:srgbClr val="000000"/>
                   </a:solidFill>
@@ -3165,7 +3175,7 @@
             </a:ln>
             <a:extLst>
               <a:ext uri="{91240B29-F687-4f45-9708-019B960494DF}">
-                <a14:hiddenLine xmlns:a14="http://schemas.microsoft.com/office/drawing/2010/main" xmlns="" w="9525">
+                <a14:hiddenLine xmlns="" xmlns:a14="http://schemas.microsoft.com/office/drawing/2010/main" w="9525">
                   <a:solidFill>
                     <a:srgbClr val="000000"/>
                   </a:solidFill>
@@ -3199,7 +3209,7 @@
             </a:ln>
             <a:extLst>
               <a:ext uri="{91240B29-F687-4f45-9708-019B960494DF}">
-                <a14:hiddenLine xmlns:a14="http://schemas.microsoft.com/office/drawing/2010/main" xmlns="" w="9525">
+                <a14:hiddenLine xmlns="" xmlns:a14="http://schemas.microsoft.com/office/drawing/2010/main" w="9525">
                   <a:solidFill>
                     <a:srgbClr val="000000"/>
                   </a:solidFill>
@@ -3264,7 +3274,7 @@
             </a:ln>
             <a:extLst>
               <a:ext uri="{91240B29-F687-4f45-9708-019B960494DF}">
-                <a14:hiddenLine xmlns:a14="http://schemas.microsoft.com/office/drawing/2010/main" xmlns="" w="9525">
+                <a14:hiddenLine xmlns="" xmlns:a14="http://schemas.microsoft.com/office/drawing/2010/main" w="9525">
                   <a:solidFill>
                     <a:srgbClr val="000000"/>
                   </a:solidFill>
@@ -3354,7 +3364,7 @@
             </a:ln>
             <a:extLst>
               <a:ext uri="{91240B29-F687-4f45-9708-019B960494DF}">
-                <a14:hiddenLine xmlns:a14="http://schemas.microsoft.com/office/drawing/2010/main" xmlns="" w="9525">
+                <a14:hiddenLine xmlns="" xmlns:a14="http://schemas.microsoft.com/office/drawing/2010/main" w="9525">
                   <a:solidFill>
                     <a:srgbClr val="000000"/>
                   </a:solidFill>
@@ -3416,7 +3426,7 @@
             </a:ln>
             <a:extLst>
               <a:ext uri="{91240B29-F687-4f45-9708-019B960494DF}">
-                <a14:hiddenLine xmlns:a14="http://schemas.microsoft.com/office/drawing/2010/main" xmlns="" w="9525">
+                <a14:hiddenLine xmlns="" xmlns:a14="http://schemas.microsoft.com/office/drawing/2010/main" w="9525">
                   <a:solidFill>
                     <a:srgbClr val="000000"/>
                   </a:solidFill>
@@ -3506,7 +3516,7 @@
             </a:ln>
             <a:extLst>
               <a:ext uri="{91240B29-F687-4f45-9708-019B960494DF}">
-                <a14:hiddenLine xmlns:a14="http://schemas.microsoft.com/office/drawing/2010/main" xmlns="" w="9525">
+                <a14:hiddenLine xmlns="" xmlns:a14="http://schemas.microsoft.com/office/drawing/2010/main" w="9525">
                   <a:solidFill>
                     <a:srgbClr val="000000"/>
                   </a:solidFill>
@@ -3596,7 +3606,7 @@
             </a:ln>
             <a:extLst>
               <a:ext uri="{91240B29-F687-4f45-9708-019B960494DF}">
-                <a14:hiddenLine xmlns:a14="http://schemas.microsoft.com/office/drawing/2010/main" xmlns="" w="9525">
+                <a14:hiddenLine xmlns="" xmlns:a14="http://schemas.microsoft.com/office/drawing/2010/main" w="9525">
                   <a:solidFill>
                     <a:srgbClr val="000000"/>
                   </a:solidFill>
@@ -3661,7 +3671,7 @@
             </a:ln>
             <a:extLst>
               <a:ext uri="{91240B29-F687-4f45-9708-019B960494DF}">
-                <a14:hiddenLine xmlns:a14="http://schemas.microsoft.com/office/drawing/2010/main" xmlns="" w="9525">
+                <a14:hiddenLine xmlns="" xmlns:a14="http://schemas.microsoft.com/office/drawing/2010/main" w="9525">
                   <a:solidFill>
                     <a:srgbClr val="000000"/>
                   </a:solidFill>
@@ -3723,7 +3733,7 @@
             </a:ln>
             <a:extLst>
               <a:ext uri="{91240B29-F687-4f45-9708-019B960494DF}">
-                <a14:hiddenLine xmlns:a14="http://schemas.microsoft.com/office/drawing/2010/main" xmlns="" w="9525">
+                <a14:hiddenLine xmlns="" xmlns:a14="http://schemas.microsoft.com/office/drawing/2010/main" w="9525">
                   <a:solidFill>
                     <a:srgbClr val="000000"/>
                   </a:solidFill>
@@ -3813,7 +3823,7 @@
             </a:ln>
             <a:extLst>
               <a:ext uri="{91240B29-F687-4f45-9708-019B960494DF}">
-                <a14:hiddenLine xmlns:a14="http://schemas.microsoft.com/office/drawing/2010/main" xmlns="" w="9525">
+                <a14:hiddenLine xmlns="" xmlns:a14="http://schemas.microsoft.com/office/drawing/2010/main" w="9525">
                   <a:solidFill>
                     <a:srgbClr val="000000"/>
                   </a:solidFill>
@@ -3903,7 +3913,7 @@
             </a:ln>
             <a:extLst>
               <a:ext uri="{91240B29-F687-4f45-9708-019B960494DF}">
-                <a14:hiddenLine xmlns:a14="http://schemas.microsoft.com/office/drawing/2010/main" xmlns="" w="9525">
+                <a14:hiddenLine xmlns="" xmlns:a14="http://schemas.microsoft.com/office/drawing/2010/main" w="9525">
                   <a:solidFill>
                     <a:srgbClr val="000000"/>
                   </a:solidFill>
@@ -3965,7 +3975,7 @@
             </a:ln>
             <a:extLst>
               <a:ext uri="{91240B29-F687-4f45-9708-019B960494DF}">
-                <a14:hiddenLine xmlns:a14="http://schemas.microsoft.com/office/drawing/2010/main" xmlns="" w="9525">
+                <a14:hiddenLine xmlns="" xmlns:a14="http://schemas.microsoft.com/office/drawing/2010/main" w="9525">
                   <a:solidFill>
                     <a:srgbClr val="000000"/>
                   </a:solidFill>
@@ -4085,7 +4095,7 @@
             </a:ln>
             <a:extLst>
               <a:ext uri="{91240B29-F687-4f45-9708-019B960494DF}">
-                <a14:hiddenLine xmlns:a14="http://schemas.microsoft.com/office/drawing/2010/main" xmlns="" w="9525">
+                <a14:hiddenLine xmlns="" xmlns:a14="http://schemas.microsoft.com/office/drawing/2010/main" w="9525">
                   <a:solidFill>
                     <a:srgbClr val="000000"/>
                   </a:solidFill>
@@ -4153,7 +4163,7 @@
             </a:ln>
             <a:extLst>
               <a:ext uri="{91240B29-F687-4f45-9708-019B960494DF}">
-                <a14:hiddenLine xmlns:a14="http://schemas.microsoft.com/office/drawing/2010/main" xmlns="" w="9525">
+                <a14:hiddenLine xmlns="" xmlns:a14="http://schemas.microsoft.com/office/drawing/2010/main" w="9525">
                   <a:solidFill>
                     <a:srgbClr val="000000"/>
                   </a:solidFill>
@@ -4243,7 +4253,7 @@
             </a:ln>
             <a:extLst>
               <a:ext uri="{91240B29-F687-4f45-9708-019B960494DF}">
-                <a14:hiddenLine xmlns:a14="http://schemas.microsoft.com/office/drawing/2010/main" xmlns="" w="9525">
+                <a14:hiddenLine xmlns="" xmlns:a14="http://schemas.microsoft.com/office/drawing/2010/main" w="9525">
                   <a:solidFill>
                     <a:srgbClr val="000000"/>
                   </a:solidFill>
@@ -4383,7 +4393,7 @@
           <a:p>
             <a:fld id="{AFC0772B-B1F5-4297-B0F2-E59C48C63404}" type="datetimeFigureOut">
               <a:rPr lang="en-AU" smtClean="0"/>
-              <a:t>11/07/2023</a:t>
+              <a:t>2/08/2023</a:t>
             </a:fld>
             <a:endParaRPr lang="en-AU"/>
           </a:p>
@@ -4650,7 +4660,7 @@
           <a:p>
             <a:fld id="{AFC0772B-B1F5-4297-B0F2-E59C48C63404}" type="datetimeFigureOut">
               <a:rPr lang="en-AU" smtClean="0"/>
-              <a:t>11/07/2023</a:t>
+              <a:t>2/08/2023</a:t>
             </a:fld>
             <a:endParaRPr lang="en-AU"/>
           </a:p>
@@ -4846,7 +4856,7 @@
           <a:p>
             <a:fld id="{AFC0772B-B1F5-4297-B0F2-E59C48C63404}" type="datetimeFigureOut">
               <a:rPr lang="en-AU" smtClean="0"/>
-              <a:t>11/07/2023</a:t>
+              <a:t>2/08/2023</a:t>
             </a:fld>
             <a:endParaRPr lang="en-AU"/>
           </a:p>
@@ -5109,7 +5119,7 @@
           <a:p>
             <a:fld id="{AFC0772B-B1F5-4297-B0F2-E59C48C63404}" type="datetimeFigureOut">
               <a:rPr lang="en-AU" smtClean="0"/>
-              <a:t>11/07/2023</a:t>
+              <a:t>2/08/2023</a:t>
             </a:fld>
             <a:endParaRPr lang="en-AU"/>
           </a:p>
@@ -5543,7 +5553,7 @@
           <a:p>
             <a:fld id="{AFC0772B-B1F5-4297-B0F2-E59C48C63404}" type="datetimeFigureOut">
               <a:rPr lang="en-AU" smtClean="0"/>
-              <a:t>11/07/2023</a:t>
+              <a:t>2/08/2023</a:t>
             </a:fld>
             <a:endParaRPr lang="en-AU"/>
           </a:p>
@@ -6089,7 +6099,7 @@
           <a:p>
             <a:fld id="{AFC0772B-B1F5-4297-B0F2-E59C48C63404}" type="datetimeFigureOut">
               <a:rPr lang="en-AU" smtClean="0"/>
-              <a:t>11/07/2023</a:t>
+              <a:t>2/08/2023</a:t>
             </a:fld>
             <a:endParaRPr lang="en-AU"/>
           </a:p>
@@ -6809,7 +6819,7 @@
           <a:p>
             <a:fld id="{AFC0772B-B1F5-4297-B0F2-E59C48C63404}" type="datetimeFigureOut">
               <a:rPr lang="en-AU" smtClean="0"/>
-              <a:t>11/07/2023</a:t>
+              <a:t>2/08/2023</a:t>
             </a:fld>
             <a:endParaRPr lang="en-AU"/>
           </a:p>
@@ -6979,7 +6989,7 @@
           <a:p>
             <a:fld id="{AFC0772B-B1F5-4297-B0F2-E59C48C63404}" type="datetimeFigureOut">
               <a:rPr lang="en-AU" smtClean="0"/>
-              <a:t>11/07/2023</a:t>
+              <a:t>2/08/2023</a:t>
             </a:fld>
             <a:endParaRPr lang="en-AU"/>
           </a:p>
@@ -7159,7 +7169,7 @@
           <a:p>
             <a:fld id="{AFC0772B-B1F5-4297-B0F2-E59C48C63404}" type="datetimeFigureOut">
               <a:rPr lang="en-AU" smtClean="0"/>
-              <a:t>11/07/2023</a:t>
+              <a:t>2/08/2023</a:t>
             </a:fld>
             <a:endParaRPr lang="en-AU"/>
           </a:p>
@@ -7329,7 +7339,7 @@
           <a:p>
             <a:fld id="{AFC0772B-B1F5-4297-B0F2-E59C48C63404}" type="datetimeFigureOut">
               <a:rPr lang="en-AU" smtClean="0"/>
-              <a:t>11/07/2023</a:t>
+              <a:t>2/08/2023</a:t>
             </a:fld>
             <a:endParaRPr lang="en-AU"/>
           </a:p>
@@ -7579,7 +7589,7 @@
           <a:p>
             <a:fld id="{AFC0772B-B1F5-4297-B0F2-E59C48C63404}" type="datetimeFigureOut">
               <a:rPr lang="en-AU" smtClean="0"/>
-              <a:t>11/07/2023</a:t>
+              <a:t>2/08/2023</a:t>
             </a:fld>
             <a:endParaRPr lang="en-AU"/>
           </a:p>
@@ -7811,7 +7821,7 @@
           <a:p>
             <a:fld id="{AFC0772B-B1F5-4297-B0F2-E59C48C63404}" type="datetimeFigureOut">
               <a:rPr lang="en-AU" smtClean="0"/>
-              <a:t>11/07/2023</a:t>
+              <a:t>2/08/2023</a:t>
             </a:fld>
             <a:endParaRPr lang="en-AU"/>
           </a:p>
@@ -8192,7 +8202,7 @@
           <a:p>
             <a:fld id="{AFC0772B-B1F5-4297-B0F2-E59C48C63404}" type="datetimeFigureOut">
               <a:rPr lang="en-AU" smtClean="0"/>
-              <a:t>11/07/2023</a:t>
+              <a:t>2/08/2023</a:t>
             </a:fld>
             <a:endParaRPr lang="en-AU"/>
           </a:p>
@@ -8310,7 +8320,7 @@
           <a:p>
             <a:fld id="{AFC0772B-B1F5-4297-B0F2-E59C48C63404}" type="datetimeFigureOut">
               <a:rPr lang="en-AU" smtClean="0"/>
-              <a:t>11/07/2023</a:t>
+              <a:t>2/08/2023</a:t>
             </a:fld>
             <a:endParaRPr lang="en-AU"/>
           </a:p>
@@ -8405,7 +8415,7 @@
           <a:p>
             <a:fld id="{AFC0772B-B1F5-4297-B0F2-E59C48C63404}" type="datetimeFigureOut">
               <a:rPr lang="en-AU" smtClean="0"/>
-              <a:t>11/07/2023</a:t>
+              <a:t>2/08/2023</a:t>
             </a:fld>
             <a:endParaRPr lang="en-AU"/>
           </a:p>
@@ -8654,7 +8664,7 @@
           <a:p>
             <a:fld id="{AFC0772B-B1F5-4297-B0F2-E59C48C63404}" type="datetimeFigureOut">
               <a:rPr lang="en-AU" smtClean="0"/>
-              <a:t>11/07/2023</a:t>
+              <a:t>2/08/2023</a:t>
             </a:fld>
             <a:endParaRPr lang="en-AU"/>
           </a:p>
@@ -8934,7 +8944,7 @@
           <a:p>
             <a:fld id="{AFC0772B-B1F5-4297-B0F2-E59C48C63404}" type="datetimeFigureOut">
               <a:rPr lang="en-AU" smtClean="0"/>
-              <a:t>11/07/2023</a:t>
+              <a:t>2/08/2023</a:t>
             </a:fld>
             <a:endParaRPr lang="en-AU"/>
           </a:p>
@@ -9050,7 +9060,7 @@
           <a:noFill/>
           <a:extLst>
             <a:ext uri="{909E8E84-426E-40dd-AFC4-6F175D3DCCD1}">
-              <a14:hiddenFill xmlns:a14="http://schemas.microsoft.com/office/drawing/2010/main" xmlns="">
+              <a14:hiddenFill xmlns="" xmlns:a14="http://schemas.microsoft.com/office/drawing/2010/main">
                 <a:solidFill>
                   <a:srgbClr val="FFFFFF"/>
                 </a:solidFill>
@@ -9124,7 +9134,7 @@
               </a:ln>
               <a:extLst>
                 <a:ext uri="{91240B29-F687-4f45-9708-019B960494DF}">
-                  <a14:hiddenLine xmlns:a14="http://schemas.microsoft.com/office/drawing/2010/main" xmlns="" w="9525">
+                  <a14:hiddenLine xmlns="" xmlns:a14="http://schemas.microsoft.com/office/drawing/2010/main" w="9525">
                     <a:solidFill>
                       <a:srgbClr val="000000"/>
                     </a:solidFill>
@@ -9214,7 +9224,7 @@
               </a:ln>
               <a:extLst>
                 <a:ext uri="{91240B29-F687-4f45-9708-019B960494DF}">
-                  <a14:hiddenLine xmlns:a14="http://schemas.microsoft.com/office/drawing/2010/main" xmlns="" w="9525">
+                  <a14:hiddenLine xmlns="" xmlns:a14="http://schemas.microsoft.com/office/drawing/2010/main" w="9525">
                     <a:solidFill>
                       <a:srgbClr val="000000"/>
                     </a:solidFill>
@@ -9304,7 +9314,7 @@
               </a:ln>
               <a:extLst>
                 <a:ext uri="{91240B29-F687-4f45-9708-019B960494DF}">
-                  <a14:hiddenLine xmlns:a14="http://schemas.microsoft.com/office/drawing/2010/main" xmlns="" w="9525">
+                  <a14:hiddenLine xmlns="" xmlns:a14="http://schemas.microsoft.com/office/drawing/2010/main" w="9525">
                     <a:solidFill>
                       <a:srgbClr val="000000"/>
                     </a:solidFill>
@@ -9366,7 +9376,7 @@
               </a:ln>
               <a:extLst>
                 <a:ext uri="{91240B29-F687-4f45-9708-019B960494DF}">
-                  <a14:hiddenLine xmlns:a14="http://schemas.microsoft.com/office/drawing/2010/main" xmlns="" w="9525">
+                  <a14:hiddenLine xmlns="" xmlns:a14="http://schemas.microsoft.com/office/drawing/2010/main" w="9525">
                     <a:solidFill>
                       <a:srgbClr val="000000"/>
                     </a:solidFill>
@@ -9456,7 +9466,7 @@
               </a:ln>
               <a:extLst>
                 <a:ext uri="{91240B29-F687-4f45-9708-019B960494DF}">
-                  <a14:hiddenLine xmlns:a14="http://schemas.microsoft.com/office/drawing/2010/main" xmlns="" w="9525">
+                  <a14:hiddenLine xmlns="" xmlns:a14="http://schemas.microsoft.com/office/drawing/2010/main" w="9525">
                     <a:solidFill>
                       <a:srgbClr val="000000"/>
                     </a:solidFill>
@@ -9518,7 +9528,7 @@
               </a:ln>
               <a:extLst>
                 <a:ext uri="{91240B29-F687-4f45-9708-019B960494DF}">
-                  <a14:hiddenLine xmlns:a14="http://schemas.microsoft.com/office/drawing/2010/main" xmlns="" w="9525">
+                  <a14:hiddenLine xmlns="" xmlns:a14="http://schemas.microsoft.com/office/drawing/2010/main" w="9525">
                     <a:solidFill>
                       <a:srgbClr val="000000"/>
                     </a:solidFill>
@@ -9580,7 +9590,7 @@
               </a:ln>
               <a:extLst>
                 <a:ext uri="{91240B29-F687-4f45-9708-019B960494DF}">
-                  <a14:hiddenLine xmlns:a14="http://schemas.microsoft.com/office/drawing/2010/main" xmlns="" w="9525">
+                  <a14:hiddenLine xmlns="" xmlns:a14="http://schemas.microsoft.com/office/drawing/2010/main" w="9525">
                     <a:solidFill>
                       <a:srgbClr val="000000"/>
                     </a:solidFill>
@@ -9670,7 +9680,7 @@
               </a:ln>
               <a:extLst>
                 <a:ext uri="{91240B29-F687-4f45-9708-019B960494DF}">
-                  <a14:hiddenLine xmlns:a14="http://schemas.microsoft.com/office/drawing/2010/main" xmlns="" w="9525">
+                  <a14:hiddenLine xmlns="" xmlns:a14="http://schemas.microsoft.com/office/drawing/2010/main" w="9525">
                     <a:solidFill>
                       <a:srgbClr val="000000"/>
                     </a:solidFill>
@@ -9760,7 +9770,7 @@
               </a:ln>
               <a:extLst>
                 <a:ext uri="{91240B29-F687-4f45-9708-019B960494DF}">
-                  <a14:hiddenLine xmlns:a14="http://schemas.microsoft.com/office/drawing/2010/main" xmlns="" w="9525">
+                  <a14:hiddenLine xmlns="" xmlns:a14="http://schemas.microsoft.com/office/drawing/2010/main" w="9525">
                     <a:solidFill>
                       <a:srgbClr val="000000"/>
                     </a:solidFill>
@@ -9822,7 +9832,7 @@
               </a:ln>
               <a:extLst>
                 <a:ext uri="{91240B29-F687-4f45-9708-019B960494DF}">
-                  <a14:hiddenLine xmlns:a14="http://schemas.microsoft.com/office/drawing/2010/main" xmlns="" w="9525">
+                  <a14:hiddenLine xmlns="" xmlns:a14="http://schemas.microsoft.com/office/drawing/2010/main" w="9525">
                     <a:solidFill>
                       <a:srgbClr val="000000"/>
                     </a:solidFill>
@@ -9932,7 +9942,7 @@
               </a:ln>
               <a:extLst>
                 <a:ext uri="{91240B29-F687-4f45-9708-019B960494DF}">
-                  <a14:hiddenLine xmlns:a14="http://schemas.microsoft.com/office/drawing/2010/main" xmlns="" w="9525">
+                  <a14:hiddenLine xmlns="" xmlns:a14="http://schemas.microsoft.com/office/drawing/2010/main" w="9525">
                     <a:solidFill>
                       <a:srgbClr val="000000"/>
                     </a:solidFill>
@@ -10016,7 +10026,7 @@
               </a:ln>
               <a:extLst>
                 <a:ext uri="{91240B29-F687-4f45-9708-019B960494DF}">
-                  <a14:hiddenLine xmlns:a14="http://schemas.microsoft.com/office/drawing/2010/main" xmlns="" w="9525">
+                  <a14:hiddenLine xmlns="" xmlns:a14="http://schemas.microsoft.com/office/drawing/2010/main" w="9525">
                     <a:solidFill>
                       <a:srgbClr val="000000"/>
                     </a:solidFill>
@@ -10078,7 +10088,7 @@
               </a:ln>
               <a:extLst>
                 <a:ext uri="{91240B29-F687-4f45-9708-019B960494DF}">
-                  <a14:hiddenLine xmlns:a14="http://schemas.microsoft.com/office/drawing/2010/main" xmlns="" w="9525">
+                  <a14:hiddenLine xmlns="" xmlns:a14="http://schemas.microsoft.com/office/drawing/2010/main" w="9525">
                     <a:solidFill>
                       <a:srgbClr val="000000"/>
                     </a:solidFill>
@@ -10140,7 +10150,7 @@
               </a:ln>
               <a:extLst>
                 <a:ext uri="{91240B29-F687-4f45-9708-019B960494DF}">
-                  <a14:hiddenLine xmlns:a14="http://schemas.microsoft.com/office/drawing/2010/main" xmlns="" w="9525">
+                  <a14:hiddenLine xmlns="" xmlns:a14="http://schemas.microsoft.com/office/drawing/2010/main" w="9525">
                     <a:solidFill>
                       <a:srgbClr val="000000"/>
                     </a:solidFill>
@@ -10230,7 +10240,7 @@
               </a:ln>
               <a:extLst>
                 <a:ext uri="{91240B29-F687-4f45-9708-019B960494DF}">
-                  <a14:hiddenLine xmlns:a14="http://schemas.microsoft.com/office/drawing/2010/main" xmlns="" w="9525">
+                  <a14:hiddenLine xmlns="" xmlns:a14="http://schemas.microsoft.com/office/drawing/2010/main" w="9525">
                     <a:solidFill>
                       <a:srgbClr val="000000"/>
                     </a:solidFill>
@@ -10264,7 +10274,7 @@
               </a:ln>
               <a:extLst>
                 <a:ext uri="{91240B29-F687-4f45-9708-019B960494DF}">
-                  <a14:hiddenLine xmlns:a14="http://schemas.microsoft.com/office/drawing/2010/main" xmlns="" w="9525">
+                  <a14:hiddenLine xmlns="" xmlns:a14="http://schemas.microsoft.com/office/drawing/2010/main" w="9525">
                     <a:solidFill>
                       <a:srgbClr val="000000"/>
                     </a:solidFill>
@@ -10329,7 +10339,7 @@
               </a:ln>
               <a:extLst>
                 <a:ext uri="{91240B29-F687-4f45-9708-019B960494DF}">
-                  <a14:hiddenLine xmlns:a14="http://schemas.microsoft.com/office/drawing/2010/main" xmlns="" w="9525">
+                  <a14:hiddenLine xmlns="" xmlns:a14="http://schemas.microsoft.com/office/drawing/2010/main" w="9525">
                     <a:solidFill>
                       <a:srgbClr val="000000"/>
                     </a:solidFill>
@@ -10419,7 +10429,7 @@
               </a:ln>
               <a:extLst>
                 <a:ext uri="{91240B29-F687-4f45-9708-019B960494DF}">
-                  <a14:hiddenLine xmlns:a14="http://schemas.microsoft.com/office/drawing/2010/main" xmlns="" w="9525">
+                  <a14:hiddenLine xmlns="" xmlns:a14="http://schemas.microsoft.com/office/drawing/2010/main" w="9525">
                     <a:solidFill>
                       <a:srgbClr val="000000"/>
                     </a:solidFill>
@@ -10481,7 +10491,7 @@
               </a:ln>
               <a:extLst>
                 <a:ext uri="{91240B29-F687-4f45-9708-019B960494DF}">
-                  <a14:hiddenLine xmlns:a14="http://schemas.microsoft.com/office/drawing/2010/main" xmlns="" w="9525">
+                  <a14:hiddenLine xmlns="" xmlns:a14="http://schemas.microsoft.com/office/drawing/2010/main" w="9525">
                     <a:solidFill>
                       <a:srgbClr val="000000"/>
                     </a:solidFill>
@@ -10571,7 +10581,7 @@
               </a:ln>
               <a:extLst>
                 <a:ext uri="{91240B29-F687-4f45-9708-019B960494DF}">
-                  <a14:hiddenLine xmlns:a14="http://schemas.microsoft.com/office/drawing/2010/main" xmlns="" w="9525">
+                  <a14:hiddenLine xmlns="" xmlns:a14="http://schemas.microsoft.com/office/drawing/2010/main" w="9525">
                     <a:solidFill>
                       <a:srgbClr val="000000"/>
                     </a:solidFill>
@@ -10636,7 +10646,7 @@
               </a:ln>
               <a:extLst>
                 <a:ext uri="{91240B29-F687-4f45-9708-019B960494DF}">
-                  <a14:hiddenLine xmlns:a14="http://schemas.microsoft.com/office/drawing/2010/main" xmlns="" w="9525">
+                  <a14:hiddenLine xmlns="" xmlns:a14="http://schemas.microsoft.com/office/drawing/2010/main" w="9525">
                     <a:solidFill>
                       <a:srgbClr val="000000"/>
                     </a:solidFill>
@@ -10698,7 +10708,7 @@
               </a:ln>
               <a:extLst>
                 <a:ext uri="{91240B29-F687-4f45-9708-019B960494DF}">
-                  <a14:hiddenLine xmlns:a14="http://schemas.microsoft.com/office/drawing/2010/main" xmlns="" w="9525">
+                  <a14:hiddenLine xmlns="" xmlns:a14="http://schemas.microsoft.com/office/drawing/2010/main" w="9525">
                     <a:solidFill>
                       <a:srgbClr val="000000"/>
                     </a:solidFill>
@@ -10788,7 +10798,7 @@
               </a:ln>
               <a:extLst>
                 <a:ext uri="{91240B29-F687-4f45-9708-019B960494DF}">
-                  <a14:hiddenLine xmlns:a14="http://schemas.microsoft.com/office/drawing/2010/main" xmlns="" w="9525">
+                  <a14:hiddenLine xmlns="" xmlns:a14="http://schemas.microsoft.com/office/drawing/2010/main" w="9525">
                     <a:solidFill>
                       <a:srgbClr val="000000"/>
                     </a:solidFill>
@@ -10878,7 +10888,7 @@
               </a:ln>
               <a:extLst>
                 <a:ext uri="{91240B29-F687-4f45-9708-019B960494DF}">
-                  <a14:hiddenLine xmlns:a14="http://schemas.microsoft.com/office/drawing/2010/main" xmlns="" w="9525">
+                  <a14:hiddenLine xmlns="" xmlns:a14="http://schemas.microsoft.com/office/drawing/2010/main" w="9525">
                     <a:solidFill>
                       <a:srgbClr val="000000"/>
                     </a:solidFill>
@@ -10943,7 +10953,7 @@
               </a:ln>
               <a:extLst>
                 <a:ext uri="{91240B29-F687-4f45-9708-019B960494DF}">
-                  <a14:hiddenLine xmlns:a14="http://schemas.microsoft.com/office/drawing/2010/main" xmlns="" w="9525">
+                  <a14:hiddenLine xmlns="" xmlns:a14="http://schemas.microsoft.com/office/drawing/2010/main" w="9525">
                     <a:solidFill>
                       <a:srgbClr val="000000"/>
                     </a:solidFill>
@@ -11063,7 +11073,7 @@
               </a:ln>
               <a:extLst>
                 <a:ext uri="{91240B29-F687-4f45-9708-019B960494DF}">
-                  <a14:hiddenLine xmlns:a14="http://schemas.microsoft.com/office/drawing/2010/main" xmlns="" w="9525">
+                  <a14:hiddenLine xmlns="" xmlns:a14="http://schemas.microsoft.com/office/drawing/2010/main" w="9525">
                     <a:solidFill>
                       <a:srgbClr val="000000"/>
                     </a:solidFill>
@@ -11161,7 +11171,7 @@
               </a:ln>
               <a:extLst>
                 <a:ext uri="{91240B29-F687-4f45-9708-019B960494DF}">
-                  <a14:hiddenLine xmlns:a14="http://schemas.microsoft.com/office/drawing/2010/main" xmlns="" w="9525">
+                  <a14:hiddenLine xmlns="" xmlns:a14="http://schemas.microsoft.com/office/drawing/2010/main" w="9525">
                     <a:solidFill>
                       <a:srgbClr val="000000"/>
                     </a:solidFill>
@@ -11276,7 +11286,7 @@
               </a:ln>
               <a:extLst>
                 <a:ext uri="{91240B29-F687-4f45-9708-019B960494DF}">
-                  <a14:hiddenLine xmlns:a14="http://schemas.microsoft.com/office/drawing/2010/main" xmlns="" w="9525">
+                  <a14:hiddenLine xmlns="" xmlns:a14="http://schemas.microsoft.com/office/drawing/2010/main" w="9525">
                     <a:solidFill>
                       <a:srgbClr val="000000"/>
                     </a:solidFill>
@@ -11366,7 +11376,7 @@
               </a:ln>
               <a:extLst>
                 <a:ext uri="{91240B29-F687-4f45-9708-019B960494DF}">
-                  <a14:hiddenLine xmlns:a14="http://schemas.microsoft.com/office/drawing/2010/main" xmlns="" w="9525">
+                  <a14:hiddenLine xmlns="" xmlns:a14="http://schemas.microsoft.com/office/drawing/2010/main" w="9525">
                     <a:solidFill>
                       <a:srgbClr val="000000"/>
                     </a:solidFill>
@@ -11431,7 +11441,7 @@
               </a:ln>
               <a:extLst>
                 <a:ext uri="{91240B29-F687-4f45-9708-019B960494DF}">
-                  <a14:hiddenLine xmlns:a14="http://schemas.microsoft.com/office/drawing/2010/main" xmlns="" w="9525">
+                  <a14:hiddenLine xmlns="" xmlns:a14="http://schemas.microsoft.com/office/drawing/2010/main" w="9525">
                     <a:solidFill>
                       <a:srgbClr val="000000"/>
                     </a:solidFill>
@@ -11521,7 +11531,7 @@
               </a:ln>
               <a:extLst>
                 <a:ext uri="{91240B29-F687-4f45-9708-019B960494DF}">
-                  <a14:hiddenLine xmlns:a14="http://schemas.microsoft.com/office/drawing/2010/main" xmlns="" w="9525">
+                  <a14:hiddenLine xmlns="" xmlns:a14="http://schemas.microsoft.com/office/drawing/2010/main" w="9525">
                     <a:solidFill>
                       <a:srgbClr val="000000"/>
                     </a:solidFill>
@@ -11589,7 +11599,7 @@
               </a:ln>
               <a:extLst>
                 <a:ext uri="{91240B29-F687-4f45-9708-019B960494DF}">
-                  <a14:hiddenLine xmlns:a14="http://schemas.microsoft.com/office/drawing/2010/main" xmlns="" w="9525">
+                  <a14:hiddenLine xmlns="" xmlns:a14="http://schemas.microsoft.com/office/drawing/2010/main" w="9525">
                     <a:solidFill>
                       <a:srgbClr val="000000"/>
                     </a:solidFill>
@@ -11679,7 +11689,7 @@
               </a:ln>
               <a:extLst>
                 <a:ext uri="{91240B29-F687-4f45-9708-019B960494DF}">
-                  <a14:hiddenLine xmlns:a14="http://schemas.microsoft.com/office/drawing/2010/main" xmlns="" w="9525">
+                  <a14:hiddenLine xmlns="" xmlns:a14="http://schemas.microsoft.com/office/drawing/2010/main" w="9525">
                     <a:solidFill>
                       <a:srgbClr val="000000"/>
                     </a:solidFill>
@@ -11747,7 +11757,7 @@
               </a:ln>
               <a:extLst>
                 <a:ext uri="{91240B29-F687-4f45-9708-019B960494DF}">
-                  <a14:hiddenLine xmlns:a14="http://schemas.microsoft.com/office/drawing/2010/main" xmlns="" w="9525">
+                  <a14:hiddenLine xmlns="" xmlns:a14="http://schemas.microsoft.com/office/drawing/2010/main" w="9525">
                     <a:solidFill>
                       <a:srgbClr val="000000"/>
                     </a:solidFill>
@@ -11837,7 +11847,7 @@
               </a:ln>
               <a:extLst>
                 <a:ext uri="{91240B29-F687-4f45-9708-019B960494DF}">
-                  <a14:hiddenLine xmlns:a14="http://schemas.microsoft.com/office/drawing/2010/main" xmlns="" w="9525">
+                  <a14:hiddenLine xmlns="" xmlns:a14="http://schemas.microsoft.com/office/drawing/2010/main" w="9525">
                     <a:solidFill>
                       <a:srgbClr val="000000"/>
                     </a:solidFill>
@@ -11871,7 +11881,7 @@
               </a:ln>
               <a:extLst>
                 <a:ext uri="{91240B29-F687-4f45-9708-019B960494DF}">
-                  <a14:hiddenLine xmlns:a14="http://schemas.microsoft.com/office/drawing/2010/main" xmlns="" w="9525">
+                  <a14:hiddenLine xmlns="" xmlns:a14="http://schemas.microsoft.com/office/drawing/2010/main" w="9525">
                     <a:solidFill>
                       <a:srgbClr val="000000"/>
                     </a:solidFill>
@@ -12011,7 +12021,7 @@
           <a:p>
             <a:fld id="{AFC0772B-B1F5-4297-B0F2-E59C48C63404}" type="datetimeFigureOut">
               <a:rPr lang="en-AU" smtClean="0"/>
-              <a:t>11/07/2023</a:t>
+              <a:t>2/08/2023</a:t>
             </a:fld>
             <a:endParaRPr lang="en-AU"/>
           </a:p>
@@ -12452,7 +12462,11 @@
           <a:bodyPr/>
           <a:lstStyle/>
           <a:p>
-            <a:endParaRPr lang="en-AU"/>
+            <a:r>
+              <a:rPr lang="en-US" dirty="0"/>
+              <a:t>Video Game Industry Analyses</a:t>
+            </a:r>
+            <a:endParaRPr lang="en-AU" dirty="0"/>
           </a:p>
         </p:txBody>
       </p:sp>
@@ -12477,7 +12491,11 @@
           <a:bodyPr/>
           <a:lstStyle/>
           <a:p>
-            <a:endParaRPr lang="en-AU"/>
+            <a:r>
+              <a:rPr lang="en-US" dirty="0"/>
+              <a:t>By Richard Pountney</a:t>
+            </a:r>
+            <a:endParaRPr lang="en-AU" dirty="0"/>
           </a:p>
         </p:txBody>
       </p:sp>
@@ -12485,6 +12503,606 @@
     <p:extLst>
       <p:ext uri="{BB962C8B-B14F-4D97-AF65-F5344CB8AC3E}">
         <p14:creationId xmlns:p14="http://schemas.microsoft.com/office/powerpoint/2010/main" val="954772907"/>
+      </p:ext>
+    </p:extLst>
+  </p:cSld>
+  <p:clrMapOvr>
+    <a:masterClrMapping/>
+  </p:clrMapOvr>
+</p:sld>
+</file>
+
+<file path=ppt/slides/slide2.xml><?xml version="1.0" encoding="utf-8"?>
+<p:sld xmlns:a="http://schemas.openxmlformats.org/drawingml/2006/main" xmlns:r="http://schemas.openxmlformats.org/officeDocument/2006/relationships" xmlns:p="http://schemas.openxmlformats.org/presentationml/2006/main">
+  <p:cSld>
+    <p:spTree>
+      <p:nvGrpSpPr>
+        <p:cNvPr id="1" name=""/>
+        <p:cNvGrpSpPr/>
+        <p:nvPr/>
+      </p:nvGrpSpPr>
+      <p:grpSpPr>
+        <a:xfrm>
+          <a:off x="0" y="0"/>
+          <a:ext cx="0" cy="0"/>
+          <a:chOff x="0" y="0"/>
+          <a:chExt cx="0" cy="0"/>
+        </a:xfrm>
+      </p:grpSpPr>
+      <p:sp>
+        <p:nvSpPr>
+          <p:cNvPr id="2" name="Title 1">
+            <a:extLst>
+              <a:ext uri="{FF2B5EF4-FFF2-40B4-BE49-F238E27FC236}">
+                <a16:creationId xmlns:a16="http://schemas.microsoft.com/office/drawing/2014/main" id="{2E616363-F497-BDCF-6A96-AE29282375FE}"/>
+              </a:ext>
+            </a:extLst>
+          </p:cNvPr>
+          <p:cNvSpPr>
+            <a:spLocks noGrp="1"/>
+          </p:cNvSpPr>
+          <p:nvPr>
+            <p:ph type="title"/>
+          </p:nvPr>
+        </p:nvSpPr>
+        <p:spPr/>
+        <p:txBody>
+          <a:bodyPr/>
+          <a:lstStyle/>
+          <a:p>
+            <a:pPr algn="ctr"/>
+            <a:r>
+              <a:rPr lang="en-US" dirty="0"/>
+              <a:t>Before the first Gen of home consoles</a:t>
+            </a:r>
+            <a:endParaRPr lang="en-AU" dirty="0"/>
+          </a:p>
+        </p:txBody>
+      </p:sp>
+      <p:sp>
+        <p:nvSpPr>
+          <p:cNvPr id="3" name="Content Placeholder 2">
+            <a:extLst>
+              <a:ext uri="{FF2B5EF4-FFF2-40B4-BE49-F238E27FC236}">
+                <a16:creationId xmlns:a16="http://schemas.microsoft.com/office/drawing/2014/main" id="{CA127AC0-F5D7-D4C2-B683-DEB871EE5278}"/>
+              </a:ext>
+            </a:extLst>
+          </p:cNvPr>
+          <p:cNvSpPr>
+            <a:spLocks noGrp="1"/>
+          </p:cNvSpPr>
+          <p:nvPr>
+            <p:ph idx="1"/>
+          </p:nvPr>
+        </p:nvSpPr>
+        <p:spPr>
+          <a:xfrm>
+            <a:off x="708865" y="2097088"/>
+            <a:ext cx="10771093" cy="4142394"/>
+          </a:xfrm>
+        </p:spPr>
+        <p:txBody>
+          <a:bodyPr>
+            <a:normAutofit lnSpcReduction="10000"/>
+          </a:bodyPr>
+          <a:lstStyle/>
+          <a:p>
+            <a:r>
+              <a:rPr lang="en-US" sz="2000" dirty="0"/>
+              <a:t>There were old fashion PCs that are very primitive compared to modern-day ones.</a:t>
+            </a:r>
+          </a:p>
+          <a:p>
+            <a:r>
+              <a:rPr lang="en-AU" sz="2000" dirty="0"/>
+              <a:t>In 1945 John von Neumann wrote the </a:t>
+            </a:r>
+            <a:r>
+              <a:rPr lang="en-AU" sz="2000" i="1" dirty="0"/>
+              <a:t>First Draft of a Report on the EDVAC</a:t>
+            </a:r>
+          </a:p>
+          <a:p>
+            <a:pPr lvl="1"/>
+            <a:r>
+              <a:rPr lang="en-AU" sz="1800" dirty="0"/>
+              <a:t>He outlines the architecture of a stored-program computer, this included electronic storage of programming data &amp; information. This would eliminate the need for the more clumsy methods of programming such as plugboards, punched cards &amp; paper.</a:t>
+            </a:r>
+          </a:p>
+          <a:p>
+            <a:r>
+              <a:rPr lang="en-AU" sz="2000" dirty="0"/>
+              <a:t>In 1947 The first bug was found</a:t>
+            </a:r>
+          </a:p>
+          <a:p>
+            <a:pPr lvl="1"/>
+            <a:r>
+              <a:rPr lang="en-AU" sz="1800" dirty="0"/>
+              <a:t>Grace Hopper records what she jokingly called the first actual computer bug. This was a moth stuck between relay contacts of the Harvard Mark II.</a:t>
+            </a:r>
+          </a:p>
+          <a:p>
+            <a:pPr lvl="1"/>
+            <a:r>
+              <a:rPr lang="en-AU" sz="1800" dirty="0"/>
+              <a:t>Grace Hopper served on the committee to develop COBOL, which is a standard &amp; widely adopted programming language that had transformed the way software was developed for business applications. COBOL is still used today</a:t>
+            </a:r>
+          </a:p>
+        </p:txBody>
+      </p:sp>
+    </p:spTree>
+    <p:extLst>
+      <p:ext uri="{BB962C8B-B14F-4D97-AF65-F5344CB8AC3E}">
+        <p14:creationId xmlns:p14="http://schemas.microsoft.com/office/powerpoint/2010/main" val="2736236886"/>
+      </p:ext>
+    </p:extLst>
+  </p:cSld>
+  <p:clrMapOvr>
+    <a:masterClrMapping/>
+  </p:clrMapOvr>
+</p:sld>
+</file>
+
+<file path=ppt/slides/slide3.xml><?xml version="1.0" encoding="utf-8"?>
+<p:sld xmlns:a="http://schemas.openxmlformats.org/drawingml/2006/main" xmlns:r="http://schemas.openxmlformats.org/officeDocument/2006/relationships" xmlns:p="http://schemas.openxmlformats.org/presentationml/2006/main">
+  <p:cSld>
+    <p:spTree>
+      <p:nvGrpSpPr>
+        <p:cNvPr id="1" name=""/>
+        <p:cNvGrpSpPr/>
+        <p:nvPr/>
+      </p:nvGrpSpPr>
+      <p:grpSpPr>
+        <a:xfrm>
+          <a:off x="0" y="0"/>
+          <a:ext cx="0" cy="0"/>
+          <a:chOff x="0" y="0"/>
+          <a:chExt cx="0" cy="0"/>
+        </a:xfrm>
+      </p:grpSpPr>
+      <p:sp>
+        <p:nvSpPr>
+          <p:cNvPr id="2" name="Title 1">
+            <a:extLst>
+              <a:ext uri="{FF2B5EF4-FFF2-40B4-BE49-F238E27FC236}">
+                <a16:creationId xmlns:a16="http://schemas.microsoft.com/office/drawing/2014/main" id="{1F23FE7C-F124-6D50-3B3D-47BFC096C168}"/>
+              </a:ext>
+            </a:extLst>
+          </p:cNvPr>
+          <p:cNvSpPr>
+            <a:spLocks noGrp="1"/>
+          </p:cNvSpPr>
+          <p:nvPr>
+            <p:ph type="title"/>
+          </p:nvPr>
+        </p:nvSpPr>
+        <p:spPr/>
+        <p:txBody>
+          <a:bodyPr/>
+          <a:lstStyle/>
+          <a:p>
+            <a:pPr algn="ctr"/>
+            <a:r>
+              <a:rPr lang="en-US" dirty="0"/>
+              <a:t>Before the first Gen of home consoles continued</a:t>
+            </a:r>
+            <a:endParaRPr lang="en-AU" dirty="0"/>
+          </a:p>
+        </p:txBody>
+      </p:sp>
+      <p:sp>
+        <p:nvSpPr>
+          <p:cNvPr id="3" name="Content Placeholder 2">
+            <a:extLst>
+              <a:ext uri="{FF2B5EF4-FFF2-40B4-BE49-F238E27FC236}">
+                <a16:creationId xmlns:a16="http://schemas.microsoft.com/office/drawing/2014/main" id="{E8438207-981F-47ED-0677-0F6ACC76F1F6}"/>
+              </a:ext>
+            </a:extLst>
+          </p:cNvPr>
+          <p:cNvSpPr>
+            <a:spLocks noGrp="1"/>
+          </p:cNvSpPr>
+          <p:nvPr>
+            <p:ph idx="1"/>
+          </p:nvPr>
+        </p:nvSpPr>
+        <p:spPr>
+          <a:xfrm>
+            <a:off x="717176" y="2097088"/>
+            <a:ext cx="10757647" cy="4290265"/>
+          </a:xfrm>
+        </p:spPr>
+        <p:txBody>
+          <a:bodyPr>
+            <a:normAutofit/>
+          </a:bodyPr>
+          <a:lstStyle/>
+          <a:p>
+            <a:r>
+              <a:rPr lang="en-US" sz="2000" dirty="0"/>
+              <a:t>1948 was when the first program to run on a computer happened.</a:t>
+            </a:r>
+          </a:p>
+          <a:p>
+            <a:r>
+              <a:rPr lang="en-AU" sz="2000" dirty="0"/>
+              <a:t>1949 was a big accomplishment in technology, this is because:</a:t>
+            </a:r>
+          </a:p>
+          <a:p>
+            <a:pPr lvl="1"/>
+            <a:r>
+              <a:rPr lang="en-AU" sz="1800" dirty="0"/>
+              <a:t>Magnetic core memory was developed. This was the first reliable high-speed random-access memory (RAM). This was used well into the 1970s.</a:t>
+            </a:r>
+          </a:p>
+          <a:p>
+            <a:pPr lvl="1"/>
+            <a:r>
+              <a:rPr lang="en-AU" sz="1800" dirty="0"/>
+              <a:t>The Electronic Delay Storage Automation Calculator (EDSAC) was constructed &amp; Completed.</a:t>
+            </a:r>
+          </a:p>
+          <a:p>
+            <a:r>
+              <a:rPr lang="en-AU" sz="2000" dirty="0"/>
+              <a:t>In 1952 OXO was made.</a:t>
+            </a:r>
+          </a:p>
+          <a:p>
+            <a:pPr lvl="1"/>
+            <a:r>
+              <a:rPr lang="en-AU" sz="1800" dirty="0"/>
+              <a:t>OXO is a version of tic-tac-toe that was written on the EDSAC.</a:t>
+            </a:r>
+          </a:p>
+          <a:p>
+            <a:pPr lvl="1"/>
+            <a:r>
+              <a:rPr lang="en-AU" sz="1800" dirty="0"/>
+              <a:t>It used rotary telephone dials to enter the moves from the player.</a:t>
+            </a:r>
+          </a:p>
+          <a:p>
+            <a:pPr lvl="1"/>
+            <a:r>
+              <a:rPr lang="en-AU" sz="1800" dirty="0"/>
+              <a:t>The game board display was a 35x15 dot cathode ray tube. </a:t>
+            </a:r>
+          </a:p>
+          <a:p>
+            <a:pPr lvl="1"/>
+            <a:r>
+              <a:rPr lang="en-AU" sz="1800" dirty="0"/>
+              <a:t>The player was able to choose who would make the first move (the player or the machine)</a:t>
+            </a:r>
+          </a:p>
+        </p:txBody>
+      </p:sp>
+    </p:spTree>
+    <p:extLst>
+      <p:ext uri="{BB962C8B-B14F-4D97-AF65-F5344CB8AC3E}">
+        <p14:creationId xmlns:p14="http://schemas.microsoft.com/office/powerpoint/2010/main" val="3223437205"/>
+      </p:ext>
+    </p:extLst>
+  </p:cSld>
+  <p:clrMapOvr>
+    <a:masterClrMapping/>
+  </p:clrMapOvr>
+</p:sld>
+</file>
+
+<file path=ppt/slides/slide4.xml><?xml version="1.0" encoding="utf-8"?>
+<p:sld xmlns:a="http://schemas.openxmlformats.org/drawingml/2006/main" xmlns:r="http://schemas.openxmlformats.org/officeDocument/2006/relationships" xmlns:p="http://schemas.openxmlformats.org/presentationml/2006/main">
+  <p:cSld>
+    <p:spTree>
+      <p:nvGrpSpPr>
+        <p:cNvPr id="1" name=""/>
+        <p:cNvGrpSpPr/>
+        <p:nvPr/>
+      </p:nvGrpSpPr>
+      <p:grpSpPr>
+        <a:xfrm>
+          <a:off x="0" y="0"/>
+          <a:ext cx="0" cy="0"/>
+          <a:chOff x="0" y="0"/>
+          <a:chExt cx="0" cy="0"/>
+        </a:xfrm>
+      </p:grpSpPr>
+      <p:sp>
+        <p:nvSpPr>
+          <p:cNvPr id="2" name="Title 1">
+            <a:extLst>
+              <a:ext uri="{FF2B5EF4-FFF2-40B4-BE49-F238E27FC236}">
+                <a16:creationId xmlns:a16="http://schemas.microsoft.com/office/drawing/2014/main" id="{3CA405E2-1C3D-96F5-48C2-098870C8247C}"/>
+              </a:ext>
+            </a:extLst>
+          </p:cNvPr>
+          <p:cNvSpPr>
+            <a:spLocks noGrp="1"/>
+          </p:cNvSpPr>
+          <p:nvPr>
+            <p:ph type="title"/>
+          </p:nvPr>
+        </p:nvSpPr>
+        <p:spPr/>
+        <p:txBody>
+          <a:bodyPr/>
+          <a:lstStyle/>
+          <a:p>
+            <a:pPr algn="ctr"/>
+            <a:r>
+              <a:rPr lang="en-US" dirty="0"/>
+              <a:t>Before the first Gen of home consoles continued</a:t>
+            </a:r>
+            <a:endParaRPr lang="en-AU" dirty="0"/>
+          </a:p>
+        </p:txBody>
+      </p:sp>
+      <p:sp>
+        <p:nvSpPr>
+          <p:cNvPr id="3" name="Content Placeholder 2">
+            <a:extLst>
+              <a:ext uri="{FF2B5EF4-FFF2-40B4-BE49-F238E27FC236}">
+                <a16:creationId xmlns:a16="http://schemas.microsoft.com/office/drawing/2014/main" id="{C43D3579-F04A-516F-442A-E7EA838A1CFC}"/>
+              </a:ext>
+            </a:extLst>
+          </p:cNvPr>
+          <p:cNvSpPr>
+            <a:spLocks noGrp="1"/>
+          </p:cNvSpPr>
+          <p:nvPr>
+            <p:ph idx="1"/>
+          </p:nvPr>
+        </p:nvSpPr>
+        <p:spPr/>
+        <p:txBody>
+          <a:bodyPr/>
+          <a:lstStyle/>
+          <a:p>
+            <a:r>
+              <a:rPr lang="en-US" dirty="0"/>
+              <a:t>1956 was when research started for Direct keyboard input </a:t>
+            </a:r>
+            <a:r>
+              <a:rPr lang="en-US"/>
+              <a:t>to computers.</a:t>
+            </a:r>
+          </a:p>
+          <a:p>
+            <a:endParaRPr lang="en-AU" dirty="0"/>
+          </a:p>
+        </p:txBody>
+      </p:sp>
+    </p:spTree>
+    <p:extLst>
+      <p:ext uri="{BB962C8B-B14F-4D97-AF65-F5344CB8AC3E}">
+        <p14:creationId xmlns:p14="http://schemas.microsoft.com/office/powerpoint/2010/main" val="1837303944"/>
+      </p:ext>
+    </p:extLst>
+  </p:cSld>
+  <p:clrMapOvr>
+    <a:masterClrMapping/>
+  </p:clrMapOvr>
+</p:sld>
+</file>
+
+<file path=ppt/slides/slide5.xml><?xml version="1.0" encoding="utf-8"?>
+<p:sld xmlns:a="http://schemas.openxmlformats.org/drawingml/2006/main" xmlns:r="http://schemas.openxmlformats.org/officeDocument/2006/relationships" xmlns:p="http://schemas.openxmlformats.org/presentationml/2006/main">
+  <p:cSld>
+    <p:spTree>
+      <p:nvGrpSpPr>
+        <p:cNvPr id="1" name=""/>
+        <p:cNvGrpSpPr/>
+        <p:nvPr/>
+      </p:nvGrpSpPr>
+      <p:grpSpPr>
+        <a:xfrm>
+          <a:off x="0" y="0"/>
+          <a:ext cx="0" cy="0"/>
+          <a:chOff x="0" y="0"/>
+          <a:chExt cx="0" cy="0"/>
+        </a:xfrm>
+      </p:grpSpPr>
+      <p:sp>
+        <p:nvSpPr>
+          <p:cNvPr id="2" name="Title 1">
+            <a:extLst>
+              <a:ext uri="{FF2B5EF4-FFF2-40B4-BE49-F238E27FC236}">
+                <a16:creationId xmlns:a16="http://schemas.microsoft.com/office/drawing/2014/main" id="{6F28F636-F36A-487D-AE5E-E593374D1DAB}"/>
+              </a:ext>
+            </a:extLst>
+          </p:cNvPr>
+          <p:cNvSpPr>
+            <a:spLocks noGrp="1"/>
+          </p:cNvSpPr>
+          <p:nvPr>
+            <p:ph type="title"/>
+          </p:nvPr>
+        </p:nvSpPr>
+        <p:spPr/>
+        <p:txBody>
+          <a:bodyPr/>
+          <a:lstStyle/>
+          <a:p>
+            <a:endParaRPr lang="en-AU"/>
+          </a:p>
+        </p:txBody>
+      </p:sp>
+      <p:sp>
+        <p:nvSpPr>
+          <p:cNvPr id="3" name="Content Placeholder 2">
+            <a:extLst>
+              <a:ext uri="{FF2B5EF4-FFF2-40B4-BE49-F238E27FC236}">
+                <a16:creationId xmlns:a16="http://schemas.microsoft.com/office/drawing/2014/main" id="{A90EF152-CB89-4A3B-2464-0B49175F153D}"/>
+              </a:ext>
+            </a:extLst>
+          </p:cNvPr>
+          <p:cNvSpPr>
+            <a:spLocks noGrp="1"/>
+          </p:cNvSpPr>
+          <p:nvPr>
+            <p:ph idx="1"/>
+          </p:nvPr>
+        </p:nvSpPr>
+        <p:spPr/>
+        <p:txBody>
+          <a:bodyPr/>
+          <a:lstStyle/>
+          <a:p>
+            <a:endParaRPr lang="en-AU"/>
+          </a:p>
+        </p:txBody>
+      </p:sp>
+    </p:spTree>
+    <p:extLst>
+      <p:ext uri="{BB962C8B-B14F-4D97-AF65-F5344CB8AC3E}">
+        <p14:creationId xmlns:p14="http://schemas.microsoft.com/office/powerpoint/2010/main" val="3814947296"/>
+      </p:ext>
+    </p:extLst>
+  </p:cSld>
+  <p:clrMapOvr>
+    <a:masterClrMapping/>
+  </p:clrMapOvr>
+</p:sld>
+</file>
+
+<file path=ppt/slides/slide6.xml><?xml version="1.0" encoding="utf-8"?>
+<p:sld xmlns:a="http://schemas.openxmlformats.org/drawingml/2006/main" xmlns:r="http://schemas.openxmlformats.org/officeDocument/2006/relationships" xmlns:p="http://schemas.openxmlformats.org/presentationml/2006/main">
+  <p:cSld>
+    <p:spTree>
+      <p:nvGrpSpPr>
+        <p:cNvPr id="1" name=""/>
+        <p:cNvGrpSpPr/>
+        <p:nvPr/>
+      </p:nvGrpSpPr>
+      <p:grpSpPr>
+        <a:xfrm>
+          <a:off x="0" y="0"/>
+          <a:ext cx="0" cy="0"/>
+          <a:chOff x="0" y="0"/>
+          <a:chExt cx="0" cy="0"/>
+        </a:xfrm>
+      </p:grpSpPr>
+      <p:sp>
+        <p:nvSpPr>
+          <p:cNvPr id="2" name="Title 1">
+            <a:extLst>
+              <a:ext uri="{FF2B5EF4-FFF2-40B4-BE49-F238E27FC236}">
+                <a16:creationId xmlns:a16="http://schemas.microsoft.com/office/drawing/2014/main" id="{DB0253E5-BBF5-0885-0DFE-4F3F8C552DEE}"/>
+              </a:ext>
+            </a:extLst>
+          </p:cNvPr>
+          <p:cNvSpPr>
+            <a:spLocks noGrp="1"/>
+          </p:cNvSpPr>
+          <p:nvPr>
+            <p:ph type="title"/>
+          </p:nvPr>
+        </p:nvSpPr>
+        <p:spPr/>
+        <p:txBody>
+          <a:bodyPr/>
+          <a:lstStyle/>
+          <a:p>
+            <a:r>
+              <a:rPr lang="en-US" dirty="0"/>
+              <a:t>References for information.</a:t>
+            </a:r>
+            <a:endParaRPr lang="en-AU" dirty="0"/>
+          </a:p>
+        </p:txBody>
+      </p:sp>
+      <p:sp>
+        <p:nvSpPr>
+          <p:cNvPr id="3" name="Content Placeholder 2">
+            <a:extLst>
+              <a:ext uri="{FF2B5EF4-FFF2-40B4-BE49-F238E27FC236}">
+                <a16:creationId xmlns:a16="http://schemas.microsoft.com/office/drawing/2014/main" id="{3EB98CB3-DDC1-226F-DE8D-AC5126187C12}"/>
+              </a:ext>
+            </a:extLst>
+          </p:cNvPr>
+          <p:cNvSpPr>
+            <a:spLocks noGrp="1"/>
+          </p:cNvSpPr>
+          <p:nvPr>
+            <p:ph idx="1"/>
+          </p:nvPr>
+        </p:nvSpPr>
+        <p:spPr/>
+        <p:txBody>
+          <a:bodyPr/>
+          <a:lstStyle/>
+          <a:p>
+            <a:r>
+              <a:rPr lang="en-US" dirty="0"/>
+              <a:t>Before the first gen of home consoles:</a:t>
+            </a:r>
+          </a:p>
+          <a:p>
+            <a:pPr lvl="1"/>
+            <a:r>
+              <a:rPr lang="en-AU" dirty="0">
+                <a:hlinkClick r:id="rId2"/>
+              </a:rPr>
+              <a:t>https://www.computerhistory.org/timeline/1945/</a:t>
+            </a:r>
+            <a:r>
+              <a:rPr lang="en-US" dirty="0"/>
+              <a:t> </a:t>
+            </a:r>
+          </a:p>
+          <a:p>
+            <a:pPr lvl="1"/>
+            <a:r>
+              <a:rPr lang="en-AU" dirty="0">
+                <a:hlinkClick r:id="rId3"/>
+              </a:rPr>
+              <a:t>https://www.computerhistory.org/timeline/1947/</a:t>
+            </a:r>
+            <a:endParaRPr lang="en-US" dirty="0"/>
+          </a:p>
+          <a:p>
+            <a:pPr lvl="1"/>
+            <a:r>
+              <a:rPr lang="en-AU" dirty="0">
+                <a:hlinkClick r:id="rId4"/>
+              </a:rPr>
+              <a:t>https://www.computerhistory.org/timeline/1948/</a:t>
+            </a:r>
+            <a:endParaRPr lang="en-AU" dirty="0"/>
+          </a:p>
+          <a:p>
+            <a:pPr lvl="1"/>
+            <a:r>
+              <a:rPr lang="en-AU" dirty="0">
+                <a:hlinkClick r:id="rId5"/>
+              </a:rPr>
+              <a:t>https://www.computerhistory.org/timeline/1949/</a:t>
+            </a:r>
+            <a:endParaRPr lang="en-AU" dirty="0"/>
+          </a:p>
+          <a:p>
+            <a:pPr lvl="1"/>
+            <a:r>
+              <a:rPr lang="en-AU" dirty="0">
+                <a:hlinkClick r:id="rId6"/>
+              </a:rPr>
+              <a:t>https://www.computerhistory.org/timeline/1952/</a:t>
+            </a:r>
+            <a:endParaRPr lang="en-AU" dirty="0"/>
+          </a:p>
+          <a:p>
+            <a:pPr lvl="1"/>
+            <a:endParaRPr lang="en-AU" dirty="0"/>
+          </a:p>
+        </p:txBody>
+      </p:sp>
+    </p:spTree>
+    <p:extLst>
+      <p:ext uri="{BB962C8B-B14F-4D97-AF65-F5344CB8AC3E}">
+        <p14:creationId xmlns:p14="http://schemas.microsoft.com/office/powerpoint/2010/main" val="58049170"/>
       </p:ext>
     </p:extLst>
   </p:cSld>

--- a/Informational Technology (Game Design)/Part 1 Redo/Cluster - Introduction to Game Design/AT04/AT04 Video Game History By Richard Pountney.pptx
+++ b/Informational Technology (Game Design)/Part 1 Redo/Cluster - Introduction to Game Design/AT04/AT04 Video Game History By Richard Pountney.pptx
@@ -10,7 +10,18 @@
     <p:sldId id="258" r:id="rId4"/>
     <p:sldId id="259" r:id="rId5"/>
     <p:sldId id="260" r:id="rId6"/>
-    <p:sldId id="261" r:id="rId7"/>
+    <p:sldId id="262" r:id="rId7"/>
+    <p:sldId id="263" r:id="rId8"/>
+    <p:sldId id="264" r:id="rId9"/>
+    <p:sldId id="265" r:id="rId10"/>
+    <p:sldId id="266" r:id="rId11"/>
+    <p:sldId id="267" r:id="rId12"/>
+    <p:sldId id="268" r:id="rId13"/>
+    <p:sldId id="269" r:id="rId14"/>
+    <p:sldId id="270" r:id="rId15"/>
+    <p:sldId id="271" r:id="rId16"/>
+    <p:sldId id="272" r:id="rId17"/>
+    <p:sldId id="261" r:id="rId18"/>
   </p:sldIdLst>
   <p:sldSz cx="12192000" cy="6858000"/>
   <p:notesSz cx="6858000" cy="9144000"/>
@@ -167,7 +178,7 @@
           <a:noFill/>
           <a:extLst>
             <a:ext uri="{909E8E84-426E-40dd-AFC4-6F175D3DCCD1}">
-              <a14:hiddenFill xmlns="" xmlns:a14="http://schemas.microsoft.com/office/drawing/2010/main">
+              <a14:hiddenFill xmlns:a14="http://schemas.microsoft.com/office/drawing/2010/main" xmlns="">
                 <a:solidFill>
                   <a:srgbClr val="FFFFFF"/>
                 </a:solidFill>
@@ -227,7 +238,7 @@
             </a:ln>
             <a:extLst>
               <a:ext uri="{91240B29-F687-4f45-9708-019B960494DF}">
-                <a14:hiddenLine xmlns="" xmlns:a14="http://schemas.microsoft.com/office/drawing/2010/main" w="9525">
+                <a14:hiddenLine xmlns:a14="http://schemas.microsoft.com/office/drawing/2010/main" xmlns="" w="9525">
                   <a:solidFill>
                     <a:srgbClr val="000000"/>
                   </a:solidFill>
@@ -317,7 +328,7 @@
             </a:ln>
             <a:extLst>
               <a:ext uri="{91240B29-F687-4f45-9708-019B960494DF}">
-                <a14:hiddenLine xmlns="" xmlns:a14="http://schemas.microsoft.com/office/drawing/2010/main" w="9525">
+                <a14:hiddenLine xmlns:a14="http://schemas.microsoft.com/office/drawing/2010/main" xmlns="" w="9525">
                   <a:solidFill>
                     <a:srgbClr val="000000"/>
                   </a:solidFill>
@@ -407,7 +418,7 @@
             </a:ln>
             <a:extLst>
               <a:ext uri="{91240B29-F687-4f45-9708-019B960494DF}">
-                <a14:hiddenLine xmlns="" xmlns:a14="http://schemas.microsoft.com/office/drawing/2010/main" w="9525">
+                <a14:hiddenLine xmlns:a14="http://schemas.microsoft.com/office/drawing/2010/main" xmlns="" w="9525">
                   <a:solidFill>
                     <a:srgbClr val="000000"/>
                   </a:solidFill>
@@ -441,7 +452,7 @@
             </a:ln>
             <a:extLst>
               <a:ext uri="{91240B29-F687-4f45-9708-019B960494DF}">
-                <a14:hiddenLine xmlns="" xmlns:a14="http://schemas.microsoft.com/office/drawing/2010/main" w="9525">
+                <a14:hiddenLine xmlns:a14="http://schemas.microsoft.com/office/drawing/2010/main" xmlns="" w="9525">
                   <a:solidFill>
                     <a:srgbClr val="000000"/>
                   </a:solidFill>
@@ -531,7 +542,7 @@
             </a:ln>
             <a:extLst>
               <a:ext uri="{91240B29-F687-4f45-9708-019B960494DF}">
-                <a14:hiddenLine xmlns="" xmlns:a14="http://schemas.microsoft.com/office/drawing/2010/main" w="9525">
+                <a14:hiddenLine xmlns:a14="http://schemas.microsoft.com/office/drawing/2010/main" xmlns="" w="9525">
                   <a:solidFill>
                     <a:srgbClr val="000000"/>
                   </a:solidFill>
@@ -593,7 +604,7 @@
             </a:ln>
             <a:extLst>
               <a:ext uri="{91240B29-F687-4f45-9708-019B960494DF}">
-                <a14:hiddenLine xmlns="" xmlns:a14="http://schemas.microsoft.com/office/drawing/2010/main" w="9525">
+                <a14:hiddenLine xmlns:a14="http://schemas.microsoft.com/office/drawing/2010/main" xmlns="" w="9525">
                   <a:solidFill>
                     <a:srgbClr val="000000"/>
                   </a:solidFill>
@@ -655,7 +666,7 @@
             </a:ln>
             <a:extLst>
               <a:ext uri="{91240B29-F687-4f45-9708-019B960494DF}">
-                <a14:hiddenLine xmlns="" xmlns:a14="http://schemas.microsoft.com/office/drawing/2010/main" w="9525">
+                <a14:hiddenLine xmlns:a14="http://schemas.microsoft.com/office/drawing/2010/main" xmlns="" w="9525">
                   <a:solidFill>
                     <a:srgbClr val="000000"/>
                   </a:solidFill>
@@ -745,7 +756,7 @@
             </a:ln>
             <a:extLst>
               <a:ext uri="{91240B29-F687-4f45-9708-019B960494DF}">
-                <a14:hiddenLine xmlns="" xmlns:a14="http://schemas.microsoft.com/office/drawing/2010/main" w="9525">
+                <a14:hiddenLine xmlns:a14="http://schemas.microsoft.com/office/drawing/2010/main" xmlns="" w="9525">
                   <a:solidFill>
                     <a:srgbClr val="000000"/>
                   </a:solidFill>
@@ -807,7 +818,7 @@
             </a:ln>
             <a:extLst>
               <a:ext uri="{91240B29-F687-4f45-9708-019B960494DF}">
-                <a14:hiddenLine xmlns="" xmlns:a14="http://schemas.microsoft.com/office/drawing/2010/main" w="9525">
+                <a14:hiddenLine xmlns:a14="http://schemas.microsoft.com/office/drawing/2010/main" xmlns="" w="9525">
                   <a:solidFill>
                     <a:srgbClr val="000000"/>
                   </a:solidFill>
@@ -869,7 +880,7 @@
             </a:ln>
             <a:extLst>
               <a:ext uri="{91240B29-F687-4f45-9708-019B960494DF}">
-                <a14:hiddenLine xmlns="" xmlns:a14="http://schemas.microsoft.com/office/drawing/2010/main" w="9525">
+                <a14:hiddenLine xmlns:a14="http://schemas.microsoft.com/office/drawing/2010/main" xmlns="" w="9525">
                   <a:solidFill>
                     <a:srgbClr val="000000"/>
                   </a:solidFill>
@@ -959,7 +970,7 @@
             </a:ln>
             <a:extLst>
               <a:ext uri="{91240B29-F687-4f45-9708-019B960494DF}">
-                <a14:hiddenLine xmlns="" xmlns:a14="http://schemas.microsoft.com/office/drawing/2010/main" w="9525">
+                <a14:hiddenLine xmlns:a14="http://schemas.microsoft.com/office/drawing/2010/main" xmlns="" w="9525">
                   <a:solidFill>
                     <a:srgbClr val="000000"/>
                   </a:solidFill>
@@ -1049,7 +1060,7 @@
             </a:ln>
             <a:extLst>
               <a:ext uri="{91240B29-F687-4f45-9708-019B960494DF}">
-                <a14:hiddenLine xmlns="" xmlns:a14="http://schemas.microsoft.com/office/drawing/2010/main" w="9525">
+                <a14:hiddenLine xmlns:a14="http://schemas.microsoft.com/office/drawing/2010/main" xmlns="" w="9525">
                   <a:solidFill>
                     <a:srgbClr val="000000"/>
                   </a:solidFill>
@@ -1111,7 +1122,7 @@
             </a:ln>
             <a:extLst>
               <a:ext uri="{91240B29-F687-4f45-9708-019B960494DF}">
-                <a14:hiddenLine xmlns="" xmlns:a14="http://schemas.microsoft.com/office/drawing/2010/main" w="9525">
+                <a14:hiddenLine xmlns:a14="http://schemas.microsoft.com/office/drawing/2010/main" xmlns="" w="9525">
                   <a:solidFill>
                     <a:srgbClr val="000000"/>
                   </a:solidFill>
@@ -1221,7 +1232,7 @@
             </a:ln>
             <a:extLst>
               <a:ext uri="{91240B29-F687-4f45-9708-019B960494DF}">
-                <a14:hiddenLine xmlns="" xmlns:a14="http://schemas.microsoft.com/office/drawing/2010/main" w="9525">
+                <a14:hiddenLine xmlns:a14="http://schemas.microsoft.com/office/drawing/2010/main" xmlns="" w="9525">
                   <a:solidFill>
                     <a:srgbClr val="000000"/>
                   </a:solidFill>
@@ -1283,7 +1294,7 @@
             </a:ln>
             <a:extLst>
               <a:ext uri="{91240B29-F687-4f45-9708-019B960494DF}">
-                <a14:hiddenLine xmlns="" xmlns:a14="http://schemas.microsoft.com/office/drawing/2010/main" w="9525">
+                <a14:hiddenLine xmlns:a14="http://schemas.microsoft.com/office/drawing/2010/main" xmlns="" w="9525">
                   <a:solidFill>
                     <a:srgbClr val="000000"/>
                   </a:solidFill>
@@ -1373,7 +1384,7 @@
             </a:ln>
             <a:extLst>
               <a:ext uri="{91240B29-F687-4f45-9708-019B960494DF}">
-                <a14:hiddenLine xmlns="" xmlns:a14="http://schemas.microsoft.com/office/drawing/2010/main" w="9525">
+                <a14:hiddenLine xmlns:a14="http://schemas.microsoft.com/office/drawing/2010/main" xmlns="" w="9525">
                   <a:solidFill>
                     <a:srgbClr val="000000"/>
                   </a:solidFill>
@@ -1463,7 +1474,7 @@
             </a:ln>
             <a:extLst>
               <a:ext uri="{91240B29-F687-4f45-9708-019B960494DF}">
-                <a14:hiddenLine xmlns="" xmlns:a14="http://schemas.microsoft.com/office/drawing/2010/main" w="9525">
+                <a14:hiddenLine xmlns:a14="http://schemas.microsoft.com/office/drawing/2010/main" xmlns="" w="9525">
                   <a:solidFill>
                     <a:srgbClr val="000000"/>
                   </a:solidFill>
@@ -1525,7 +1536,7 @@
             </a:ln>
             <a:extLst>
               <a:ext uri="{91240B29-F687-4f45-9708-019B960494DF}">
-                <a14:hiddenLine xmlns="" xmlns:a14="http://schemas.microsoft.com/office/drawing/2010/main" w="9525">
+                <a14:hiddenLine xmlns:a14="http://schemas.microsoft.com/office/drawing/2010/main" xmlns="" w="9525">
                   <a:solidFill>
                     <a:srgbClr val="000000"/>
                   </a:solidFill>
@@ -1615,7 +1626,7 @@
             </a:ln>
             <a:extLst>
               <a:ext uri="{91240B29-F687-4f45-9708-019B960494DF}">
-                <a14:hiddenLine xmlns="" xmlns:a14="http://schemas.microsoft.com/office/drawing/2010/main" w="9525">
+                <a14:hiddenLine xmlns:a14="http://schemas.microsoft.com/office/drawing/2010/main" xmlns="" w="9525">
                   <a:solidFill>
                     <a:srgbClr val="000000"/>
                   </a:solidFill>
@@ -1705,7 +1716,7 @@
             </a:ln>
             <a:extLst>
               <a:ext uri="{91240B29-F687-4f45-9708-019B960494DF}">
-                <a14:hiddenLine xmlns="" xmlns:a14="http://schemas.microsoft.com/office/drawing/2010/main" w="9525">
+                <a14:hiddenLine xmlns:a14="http://schemas.microsoft.com/office/drawing/2010/main" xmlns="" w="9525">
                   <a:solidFill>
                     <a:srgbClr val="000000"/>
                   </a:solidFill>
@@ -1761,7 +1772,7 @@
             </a:ln>
             <a:extLst>
               <a:ext uri="{91240B29-F687-4f45-9708-019B960494DF}">
-                <a14:hiddenLine xmlns="" xmlns:a14="http://schemas.microsoft.com/office/drawing/2010/main" w="9525">
+                <a14:hiddenLine xmlns:a14="http://schemas.microsoft.com/office/drawing/2010/main" xmlns="" w="9525">
                   <a:solidFill>
                     <a:srgbClr val="000000"/>
                   </a:solidFill>
@@ -1851,7 +1862,7 @@
             </a:ln>
             <a:extLst>
               <a:ext uri="{91240B29-F687-4f45-9708-019B960494DF}">
-                <a14:hiddenLine xmlns="" xmlns:a14="http://schemas.microsoft.com/office/drawing/2010/main" w="9525">
+                <a14:hiddenLine xmlns:a14="http://schemas.microsoft.com/office/drawing/2010/main" xmlns="" w="9525">
                   <a:solidFill>
                     <a:srgbClr val="000000"/>
                   </a:solidFill>
@@ -1907,7 +1918,7 @@
             </a:ln>
             <a:extLst>
               <a:ext uri="{91240B29-F687-4f45-9708-019B960494DF}">
-                <a14:hiddenLine xmlns="" xmlns:a14="http://schemas.microsoft.com/office/drawing/2010/main" w="9525">
+                <a14:hiddenLine xmlns:a14="http://schemas.microsoft.com/office/drawing/2010/main" xmlns="" w="9525">
                   <a:solidFill>
                     <a:srgbClr val="000000"/>
                   </a:solidFill>
@@ -1997,7 +2008,7 @@
             </a:ln>
             <a:extLst>
               <a:ext uri="{91240B29-F687-4f45-9708-019B960494DF}">
-                <a14:hiddenLine xmlns="" xmlns:a14="http://schemas.microsoft.com/office/drawing/2010/main" w="9525">
+                <a14:hiddenLine xmlns:a14="http://schemas.microsoft.com/office/drawing/2010/main" xmlns="" w="9525">
                   <a:solidFill>
                     <a:srgbClr val="000000"/>
                   </a:solidFill>
@@ -2065,7 +2076,7 @@
             </a:ln>
             <a:extLst>
               <a:ext uri="{91240B29-F687-4f45-9708-019B960494DF}">
-                <a14:hiddenLine xmlns="" xmlns:a14="http://schemas.microsoft.com/office/drawing/2010/main" w="9525">
+                <a14:hiddenLine xmlns:a14="http://schemas.microsoft.com/office/drawing/2010/main" xmlns="" w="9525">
                   <a:solidFill>
                     <a:srgbClr val="000000"/>
                   </a:solidFill>
@@ -2155,7 +2166,7 @@
             </a:ln>
             <a:extLst>
               <a:ext uri="{91240B29-F687-4f45-9708-019B960494DF}">
-                <a14:hiddenLine xmlns="" xmlns:a14="http://schemas.microsoft.com/office/drawing/2010/main" w="9525">
+                <a14:hiddenLine xmlns:a14="http://schemas.microsoft.com/office/drawing/2010/main" xmlns="" w="9525">
                   <a:solidFill>
                     <a:srgbClr val="000000"/>
                   </a:solidFill>
@@ -2223,7 +2234,7 @@
             </a:ln>
             <a:extLst>
               <a:ext uri="{91240B29-F687-4f45-9708-019B960494DF}">
-                <a14:hiddenLine xmlns="" xmlns:a14="http://schemas.microsoft.com/office/drawing/2010/main" w="9525">
+                <a14:hiddenLine xmlns:a14="http://schemas.microsoft.com/office/drawing/2010/main" xmlns="" w="9525">
                   <a:solidFill>
                     <a:srgbClr val="000000"/>
                   </a:solidFill>
@@ -2313,7 +2324,7 @@
             </a:ln>
             <a:extLst>
               <a:ext uri="{91240B29-F687-4f45-9708-019B960494DF}">
-                <a14:hiddenLine xmlns="" xmlns:a14="http://schemas.microsoft.com/office/drawing/2010/main" w="9525">
+                <a14:hiddenLine xmlns:a14="http://schemas.microsoft.com/office/drawing/2010/main" xmlns="" w="9525">
                   <a:solidFill>
                     <a:srgbClr val="000000"/>
                   </a:solidFill>
@@ -2347,7 +2358,7 @@
             </a:ln>
             <a:extLst>
               <a:ext uri="{91240B29-F687-4f45-9708-019B960494DF}">
-                <a14:hiddenLine xmlns="" xmlns:a14="http://schemas.microsoft.com/office/drawing/2010/main" w="9525">
+                <a14:hiddenLine xmlns:a14="http://schemas.microsoft.com/office/drawing/2010/main" xmlns="" w="9525">
                   <a:solidFill>
                     <a:srgbClr val="000000"/>
                   </a:solidFill>
@@ -2437,7 +2448,7 @@
             </a:ln>
             <a:extLst>
               <a:ext uri="{91240B29-F687-4f45-9708-019B960494DF}">
-                <a14:hiddenLine xmlns="" xmlns:a14="http://schemas.microsoft.com/office/drawing/2010/main" w="9525">
+                <a14:hiddenLine xmlns:a14="http://schemas.microsoft.com/office/drawing/2010/main" xmlns="" w="9525">
                   <a:solidFill>
                     <a:srgbClr val="000000"/>
                   </a:solidFill>
@@ -2499,7 +2510,7 @@
             </a:ln>
             <a:extLst>
               <a:ext uri="{91240B29-F687-4f45-9708-019B960494DF}">
-                <a14:hiddenLine xmlns="" xmlns:a14="http://schemas.microsoft.com/office/drawing/2010/main" w="9525">
+                <a14:hiddenLine xmlns:a14="http://schemas.microsoft.com/office/drawing/2010/main" xmlns="" w="9525">
                   <a:solidFill>
                     <a:srgbClr val="000000"/>
                   </a:solidFill>
@@ -2561,7 +2572,7 @@
             </a:ln>
             <a:extLst>
               <a:ext uri="{91240B29-F687-4f45-9708-019B960494DF}">
-                <a14:hiddenLine xmlns="" xmlns:a14="http://schemas.microsoft.com/office/drawing/2010/main" w="9525">
+                <a14:hiddenLine xmlns:a14="http://schemas.microsoft.com/office/drawing/2010/main" xmlns="" w="9525">
                   <a:solidFill>
                     <a:srgbClr val="000000"/>
                   </a:solidFill>
@@ -2651,7 +2662,7 @@
             </a:ln>
             <a:extLst>
               <a:ext uri="{91240B29-F687-4f45-9708-019B960494DF}">
-                <a14:hiddenLine xmlns="" xmlns:a14="http://schemas.microsoft.com/office/drawing/2010/main" w="9525">
+                <a14:hiddenLine xmlns:a14="http://schemas.microsoft.com/office/drawing/2010/main" xmlns="" w="9525">
                   <a:solidFill>
                     <a:srgbClr val="000000"/>
                   </a:solidFill>
@@ -2719,7 +2730,7 @@
             </a:ln>
             <a:extLst>
               <a:ext uri="{91240B29-F687-4f45-9708-019B960494DF}">
-                <a14:hiddenLine xmlns="" xmlns:a14="http://schemas.microsoft.com/office/drawing/2010/main" w="9525">
+                <a14:hiddenLine xmlns:a14="http://schemas.microsoft.com/office/drawing/2010/main" xmlns="" w="9525">
                   <a:solidFill>
                     <a:srgbClr val="000000"/>
                   </a:solidFill>
@@ -2781,7 +2792,7 @@
             </a:ln>
             <a:extLst>
               <a:ext uri="{91240B29-F687-4f45-9708-019B960494DF}">
-                <a14:hiddenLine xmlns="" xmlns:a14="http://schemas.microsoft.com/office/drawing/2010/main" w="9525">
+                <a14:hiddenLine xmlns:a14="http://schemas.microsoft.com/office/drawing/2010/main" xmlns="" w="9525">
                   <a:solidFill>
                     <a:srgbClr val="000000"/>
                   </a:solidFill>
@@ -2871,7 +2882,7 @@
             </a:ln>
             <a:extLst>
               <a:ext uri="{91240B29-F687-4f45-9708-019B960494DF}">
-                <a14:hiddenLine xmlns="" xmlns:a14="http://schemas.microsoft.com/office/drawing/2010/main" w="9525">
+                <a14:hiddenLine xmlns:a14="http://schemas.microsoft.com/office/drawing/2010/main" xmlns="" w="9525">
                   <a:solidFill>
                     <a:srgbClr val="000000"/>
                   </a:solidFill>
@@ -2933,7 +2944,7 @@
             </a:ln>
             <a:extLst>
               <a:ext uri="{91240B29-F687-4f45-9708-019B960494DF}">
-                <a14:hiddenLine xmlns="" xmlns:a14="http://schemas.microsoft.com/office/drawing/2010/main" w="9525">
+                <a14:hiddenLine xmlns:a14="http://schemas.microsoft.com/office/drawing/2010/main" xmlns="" w="9525">
                   <a:solidFill>
                     <a:srgbClr val="000000"/>
                   </a:solidFill>
@@ -3023,7 +3034,7 @@
             </a:ln>
             <a:extLst>
               <a:ext uri="{91240B29-F687-4f45-9708-019B960494DF}">
-                <a14:hiddenLine xmlns="" xmlns:a14="http://schemas.microsoft.com/office/drawing/2010/main" w="9525">
+                <a14:hiddenLine xmlns:a14="http://schemas.microsoft.com/office/drawing/2010/main" xmlns="" w="9525">
                   <a:solidFill>
                     <a:srgbClr val="000000"/>
                   </a:solidFill>
@@ -3085,7 +3096,7 @@
             </a:ln>
             <a:extLst>
               <a:ext uri="{91240B29-F687-4f45-9708-019B960494DF}">
-                <a14:hiddenLine xmlns="" xmlns:a14="http://schemas.microsoft.com/office/drawing/2010/main" w="9525">
+                <a14:hiddenLine xmlns:a14="http://schemas.microsoft.com/office/drawing/2010/main" xmlns="" w="9525">
                   <a:solidFill>
                     <a:srgbClr val="000000"/>
                   </a:solidFill>
@@ -3175,7 +3186,7 @@
             </a:ln>
             <a:extLst>
               <a:ext uri="{91240B29-F687-4f45-9708-019B960494DF}">
-                <a14:hiddenLine xmlns="" xmlns:a14="http://schemas.microsoft.com/office/drawing/2010/main" w="9525">
+                <a14:hiddenLine xmlns:a14="http://schemas.microsoft.com/office/drawing/2010/main" xmlns="" w="9525">
                   <a:solidFill>
                     <a:srgbClr val="000000"/>
                   </a:solidFill>
@@ -3209,7 +3220,7 @@
             </a:ln>
             <a:extLst>
               <a:ext uri="{91240B29-F687-4f45-9708-019B960494DF}">
-                <a14:hiddenLine xmlns="" xmlns:a14="http://schemas.microsoft.com/office/drawing/2010/main" w="9525">
+                <a14:hiddenLine xmlns:a14="http://schemas.microsoft.com/office/drawing/2010/main" xmlns="" w="9525">
                   <a:solidFill>
                     <a:srgbClr val="000000"/>
                   </a:solidFill>
@@ -3274,7 +3285,7 @@
             </a:ln>
             <a:extLst>
               <a:ext uri="{91240B29-F687-4f45-9708-019B960494DF}">
-                <a14:hiddenLine xmlns="" xmlns:a14="http://schemas.microsoft.com/office/drawing/2010/main" w="9525">
+                <a14:hiddenLine xmlns:a14="http://schemas.microsoft.com/office/drawing/2010/main" xmlns="" w="9525">
                   <a:solidFill>
                     <a:srgbClr val="000000"/>
                   </a:solidFill>
@@ -3364,7 +3375,7 @@
             </a:ln>
             <a:extLst>
               <a:ext uri="{91240B29-F687-4f45-9708-019B960494DF}">
-                <a14:hiddenLine xmlns="" xmlns:a14="http://schemas.microsoft.com/office/drawing/2010/main" w="9525">
+                <a14:hiddenLine xmlns:a14="http://schemas.microsoft.com/office/drawing/2010/main" xmlns="" w="9525">
                   <a:solidFill>
                     <a:srgbClr val="000000"/>
                   </a:solidFill>
@@ -3426,7 +3437,7 @@
             </a:ln>
             <a:extLst>
               <a:ext uri="{91240B29-F687-4f45-9708-019B960494DF}">
-                <a14:hiddenLine xmlns="" xmlns:a14="http://schemas.microsoft.com/office/drawing/2010/main" w="9525">
+                <a14:hiddenLine xmlns:a14="http://schemas.microsoft.com/office/drawing/2010/main" xmlns="" w="9525">
                   <a:solidFill>
                     <a:srgbClr val="000000"/>
                   </a:solidFill>
@@ -3516,7 +3527,7 @@
             </a:ln>
             <a:extLst>
               <a:ext uri="{91240B29-F687-4f45-9708-019B960494DF}">
-                <a14:hiddenLine xmlns="" xmlns:a14="http://schemas.microsoft.com/office/drawing/2010/main" w="9525">
+                <a14:hiddenLine xmlns:a14="http://schemas.microsoft.com/office/drawing/2010/main" xmlns="" w="9525">
                   <a:solidFill>
                     <a:srgbClr val="000000"/>
                   </a:solidFill>
@@ -3606,7 +3617,7 @@
             </a:ln>
             <a:extLst>
               <a:ext uri="{91240B29-F687-4f45-9708-019B960494DF}">
-                <a14:hiddenLine xmlns="" xmlns:a14="http://schemas.microsoft.com/office/drawing/2010/main" w="9525">
+                <a14:hiddenLine xmlns:a14="http://schemas.microsoft.com/office/drawing/2010/main" xmlns="" w="9525">
                   <a:solidFill>
                     <a:srgbClr val="000000"/>
                   </a:solidFill>
@@ -3671,7 +3682,7 @@
             </a:ln>
             <a:extLst>
               <a:ext uri="{91240B29-F687-4f45-9708-019B960494DF}">
-                <a14:hiddenLine xmlns="" xmlns:a14="http://schemas.microsoft.com/office/drawing/2010/main" w="9525">
+                <a14:hiddenLine xmlns:a14="http://schemas.microsoft.com/office/drawing/2010/main" xmlns="" w="9525">
                   <a:solidFill>
                     <a:srgbClr val="000000"/>
                   </a:solidFill>
@@ -3733,7 +3744,7 @@
             </a:ln>
             <a:extLst>
               <a:ext uri="{91240B29-F687-4f45-9708-019B960494DF}">
-                <a14:hiddenLine xmlns="" xmlns:a14="http://schemas.microsoft.com/office/drawing/2010/main" w="9525">
+                <a14:hiddenLine xmlns:a14="http://schemas.microsoft.com/office/drawing/2010/main" xmlns="" w="9525">
                   <a:solidFill>
                     <a:srgbClr val="000000"/>
                   </a:solidFill>
@@ -3823,7 +3834,7 @@
             </a:ln>
             <a:extLst>
               <a:ext uri="{91240B29-F687-4f45-9708-019B960494DF}">
-                <a14:hiddenLine xmlns="" xmlns:a14="http://schemas.microsoft.com/office/drawing/2010/main" w="9525">
+                <a14:hiddenLine xmlns:a14="http://schemas.microsoft.com/office/drawing/2010/main" xmlns="" w="9525">
                   <a:solidFill>
                     <a:srgbClr val="000000"/>
                   </a:solidFill>
@@ -3913,7 +3924,7 @@
             </a:ln>
             <a:extLst>
               <a:ext uri="{91240B29-F687-4f45-9708-019B960494DF}">
-                <a14:hiddenLine xmlns="" xmlns:a14="http://schemas.microsoft.com/office/drawing/2010/main" w="9525">
+                <a14:hiddenLine xmlns:a14="http://schemas.microsoft.com/office/drawing/2010/main" xmlns="" w="9525">
                   <a:solidFill>
                     <a:srgbClr val="000000"/>
                   </a:solidFill>
@@ -3975,7 +3986,7 @@
             </a:ln>
             <a:extLst>
               <a:ext uri="{91240B29-F687-4f45-9708-019B960494DF}">
-                <a14:hiddenLine xmlns="" xmlns:a14="http://schemas.microsoft.com/office/drawing/2010/main" w="9525">
+                <a14:hiddenLine xmlns:a14="http://schemas.microsoft.com/office/drawing/2010/main" xmlns="" w="9525">
                   <a:solidFill>
                     <a:srgbClr val="000000"/>
                   </a:solidFill>
@@ -4095,7 +4106,7 @@
             </a:ln>
             <a:extLst>
               <a:ext uri="{91240B29-F687-4f45-9708-019B960494DF}">
-                <a14:hiddenLine xmlns="" xmlns:a14="http://schemas.microsoft.com/office/drawing/2010/main" w="9525">
+                <a14:hiddenLine xmlns:a14="http://schemas.microsoft.com/office/drawing/2010/main" xmlns="" w="9525">
                   <a:solidFill>
                     <a:srgbClr val="000000"/>
                   </a:solidFill>
@@ -4163,7 +4174,7 @@
             </a:ln>
             <a:extLst>
               <a:ext uri="{91240B29-F687-4f45-9708-019B960494DF}">
-                <a14:hiddenLine xmlns="" xmlns:a14="http://schemas.microsoft.com/office/drawing/2010/main" w="9525">
+                <a14:hiddenLine xmlns:a14="http://schemas.microsoft.com/office/drawing/2010/main" xmlns="" w="9525">
                   <a:solidFill>
                     <a:srgbClr val="000000"/>
                   </a:solidFill>
@@ -4253,7 +4264,7 @@
             </a:ln>
             <a:extLst>
               <a:ext uri="{91240B29-F687-4f45-9708-019B960494DF}">
-                <a14:hiddenLine xmlns="" xmlns:a14="http://schemas.microsoft.com/office/drawing/2010/main" w="9525">
+                <a14:hiddenLine xmlns:a14="http://schemas.microsoft.com/office/drawing/2010/main" xmlns="" w="9525">
                   <a:solidFill>
                     <a:srgbClr val="000000"/>
                   </a:solidFill>
@@ -4393,7 +4404,7 @@
           <a:p>
             <a:fld id="{AFC0772B-B1F5-4297-B0F2-E59C48C63404}" type="datetimeFigureOut">
               <a:rPr lang="en-AU" smtClean="0"/>
-              <a:t>2/08/2023</a:t>
+              <a:t>3/08/2023</a:t>
             </a:fld>
             <a:endParaRPr lang="en-AU"/>
           </a:p>
@@ -4660,7 +4671,7 @@
           <a:p>
             <a:fld id="{AFC0772B-B1F5-4297-B0F2-E59C48C63404}" type="datetimeFigureOut">
               <a:rPr lang="en-AU" smtClean="0"/>
-              <a:t>2/08/2023</a:t>
+              <a:t>3/08/2023</a:t>
             </a:fld>
             <a:endParaRPr lang="en-AU"/>
           </a:p>
@@ -4856,7 +4867,7 @@
           <a:p>
             <a:fld id="{AFC0772B-B1F5-4297-B0F2-E59C48C63404}" type="datetimeFigureOut">
               <a:rPr lang="en-AU" smtClean="0"/>
-              <a:t>2/08/2023</a:t>
+              <a:t>3/08/2023</a:t>
             </a:fld>
             <a:endParaRPr lang="en-AU"/>
           </a:p>
@@ -5119,7 +5130,7 @@
           <a:p>
             <a:fld id="{AFC0772B-B1F5-4297-B0F2-E59C48C63404}" type="datetimeFigureOut">
               <a:rPr lang="en-AU" smtClean="0"/>
-              <a:t>2/08/2023</a:t>
+              <a:t>3/08/2023</a:t>
             </a:fld>
             <a:endParaRPr lang="en-AU"/>
           </a:p>
@@ -5553,7 +5564,7 @@
           <a:p>
             <a:fld id="{AFC0772B-B1F5-4297-B0F2-E59C48C63404}" type="datetimeFigureOut">
               <a:rPr lang="en-AU" smtClean="0"/>
-              <a:t>2/08/2023</a:t>
+              <a:t>3/08/2023</a:t>
             </a:fld>
             <a:endParaRPr lang="en-AU"/>
           </a:p>
@@ -6099,7 +6110,7 @@
           <a:p>
             <a:fld id="{AFC0772B-B1F5-4297-B0F2-E59C48C63404}" type="datetimeFigureOut">
               <a:rPr lang="en-AU" smtClean="0"/>
-              <a:t>2/08/2023</a:t>
+              <a:t>3/08/2023</a:t>
             </a:fld>
             <a:endParaRPr lang="en-AU"/>
           </a:p>
@@ -6819,7 +6830,7 @@
           <a:p>
             <a:fld id="{AFC0772B-B1F5-4297-B0F2-E59C48C63404}" type="datetimeFigureOut">
               <a:rPr lang="en-AU" smtClean="0"/>
-              <a:t>2/08/2023</a:t>
+              <a:t>3/08/2023</a:t>
             </a:fld>
             <a:endParaRPr lang="en-AU"/>
           </a:p>
@@ -6989,7 +7000,7 @@
           <a:p>
             <a:fld id="{AFC0772B-B1F5-4297-B0F2-E59C48C63404}" type="datetimeFigureOut">
               <a:rPr lang="en-AU" smtClean="0"/>
-              <a:t>2/08/2023</a:t>
+              <a:t>3/08/2023</a:t>
             </a:fld>
             <a:endParaRPr lang="en-AU"/>
           </a:p>
@@ -7169,7 +7180,7 @@
           <a:p>
             <a:fld id="{AFC0772B-B1F5-4297-B0F2-E59C48C63404}" type="datetimeFigureOut">
               <a:rPr lang="en-AU" smtClean="0"/>
-              <a:t>2/08/2023</a:t>
+              <a:t>3/08/2023</a:t>
             </a:fld>
             <a:endParaRPr lang="en-AU"/>
           </a:p>
@@ -7339,7 +7350,7 @@
           <a:p>
             <a:fld id="{AFC0772B-B1F5-4297-B0F2-E59C48C63404}" type="datetimeFigureOut">
               <a:rPr lang="en-AU" smtClean="0"/>
-              <a:t>2/08/2023</a:t>
+              <a:t>3/08/2023</a:t>
             </a:fld>
             <a:endParaRPr lang="en-AU"/>
           </a:p>
@@ -7589,7 +7600,7 @@
           <a:p>
             <a:fld id="{AFC0772B-B1F5-4297-B0F2-E59C48C63404}" type="datetimeFigureOut">
               <a:rPr lang="en-AU" smtClean="0"/>
-              <a:t>2/08/2023</a:t>
+              <a:t>3/08/2023</a:t>
             </a:fld>
             <a:endParaRPr lang="en-AU"/>
           </a:p>
@@ -7821,7 +7832,7 @@
           <a:p>
             <a:fld id="{AFC0772B-B1F5-4297-B0F2-E59C48C63404}" type="datetimeFigureOut">
               <a:rPr lang="en-AU" smtClean="0"/>
-              <a:t>2/08/2023</a:t>
+              <a:t>3/08/2023</a:t>
             </a:fld>
             <a:endParaRPr lang="en-AU"/>
           </a:p>
@@ -8202,7 +8213,7 @@
           <a:p>
             <a:fld id="{AFC0772B-B1F5-4297-B0F2-E59C48C63404}" type="datetimeFigureOut">
               <a:rPr lang="en-AU" smtClean="0"/>
-              <a:t>2/08/2023</a:t>
+              <a:t>3/08/2023</a:t>
             </a:fld>
             <a:endParaRPr lang="en-AU"/>
           </a:p>
@@ -8320,7 +8331,7 @@
           <a:p>
             <a:fld id="{AFC0772B-B1F5-4297-B0F2-E59C48C63404}" type="datetimeFigureOut">
               <a:rPr lang="en-AU" smtClean="0"/>
-              <a:t>2/08/2023</a:t>
+              <a:t>3/08/2023</a:t>
             </a:fld>
             <a:endParaRPr lang="en-AU"/>
           </a:p>
@@ -8415,7 +8426,7 @@
           <a:p>
             <a:fld id="{AFC0772B-B1F5-4297-B0F2-E59C48C63404}" type="datetimeFigureOut">
               <a:rPr lang="en-AU" smtClean="0"/>
-              <a:t>2/08/2023</a:t>
+              <a:t>3/08/2023</a:t>
             </a:fld>
             <a:endParaRPr lang="en-AU"/>
           </a:p>
@@ -8664,7 +8675,7 @@
           <a:p>
             <a:fld id="{AFC0772B-B1F5-4297-B0F2-E59C48C63404}" type="datetimeFigureOut">
               <a:rPr lang="en-AU" smtClean="0"/>
-              <a:t>2/08/2023</a:t>
+              <a:t>3/08/2023</a:t>
             </a:fld>
             <a:endParaRPr lang="en-AU"/>
           </a:p>
@@ -8944,7 +8955,7 @@
           <a:p>
             <a:fld id="{AFC0772B-B1F5-4297-B0F2-E59C48C63404}" type="datetimeFigureOut">
               <a:rPr lang="en-AU" smtClean="0"/>
-              <a:t>2/08/2023</a:t>
+              <a:t>3/08/2023</a:t>
             </a:fld>
             <a:endParaRPr lang="en-AU"/>
           </a:p>
@@ -9060,7 +9071,7 @@
           <a:noFill/>
           <a:extLst>
             <a:ext uri="{909E8E84-426E-40dd-AFC4-6F175D3DCCD1}">
-              <a14:hiddenFill xmlns="" xmlns:a14="http://schemas.microsoft.com/office/drawing/2010/main">
+              <a14:hiddenFill xmlns:a14="http://schemas.microsoft.com/office/drawing/2010/main" xmlns="">
                 <a:solidFill>
                   <a:srgbClr val="FFFFFF"/>
                 </a:solidFill>
@@ -9134,7 +9145,7 @@
               </a:ln>
               <a:extLst>
                 <a:ext uri="{91240B29-F687-4f45-9708-019B960494DF}">
-                  <a14:hiddenLine xmlns="" xmlns:a14="http://schemas.microsoft.com/office/drawing/2010/main" w="9525">
+                  <a14:hiddenLine xmlns:a14="http://schemas.microsoft.com/office/drawing/2010/main" xmlns="" w="9525">
                     <a:solidFill>
                       <a:srgbClr val="000000"/>
                     </a:solidFill>
@@ -9224,7 +9235,7 @@
               </a:ln>
               <a:extLst>
                 <a:ext uri="{91240B29-F687-4f45-9708-019B960494DF}">
-                  <a14:hiddenLine xmlns="" xmlns:a14="http://schemas.microsoft.com/office/drawing/2010/main" w="9525">
+                  <a14:hiddenLine xmlns:a14="http://schemas.microsoft.com/office/drawing/2010/main" xmlns="" w="9525">
                     <a:solidFill>
                       <a:srgbClr val="000000"/>
                     </a:solidFill>
@@ -9314,7 +9325,7 @@
               </a:ln>
               <a:extLst>
                 <a:ext uri="{91240B29-F687-4f45-9708-019B960494DF}">
-                  <a14:hiddenLine xmlns="" xmlns:a14="http://schemas.microsoft.com/office/drawing/2010/main" w="9525">
+                  <a14:hiddenLine xmlns:a14="http://schemas.microsoft.com/office/drawing/2010/main" xmlns="" w="9525">
                     <a:solidFill>
                       <a:srgbClr val="000000"/>
                     </a:solidFill>
@@ -9376,7 +9387,7 @@
               </a:ln>
               <a:extLst>
                 <a:ext uri="{91240B29-F687-4f45-9708-019B960494DF}">
-                  <a14:hiddenLine xmlns="" xmlns:a14="http://schemas.microsoft.com/office/drawing/2010/main" w="9525">
+                  <a14:hiddenLine xmlns:a14="http://schemas.microsoft.com/office/drawing/2010/main" xmlns="" w="9525">
                     <a:solidFill>
                       <a:srgbClr val="000000"/>
                     </a:solidFill>
@@ -9466,7 +9477,7 @@
               </a:ln>
               <a:extLst>
                 <a:ext uri="{91240B29-F687-4f45-9708-019B960494DF}">
-                  <a14:hiddenLine xmlns="" xmlns:a14="http://schemas.microsoft.com/office/drawing/2010/main" w="9525">
+                  <a14:hiddenLine xmlns:a14="http://schemas.microsoft.com/office/drawing/2010/main" xmlns="" w="9525">
                     <a:solidFill>
                       <a:srgbClr val="000000"/>
                     </a:solidFill>
@@ -9528,7 +9539,7 @@
               </a:ln>
               <a:extLst>
                 <a:ext uri="{91240B29-F687-4f45-9708-019B960494DF}">
-                  <a14:hiddenLine xmlns="" xmlns:a14="http://schemas.microsoft.com/office/drawing/2010/main" w="9525">
+                  <a14:hiddenLine xmlns:a14="http://schemas.microsoft.com/office/drawing/2010/main" xmlns="" w="9525">
                     <a:solidFill>
                       <a:srgbClr val="000000"/>
                     </a:solidFill>
@@ -9590,7 +9601,7 @@
               </a:ln>
               <a:extLst>
                 <a:ext uri="{91240B29-F687-4f45-9708-019B960494DF}">
-                  <a14:hiddenLine xmlns="" xmlns:a14="http://schemas.microsoft.com/office/drawing/2010/main" w="9525">
+                  <a14:hiddenLine xmlns:a14="http://schemas.microsoft.com/office/drawing/2010/main" xmlns="" w="9525">
                     <a:solidFill>
                       <a:srgbClr val="000000"/>
                     </a:solidFill>
@@ -9680,7 +9691,7 @@
               </a:ln>
               <a:extLst>
                 <a:ext uri="{91240B29-F687-4f45-9708-019B960494DF}">
-                  <a14:hiddenLine xmlns="" xmlns:a14="http://schemas.microsoft.com/office/drawing/2010/main" w="9525">
+                  <a14:hiddenLine xmlns:a14="http://schemas.microsoft.com/office/drawing/2010/main" xmlns="" w="9525">
                     <a:solidFill>
                       <a:srgbClr val="000000"/>
                     </a:solidFill>
@@ -9770,7 +9781,7 @@
               </a:ln>
               <a:extLst>
                 <a:ext uri="{91240B29-F687-4f45-9708-019B960494DF}">
-                  <a14:hiddenLine xmlns="" xmlns:a14="http://schemas.microsoft.com/office/drawing/2010/main" w="9525">
+                  <a14:hiddenLine xmlns:a14="http://schemas.microsoft.com/office/drawing/2010/main" xmlns="" w="9525">
                     <a:solidFill>
                       <a:srgbClr val="000000"/>
                     </a:solidFill>
@@ -9832,7 +9843,7 @@
               </a:ln>
               <a:extLst>
                 <a:ext uri="{91240B29-F687-4f45-9708-019B960494DF}">
-                  <a14:hiddenLine xmlns="" xmlns:a14="http://schemas.microsoft.com/office/drawing/2010/main" w="9525">
+                  <a14:hiddenLine xmlns:a14="http://schemas.microsoft.com/office/drawing/2010/main" xmlns="" w="9525">
                     <a:solidFill>
                       <a:srgbClr val="000000"/>
                     </a:solidFill>
@@ -9942,7 +9953,7 @@
               </a:ln>
               <a:extLst>
                 <a:ext uri="{91240B29-F687-4f45-9708-019B960494DF}">
-                  <a14:hiddenLine xmlns="" xmlns:a14="http://schemas.microsoft.com/office/drawing/2010/main" w="9525">
+                  <a14:hiddenLine xmlns:a14="http://schemas.microsoft.com/office/drawing/2010/main" xmlns="" w="9525">
                     <a:solidFill>
                       <a:srgbClr val="000000"/>
                     </a:solidFill>
@@ -10026,7 +10037,7 @@
               </a:ln>
               <a:extLst>
                 <a:ext uri="{91240B29-F687-4f45-9708-019B960494DF}">
-                  <a14:hiddenLine xmlns="" xmlns:a14="http://schemas.microsoft.com/office/drawing/2010/main" w="9525">
+                  <a14:hiddenLine xmlns:a14="http://schemas.microsoft.com/office/drawing/2010/main" xmlns="" w="9525">
                     <a:solidFill>
                       <a:srgbClr val="000000"/>
                     </a:solidFill>
@@ -10088,7 +10099,7 @@
               </a:ln>
               <a:extLst>
                 <a:ext uri="{91240B29-F687-4f45-9708-019B960494DF}">
-                  <a14:hiddenLine xmlns="" xmlns:a14="http://schemas.microsoft.com/office/drawing/2010/main" w="9525">
+                  <a14:hiddenLine xmlns:a14="http://schemas.microsoft.com/office/drawing/2010/main" xmlns="" w="9525">
                     <a:solidFill>
                       <a:srgbClr val="000000"/>
                     </a:solidFill>
@@ -10150,7 +10161,7 @@
               </a:ln>
               <a:extLst>
                 <a:ext uri="{91240B29-F687-4f45-9708-019B960494DF}">
-                  <a14:hiddenLine xmlns="" xmlns:a14="http://schemas.microsoft.com/office/drawing/2010/main" w="9525">
+                  <a14:hiddenLine xmlns:a14="http://schemas.microsoft.com/office/drawing/2010/main" xmlns="" w="9525">
                     <a:solidFill>
                       <a:srgbClr val="000000"/>
                     </a:solidFill>
@@ -10240,7 +10251,7 @@
               </a:ln>
               <a:extLst>
                 <a:ext uri="{91240B29-F687-4f45-9708-019B960494DF}">
-                  <a14:hiddenLine xmlns="" xmlns:a14="http://schemas.microsoft.com/office/drawing/2010/main" w="9525">
+                  <a14:hiddenLine xmlns:a14="http://schemas.microsoft.com/office/drawing/2010/main" xmlns="" w="9525">
                     <a:solidFill>
                       <a:srgbClr val="000000"/>
                     </a:solidFill>
@@ -10274,7 +10285,7 @@
               </a:ln>
               <a:extLst>
                 <a:ext uri="{91240B29-F687-4f45-9708-019B960494DF}">
-                  <a14:hiddenLine xmlns="" xmlns:a14="http://schemas.microsoft.com/office/drawing/2010/main" w="9525">
+                  <a14:hiddenLine xmlns:a14="http://schemas.microsoft.com/office/drawing/2010/main" xmlns="" w="9525">
                     <a:solidFill>
                       <a:srgbClr val="000000"/>
                     </a:solidFill>
@@ -10339,7 +10350,7 @@
               </a:ln>
               <a:extLst>
                 <a:ext uri="{91240B29-F687-4f45-9708-019B960494DF}">
-                  <a14:hiddenLine xmlns="" xmlns:a14="http://schemas.microsoft.com/office/drawing/2010/main" w="9525">
+                  <a14:hiddenLine xmlns:a14="http://schemas.microsoft.com/office/drawing/2010/main" xmlns="" w="9525">
                     <a:solidFill>
                       <a:srgbClr val="000000"/>
                     </a:solidFill>
@@ -10429,7 +10440,7 @@
               </a:ln>
               <a:extLst>
                 <a:ext uri="{91240B29-F687-4f45-9708-019B960494DF}">
-                  <a14:hiddenLine xmlns="" xmlns:a14="http://schemas.microsoft.com/office/drawing/2010/main" w="9525">
+                  <a14:hiddenLine xmlns:a14="http://schemas.microsoft.com/office/drawing/2010/main" xmlns="" w="9525">
                     <a:solidFill>
                       <a:srgbClr val="000000"/>
                     </a:solidFill>
@@ -10491,7 +10502,7 @@
               </a:ln>
               <a:extLst>
                 <a:ext uri="{91240B29-F687-4f45-9708-019B960494DF}">
-                  <a14:hiddenLine xmlns="" xmlns:a14="http://schemas.microsoft.com/office/drawing/2010/main" w="9525">
+                  <a14:hiddenLine xmlns:a14="http://schemas.microsoft.com/office/drawing/2010/main" xmlns="" w="9525">
                     <a:solidFill>
                       <a:srgbClr val="000000"/>
                     </a:solidFill>
@@ -10581,7 +10592,7 @@
               </a:ln>
               <a:extLst>
                 <a:ext uri="{91240B29-F687-4f45-9708-019B960494DF}">
-                  <a14:hiddenLine xmlns="" xmlns:a14="http://schemas.microsoft.com/office/drawing/2010/main" w="9525">
+                  <a14:hiddenLine xmlns:a14="http://schemas.microsoft.com/office/drawing/2010/main" xmlns="" w="9525">
                     <a:solidFill>
                       <a:srgbClr val="000000"/>
                     </a:solidFill>
@@ -10646,7 +10657,7 @@
               </a:ln>
               <a:extLst>
                 <a:ext uri="{91240B29-F687-4f45-9708-019B960494DF}">
-                  <a14:hiddenLine xmlns="" xmlns:a14="http://schemas.microsoft.com/office/drawing/2010/main" w="9525">
+                  <a14:hiddenLine xmlns:a14="http://schemas.microsoft.com/office/drawing/2010/main" xmlns="" w="9525">
                     <a:solidFill>
                       <a:srgbClr val="000000"/>
                     </a:solidFill>
@@ -10708,7 +10719,7 @@
               </a:ln>
               <a:extLst>
                 <a:ext uri="{91240B29-F687-4f45-9708-019B960494DF}">
-                  <a14:hiddenLine xmlns="" xmlns:a14="http://schemas.microsoft.com/office/drawing/2010/main" w="9525">
+                  <a14:hiddenLine xmlns:a14="http://schemas.microsoft.com/office/drawing/2010/main" xmlns="" w="9525">
                     <a:solidFill>
                       <a:srgbClr val="000000"/>
                     </a:solidFill>
@@ -10798,7 +10809,7 @@
               </a:ln>
               <a:extLst>
                 <a:ext uri="{91240B29-F687-4f45-9708-019B960494DF}">
-                  <a14:hiddenLine xmlns="" xmlns:a14="http://schemas.microsoft.com/office/drawing/2010/main" w="9525">
+                  <a14:hiddenLine xmlns:a14="http://schemas.microsoft.com/office/drawing/2010/main" xmlns="" w="9525">
                     <a:solidFill>
                       <a:srgbClr val="000000"/>
                     </a:solidFill>
@@ -10888,7 +10899,7 @@
               </a:ln>
               <a:extLst>
                 <a:ext uri="{91240B29-F687-4f45-9708-019B960494DF}">
-                  <a14:hiddenLine xmlns="" xmlns:a14="http://schemas.microsoft.com/office/drawing/2010/main" w="9525">
+                  <a14:hiddenLine xmlns:a14="http://schemas.microsoft.com/office/drawing/2010/main" xmlns="" w="9525">
                     <a:solidFill>
                       <a:srgbClr val="000000"/>
                     </a:solidFill>
@@ -10953,7 +10964,7 @@
               </a:ln>
               <a:extLst>
                 <a:ext uri="{91240B29-F687-4f45-9708-019B960494DF}">
-                  <a14:hiddenLine xmlns="" xmlns:a14="http://schemas.microsoft.com/office/drawing/2010/main" w="9525">
+                  <a14:hiddenLine xmlns:a14="http://schemas.microsoft.com/office/drawing/2010/main" xmlns="" w="9525">
                     <a:solidFill>
                       <a:srgbClr val="000000"/>
                     </a:solidFill>
@@ -11073,7 +11084,7 @@
               </a:ln>
               <a:extLst>
                 <a:ext uri="{91240B29-F687-4f45-9708-019B960494DF}">
-                  <a14:hiddenLine xmlns="" xmlns:a14="http://schemas.microsoft.com/office/drawing/2010/main" w="9525">
+                  <a14:hiddenLine xmlns:a14="http://schemas.microsoft.com/office/drawing/2010/main" xmlns="" w="9525">
                     <a:solidFill>
                       <a:srgbClr val="000000"/>
                     </a:solidFill>
@@ -11171,7 +11182,7 @@
               </a:ln>
               <a:extLst>
                 <a:ext uri="{91240B29-F687-4f45-9708-019B960494DF}">
-                  <a14:hiddenLine xmlns="" xmlns:a14="http://schemas.microsoft.com/office/drawing/2010/main" w="9525">
+                  <a14:hiddenLine xmlns:a14="http://schemas.microsoft.com/office/drawing/2010/main" xmlns="" w="9525">
                     <a:solidFill>
                       <a:srgbClr val="000000"/>
                     </a:solidFill>
@@ -11286,7 +11297,7 @@
               </a:ln>
               <a:extLst>
                 <a:ext uri="{91240B29-F687-4f45-9708-019B960494DF}">
-                  <a14:hiddenLine xmlns="" xmlns:a14="http://schemas.microsoft.com/office/drawing/2010/main" w="9525">
+                  <a14:hiddenLine xmlns:a14="http://schemas.microsoft.com/office/drawing/2010/main" xmlns="" w="9525">
                     <a:solidFill>
                       <a:srgbClr val="000000"/>
                     </a:solidFill>
@@ -11376,7 +11387,7 @@
               </a:ln>
               <a:extLst>
                 <a:ext uri="{91240B29-F687-4f45-9708-019B960494DF}">
-                  <a14:hiddenLine xmlns="" xmlns:a14="http://schemas.microsoft.com/office/drawing/2010/main" w="9525">
+                  <a14:hiddenLine xmlns:a14="http://schemas.microsoft.com/office/drawing/2010/main" xmlns="" w="9525">
                     <a:solidFill>
                       <a:srgbClr val="000000"/>
                     </a:solidFill>
@@ -11441,7 +11452,7 @@
               </a:ln>
               <a:extLst>
                 <a:ext uri="{91240B29-F687-4f45-9708-019B960494DF}">
-                  <a14:hiddenLine xmlns="" xmlns:a14="http://schemas.microsoft.com/office/drawing/2010/main" w="9525">
+                  <a14:hiddenLine xmlns:a14="http://schemas.microsoft.com/office/drawing/2010/main" xmlns="" w="9525">
                     <a:solidFill>
                       <a:srgbClr val="000000"/>
                     </a:solidFill>
@@ -11531,7 +11542,7 @@
               </a:ln>
               <a:extLst>
                 <a:ext uri="{91240B29-F687-4f45-9708-019B960494DF}">
-                  <a14:hiddenLine xmlns="" xmlns:a14="http://schemas.microsoft.com/office/drawing/2010/main" w="9525">
+                  <a14:hiddenLine xmlns:a14="http://schemas.microsoft.com/office/drawing/2010/main" xmlns="" w="9525">
                     <a:solidFill>
                       <a:srgbClr val="000000"/>
                     </a:solidFill>
@@ -11599,7 +11610,7 @@
               </a:ln>
               <a:extLst>
                 <a:ext uri="{91240B29-F687-4f45-9708-019B960494DF}">
-                  <a14:hiddenLine xmlns="" xmlns:a14="http://schemas.microsoft.com/office/drawing/2010/main" w="9525">
+                  <a14:hiddenLine xmlns:a14="http://schemas.microsoft.com/office/drawing/2010/main" xmlns="" w="9525">
                     <a:solidFill>
                       <a:srgbClr val="000000"/>
                     </a:solidFill>
@@ -11689,7 +11700,7 @@
               </a:ln>
               <a:extLst>
                 <a:ext uri="{91240B29-F687-4f45-9708-019B960494DF}">
-                  <a14:hiddenLine xmlns="" xmlns:a14="http://schemas.microsoft.com/office/drawing/2010/main" w="9525">
+                  <a14:hiddenLine xmlns:a14="http://schemas.microsoft.com/office/drawing/2010/main" xmlns="" w="9525">
                     <a:solidFill>
                       <a:srgbClr val="000000"/>
                     </a:solidFill>
@@ -11757,7 +11768,7 @@
               </a:ln>
               <a:extLst>
                 <a:ext uri="{91240B29-F687-4f45-9708-019B960494DF}">
-                  <a14:hiddenLine xmlns="" xmlns:a14="http://schemas.microsoft.com/office/drawing/2010/main" w="9525">
+                  <a14:hiddenLine xmlns:a14="http://schemas.microsoft.com/office/drawing/2010/main" xmlns="" w="9525">
                     <a:solidFill>
                       <a:srgbClr val="000000"/>
                     </a:solidFill>
@@ -11847,7 +11858,7 @@
               </a:ln>
               <a:extLst>
                 <a:ext uri="{91240B29-F687-4f45-9708-019B960494DF}">
-                  <a14:hiddenLine xmlns="" xmlns:a14="http://schemas.microsoft.com/office/drawing/2010/main" w="9525">
+                  <a14:hiddenLine xmlns:a14="http://schemas.microsoft.com/office/drawing/2010/main" xmlns="" w="9525">
                     <a:solidFill>
                       <a:srgbClr val="000000"/>
                     </a:solidFill>
@@ -11881,7 +11892,7 @@
               </a:ln>
               <a:extLst>
                 <a:ext uri="{91240B29-F687-4f45-9708-019B960494DF}">
-                  <a14:hiddenLine xmlns="" xmlns:a14="http://schemas.microsoft.com/office/drawing/2010/main" w="9525">
+                  <a14:hiddenLine xmlns:a14="http://schemas.microsoft.com/office/drawing/2010/main" xmlns="" w="9525">
                     <a:solidFill>
                       <a:srgbClr val="000000"/>
                     </a:solidFill>
@@ -12021,7 +12032,7 @@
           <a:p>
             <a:fld id="{AFC0772B-B1F5-4297-B0F2-E59C48C63404}" type="datetimeFigureOut">
               <a:rPr lang="en-AU" smtClean="0"/>
-              <a:t>2/08/2023</a:t>
+              <a:t>3/08/2023</a:t>
             </a:fld>
             <a:endParaRPr lang="en-AU"/>
           </a:p>
@@ -12512,6 +12523,721 @@
 </p:sld>
 </file>
 
+<file path=ppt/slides/slide10.xml><?xml version="1.0" encoding="utf-8"?>
+<p:sld xmlns:a="http://schemas.openxmlformats.org/drawingml/2006/main" xmlns:r="http://schemas.openxmlformats.org/officeDocument/2006/relationships" xmlns:p="http://schemas.openxmlformats.org/presentationml/2006/main">
+  <p:cSld>
+    <p:spTree>
+      <p:nvGrpSpPr>
+        <p:cNvPr id="1" name=""/>
+        <p:cNvGrpSpPr/>
+        <p:nvPr/>
+      </p:nvGrpSpPr>
+      <p:grpSpPr>
+        <a:xfrm>
+          <a:off x="0" y="0"/>
+          <a:ext cx="0" cy="0"/>
+          <a:chOff x="0" y="0"/>
+          <a:chExt cx="0" cy="0"/>
+        </a:xfrm>
+      </p:grpSpPr>
+      <p:sp>
+        <p:nvSpPr>
+          <p:cNvPr id="2" name="Title 1">
+            <a:extLst>
+              <a:ext uri="{FF2B5EF4-FFF2-40B4-BE49-F238E27FC236}">
+                <a16:creationId xmlns:a16="http://schemas.microsoft.com/office/drawing/2014/main" id="{D344B654-D41C-55D1-31F7-F53F29C9BDB3}"/>
+              </a:ext>
+            </a:extLst>
+          </p:cNvPr>
+          <p:cNvSpPr>
+            <a:spLocks noGrp="1"/>
+          </p:cNvSpPr>
+          <p:nvPr>
+            <p:ph type="title"/>
+          </p:nvPr>
+        </p:nvSpPr>
+        <p:spPr/>
+        <p:txBody>
+          <a:bodyPr/>
+          <a:lstStyle/>
+          <a:p>
+            <a:r>
+              <a:rPr lang="en-US" dirty="0"/>
+              <a:t>Fourth Gen of Home Consoles</a:t>
+            </a:r>
+            <a:endParaRPr lang="en-AU" dirty="0"/>
+          </a:p>
+        </p:txBody>
+      </p:sp>
+      <p:sp>
+        <p:nvSpPr>
+          <p:cNvPr id="3" name="Content Placeholder 2">
+            <a:extLst>
+              <a:ext uri="{FF2B5EF4-FFF2-40B4-BE49-F238E27FC236}">
+                <a16:creationId xmlns:a16="http://schemas.microsoft.com/office/drawing/2014/main" id="{20E8B8AA-8223-7DD8-4673-67924AB79D9E}"/>
+              </a:ext>
+            </a:extLst>
+          </p:cNvPr>
+          <p:cNvSpPr>
+            <a:spLocks noGrp="1"/>
+          </p:cNvSpPr>
+          <p:nvPr>
+            <p:ph idx="1"/>
+          </p:nvPr>
+        </p:nvSpPr>
+        <p:spPr/>
+        <p:txBody>
+          <a:bodyPr/>
+          <a:lstStyle/>
+          <a:p>
+            <a:endParaRPr lang="en-AU"/>
+          </a:p>
+        </p:txBody>
+      </p:sp>
+    </p:spTree>
+    <p:extLst>
+      <p:ext uri="{BB962C8B-B14F-4D97-AF65-F5344CB8AC3E}">
+        <p14:creationId xmlns:p14="http://schemas.microsoft.com/office/powerpoint/2010/main" val="3759885934"/>
+      </p:ext>
+    </p:extLst>
+  </p:cSld>
+  <p:clrMapOvr>
+    <a:masterClrMapping/>
+  </p:clrMapOvr>
+</p:sld>
+</file>
+
+<file path=ppt/slides/slide11.xml><?xml version="1.0" encoding="utf-8"?>
+<p:sld xmlns:a="http://schemas.openxmlformats.org/drawingml/2006/main" xmlns:r="http://schemas.openxmlformats.org/officeDocument/2006/relationships" xmlns:p="http://schemas.openxmlformats.org/presentationml/2006/main">
+  <p:cSld>
+    <p:spTree>
+      <p:nvGrpSpPr>
+        <p:cNvPr id="1" name=""/>
+        <p:cNvGrpSpPr/>
+        <p:nvPr/>
+      </p:nvGrpSpPr>
+      <p:grpSpPr>
+        <a:xfrm>
+          <a:off x="0" y="0"/>
+          <a:ext cx="0" cy="0"/>
+          <a:chOff x="0" y="0"/>
+          <a:chExt cx="0" cy="0"/>
+        </a:xfrm>
+      </p:grpSpPr>
+      <p:sp>
+        <p:nvSpPr>
+          <p:cNvPr id="2" name="Title 1">
+            <a:extLst>
+              <a:ext uri="{FF2B5EF4-FFF2-40B4-BE49-F238E27FC236}">
+                <a16:creationId xmlns:a16="http://schemas.microsoft.com/office/drawing/2014/main" id="{F3EC2E3E-4F3E-E239-DD48-45E3829D466A}"/>
+              </a:ext>
+            </a:extLst>
+          </p:cNvPr>
+          <p:cNvSpPr>
+            <a:spLocks noGrp="1"/>
+          </p:cNvSpPr>
+          <p:nvPr>
+            <p:ph type="title"/>
+          </p:nvPr>
+        </p:nvSpPr>
+        <p:spPr/>
+        <p:txBody>
+          <a:bodyPr/>
+          <a:lstStyle/>
+          <a:p>
+            <a:endParaRPr lang="en-AU"/>
+          </a:p>
+        </p:txBody>
+      </p:sp>
+      <p:sp>
+        <p:nvSpPr>
+          <p:cNvPr id="3" name="Content Placeholder 2">
+            <a:extLst>
+              <a:ext uri="{FF2B5EF4-FFF2-40B4-BE49-F238E27FC236}">
+                <a16:creationId xmlns:a16="http://schemas.microsoft.com/office/drawing/2014/main" id="{F75F8B22-8771-759B-B94B-3A8326928428}"/>
+              </a:ext>
+            </a:extLst>
+          </p:cNvPr>
+          <p:cNvSpPr>
+            <a:spLocks noGrp="1"/>
+          </p:cNvSpPr>
+          <p:nvPr>
+            <p:ph idx="1"/>
+          </p:nvPr>
+        </p:nvSpPr>
+        <p:spPr/>
+        <p:txBody>
+          <a:bodyPr/>
+          <a:lstStyle/>
+          <a:p>
+            <a:endParaRPr lang="en-AU"/>
+          </a:p>
+        </p:txBody>
+      </p:sp>
+    </p:spTree>
+    <p:extLst>
+      <p:ext uri="{BB962C8B-B14F-4D97-AF65-F5344CB8AC3E}">
+        <p14:creationId xmlns:p14="http://schemas.microsoft.com/office/powerpoint/2010/main" val="4021199030"/>
+      </p:ext>
+    </p:extLst>
+  </p:cSld>
+  <p:clrMapOvr>
+    <a:masterClrMapping/>
+  </p:clrMapOvr>
+</p:sld>
+</file>
+
+<file path=ppt/slides/slide12.xml><?xml version="1.0" encoding="utf-8"?>
+<p:sld xmlns:a="http://schemas.openxmlformats.org/drawingml/2006/main" xmlns:r="http://schemas.openxmlformats.org/officeDocument/2006/relationships" xmlns:p="http://schemas.openxmlformats.org/presentationml/2006/main">
+  <p:cSld>
+    <p:spTree>
+      <p:nvGrpSpPr>
+        <p:cNvPr id="1" name=""/>
+        <p:cNvGrpSpPr/>
+        <p:nvPr/>
+      </p:nvGrpSpPr>
+      <p:grpSpPr>
+        <a:xfrm>
+          <a:off x="0" y="0"/>
+          <a:ext cx="0" cy="0"/>
+          <a:chOff x="0" y="0"/>
+          <a:chExt cx="0" cy="0"/>
+        </a:xfrm>
+      </p:grpSpPr>
+      <p:sp>
+        <p:nvSpPr>
+          <p:cNvPr id="2" name="Title 1">
+            <a:extLst>
+              <a:ext uri="{FF2B5EF4-FFF2-40B4-BE49-F238E27FC236}">
+                <a16:creationId xmlns:a16="http://schemas.microsoft.com/office/drawing/2014/main" id="{33FDC906-82C1-883D-3A09-E2D11034A801}"/>
+              </a:ext>
+            </a:extLst>
+          </p:cNvPr>
+          <p:cNvSpPr>
+            <a:spLocks noGrp="1"/>
+          </p:cNvSpPr>
+          <p:nvPr>
+            <p:ph type="title"/>
+          </p:nvPr>
+        </p:nvSpPr>
+        <p:spPr/>
+        <p:txBody>
+          <a:bodyPr/>
+          <a:lstStyle/>
+          <a:p>
+            <a:endParaRPr lang="en-AU"/>
+          </a:p>
+        </p:txBody>
+      </p:sp>
+      <p:sp>
+        <p:nvSpPr>
+          <p:cNvPr id="3" name="Content Placeholder 2">
+            <a:extLst>
+              <a:ext uri="{FF2B5EF4-FFF2-40B4-BE49-F238E27FC236}">
+                <a16:creationId xmlns:a16="http://schemas.microsoft.com/office/drawing/2014/main" id="{84340913-67F0-0FE3-ADCE-1FC379F3F2E3}"/>
+              </a:ext>
+            </a:extLst>
+          </p:cNvPr>
+          <p:cNvSpPr>
+            <a:spLocks noGrp="1"/>
+          </p:cNvSpPr>
+          <p:nvPr>
+            <p:ph idx="1"/>
+          </p:nvPr>
+        </p:nvSpPr>
+        <p:spPr/>
+        <p:txBody>
+          <a:bodyPr/>
+          <a:lstStyle/>
+          <a:p>
+            <a:endParaRPr lang="en-AU"/>
+          </a:p>
+        </p:txBody>
+      </p:sp>
+    </p:spTree>
+    <p:extLst>
+      <p:ext uri="{BB962C8B-B14F-4D97-AF65-F5344CB8AC3E}">
+        <p14:creationId xmlns:p14="http://schemas.microsoft.com/office/powerpoint/2010/main" val="401318501"/>
+      </p:ext>
+    </p:extLst>
+  </p:cSld>
+  <p:clrMapOvr>
+    <a:masterClrMapping/>
+  </p:clrMapOvr>
+</p:sld>
+</file>
+
+<file path=ppt/slides/slide13.xml><?xml version="1.0" encoding="utf-8"?>
+<p:sld xmlns:a="http://schemas.openxmlformats.org/drawingml/2006/main" xmlns:r="http://schemas.openxmlformats.org/officeDocument/2006/relationships" xmlns:p="http://schemas.openxmlformats.org/presentationml/2006/main">
+  <p:cSld>
+    <p:spTree>
+      <p:nvGrpSpPr>
+        <p:cNvPr id="1" name=""/>
+        <p:cNvGrpSpPr/>
+        <p:nvPr/>
+      </p:nvGrpSpPr>
+      <p:grpSpPr>
+        <a:xfrm>
+          <a:off x="0" y="0"/>
+          <a:ext cx="0" cy="0"/>
+          <a:chOff x="0" y="0"/>
+          <a:chExt cx="0" cy="0"/>
+        </a:xfrm>
+      </p:grpSpPr>
+      <p:sp>
+        <p:nvSpPr>
+          <p:cNvPr id="2" name="Title 1">
+            <a:extLst>
+              <a:ext uri="{FF2B5EF4-FFF2-40B4-BE49-F238E27FC236}">
+                <a16:creationId xmlns:a16="http://schemas.microsoft.com/office/drawing/2014/main" id="{57555319-6F77-8188-90B7-6B6A831A275C}"/>
+              </a:ext>
+            </a:extLst>
+          </p:cNvPr>
+          <p:cNvSpPr>
+            <a:spLocks noGrp="1"/>
+          </p:cNvSpPr>
+          <p:nvPr>
+            <p:ph type="title"/>
+          </p:nvPr>
+        </p:nvSpPr>
+        <p:spPr/>
+        <p:txBody>
+          <a:bodyPr/>
+          <a:lstStyle/>
+          <a:p>
+            <a:endParaRPr lang="en-AU"/>
+          </a:p>
+        </p:txBody>
+      </p:sp>
+      <p:sp>
+        <p:nvSpPr>
+          <p:cNvPr id="3" name="Content Placeholder 2">
+            <a:extLst>
+              <a:ext uri="{FF2B5EF4-FFF2-40B4-BE49-F238E27FC236}">
+                <a16:creationId xmlns:a16="http://schemas.microsoft.com/office/drawing/2014/main" id="{C6AFEC8E-4E1D-B7FA-F1EC-44F5A388C756}"/>
+              </a:ext>
+            </a:extLst>
+          </p:cNvPr>
+          <p:cNvSpPr>
+            <a:spLocks noGrp="1"/>
+          </p:cNvSpPr>
+          <p:nvPr>
+            <p:ph idx="1"/>
+          </p:nvPr>
+        </p:nvSpPr>
+        <p:spPr/>
+        <p:txBody>
+          <a:bodyPr/>
+          <a:lstStyle/>
+          <a:p>
+            <a:endParaRPr lang="en-AU"/>
+          </a:p>
+        </p:txBody>
+      </p:sp>
+    </p:spTree>
+    <p:extLst>
+      <p:ext uri="{BB962C8B-B14F-4D97-AF65-F5344CB8AC3E}">
+        <p14:creationId xmlns:p14="http://schemas.microsoft.com/office/powerpoint/2010/main" val="3332882149"/>
+      </p:ext>
+    </p:extLst>
+  </p:cSld>
+  <p:clrMapOvr>
+    <a:masterClrMapping/>
+  </p:clrMapOvr>
+</p:sld>
+</file>
+
+<file path=ppt/slides/slide14.xml><?xml version="1.0" encoding="utf-8"?>
+<p:sld xmlns:a="http://schemas.openxmlformats.org/drawingml/2006/main" xmlns:r="http://schemas.openxmlformats.org/officeDocument/2006/relationships" xmlns:p="http://schemas.openxmlformats.org/presentationml/2006/main">
+  <p:cSld>
+    <p:spTree>
+      <p:nvGrpSpPr>
+        <p:cNvPr id="1" name=""/>
+        <p:cNvGrpSpPr/>
+        <p:nvPr/>
+      </p:nvGrpSpPr>
+      <p:grpSpPr>
+        <a:xfrm>
+          <a:off x="0" y="0"/>
+          <a:ext cx="0" cy="0"/>
+          <a:chOff x="0" y="0"/>
+          <a:chExt cx="0" cy="0"/>
+        </a:xfrm>
+      </p:grpSpPr>
+      <p:sp>
+        <p:nvSpPr>
+          <p:cNvPr id="2" name="Title 1">
+            <a:extLst>
+              <a:ext uri="{FF2B5EF4-FFF2-40B4-BE49-F238E27FC236}">
+                <a16:creationId xmlns:a16="http://schemas.microsoft.com/office/drawing/2014/main" id="{657A22EE-1B09-F2BF-DBC3-C18F6E0FE6A0}"/>
+              </a:ext>
+            </a:extLst>
+          </p:cNvPr>
+          <p:cNvSpPr>
+            <a:spLocks noGrp="1"/>
+          </p:cNvSpPr>
+          <p:nvPr>
+            <p:ph type="title"/>
+          </p:nvPr>
+        </p:nvSpPr>
+        <p:spPr/>
+        <p:txBody>
+          <a:bodyPr/>
+          <a:lstStyle/>
+          <a:p>
+            <a:endParaRPr lang="en-AU"/>
+          </a:p>
+        </p:txBody>
+      </p:sp>
+      <p:sp>
+        <p:nvSpPr>
+          <p:cNvPr id="3" name="Content Placeholder 2">
+            <a:extLst>
+              <a:ext uri="{FF2B5EF4-FFF2-40B4-BE49-F238E27FC236}">
+                <a16:creationId xmlns:a16="http://schemas.microsoft.com/office/drawing/2014/main" id="{AD320610-C0BC-7667-3776-45758703A080}"/>
+              </a:ext>
+            </a:extLst>
+          </p:cNvPr>
+          <p:cNvSpPr>
+            <a:spLocks noGrp="1"/>
+          </p:cNvSpPr>
+          <p:nvPr>
+            <p:ph idx="1"/>
+          </p:nvPr>
+        </p:nvSpPr>
+        <p:spPr/>
+        <p:txBody>
+          <a:bodyPr/>
+          <a:lstStyle/>
+          <a:p>
+            <a:endParaRPr lang="en-AU"/>
+          </a:p>
+        </p:txBody>
+      </p:sp>
+    </p:spTree>
+    <p:extLst>
+      <p:ext uri="{BB962C8B-B14F-4D97-AF65-F5344CB8AC3E}">
+        <p14:creationId xmlns:p14="http://schemas.microsoft.com/office/powerpoint/2010/main" val="1700717712"/>
+      </p:ext>
+    </p:extLst>
+  </p:cSld>
+  <p:clrMapOvr>
+    <a:masterClrMapping/>
+  </p:clrMapOvr>
+</p:sld>
+</file>
+
+<file path=ppt/slides/slide15.xml><?xml version="1.0" encoding="utf-8"?>
+<p:sld xmlns:a="http://schemas.openxmlformats.org/drawingml/2006/main" xmlns:r="http://schemas.openxmlformats.org/officeDocument/2006/relationships" xmlns:p="http://schemas.openxmlformats.org/presentationml/2006/main">
+  <p:cSld>
+    <p:spTree>
+      <p:nvGrpSpPr>
+        <p:cNvPr id="1" name=""/>
+        <p:cNvGrpSpPr/>
+        <p:nvPr/>
+      </p:nvGrpSpPr>
+      <p:grpSpPr>
+        <a:xfrm>
+          <a:off x="0" y="0"/>
+          <a:ext cx="0" cy="0"/>
+          <a:chOff x="0" y="0"/>
+          <a:chExt cx="0" cy="0"/>
+        </a:xfrm>
+      </p:grpSpPr>
+      <p:sp>
+        <p:nvSpPr>
+          <p:cNvPr id="2" name="Title 1">
+            <a:extLst>
+              <a:ext uri="{FF2B5EF4-FFF2-40B4-BE49-F238E27FC236}">
+                <a16:creationId xmlns:a16="http://schemas.microsoft.com/office/drawing/2014/main" id="{A1B24B7E-2122-D336-1588-95DD707811C6}"/>
+              </a:ext>
+            </a:extLst>
+          </p:cNvPr>
+          <p:cNvSpPr>
+            <a:spLocks noGrp="1"/>
+          </p:cNvSpPr>
+          <p:nvPr>
+            <p:ph type="title"/>
+          </p:nvPr>
+        </p:nvSpPr>
+        <p:spPr/>
+        <p:txBody>
+          <a:bodyPr/>
+          <a:lstStyle/>
+          <a:p>
+            <a:endParaRPr lang="en-AU"/>
+          </a:p>
+        </p:txBody>
+      </p:sp>
+      <p:sp>
+        <p:nvSpPr>
+          <p:cNvPr id="3" name="Content Placeholder 2">
+            <a:extLst>
+              <a:ext uri="{FF2B5EF4-FFF2-40B4-BE49-F238E27FC236}">
+                <a16:creationId xmlns:a16="http://schemas.microsoft.com/office/drawing/2014/main" id="{89253CB5-6EAA-0FC5-F992-CEEE1DE1645C}"/>
+              </a:ext>
+            </a:extLst>
+          </p:cNvPr>
+          <p:cNvSpPr>
+            <a:spLocks noGrp="1"/>
+          </p:cNvSpPr>
+          <p:nvPr>
+            <p:ph idx="1"/>
+          </p:nvPr>
+        </p:nvSpPr>
+        <p:spPr/>
+        <p:txBody>
+          <a:bodyPr/>
+          <a:lstStyle/>
+          <a:p>
+            <a:endParaRPr lang="en-AU"/>
+          </a:p>
+        </p:txBody>
+      </p:sp>
+    </p:spTree>
+    <p:extLst>
+      <p:ext uri="{BB962C8B-B14F-4D97-AF65-F5344CB8AC3E}">
+        <p14:creationId xmlns:p14="http://schemas.microsoft.com/office/powerpoint/2010/main" val="1219976343"/>
+      </p:ext>
+    </p:extLst>
+  </p:cSld>
+  <p:clrMapOvr>
+    <a:masterClrMapping/>
+  </p:clrMapOvr>
+</p:sld>
+</file>
+
+<file path=ppt/slides/slide16.xml><?xml version="1.0" encoding="utf-8"?>
+<p:sld xmlns:a="http://schemas.openxmlformats.org/drawingml/2006/main" xmlns:r="http://schemas.openxmlformats.org/officeDocument/2006/relationships" xmlns:p="http://schemas.openxmlformats.org/presentationml/2006/main">
+  <p:cSld>
+    <p:spTree>
+      <p:nvGrpSpPr>
+        <p:cNvPr id="1" name=""/>
+        <p:cNvGrpSpPr/>
+        <p:nvPr/>
+      </p:nvGrpSpPr>
+      <p:grpSpPr>
+        <a:xfrm>
+          <a:off x="0" y="0"/>
+          <a:ext cx="0" cy="0"/>
+          <a:chOff x="0" y="0"/>
+          <a:chExt cx="0" cy="0"/>
+        </a:xfrm>
+      </p:grpSpPr>
+      <p:sp>
+        <p:nvSpPr>
+          <p:cNvPr id="2" name="Title 1">
+            <a:extLst>
+              <a:ext uri="{FF2B5EF4-FFF2-40B4-BE49-F238E27FC236}">
+                <a16:creationId xmlns:a16="http://schemas.microsoft.com/office/drawing/2014/main" id="{07070B6A-77B8-14C7-BFEC-B5B46664207F}"/>
+              </a:ext>
+            </a:extLst>
+          </p:cNvPr>
+          <p:cNvSpPr>
+            <a:spLocks noGrp="1"/>
+          </p:cNvSpPr>
+          <p:nvPr>
+            <p:ph type="title"/>
+          </p:nvPr>
+        </p:nvSpPr>
+        <p:spPr/>
+        <p:txBody>
+          <a:bodyPr/>
+          <a:lstStyle/>
+          <a:p>
+            <a:endParaRPr lang="en-AU"/>
+          </a:p>
+        </p:txBody>
+      </p:sp>
+      <p:sp>
+        <p:nvSpPr>
+          <p:cNvPr id="3" name="Content Placeholder 2">
+            <a:extLst>
+              <a:ext uri="{FF2B5EF4-FFF2-40B4-BE49-F238E27FC236}">
+                <a16:creationId xmlns:a16="http://schemas.microsoft.com/office/drawing/2014/main" id="{3DE84E49-9E40-40F0-8D9C-5335D339FD32}"/>
+              </a:ext>
+            </a:extLst>
+          </p:cNvPr>
+          <p:cNvSpPr>
+            <a:spLocks noGrp="1"/>
+          </p:cNvSpPr>
+          <p:nvPr>
+            <p:ph idx="1"/>
+          </p:nvPr>
+        </p:nvSpPr>
+        <p:spPr/>
+        <p:txBody>
+          <a:bodyPr/>
+          <a:lstStyle/>
+          <a:p>
+            <a:endParaRPr lang="en-AU"/>
+          </a:p>
+        </p:txBody>
+      </p:sp>
+    </p:spTree>
+    <p:extLst>
+      <p:ext uri="{BB962C8B-B14F-4D97-AF65-F5344CB8AC3E}">
+        <p14:creationId xmlns:p14="http://schemas.microsoft.com/office/powerpoint/2010/main" val="1663169755"/>
+      </p:ext>
+    </p:extLst>
+  </p:cSld>
+  <p:clrMapOvr>
+    <a:masterClrMapping/>
+  </p:clrMapOvr>
+</p:sld>
+</file>
+
+<file path=ppt/slides/slide17.xml><?xml version="1.0" encoding="utf-8"?>
+<p:sld xmlns:a="http://schemas.openxmlformats.org/drawingml/2006/main" xmlns:r="http://schemas.openxmlformats.org/officeDocument/2006/relationships" xmlns:p="http://schemas.openxmlformats.org/presentationml/2006/main">
+  <p:cSld>
+    <p:spTree>
+      <p:nvGrpSpPr>
+        <p:cNvPr id="1" name=""/>
+        <p:cNvGrpSpPr/>
+        <p:nvPr/>
+      </p:nvGrpSpPr>
+      <p:grpSpPr>
+        <a:xfrm>
+          <a:off x="0" y="0"/>
+          <a:ext cx="0" cy="0"/>
+          <a:chOff x="0" y="0"/>
+          <a:chExt cx="0" cy="0"/>
+        </a:xfrm>
+      </p:grpSpPr>
+      <p:sp>
+        <p:nvSpPr>
+          <p:cNvPr id="2" name="Title 1">
+            <a:extLst>
+              <a:ext uri="{FF2B5EF4-FFF2-40B4-BE49-F238E27FC236}">
+                <a16:creationId xmlns:a16="http://schemas.microsoft.com/office/drawing/2014/main" id="{DB0253E5-BBF5-0885-0DFE-4F3F8C552DEE}"/>
+              </a:ext>
+            </a:extLst>
+          </p:cNvPr>
+          <p:cNvSpPr>
+            <a:spLocks noGrp="1"/>
+          </p:cNvSpPr>
+          <p:nvPr>
+            <p:ph type="title"/>
+          </p:nvPr>
+        </p:nvSpPr>
+        <p:spPr/>
+        <p:txBody>
+          <a:bodyPr/>
+          <a:lstStyle/>
+          <a:p>
+            <a:r>
+              <a:rPr lang="en-US" dirty="0"/>
+              <a:t>References for information.</a:t>
+            </a:r>
+            <a:endParaRPr lang="en-AU" dirty="0"/>
+          </a:p>
+        </p:txBody>
+      </p:sp>
+      <p:sp>
+        <p:nvSpPr>
+          <p:cNvPr id="3" name="Content Placeholder 2">
+            <a:extLst>
+              <a:ext uri="{FF2B5EF4-FFF2-40B4-BE49-F238E27FC236}">
+                <a16:creationId xmlns:a16="http://schemas.microsoft.com/office/drawing/2014/main" id="{3EB98CB3-DDC1-226F-DE8D-AC5126187C12}"/>
+              </a:ext>
+            </a:extLst>
+          </p:cNvPr>
+          <p:cNvSpPr>
+            <a:spLocks noGrp="1"/>
+          </p:cNvSpPr>
+          <p:nvPr>
+            <p:ph idx="1"/>
+          </p:nvPr>
+        </p:nvSpPr>
+        <p:spPr/>
+        <p:txBody>
+          <a:bodyPr/>
+          <a:lstStyle/>
+          <a:p>
+            <a:r>
+              <a:rPr lang="en-US" dirty="0"/>
+              <a:t>Before the first gen of home consoles:</a:t>
+            </a:r>
+          </a:p>
+          <a:p>
+            <a:pPr lvl="1"/>
+            <a:r>
+              <a:rPr lang="en-AU" dirty="0">
+                <a:hlinkClick r:id="rId2"/>
+              </a:rPr>
+              <a:t>https://www.computerhistory.org/timeline/1945/</a:t>
+            </a:r>
+            <a:r>
+              <a:rPr lang="en-US" dirty="0"/>
+              <a:t> </a:t>
+            </a:r>
+          </a:p>
+          <a:p>
+            <a:pPr lvl="1"/>
+            <a:r>
+              <a:rPr lang="en-AU" dirty="0">
+                <a:hlinkClick r:id="rId3"/>
+              </a:rPr>
+              <a:t>https://www.computerhistory.org/timeline/1947/</a:t>
+            </a:r>
+            <a:endParaRPr lang="en-US" dirty="0"/>
+          </a:p>
+          <a:p>
+            <a:pPr lvl="1"/>
+            <a:r>
+              <a:rPr lang="en-AU" dirty="0">
+                <a:hlinkClick r:id="rId4"/>
+              </a:rPr>
+              <a:t>https://www.computerhistory.org/timeline/1948/</a:t>
+            </a:r>
+            <a:endParaRPr lang="en-AU" dirty="0"/>
+          </a:p>
+          <a:p>
+            <a:pPr lvl="1"/>
+            <a:r>
+              <a:rPr lang="en-AU" dirty="0">
+                <a:hlinkClick r:id="rId5"/>
+              </a:rPr>
+              <a:t>https://www.computerhistory.org/timeline/1949/</a:t>
+            </a:r>
+            <a:endParaRPr lang="en-AU" dirty="0"/>
+          </a:p>
+          <a:p>
+            <a:pPr lvl="1"/>
+            <a:r>
+              <a:rPr lang="en-AU" dirty="0">
+                <a:hlinkClick r:id="rId6"/>
+              </a:rPr>
+              <a:t>https://www.computerhistory.org/timeline/1952/</a:t>
+            </a:r>
+            <a:endParaRPr lang="en-AU" dirty="0"/>
+          </a:p>
+          <a:p>
+            <a:pPr lvl="1"/>
+            <a:r>
+              <a:rPr lang="en-AU" dirty="0" err="1"/>
+              <a:t>HistoryOfVideoGames</a:t>
+            </a:r>
+            <a:r>
+              <a:rPr lang="en-AU" dirty="0"/>
+              <a:t> PDF from the learning content on Blackboard.</a:t>
+            </a:r>
+          </a:p>
+        </p:txBody>
+      </p:sp>
+    </p:spTree>
+    <p:extLst>
+      <p:ext uri="{BB962C8B-B14F-4D97-AF65-F5344CB8AC3E}">
+        <p14:creationId xmlns:p14="http://schemas.microsoft.com/office/powerpoint/2010/main" val="58049170"/>
+      </p:ext>
+    </p:extLst>
+  </p:cSld>
+  <p:clrMapOvr>
+    <a:masterClrMapping/>
+  </p:clrMapOvr>
+</p:sld>
+</file>
+
 <file path=ppt/slides/slide2.xml><?xml version="1.0" encoding="utf-8"?>
 <p:sld xmlns:a="http://schemas.openxmlformats.org/drawingml/2006/main" xmlns:r="http://schemas.openxmlformats.org/officeDocument/2006/relationships" xmlns:p="http://schemas.openxmlformats.org/presentationml/2006/main">
   <p:cSld>
@@ -12856,22 +13582,40 @@
             <p:ph idx="1"/>
           </p:nvPr>
         </p:nvSpPr>
-        <p:spPr/>
+        <p:spPr>
+          <a:xfrm>
+            <a:off x="715588" y="2097088"/>
+            <a:ext cx="10757647" cy="4142394"/>
+          </a:xfrm>
+        </p:spPr>
         <p:txBody>
-          <a:bodyPr/>
+          <a:bodyPr>
+            <a:normAutofit/>
+          </a:bodyPr>
           <a:lstStyle/>
           <a:p>
             <a:r>
-              <a:rPr lang="en-US" dirty="0"/>
-              <a:t>1956 was when research started for Direct keyboard input </a:t>
+              <a:rPr lang="en-US" sz="2000" dirty="0"/>
+              <a:t>1954 was the first time seeing a controller consisting of a joystick &amp; knob was developed. This was developed by William Brown &amp; Ted Lewis. This was to demonstrate the MIDSAC computer with a program pool.</a:t>
             </a:r>
+          </a:p>
+          <a:p>
             <a:r>
-              <a:rPr lang="en-US"/>
-              <a:t>to computers.</a:t>
+              <a:rPr lang="en-US" sz="2000" dirty="0"/>
+              <a:t>1956 was when research started for Direct keyboard input to computers.</a:t>
             </a:r>
           </a:p>
           <a:p>
-            <a:endParaRPr lang="en-AU" dirty="0"/>
+            <a:r>
+              <a:rPr lang="en-US" sz="2000" dirty="0"/>
+              <a:t>In 1958 the game Tennis for Two was made. This was the first game to use multiple controllers.</a:t>
+            </a:r>
+          </a:p>
+          <a:p>
+            <a:r>
+              <a:rPr lang="en-AU" sz="2000" dirty="0"/>
+              <a:t>In 1962 the game Spacewar! Was developed. This was the first video game to be played on multiple computer installations.</a:t>
+            </a:r>
           </a:p>
         </p:txBody>
       </p:sp>
@@ -12926,7 +13670,11 @@
           <a:bodyPr/>
           <a:lstStyle/>
           <a:p>
-            <a:endParaRPr lang="en-AU"/>
+            <a:r>
+              <a:rPr lang="en-US" dirty="0"/>
+              <a:t>First Generation of Home Consoles</a:t>
+            </a:r>
+            <a:endParaRPr lang="en-AU" dirty="0"/>
           </a:p>
         </p:txBody>
       </p:sp>
@@ -12946,12 +13694,59 @@
             <p:ph idx="1"/>
           </p:nvPr>
         </p:nvSpPr>
-        <p:spPr/>
+        <p:spPr>
+          <a:xfrm>
+            <a:off x="1141412" y="2097088"/>
+            <a:ext cx="9905999" cy="4142394"/>
+          </a:xfrm>
+        </p:spPr>
         <p:txBody>
-          <a:bodyPr/>
+          <a:bodyPr>
+            <a:normAutofit/>
+          </a:bodyPr>
           <a:lstStyle/>
           <a:p>
-            <a:endParaRPr lang="en-AU"/>
+            <a:r>
+              <a:rPr lang="en-US" sz="2000" dirty="0"/>
+              <a:t>This would include video games &amp; game consoles released between 1972 &amp; 1983</a:t>
+            </a:r>
+          </a:p>
+          <a:p>
+            <a:r>
+              <a:rPr lang="en-US" sz="2000" dirty="0"/>
+              <a:t>This generation was pioneered by companies like Magnavox (Odyssey), Nintendo (Color TV-Game 6) &amp; Atari (Home Pong).</a:t>
+            </a:r>
+          </a:p>
+          <a:p>
+            <a:r>
+              <a:rPr lang="en-US" sz="2000" dirty="0"/>
+              <a:t>The first system/game in 1972 was Odyssey.</a:t>
+            </a:r>
+          </a:p>
+          <a:p>
+            <a:r>
+              <a:rPr lang="en-US" sz="2000" dirty="0"/>
+              <a:t>These used television as the display outputs</a:t>
+            </a:r>
+          </a:p>
+          <a:p>
+            <a:r>
+              <a:rPr lang="en-US" sz="2000" dirty="0"/>
+              <a:t>Some were capable of displaying coloured graphics.</a:t>
+            </a:r>
+          </a:p>
+          <a:p>
+            <a:r>
+              <a:rPr lang="en-US" sz="2000" dirty="0"/>
+              <a:t>The games were programmed directly onto the hardware</a:t>
+            </a:r>
+          </a:p>
+          <a:p>
+            <a:r>
+              <a:rPr lang="en-US" sz="2000" dirty="0"/>
+              <a:t>Some of these used plastic overlays on the screen to give additional graphics.</a:t>
+            </a:r>
+            <a:endParaRPr lang="en-AU" sz="2000" dirty="0"/>
           </a:p>
         </p:txBody>
       </p:sp>
@@ -12990,7 +13785,7 @@
           <p:cNvPr id="2" name="Title 1">
             <a:extLst>
               <a:ext uri="{FF2B5EF4-FFF2-40B4-BE49-F238E27FC236}">
-                <a16:creationId xmlns:a16="http://schemas.microsoft.com/office/drawing/2014/main" id="{DB0253E5-BBF5-0885-0DFE-4F3F8C552DEE}"/>
+                <a16:creationId xmlns:a16="http://schemas.microsoft.com/office/drawing/2014/main" id="{4A4334C7-077B-1AE5-2955-F84E4FA42619}"/>
               </a:ext>
             </a:extLst>
           </p:cNvPr>
@@ -13008,7 +13803,7 @@
           <a:p>
             <a:r>
               <a:rPr lang="en-US" dirty="0"/>
-              <a:t>References for information.</a:t>
+              <a:t>The Golden Age of Arcade Games</a:t>
             </a:r>
             <a:endParaRPr lang="en-AU" dirty="0"/>
           </a:p>
@@ -13019,7 +13814,7 @@
           <p:cNvPr id="3" name="Content Placeholder 2">
             <a:extLst>
               <a:ext uri="{FF2B5EF4-FFF2-40B4-BE49-F238E27FC236}">
-                <a16:creationId xmlns:a16="http://schemas.microsoft.com/office/drawing/2014/main" id="{3EB98CB3-DDC1-226F-DE8D-AC5126187C12}"/>
+                <a16:creationId xmlns:a16="http://schemas.microsoft.com/office/drawing/2014/main" id="{942959D7-0E68-2DF6-6DA4-A4A60580A16C}"/>
               </a:ext>
             </a:extLst>
           </p:cNvPr>
@@ -13037,72 +13832,280 @@
           <a:p>
             <a:r>
               <a:rPr lang="en-US" dirty="0"/>
-              <a:t>Before the first gen of home consoles:</a:t>
-            </a:r>
-          </a:p>
-          <a:p>
-            <a:pPr lvl="1"/>
-            <a:r>
-              <a:rPr lang="en-AU" dirty="0">
-                <a:hlinkClick r:id="rId2"/>
-              </a:rPr>
-              <a:t>https://www.computerhistory.org/timeline/1945/</a:t>
+              <a:t>Between the late 1970s &amp; early 1980s there was a period of rapid growth of technological advancement &amp; cultural influence </a:t>
             </a:r>
             <a:r>
-              <a:rPr lang="en-US" dirty="0"/>
-              <a:t> </a:t>
+              <a:rPr lang="en-US"/>
+              <a:t>of arcade games.</a:t>
             </a:r>
-          </a:p>
-          <a:p>
-            <a:pPr lvl="1"/>
-            <a:r>
-              <a:rPr lang="en-AU" dirty="0">
-                <a:hlinkClick r:id="rId3"/>
-              </a:rPr>
-              <a:t>https://www.computerhistory.org/timeline/1947/</a:t>
-            </a:r>
-            <a:endParaRPr lang="en-US" dirty="0"/>
-          </a:p>
-          <a:p>
-            <a:pPr lvl="1"/>
-            <a:r>
-              <a:rPr lang="en-AU" dirty="0">
-                <a:hlinkClick r:id="rId4"/>
-              </a:rPr>
-              <a:t>https://www.computerhistory.org/timeline/1948/</a:t>
-            </a:r>
-            <a:endParaRPr lang="en-AU" dirty="0"/>
-          </a:p>
-          <a:p>
-            <a:pPr lvl="1"/>
-            <a:r>
-              <a:rPr lang="en-AU" dirty="0">
-                <a:hlinkClick r:id="rId5"/>
-              </a:rPr>
-              <a:t>https://www.computerhistory.org/timeline/1949/</a:t>
-            </a:r>
-            <a:endParaRPr lang="en-AU" dirty="0"/>
-          </a:p>
-          <a:p>
-            <a:pPr lvl="1"/>
-            <a:r>
-              <a:rPr lang="en-AU" dirty="0">
-                <a:hlinkClick r:id="rId6"/>
-              </a:rPr>
-              <a:t>https://www.computerhistory.org/timeline/1952/</a:t>
-            </a:r>
-            <a:endParaRPr lang="en-AU" dirty="0"/>
-          </a:p>
-          <a:p>
-            <a:pPr lvl="1"/>
-            <a:endParaRPr lang="en-AU" dirty="0"/>
+            <a:endParaRPr lang="en-AU"/>
           </a:p>
         </p:txBody>
       </p:sp>
     </p:spTree>
     <p:extLst>
       <p:ext uri="{BB962C8B-B14F-4D97-AF65-F5344CB8AC3E}">
-        <p14:creationId xmlns:p14="http://schemas.microsoft.com/office/powerpoint/2010/main" val="58049170"/>
+        <p14:creationId xmlns:p14="http://schemas.microsoft.com/office/powerpoint/2010/main" val="613769281"/>
+      </p:ext>
+    </p:extLst>
+  </p:cSld>
+  <p:clrMapOvr>
+    <a:masterClrMapping/>
+  </p:clrMapOvr>
+</p:sld>
+</file>
+
+<file path=ppt/slides/slide7.xml><?xml version="1.0" encoding="utf-8"?>
+<p:sld xmlns:a="http://schemas.openxmlformats.org/drawingml/2006/main" xmlns:r="http://schemas.openxmlformats.org/officeDocument/2006/relationships" xmlns:p="http://schemas.openxmlformats.org/presentationml/2006/main">
+  <p:cSld>
+    <p:spTree>
+      <p:nvGrpSpPr>
+        <p:cNvPr id="1" name=""/>
+        <p:cNvGrpSpPr/>
+        <p:nvPr/>
+      </p:nvGrpSpPr>
+      <p:grpSpPr>
+        <a:xfrm>
+          <a:off x="0" y="0"/>
+          <a:ext cx="0" cy="0"/>
+          <a:chOff x="0" y="0"/>
+          <a:chExt cx="0" cy="0"/>
+        </a:xfrm>
+      </p:grpSpPr>
+      <p:sp>
+        <p:nvSpPr>
+          <p:cNvPr id="2" name="Title 1">
+            <a:extLst>
+              <a:ext uri="{FF2B5EF4-FFF2-40B4-BE49-F238E27FC236}">
+                <a16:creationId xmlns:a16="http://schemas.microsoft.com/office/drawing/2014/main" id="{53004AA3-B562-2ECE-8BD7-B1A81CA96C40}"/>
+              </a:ext>
+            </a:extLst>
+          </p:cNvPr>
+          <p:cNvSpPr>
+            <a:spLocks noGrp="1"/>
+          </p:cNvSpPr>
+          <p:nvPr>
+            <p:ph type="title"/>
+          </p:nvPr>
+        </p:nvSpPr>
+        <p:spPr/>
+        <p:txBody>
+          <a:bodyPr/>
+          <a:lstStyle/>
+          <a:p>
+            <a:r>
+              <a:rPr lang="en-US" dirty="0"/>
+              <a:t>Second Gen of Home Consoles</a:t>
+            </a:r>
+            <a:endParaRPr lang="en-AU" dirty="0"/>
+          </a:p>
+        </p:txBody>
+      </p:sp>
+      <p:sp>
+        <p:nvSpPr>
+          <p:cNvPr id="3" name="Content Placeholder 2">
+            <a:extLst>
+              <a:ext uri="{FF2B5EF4-FFF2-40B4-BE49-F238E27FC236}">
+                <a16:creationId xmlns:a16="http://schemas.microsoft.com/office/drawing/2014/main" id="{E9B01E42-9942-7FDE-4411-2867D0B8831A}"/>
+              </a:ext>
+            </a:extLst>
+          </p:cNvPr>
+          <p:cNvSpPr>
+            <a:spLocks noGrp="1"/>
+          </p:cNvSpPr>
+          <p:nvPr>
+            <p:ph idx="1"/>
+          </p:nvPr>
+        </p:nvSpPr>
+        <p:spPr/>
+        <p:txBody>
+          <a:bodyPr/>
+          <a:lstStyle/>
+          <a:p>
+            <a:endParaRPr lang="en-AU"/>
+          </a:p>
+        </p:txBody>
+      </p:sp>
+    </p:spTree>
+    <p:extLst>
+      <p:ext uri="{BB962C8B-B14F-4D97-AF65-F5344CB8AC3E}">
+        <p14:creationId xmlns:p14="http://schemas.microsoft.com/office/powerpoint/2010/main" val="2090494290"/>
+      </p:ext>
+    </p:extLst>
+  </p:cSld>
+  <p:clrMapOvr>
+    <a:masterClrMapping/>
+  </p:clrMapOvr>
+</p:sld>
+</file>
+
+<file path=ppt/slides/slide8.xml><?xml version="1.0" encoding="utf-8"?>
+<p:sld xmlns:a="http://schemas.openxmlformats.org/drawingml/2006/main" xmlns:r="http://schemas.openxmlformats.org/officeDocument/2006/relationships" xmlns:p="http://schemas.openxmlformats.org/presentationml/2006/main">
+  <p:cSld>
+    <p:spTree>
+      <p:nvGrpSpPr>
+        <p:cNvPr id="1" name=""/>
+        <p:cNvGrpSpPr/>
+        <p:nvPr/>
+      </p:nvGrpSpPr>
+      <p:grpSpPr>
+        <a:xfrm>
+          <a:off x="0" y="0"/>
+          <a:ext cx="0" cy="0"/>
+          <a:chOff x="0" y="0"/>
+          <a:chExt cx="0" cy="0"/>
+        </a:xfrm>
+      </p:grpSpPr>
+      <p:sp>
+        <p:nvSpPr>
+          <p:cNvPr id="2" name="Title 1">
+            <a:extLst>
+              <a:ext uri="{FF2B5EF4-FFF2-40B4-BE49-F238E27FC236}">
+                <a16:creationId xmlns:a16="http://schemas.microsoft.com/office/drawing/2014/main" id="{EEDDA02B-D9C0-0EF0-6ED4-0AD60E5841EC}"/>
+              </a:ext>
+            </a:extLst>
+          </p:cNvPr>
+          <p:cNvSpPr>
+            <a:spLocks noGrp="1"/>
+          </p:cNvSpPr>
+          <p:nvPr>
+            <p:ph type="title"/>
+          </p:nvPr>
+        </p:nvSpPr>
+        <p:spPr/>
+        <p:txBody>
+          <a:bodyPr/>
+          <a:lstStyle/>
+          <a:p>
+            <a:r>
+              <a:rPr lang="en-US" dirty="0"/>
+              <a:t>The Video Game Crash of 1983</a:t>
+            </a:r>
+            <a:endParaRPr lang="en-AU" dirty="0"/>
+          </a:p>
+        </p:txBody>
+      </p:sp>
+      <p:sp>
+        <p:nvSpPr>
+          <p:cNvPr id="3" name="Content Placeholder 2">
+            <a:extLst>
+              <a:ext uri="{FF2B5EF4-FFF2-40B4-BE49-F238E27FC236}">
+                <a16:creationId xmlns:a16="http://schemas.microsoft.com/office/drawing/2014/main" id="{C76B816A-3C41-5496-FFBC-6FA71F5396BA}"/>
+              </a:ext>
+            </a:extLst>
+          </p:cNvPr>
+          <p:cNvSpPr>
+            <a:spLocks noGrp="1"/>
+          </p:cNvSpPr>
+          <p:nvPr>
+            <p:ph idx="1"/>
+          </p:nvPr>
+        </p:nvSpPr>
+        <p:spPr/>
+        <p:txBody>
+          <a:bodyPr/>
+          <a:lstStyle/>
+          <a:p>
+            <a:endParaRPr lang="en-AU"/>
+          </a:p>
+        </p:txBody>
+      </p:sp>
+    </p:spTree>
+    <p:extLst>
+      <p:ext uri="{BB962C8B-B14F-4D97-AF65-F5344CB8AC3E}">
+        <p14:creationId xmlns:p14="http://schemas.microsoft.com/office/powerpoint/2010/main" val="4127014303"/>
+      </p:ext>
+    </p:extLst>
+  </p:cSld>
+  <p:clrMapOvr>
+    <a:masterClrMapping/>
+  </p:clrMapOvr>
+</p:sld>
+</file>
+
+<file path=ppt/slides/slide9.xml><?xml version="1.0" encoding="utf-8"?>
+<p:sld xmlns:a="http://schemas.openxmlformats.org/drawingml/2006/main" xmlns:r="http://schemas.openxmlformats.org/officeDocument/2006/relationships" xmlns:p="http://schemas.openxmlformats.org/presentationml/2006/main">
+  <p:cSld>
+    <p:spTree>
+      <p:nvGrpSpPr>
+        <p:cNvPr id="1" name=""/>
+        <p:cNvGrpSpPr/>
+        <p:nvPr/>
+      </p:nvGrpSpPr>
+      <p:grpSpPr>
+        <a:xfrm>
+          <a:off x="0" y="0"/>
+          <a:ext cx="0" cy="0"/>
+          <a:chOff x="0" y="0"/>
+          <a:chExt cx="0" cy="0"/>
+        </a:xfrm>
+      </p:grpSpPr>
+      <p:sp>
+        <p:nvSpPr>
+          <p:cNvPr id="2" name="Title 1">
+            <a:extLst>
+              <a:ext uri="{FF2B5EF4-FFF2-40B4-BE49-F238E27FC236}">
+                <a16:creationId xmlns:a16="http://schemas.microsoft.com/office/drawing/2014/main" id="{47F42397-7AD3-8751-8909-C65B0B5A6FBF}"/>
+              </a:ext>
+            </a:extLst>
+          </p:cNvPr>
+          <p:cNvSpPr>
+            <a:spLocks noGrp="1"/>
+          </p:cNvSpPr>
+          <p:nvPr>
+            <p:ph type="title"/>
+          </p:nvPr>
+        </p:nvSpPr>
+        <p:spPr/>
+        <p:txBody>
+          <a:bodyPr/>
+          <a:lstStyle/>
+          <a:p>
+            <a:r>
+              <a:rPr lang="en-US" dirty="0"/>
+              <a:t>Third </a:t>
+            </a:r>
+            <a:r>
+              <a:rPr lang="en-US" dirty="0" err="1"/>
+              <a:t>Genof</a:t>
+            </a:r>
+            <a:r>
+              <a:rPr lang="en-US" dirty="0"/>
+              <a:t> Home Consoles</a:t>
+            </a:r>
+            <a:endParaRPr lang="en-AU" dirty="0"/>
+          </a:p>
+        </p:txBody>
+      </p:sp>
+      <p:sp>
+        <p:nvSpPr>
+          <p:cNvPr id="3" name="Content Placeholder 2">
+            <a:extLst>
+              <a:ext uri="{FF2B5EF4-FFF2-40B4-BE49-F238E27FC236}">
+                <a16:creationId xmlns:a16="http://schemas.microsoft.com/office/drawing/2014/main" id="{3F0EF8B6-21C9-2BF5-A191-A08DADEA3DA1}"/>
+              </a:ext>
+            </a:extLst>
+          </p:cNvPr>
+          <p:cNvSpPr>
+            <a:spLocks noGrp="1"/>
+          </p:cNvSpPr>
+          <p:nvPr>
+            <p:ph idx="1"/>
+          </p:nvPr>
+        </p:nvSpPr>
+        <p:spPr/>
+        <p:txBody>
+          <a:bodyPr/>
+          <a:lstStyle/>
+          <a:p>
+            <a:endParaRPr lang="en-AU"/>
+          </a:p>
+        </p:txBody>
+      </p:sp>
+    </p:spTree>
+    <p:extLst>
+      <p:ext uri="{BB962C8B-B14F-4D97-AF65-F5344CB8AC3E}">
+        <p14:creationId xmlns:p14="http://schemas.microsoft.com/office/powerpoint/2010/main" val="3408362602"/>
       </p:ext>
     </p:extLst>
   </p:cSld>

--- a/Informational Technology (Game Design)/Part 1 Redo/Cluster - Introduction to Game Design/AT04/AT04 Video Game History By Richard Pountney.pptx
+++ b/Informational Technology (Game Design)/Part 1 Redo/Cluster - Introduction to Game Design/AT04/AT04 Video Game History By Richard Pountney.pptx
@@ -19,9 +19,12 @@
     <p:sldId id="268" r:id="rId13"/>
     <p:sldId id="269" r:id="rId14"/>
     <p:sldId id="270" r:id="rId15"/>
-    <p:sldId id="271" r:id="rId16"/>
-    <p:sldId id="272" r:id="rId17"/>
-    <p:sldId id="261" r:id="rId18"/>
+    <p:sldId id="273" r:id="rId16"/>
+    <p:sldId id="274" r:id="rId17"/>
+    <p:sldId id="275" r:id="rId18"/>
+    <p:sldId id="271" r:id="rId19"/>
+    <p:sldId id="272" r:id="rId20"/>
+    <p:sldId id="261" r:id="rId21"/>
   </p:sldIdLst>
   <p:sldSz cx="12192000" cy="6858000"/>
   <p:notesSz cx="6858000" cy="9144000"/>
@@ -178,7 +181,7 @@
           <a:noFill/>
           <a:extLst>
             <a:ext uri="{909E8E84-426E-40dd-AFC4-6F175D3DCCD1}">
-              <a14:hiddenFill xmlns:a14="http://schemas.microsoft.com/office/drawing/2010/main" xmlns="">
+              <a14:hiddenFill xmlns="" xmlns:a14="http://schemas.microsoft.com/office/drawing/2010/main">
                 <a:solidFill>
                   <a:srgbClr val="FFFFFF"/>
                 </a:solidFill>
@@ -238,7 +241,7 @@
             </a:ln>
             <a:extLst>
               <a:ext uri="{91240B29-F687-4f45-9708-019B960494DF}">
-                <a14:hiddenLine xmlns:a14="http://schemas.microsoft.com/office/drawing/2010/main" xmlns="" w="9525">
+                <a14:hiddenLine xmlns="" xmlns:a14="http://schemas.microsoft.com/office/drawing/2010/main" w="9525">
                   <a:solidFill>
                     <a:srgbClr val="000000"/>
                   </a:solidFill>
@@ -328,7 +331,7 @@
             </a:ln>
             <a:extLst>
               <a:ext uri="{91240B29-F687-4f45-9708-019B960494DF}">
-                <a14:hiddenLine xmlns:a14="http://schemas.microsoft.com/office/drawing/2010/main" xmlns="" w="9525">
+                <a14:hiddenLine xmlns="" xmlns:a14="http://schemas.microsoft.com/office/drawing/2010/main" w="9525">
                   <a:solidFill>
                     <a:srgbClr val="000000"/>
                   </a:solidFill>
@@ -418,7 +421,7 @@
             </a:ln>
             <a:extLst>
               <a:ext uri="{91240B29-F687-4f45-9708-019B960494DF}">
-                <a14:hiddenLine xmlns:a14="http://schemas.microsoft.com/office/drawing/2010/main" xmlns="" w="9525">
+                <a14:hiddenLine xmlns="" xmlns:a14="http://schemas.microsoft.com/office/drawing/2010/main" w="9525">
                   <a:solidFill>
                     <a:srgbClr val="000000"/>
                   </a:solidFill>
@@ -452,7 +455,7 @@
             </a:ln>
             <a:extLst>
               <a:ext uri="{91240B29-F687-4f45-9708-019B960494DF}">
-                <a14:hiddenLine xmlns:a14="http://schemas.microsoft.com/office/drawing/2010/main" xmlns="" w="9525">
+                <a14:hiddenLine xmlns="" xmlns:a14="http://schemas.microsoft.com/office/drawing/2010/main" w="9525">
                   <a:solidFill>
                     <a:srgbClr val="000000"/>
                   </a:solidFill>
@@ -542,7 +545,7 @@
             </a:ln>
             <a:extLst>
               <a:ext uri="{91240B29-F687-4f45-9708-019B960494DF}">
-                <a14:hiddenLine xmlns:a14="http://schemas.microsoft.com/office/drawing/2010/main" xmlns="" w="9525">
+                <a14:hiddenLine xmlns="" xmlns:a14="http://schemas.microsoft.com/office/drawing/2010/main" w="9525">
                   <a:solidFill>
                     <a:srgbClr val="000000"/>
                   </a:solidFill>
@@ -604,7 +607,7 @@
             </a:ln>
             <a:extLst>
               <a:ext uri="{91240B29-F687-4f45-9708-019B960494DF}">
-                <a14:hiddenLine xmlns:a14="http://schemas.microsoft.com/office/drawing/2010/main" xmlns="" w="9525">
+                <a14:hiddenLine xmlns="" xmlns:a14="http://schemas.microsoft.com/office/drawing/2010/main" w="9525">
                   <a:solidFill>
                     <a:srgbClr val="000000"/>
                   </a:solidFill>
@@ -666,7 +669,7 @@
             </a:ln>
             <a:extLst>
               <a:ext uri="{91240B29-F687-4f45-9708-019B960494DF}">
-                <a14:hiddenLine xmlns:a14="http://schemas.microsoft.com/office/drawing/2010/main" xmlns="" w="9525">
+                <a14:hiddenLine xmlns="" xmlns:a14="http://schemas.microsoft.com/office/drawing/2010/main" w="9525">
                   <a:solidFill>
                     <a:srgbClr val="000000"/>
                   </a:solidFill>
@@ -756,7 +759,7 @@
             </a:ln>
             <a:extLst>
               <a:ext uri="{91240B29-F687-4f45-9708-019B960494DF}">
-                <a14:hiddenLine xmlns:a14="http://schemas.microsoft.com/office/drawing/2010/main" xmlns="" w="9525">
+                <a14:hiddenLine xmlns="" xmlns:a14="http://schemas.microsoft.com/office/drawing/2010/main" w="9525">
                   <a:solidFill>
                     <a:srgbClr val="000000"/>
                   </a:solidFill>
@@ -818,7 +821,7 @@
             </a:ln>
             <a:extLst>
               <a:ext uri="{91240B29-F687-4f45-9708-019B960494DF}">
-                <a14:hiddenLine xmlns:a14="http://schemas.microsoft.com/office/drawing/2010/main" xmlns="" w="9525">
+                <a14:hiddenLine xmlns="" xmlns:a14="http://schemas.microsoft.com/office/drawing/2010/main" w="9525">
                   <a:solidFill>
                     <a:srgbClr val="000000"/>
                   </a:solidFill>
@@ -880,7 +883,7 @@
             </a:ln>
             <a:extLst>
               <a:ext uri="{91240B29-F687-4f45-9708-019B960494DF}">
-                <a14:hiddenLine xmlns:a14="http://schemas.microsoft.com/office/drawing/2010/main" xmlns="" w="9525">
+                <a14:hiddenLine xmlns="" xmlns:a14="http://schemas.microsoft.com/office/drawing/2010/main" w="9525">
                   <a:solidFill>
                     <a:srgbClr val="000000"/>
                   </a:solidFill>
@@ -970,7 +973,7 @@
             </a:ln>
             <a:extLst>
               <a:ext uri="{91240B29-F687-4f45-9708-019B960494DF}">
-                <a14:hiddenLine xmlns:a14="http://schemas.microsoft.com/office/drawing/2010/main" xmlns="" w="9525">
+                <a14:hiddenLine xmlns="" xmlns:a14="http://schemas.microsoft.com/office/drawing/2010/main" w="9525">
                   <a:solidFill>
                     <a:srgbClr val="000000"/>
                   </a:solidFill>
@@ -1060,7 +1063,7 @@
             </a:ln>
             <a:extLst>
               <a:ext uri="{91240B29-F687-4f45-9708-019B960494DF}">
-                <a14:hiddenLine xmlns:a14="http://schemas.microsoft.com/office/drawing/2010/main" xmlns="" w="9525">
+                <a14:hiddenLine xmlns="" xmlns:a14="http://schemas.microsoft.com/office/drawing/2010/main" w="9525">
                   <a:solidFill>
                     <a:srgbClr val="000000"/>
                   </a:solidFill>
@@ -1122,7 +1125,7 @@
             </a:ln>
             <a:extLst>
               <a:ext uri="{91240B29-F687-4f45-9708-019B960494DF}">
-                <a14:hiddenLine xmlns:a14="http://schemas.microsoft.com/office/drawing/2010/main" xmlns="" w="9525">
+                <a14:hiddenLine xmlns="" xmlns:a14="http://schemas.microsoft.com/office/drawing/2010/main" w="9525">
                   <a:solidFill>
                     <a:srgbClr val="000000"/>
                   </a:solidFill>
@@ -1232,7 +1235,7 @@
             </a:ln>
             <a:extLst>
               <a:ext uri="{91240B29-F687-4f45-9708-019B960494DF}">
-                <a14:hiddenLine xmlns:a14="http://schemas.microsoft.com/office/drawing/2010/main" xmlns="" w="9525">
+                <a14:hiddenLine xmlns="" xmlns:a14="http://schemas.microsoft.com/office/drawing/2010/main" w="9525">
                   <a:solidFill>
                     <a:srgbClr val="000000"/>
                   </a:solidFill>
@@ -1294,7 +1297,7 @@
             </a:ln>
             <a:extLst>
               <a:ext uri="{91240B29-F687-4f45-9708-019B960494DF}">
-                <a14:hiddenLine xmlns:a14="http://schemas.microsoft.com/office/drawing/2010/main" xmlns="" w="9525">
+                <a14:hiddenLine xmlns="" xmlns:a14="http://schemas.microsoft.com/office/drawing/2010/main" w="9525">
                   <a:solidFill>
                     <a:srgbClr val="000000"/>
                   </a:solidFill>
@@ -1384,7 +1387,7 @@
             </a:ln>
             <a:extLst>
               <a:ext uri="{91240B29-F687-4f45-9708-019B960494DF}">
-                <a14:hiddenLine xmlns:a14="http://schemas.microsoft.com/office/drawing/2010/main" xmlns="" w="9525">
+                <a14:hiddenLine xmlns="" xmlns:a14="http://schemas.microsoft.com/office/drawing/2010/main" w="9525">
                   <a:solidFill>
                     <a:srgbClr val="000000"/>
                   </a:solidFill>
@@ -1474,7 +1477,7 @@
             </a:ln>
             <a:extLst>
               <a:ext uri="{91240B29-F687-4f45-9708-019B960494DF}">
-                <a14:hiddenLine xmlns:a14="http://schemas.microsoft.com/office/drawing/2010/main" xmlns="" w="9525">
+                <a14:hiddenLine xmlns="" xmlns:a14="http://schemas.microsoft.com/office/drawing/2010/main" w="9525">
                   <a:solidFill>
                     <a:srgbClr val="000000"/>
                   </a:solidFill>
@@ -1536,7 +1539,7 @@
             </a:ln>
             <a:extLst>
               <a:ext uri="{91240B29-F687-4f45-9708-019B960494DF}">
-                <a14:hiddenLine xmlns:a14="http://schemas.microsoft.com/office/drawing/2010/main" xmlns="" w="9525">
+                <a14:hiddenLine xmlns="" xmlns:a14="http://schemas.microsoft.com/office/drawing/2010/main" w="9525">
                   <a:solidFill>
                     <a:srgbClr val="000000"/>
                   </a:solidFill>
@@ -1626,7 +1629,7 @@
             </a:ln>
             <a:extLst>
               <a:ext uri="{91240B29-F687-4f45-9708-019B960494DF}">
-                <a14:hiddenLine xmlns:a14="http://schemas.microsoft.com/office/drawing/2010/main" xmlns="" w="9525">
+                <a14:hiddenLine xmlns="" xmlns:a14="http://schemas.microsoft.com/office/drawing/2010/main" w="9525">
                   <a:solidFill>
                     <a:srgbClr val="000000"/>
                   </a:solidFill>
@@ -1716,7 +1719,7 @@
             </a:ln>
             <a:extLst>
               <a:ext uri="{91240B29-F687-4f45-9708-019B960494DF}">
-                <a14:hiddenLine xmlns:a14="http://schemas.microsoft.com/office/drawing/2010/main" xmlns="" w="9525">
+                <a14:hiddenLine xmlns="" xmlns:a14="http://schemas.microsoft.com/office/drawing/2010/main" w="9525">
                   <a:solidFill>
                     <a:srgbClr val="000000"/>
                   </a:solidFill>
@@ -1772,7 +1775,7 @@
             </a:ln>
             <a:extLst>
               <a:ext uri="{91240B29-F687-4f45-9708-019B960494DF}">
-                <a14:hiddenLine xmlns:a14="http://schemas.microsoft.com/office/drawing/2010/main" xmlns="" w="9525">
+                <a14:hiddenLine xmlns="" xmlns:a14="http://schemas.microsoft.com/office/drawing/2010/main" w="9525">
                   <a:solidFill>
                     <a:srgbClr val="000000"/>
                   </a:solidFill>
@@ -1862,7 +1865,7 @@
             </a:ln>
             <a:extLst>
               <a:ext uri="{91240B29-F687-4f45-9708-019B960494DF}">
-                <a14:hiddenLine xmlns:a14="http://schemas.microsoft.com/office/drawing/2010/main" xmlns="" w="9525">
+                <a14:hiddenLine xmlns="" xmlns:a14="http://schemas.microsoft.com/office/drawing/2010/main" w="9525">
                   <a:solidFill>
                     <a:srgbClr val="000000"/>
                   </a:solidFill>
@@ -1918,7 +1921,7 @@
             </a:ln>
             <a:extLst>
               <a:ext uri="{91240B29-F687-4f45-9708-019B960494DF}">
-                <a14:hiddenLine xmlns:a14="http://schemas.microsoft.com/office/drawing/2010/main" xmlns="" w="9525">
+                <a14:hiddenLine xmlns="" xmlns:a14="http://schemas.microsoft.com/office/drawing/2010/main" w="9525">
                   <a:solidFill>
                     <a:srgbClr val="000000"/>
                   </a:solidFill>
@@ -2008,7 +2011,7 @@
             </a:ln>
             <a:extLst>
               <a:ext uri="{91240B29-F687-4f45-9708-019B960494DF}">
-                <a14:hiddenLine xmlns:a14="http://schemas.microsoft.com/office/drawing/2010/main" xmlns="" w="9525">
+                <a14:hiddenLine xmlns="" xmlns:a14="http://schemas.microsoft.com/office/drawing/2010/main" w="9525">
                   <a:solidFill>
                     <a:srgbClr val="000000"/>
                   </a:solidFill>
@@ -2076,7 +2079,7 @@
             </a:ln>
             <a:extLst>
               <a:ext uri="{91240B29-F687-4f45-9708-019B960494DF}">
-                <a14:hiddenLine xmlns:a14="http://schemas.microsoft.com/office/drawing/2010/main" xmlns="" w="9525">
+                <a14:hiddenLine xmlns="" xmlns:a14="http://schemas.microsoft.com/office/drawing/2010/main" w="9525">
                   <a:solidFill>
                     <a:srgbClr val="000000"/>
                   </a:solidFill>
@@ -2166,7 +2169,7 @@
             </a:ln>
             <a:extLst>
               <a:ext uri="{91240B29-F687-4f45-9708-019B960494DF}">
-                <a14:hiddenLine xmlns:a14="http://schemas.microsoft.com/office/drawing/2010/main" xmlns="" w="9525">
+                <a14:hiddenLine xmlns="" xmlns:a14="http://schemas.microsoft.com/office/drawing/2010/main" w="9525">
                   <a:solidFill>
                     <a:srgbClr val="000000"/>
                   </a:solidFill>
@@ -2234,7 +2237,7 @@
             </a:ln>
             <a:extLst>
               <a:ext uri="{91240B29-F687-4f45-9708-019B960494DF}">
-                <a14:hiddenLine xmlns:a14="http://schemas.microsoft.com/office/drawing/2010/main" xmlns="" w="9525">
+                <a14:hiddenLine xmlns="" xmlns:a14="http://schemas.microsoft.com/office/drawing/2010/main" w="9525">
                   <a:solidFill>
                     <a:srgbClr val="000000"/>
                   </a:solidFill>
@@ -2324,7 +2327,7 @@
             </a:ln>
             <a:extLst>
               <a:ext uri="{91240B29-F687-4f45-9708-019B960494DF}">
-                <a14:hiddenLine xmlns:a14="http://schemas.microsoft.com/office/drawing/2010/main" xmlns="" w="9525">
+                <a14:hiddenLine xmlns="" xmlns:a14="http://schemas.microsoft.com/office/drawing/2010/main" w="9525">
                   <a:solidFill>
                     <a:srgbClr val="000000"/>
                   </a:solidFill>
@@ -2358,7 +2361,7 @@
             </a:ln>
             <a:extLst>
               <a:ext uri="{91240B29-F687-4f45-9708-019B960494DF}">
-                <a14:hiddenLine xmlns:a14="http://schemas.microsoft.com/office/drawing/2010/main" xmlns="" w="9525">
+                <a14:hiddenLine xmlns="" xmlns:a14="http://schemas.microsoft.com/office/drawing/2010/main" w="9525">
                   <a:solidFill>
                     <a:srgbClr val="000000"/>
                   </a:solidFill>
@@ -2448,7 +2451,7 @@
             </a:ln>
             <a:extLst>
               <a:ext uri="{91240B29-F687-4f45-9708-019B960494DF}">
-                <a14:hiddenLine xmlns:a14="http://schemas.microsoft.com/office/drawing/2010/main" xmlns="" w="9525">
+                <a14:hiddenLine xmlns="" xmlns:a14="http://schemas.microsoft.com/office/drawing/2010/main" w="9525">
                   <a:solidFill>
                     <a:srgbClr val="000000"/>
                   </a:solidFill>
@@ -2510,7 +2513,7 @@
             </a:ln>
             <a:extLst>
               <a:ext uri="{91240B29-F687-4f45-9708-019B960494DF}">
-                <a14:hiddenLine xmlns:a14="http://schemas.microsoft.com/office/drawing/2010/main" xmlns="" w="9525">
+                <a14:hiddenLine xmlns="" xmlns:a14="http://schemas.microsoft.com/office/drawing/2010/main" w="9525">
                   <a:solidFill>
                     <a:srgbClr val="000000"/>
                   </a:solidFill>
@@ -2572,7 +2575,7 @@
             </a:ln>
             <a:extLst>
               <a:ext uri="{91240B29-F687-4f45-9708-019B960494DF}">
-                <a14:hiddenLine xmlns:a14="http://schemas.microsoft.com/office/drawing/2010/main" xmlns="" w="9525">
+                <a14:hiddenLine xmlns="" xmlns:a14="http://schemas.microsoft.com/office/drawing/2010/main" w="9525">
                   <a:solidFill>
                     <a:srgbClr val="000000"/>
                   </a:solidFill>
@@ -2662,7 +2665,7 @@
             </a:ln>
             <a:extLst>
               <a:ext uri="{91240B29-F687-4f45-9708-019B960494DF}">
-                <a14:hiddenLine xmlns:a14="http://schemas.microsoft.com/office/drawing/2010/main" xmlns="" w="9525">
+                <a14:hiddenLine xmlns="" xmlns:a14="http://schemas.microsoft.com/office/drawing/2010/main" w="9525">
                   <a:solidFill>
                     <a:srgbClr val="000000"/>
                   </a:solidFill>
@@ -2730,7 +2733,7 @@
             </a:ln>
             <a:extLst>
               <a:ext uri="{91240B29-F687-4f45-9708-019B960494DF}">
-                <a14:hiddenLine xmlns:a14="http://schemas.microsoft.com/office/drawing/2010/main" xmlns="" w="9525">
+                <a14:hiddenLine xmlns="" xmlns:a14="http://schemas.microsoft.com/office/drawing/2010/main" w="9525">
                   <a:solidFill>
                     <a:srgbClr val="000000"/>
                   </a:solidFill>
@@ -2792,7 +2795,7 @@
             </a:ln>
             <a:extLst>
               <a:ext uri="{91240B29-F687-4f45-9708-019B960494DF}">
-                <a14:hiddenLine xmlns:a14="http://schemas.microsoft.com/office/drawing/2010/main" xmlns="" w="9525">
+                <a14:hiddenLine xmlns="" xmlns:a14="http://schemas.microsoft.com/office/drawing/2010/main" w="9525">
                   <a:solidFill>
                     <a:srgbClr val="000000"/>
                   </a:solidFill>
@@ -2882,7 +2885,7 @@
             </a:ln>
             <a:extLst>
               <a:ext uri="{91240B29-F687-4f45-9708-019B960494DF}">
-                <a14:hiddenLine xmlns:a14="http://schemas.microsoft.com/office/drawing/2010/main" xmlns="" w="9525">
+                <a14:hiddenLine xmlns="" xmlns:a14="http://schemas.microsoft.com/office/drawing/2010/main" w="9525">
                   <a:solidFill>
                     <a:srgbClr val="000000"/>
                   </a:solidFill>
@@ -2944,7 +2947,7 @@
             </a:ln>
             <a:extLst>
               <a:ext uri="{91240B29-F687-4f45-9708-019B960494DF}">
-                <a14:hiddenLine xmlns:a14="http://schemas.microsoft.com/office/drawing/2010/main" xmlns="" w="9525">
+                <a14:hiddenLine xmlns="" xmlns:a14="http://schemas.microsoft.com/office/drawing/2010/main" w="9525">
                   <a:solidFill>
                     <a:srgbClr val="000000"/>
                   </a:solidFill>
@@ -3034,7 +3037,7 @@
             </a:ln>
             <a:extLst>
               <a:ext uri="{91240B29-F687-4f45-9708-019B960494DF}">
-                <a14:hiddenLine xmlns:a14="http://schemas.microsoft.com/office/drawing/2010/main" xmlns="" w="9525">
+                <a14:hiddenLine xmlns="" xmlns:a14="http://schemas.microsoft.com/office/drawing/2010/main" w="9525">
                   <a:solidFill>
                     <a:srgbClr val="000000"/>
                   </a:solidFill>
@@ -3096,7 +3099,7 @@
             </a:ln>
             <a:extLst>
               <a:ext uri="{91240B29-F687-4f45-9708-019B960494DF}">
-                <a14:hiddenLine xmlns:a14="http://schemas.microsoft.com/office/drawing/2010/main" xmlns="" w="9525">
+                <a14:hiddenLine xmlns="" xmlns:a14="http://schemas.microsoft.com/office/drawing/2010/main" w="9525">
                   <a:solidFill>
                     <a:srgbClr val="000000"/>
                   </a:solidFill>
@@ -3186,7 +3189,7 @@
             </a:ln>
             <a:extLst>
               <a:ext uri="{91240B29-F687-4f45-9708-019B960494DF}">
-                <a14:hiddenLine xmlns:a14="http://schemas.microsoft.com/office/drawing/2010/main" xmlns="" w="9525">
+                <a14:hiddenLine xmlns="" xmlns:a14="http://schemas.microsoft.com/office/drawing/2010/main" w="9525">
                   <a:solidFill>
                     <a:srgbClr val="000000"/>
                   </a:solidFill>
@@ -3220,7 +3223,7 @@
             </a:ln>
             <a:extLst>
               <a:ext uri="{91240B29-F687-4f45-9708-019B960494DF}">
-                <a14:hiddenLine xmlns:a14="http://schemas.microsoft.com/office/drawing/2010/main" xmlns="" w="9525">
+                <a14:hiddenLine xmlns="" xmlns:a14="http://schemas.microsoft.com/office/drawing/2010/main" w="9525">
                   <a:solidFill>
                     <a:srgbClr val="000000"/>
                   </a:solidFill>
@@ -3285,7 +3288,7 @@
             </a:ln>
             <a:extLst>
               <a:ext uri="{91240B29-F687-4f45-9708-019B960494DF}">
-                <a14:hiddenLine xmlns:a14="http://schemas.microsoft.com/office/drawing/2010/main" xmlns="" w="9525">
+                <a14:hiddenLine xmlns="" xmlns:a14="http://schemas.microsoft.com/office/drawing/2010/main" w="9525">
                   <a:solidFill>
                     <a:srgbClr val="000000"/>
                   </a:solidFill>
@@ -3375,7 +3378,7 @@
             </a:ln>
             <a:extLst>
               <a:ext uri="{91240B29-F687-4f45-9708-019B960494DF}">
-                <a14:hiddenLine xmlns:a14="http://schemas.microsoft.com/office/drawing/2010/main" xmlns="" w="9525">
+                <a14:hiddenLine xmlns="" xmlns:a14="http://schemas.microsoft.com/office/drawing/2010/main" w="9525">
                   <a:solidFill>
                     <a:srgbClr val="000000"/>
                   </a:solidFill>
@@ -3437,7 +3440,7 @@
             </a:ln>
             <a:extLst>
               <a:ext uri="{91240B29-F687-4f45-9708-019B960494DF}">
-                <a14:hiddenLine xmlns:a14="http://schemas.microsoft.com/office/drawing/2010/main" xmlns="" w="9525">
+                <a14:hiddenLine xmlns="" xmlns:a14="http://schemas.microsoft.com/office/drawing/2010/main" w="9525">
                   <a:solidFill>
                     <a:srgbClr val="000000"/>
                   </a:solidFill>
@@ -3527,7 +3530,7 @@
             </a:ln>
             <a:extLst>
               <a:ext uri="{91240B29-F687-4f45-9708-019B960494DF}">
-                <a14:hiddenLine xmlns:a14="http://schemas.microsoft.com/office/drawing/2010/main" xmlns="" w="9525">
+                <a14:hiddenLine xmlns="" xmlns:a14="http://schemas.microsoft.com/office/drawing/2010/main" w="9525">
                   <a:solidFill>
                     <a:srgbClr val="000000"/>
                   </a:solidFill>
@@ -3617,7 +3620,7 @@
             </a:ln>
             <a:extLst>
               <a:ext uri="{91240B29-F687-4f45-9708-019B960494DF}">
-                <a14:hiddenLine xmlns:a14="http://schemas.microsoft.com/office/drawing/2010/main" xmlns="" w="9525">
+                <a14:hiddenLine xmlns="" xmlns:a14="http://schemas.microsoft.com/office/drawing/2010/main" w="9525">
                   <a:solidFill>
                     <a:srgbClr val="000000"/>
                   </a:solidFill>
@@ -3682,7 +3685,7 @@
             </a:ln>
             <a:extLst>
               <a:ext uri="{91240B29-F687-4f45-9708-019B960494DF}">
-                <a14:hiddenLine xmlns:a14="http://schemas.microsoft.com/office/drawing/2010/main" xmlns="" w="9525">
+                <a14:hiddenLine xmlns="" xmlns:a14="http://schemas.microsoft.com/office/drawing/2010/main" w="9525">
                   <a:solidFill>
                     <a:srgbClr val="000000"/>
                   </a:solidFill>
@@ -3744,7 +3747,7 @@
             </a:ln>
             <a:extLst>
               <a:ext uri="{91240B29-F687-4f45-9708-019B960494DF}">
-                <a14:hiddenLine xmlns:a14="http://schemas.microsoft.com/office/drawing/2010/main" xmlns="" w="9525">
+                <a14:hiddenLine xmlns="" xmlns:a14="http://schemas.microsoft.com/office/drawing/2010/main" w="9525">
                   <a:solidFill>
                     <a:srgbClr val="000000"/>
                   </a:solidFill>
@@ -3834,7 +3837,7 @@
             </a:ln>
             <a:extLst>
               <a:ext uri="{91240B29-F687-4f45-9708-019B960494DF}">
-                <a14:hiddenLine xmlns:a14="http://schemas.microsoft.com/office/drawing/2010/main" xmlns="" w="9525">
+                <a14:hiddenLine xmlns="" xmlns:a14="http://schemas.microsoft.com/office/drawing/2010/main" w="9525">
                   <a:solidFill>
                     <a:srgbClr val="000000"/>
                   </a:solidFill>
@@ -3924,7 +3927,7 @@
             </a:ln>
             <a:extLst>
               <a:ext uri="{91240B29-F687-4f45-9708-019B960494DF}">
-                <a14:hiddenLine xmlns:a14="http://schemas.microsoft.com/office/drawing/2010/main" xmlns="" w="9525">
+                <a14:hiddenLine xmlns="" xmlns:a14="http://schemas.microsoft.com/office/drawing/2010/main" w="9525">
                   <a:solidFill>
                     <a:srgbClr val="000000"/>
                   </a:solidFill>
@@ -3986,7 +3989,7 @@
             </a:ln>
             <a:extLst>
               <a:ext uri="{91240B29-F687-4f45-9708-019B960494DF}">
-                <a14:hiddenLine xmlns:a14="http://schemas.microsoft.com/office/drawing/2010/main" xmlns="" w="9525">
+                <a14:hiddenLine xmlns="" xmlns:a14="http://schemas.microsoft.com/office/drawing/2010/main" w="9525">
                   <a:solidFill>
                     <a:srgbClr val="000000"/>
                   </a:solidFill>
@@ -4106,7 +4109,7 @@
             </a:ln>
             <a:extLst>
               <a:ext uri="{91240B29-F687-4f45-9708-019B960494DF}">
-                <a14:hiddenLine xmlns:a14="http://schemas.microsoft.com/office/drawing/2010/main" xmlns="" w="9525">
+                <a14:hiddenLine xmlns="" xmlns:a14="http://schemas.microsoft.com/office/drawing/2010/main" w="9525">
                   <a:solidFill>
                     <a:srgbClr val="000000"/>
                   </a:solidFill>
@@ -4174,7 +4177,7 @@
             </a:ln>
             <a:extLst>
               <a:ext uri="{91240B29-F687-4f45-9708-019B960494DF}">
-                <a14:hiddenLine xmlns:a14="http://schemas.microsoft.com/office/drawing/2010/main" xmlns="" w="9525">
+                <a14:hiddenLine xmlns="" xmlns:a14="http://schemas.microsoft.com/office/drawing/2010/main" w="9525">
                   <a:solidFill>
                     <a:srgbClr val="000000"/>
                   </a:solidFill>
@@ -4264,7 +4267,7 @@
             </a:ln>
             <a:extLst>
               <a:ext uri="{91240B29-F687-4f45-9708-019B960494DF}">
-                <a14:hiddenLine xmlns:a14="http://schemas.microsoft.com/office/drawing/2010/main" xmlns="" w="9525">
+                <a14:hiddenLine xmlns="" xmlns:a14="http://schemas.microsoft.com/office/drawing/2010/main" w="9525">
                   <a:solidFill>
                     <a:srgbClr val="000000"/>
                   </a:solidFill>
@@ -4404,7 +4407,7 @@
           <a:p>
             <a:fld id="{AFC0772B-B1F5-4297-B0F2-E59C48C63404}" type="datetimeFigureOut">
               <a:rPr lang="en-AU" smtClean="0"/>
-              <a:t>3/08/2023</a:t>
+              <a:t>10/08/2023</a:t>
             </a:fld>
             <a:endParaRPr lang="en-AU"/>
           </a:p>
@@ -4671,7 +4674,7 @@
           <a:p>
             <a:fld id="{AFC0772B-B1F5-4297-B0F2-E59C48C63404}" type="datetimeFigureOut">
               <a:rPr lang="en-AU" smtClean="0"/>
-              <a:t>3/08/2023</a:t>
+              <a:t>10/08/2023</a:t>
             </a:fld>
             <a:endParaRPr lang="en-AU"/>
           </a:p>
@@ -4867,7 +4870,7 @@
           <a:p>
             <a:fld id="{AFC0772B-B1F5-4297-B0F2-E59C48C63404}" type="datetimeFigureOut">
               <a:rPr lang="en-AU" smtClean="0"/>
-              <a:t>3/08/2023</a:t>
+              <a:t>10/08/2023</a:t>
             </a:fld>
             <a:endParaRPr lang="en-AU"/>
           </a:p>
@@ -5130,7 +5133,7 @@
           <a:p>
             <a:fld id="{AFC0772B-B1F5-4297-B0F2-E59C48C63404}" type="datetimeFigureOut">
               <a:rPr lang="en-AU" smtClean="0"/>
-              <a:t>3/08/2023</a:t>
+              <a:t>10/08/2023</a:t>
             </a:fld>
             <a:endParaRPr lang="en-AU"/>
           </a:p>
@@ -5564,7 +5567,7 @@
           <a:p>
             <a:fld id="{AFC0772B-B1F5-4297-B0F2-E59C48C63404}" type="datetimeFigureOut">
               <a:rPr lang="en-AU" smtClean="0"/>
-              <a:t>3/08/2023</a:t>
+              <a:t>10/08/2023</a:t>
             </a:fld>
             <a:endParaRPr lang="en-AU"/>
           </a:p>
@@ -6110,7 +6113,7 @@
           <a:p>
             <a:fld id="{AFC0772B-B1F5-4297-B0F2-E59C48C63404}" type="datetimeFigureOut">
               <a:rPr lang="en-AU" smtClean="0"/>
-              <a:t>3/08/2023</a:t>
+              <a:t>10/08/2023</a:t>
             </a:fld>
             <a:endParaRPr lang="en-AU"/>
           </a:p>
@@ -6830,7 +6833,7 @@
           <a:p>
             <a:fld id="{AFC0772B-B1F5-4297-B0F2-E59C48C63404}" type="datetimeFigureOut">
               <a:rPr lang="en-AU" smtClean="0"/>
-              <a:t>3/08/2023</a:t>
+              <a:t>10/08/2023</a:t>
             </a:fld>
             <a:endParaRPr lang="en-AU"/>
           </a:p>
@@ -7000,7 +7003,7 @@
           <a:p>
             <a:fld id="{AFC0772B-B1F5-4297-B0F2-E59C48C63404}" type="datetimeFigureOut">
               <a:rPr lang="en-AU" smtClean="0"/>
-              <a:t>3/08/2023</a:t>
+              <a:t>10/08/2023</a:t>
             </a:fld>
             <a:endParaRPr lang="en-AU"/>
           </a:p>
@@ -7180,7 +7183,7 @@
           <a:p>
             <a:fld id="{AFC0772B-B1F5-4297-B0F2-E59C48C63404}" type="datetimeFigureOut">
               <a:rPr lang="en-AU" smtClean="0"/>
-              <a:t>3/08/2023</a:t>
+              <a:t>10/08/2023</a:t>
             </a:fld>
             <a:endParaRPr lang="en-AU"/>
           </a:p>
@@ -7350,7 +7353,7 @@
           <a:p>
             <a:fld id="{AFC0772B-B1F5-4297-B0F2-E59C48C63404}" type="datetimeFigureOut">
               <a:rPr lang="en-AU" smtClean="0"/>
-              <a:t>3/08/2023</a:t>
+              <a:t>10/08/2023</a:t>
             </a:fld>
             <a:endParaRPr lang="en-AU"/>
           </a:p>
@@ -7600,7 +7603,7 @@
           <a:p>
             <a:fld id="{AFC0772B-B1F5-4297-B0F2-E59C48C63404}" type="datetimeFigureOut">
               <a:rPr lang="en-AU" smtClean="0"/>
-              <a:t>3/08/2023</a:t>
+              <a:t>10/08/2023</a:t>
             </a:fld>
             <a:endParaRPr lang="en-AU"/>
           </a:p>
@@ -7832,7 +7835,7 @@
           <a:p>
             <a:fld id="{AFC0772B-B1F5-4297-B0F2-E59C48C63404}" type="datetimeFigureOut">
               <a:rPr lang="en-AU" smtClean="0"/>
-              <a:t>3/08/2023</a:t>
+              <a:t>10/08/2023</a:t>
             </a:fld>
             <a:endParaRPr lang="en-AU"/>
           </a:p>
@@ -8213,7 +8216,7 @@
           <a:p>
             <a:fld id="{AFC0772B-B1F5-4297-B0F2-E59C48C63404}" type="datetimeFigureOut">
               <a:rPr lang="en-AU" smtClean="0"/>
-              <a:t>3/08/2023</a:t>
+              <a:t>10/08/2023</a:t>
             </a:fld>
             <a:endParaRPr lang="en-AU"/>
           </a:p>
@@ -8331,7 +8334,7 @@
           <a:p>
             <a:fld id="{AFC0772B-B1F5-4297-B0F2-E59C48C63404}" type="datetimeFigureOut">
               <a:rPr lang="en-AU" smtClean="0"/>
-              <a:t>3/08/2023</a:t>
+              <a:t>10/08/2023</a:t>
             </a:fld>
             <a:endParaRPr lang="en-AU"/>
           </a:p>
@@ -8426,7 +8429,7 @@
           <a:p>
             <a:fld id="{AFC0772B-B1F5-4297-B0F2-E59C48C63404}" type="datetimeFigureOut">
               <a:rPr lang="en-AU" smtClean="0"/>
-              <a:t>3/08/2023</a:t>
+              <a:t>10/08/2023</a:t>
             </a:fld>
             <a:endParaRPr lang="en-AU"/>
           </a:p>
@@ -8675,7 +8678,7 @@
           <a:p>
             <a:fld id="{AFC0772B-B1F5-4297-B0F2-E59C48C63404}" type="datetimeFigureOut">
               <a:rPr lang="en-AU" smtClean="0"/>
-              <a:t>3/08/2023</a:t>
+              <a:t>10/08/2023</a:t>
             </a:fld>
             <a:endParaRPr lang="en-AU"/>
           </a:p>
@@ -8955,7 +8958,7 @@
           <a:p>
             <a:fld id="{AFC0772B-B1F5-4297-B0F2-E59C48C63404}" type="datetimeFigureOut">
               <a:rPr lang="en-AU" smtClean="0"/>
-              <a:t>3/08/2023</a:t>
+              <a:t>10/08/2023</a:t>
             </a:fld>
             <a:endParaRPr lang="en-AU"/>
           </a:p>
@@ -9071,7 +9074,7 @@
           <a:noFill/>
           <a:extLst>
             <a:ext uri="{909E8E84-426E-40dd-AFC4-6F175D3DCCD1}">
-              <a14:hiddenFill xmlns:a14="http://schemas.microsoft.com/office/drawing/2010/main" xmlns="">
+              <a14:hiddenFill xmlns="" xmlns:a14="http://schemas.microsoft.com/office/drawing/2010/main">
                 <a:solidFill>
                   <a:srgbClr val="FFFFFF"/>
                 </a:solidFill>
@@ -9145,7 +9148,7 @@
               </a:ln>
               <a:extLst>
                 <a:ext uri="{91240B29-F687-4f45-9708-019B960494DF}">
-                  <a14:hiddenLine xmlns:a14="http://schemas.microsoft.com/office/drawing/2010/main" xmlns="" w="9525">
+                  <a14:hiddenLine xmlns="" xmlns:a14="http://schemas.microsoft.com/office/drawing/2010/main" w="9525">
                     <a:solidFill>
                       <a:srgbClr val="000000"/>
                     </a:solidFill>
@@ -9235,7 +9238,7 @@
               </a:ln>
               <a:extLst>
                 <a:ext uri="{91240B29-F687-4f45-9708-019B960494DF}">
-                  <a14:hiddenLine xmlns:a14="http://schemas.microsoft.com/office/drawing/2010/main" xmlns="" w="9525">
+                  <a14:hiddenLine xmlns="" xmlns:a14="http://schemas.microsoft.com/office/drawing/2010/main" w="9525">
                     <a:solidFill>
                       <a:srgbClr val="000000"/>
                     </a:solidFill>
@@ -9325,7 +9328,7 @@
               </a:ln>
               <a:extLst>
                 <a:ext uri="{91240B29-F687-4f45-9708-019B960494DF}">
-                  <a14:hiddenLine xmlns:a14="http://schemas.microsoft.com/office/drawing/2010/main" xmlns="" w="9525">
+                  <a14:hiddenLine xmlns="" xmlns:a14="http://schemas.microsoft.com/office/drawing/2010/main" w="9525">
                     <a:solidFill>
                       <a:srgbClr val="000000"/>
                     </a:solidFill>
@@ -9387,7 +9390,7 @@
               </a:ln>
               <a:extLst>
                 <a:ext uri="{91240B29-F687-4f45-9708-019B960494DF}">
-                  <a14:hiddenLine xmlns:a14="http://schemas.microsoft.com/office/drawing/2010/main" xmlns="" w="9525">
+                  <a14:hiddenLine xmlns="" xmlns:a14="http://schemas.microsoft.com/office/drawing/2010/main" w="9525">
                     <a:solidFill>
                       <a:srgbClr val="000000"/>
                     </a:solidFill>
@@ -9477,7 +9480,7 @@
               </a:ln>
               <a:extLst>
                 <a:ext uri="{91240B29-F687-4f45-9708-019B960494DF}">
-                  <a14:hiddenLine xmlns:a14="http://schemas.microsoft.com/office/drawing/2010/main" xmlns="" w="9525">
+                  <a14:hiddenLine xmlns="" xmlns:a14="http://schemas.microsoft.com/office/drawing/2010/main" w="9525">
                     <a:solidFill>
                       <a:srgbClr val="000000"/>
                     </a:solidFill>
@@ -9539,7 +9542,7 @@
               </a:ln>
               <a:extLst>
                 <a:ext uri="{91240B29-F687-4f45-9708-019B960494DF}">
-                  <a14:hiddenLine xmlns:a14="http://schemas.microsoft.com/office/drawing/2010/main" xmlns="" w="9525">
+                  <a14:hiddenLine xmlns="" xmlns:a14="http://schemas.microsoft.com/office/drawing/2010/main" w="9525">
                     <a:solidFill>
                       <a:srgbClr val="000000"/>
                     </a:solidFill>
@@ -9601,7 +9604,7 @@
               </a:ln>
               <a:extLst>
                 <a:ext uri="{91240B29-F687-4f45-9708-019B960494DF}">
-                  <a14:hiddenLine xmlns:a14="http://schemas.microsoft.com/office/drawing/2010/main" xmlns="" w="9525">
+                  <a14:hiddenLine xmlns="" xmlns:a14="http://schemas.microsoft.com/office/drawing/2010/main" w="9525">
                     <a:solidFill>
                       <a:srgbClr val="000000"/>
                     </a:solidFill>
@@ -9691,7 +9694,7 @@
               </a:ln>
               <a:extLst>
                 <a:ext uri="{91240B29-F687-4f45-9708-019B960494DF}">
-                  <a14:hiddenLine xmlns:a14="http://schemas.microsoft.com/office/drawing/2010/main" xmlns="" w="9525">
+                  <a14:hiddenLine xmlns="" xmlns:a14="http://schemas.microsoft.com/office/drawing/2010/main" w="9525">
                     <a:solidFill>
                       <a:srgbClr val="000000"/>
                     </a:solidFill>
@@ -9781,7 +9784,7 @@
               </a:ln>
               <a:extLst>
                 <a:ext uri="{91240B29-F687-4f45-9708-019B960494DF}">
-                  <a14:hiddenLine xmlns:a14="http://schemas.microsoft.com/office/drawing/2010/main" xmlns="" w="9525">
+                  <a14:hiddenLine xmlns="" xmlns:a14="http://schemas.microsoft.com/office/drawing/2010/main" w="9525">
                     <a:solidFill>
                       <a:srgbClr val="000000"/>
                     </a:solidFill>
@@ -9843,7 +9846,7 @@
               </a:ln>
               <a:extLst>
                 <a:ext uri="{91240B29-F687-4f45-9708-019B960494DF}">
-                  <a14:hiddenLine xmlns:a14="http://schemas.microsoft.com/office/drawing/2010/main" xmlns="" w="9525">
+                  <a14:hiddenLine xmlns="" xmlns:a14="http://schemas.microsoft.com/office/drawing/2010/main" w="9525">
                     <a:solidFill>
                       <a:srgbClr val="000000"/>
                     </a:solidFill>
@@ -9953,7 +9956,7 @@
               </a:ln>
               <a:extLst>
                 <a:ext uri="{91240B29-F687-4f45-9708-019B960494DF}">
-                  <a14:hiddenLine xmlns:a14="http://schemas.microsoft.com/office/drawing/2010/main" xmlns="" w="9525">
+                  <a14:hiddenLine xmlns="" xmlns:a14="http://schemas.microsoft.com/office/drawing/2010/main" w="9525">
                     <a:solidFill>
                       <a:srgbClr val="000000"/>
                     </a:solidFill>
@@ -10037,7 +10040,7 @@
               </a:ln>
               <a:extLst>
                 <a:ext uri="{91240B29-F687-4f45-9708-019B960494DF}">
-                  <a14:hiddenLine xmlns:a14="http://schemas.microsoft.com/office/drawing/2010/main" xmlns="" w="9525">
+                  <a14:hiddenLine xmlns="" xmlns:a14="http://schemas.microsoft.com/office/drawing/2010/main" w="9525">
                     <a:solidFill>
                       <a:srgbClr val="000000"/>
                     </a:solidFill>
@@ -10099,7 +10102,7 @@
               </a:ln>
               <a:extLst>
                 <a:ext uri="{91240B29-F687-4f45-9708-019B960494DF}">
-                  <a14:hiddenLine xmlns:a14="http://schemas.microsoft.com/office/drawing/2010/main" xmlns="" w="9525">
+                  <a14:hiddenLine xmlns="" xmlns:a14="http://schemas.microsoft.com/office/drawing/2010/main" w="9525">
                     <a:solidFill>
                       <a:srgbClr val="000000"/>
                     </a:solidFill>
@@ -10161,7 +10164,7 @@
               </a:ln>
               <a:extLst>
                 <a:ext uri="{91240B29-F687-4f45-9708-019B960494DF}">
-                  <a14:hiddenLine xmlns:a14="http://schemas.microsoft.com/office/drawing/2010/main" xmlns="" w="9525">
+                  <a14:hiddenLine xmlns="" xmlns:a14="http://schemas.microsoft.com/office/drawing/2010/main" w="9525">
                     <a:solidFill>
                       <a:srgbClr val="000000"/>
                     </a:solidFill>
@@ -10251,7 +10254,7 @@
               </a:ln>
               <a:extLst>
                 <a:ext uri="{91240B29-F687-4f45-9708-019B960494DF}">
-                  <a14:hiddenLine xmlns:a14="http://schemas.microsoft.com/office/drawing/2010/main" xmlns="" w="9525">
+                  <a14:hiddenLine xmlns="" xmlns:a14="http://schemas.microsoft.com/office/drawing/2010/main" w="9525">
                     <a:solidFill>
                       <a:srgbClr val="000000"/>
                     </a:solidFill>
@@ -10285,7 +10288,7 @@
               </a:ln>
               <a:extLst>
                 <a:ext uri="{91240B29-F687-4f45-9708-019B960494DF}">
-                  <a14:hiddenLine xmlns:a14="http://schemas.microsoft.com/office/drawing/2010/main" xmlns="" w="9525">
+                  <a14:hiddenLine xmlns="" xmlns:a14="http://schemas.microsoft.com/office/drawing/2010/main" w="9525">
                     <a:solidFill>
                       <a:srgbClr val="000000"/>
                     </a:solidFill>
@@ -10350,7 +10353,7 @@
               </a:ln>
               <a:extLst>
                 <a:ext uri="{91240B29-F687-4f45-9708-019B960494DF}">
-                  <a14:hiddenLine xmlns:a14="http://schemas.microsoft.com/office/drawing/2010/main" xmlns="" w="9525">
+                  <a14:hiddenLine xmlns="" xmlns:a14="http://schemas.microsoft.com/office/drawing/2010/main" w="9525">
                     <a:solidFill>
                       <a:srgbClr val="000000"/>
                     </a:solidFill>
@@ -10440,7 +10443,7 @@
               </a:ln>
               <a:extLst>
                 <a:ext uri="{91240B29-F687-4f45-9708-019B960494DF}">
-                  <a14:hiddenLine xmlns:a14="http://schemas.microsoft.com/office/drawing/2010/main" xmlns="" w="9525">
+                  <a14:hiddenLine xmlns="" xmlns:a14="http://schemas.microsoft.com/office/drawing/2010/main" w="9525">
                     <a:solidFill>
                       <a:srgbClr val="000000"/>
                     </a:solidFill>
@@ -10502,7 +10505,7 @@
               </a:ln>
               <a:extLst>
                 <a:ext uri="{91240B29-F687-4f45-9708-019B960494DF}">
-                  <a14:hiddenLine xmlns:a14="http://schemas.microsoft.com/office/drawing/2010/main" xmlns="" w="9525">
+                  <a14:hiddenLine xmlns="" xmlns:a14="http://schemas.microsoft.com/office/drawing/2010/main" w="9525">
                     <a:solidFill>
                       <a:srgbClr val="000000"/>
                     </a:solidFill>
@@ -10592,7 +10595,7 @@
               </a:ln>
               <a:extLst>
                 <a:ext uri="{91240B29-F687-4f45-9708-019B960494DF}">
-                  <a14:hiddenLine xmlns:a14="http://schemas.microsoft.com/office/drawing/2010/main" xmlns="" w="9525">
+                  <a14:hiddenLine xmlns="" xmlns:a14="http://schemas.microsoft.com/office/drawing/2010/main" w="9525">
                     <a:solidFill>
                       <a:srgbClr val="000000"/>
                     </a:solidFill>
@@ -10657,7 +10660,7 @@
               </a:ln>
               <a:extLst>
                 <a:ext uri="{91240B29-F687-4f45-9708-019B960494DF}">
-                  <a14:hiddenLine xmlns:a14="http://schemas.microsoft.com/office/drawing/2010/main" xmlns="" w="9525">
+                  <a14:hiddenLine xmlns="" xmlns:a14="http://schemas.microsoft.com/office/drawing/2010/main" w="9525">
                     <a:solidFill>
                       <a:srgbClr val="000000"/>
                     </a:solidFill>
@@ -10719,7 +10722,7 @@
               </a:ln>
               <a:extLst>
                 <a:ext uri="{91240B29-F687-4f45-9708-019B960494DF}">
-                  <a14:hiddenLine xmlns:a14="http://schemas.microsoft.com/office/drawing/2010/main" xmlns="" w="9525">
+                  <a14:hiddenLine xmlns="" xmlns:a14="http://schemas.microsoft.com/office/drawing/2010/main" w="9525">
                     <a:solidFill>
                       <a:srgbClr val="000000"/>
                     </a:solidFill>
@@ -10809,7 +10812,7 @@
               </a:ln>
               <a:extLst>
                 <a:ext uri="{91240B29-F687-4f45-9708-019B960494DF}">
-                  <a14:hiddenLine xmlns:a14="http://schemas.microsoft.com/office/drawing/2010/main" xmlns="" w="9525">
+                  <a14:hiddenLine xmlns="" xmlns:a14="http://schemas.microsoft.com/office/drawing/2010/main" w="9525">
                     <a:solidFill>
                       <a:srgbClr val="000000"/>
                     </a:solidFill>
@@ -10899,7 +10902,7 @@
               </a:ln>
               <a:extLst>
                 <a:ext uri="{91240B29-F687-4f45-9708-019B960494DF}">
-                  <a14:hiddenLine xmlns:a14="http://schemas.microsoft.com/office/drawing/2010/main" xmlns="" w="9525">
+                  <a14:hiddenLine xmlns="" xmlns:a14="http://schemas.microsoft.com/office/drawing/2010/main" w="9525">
                     <a:solidFill>
                       <a:srgbClr val="000000"/>
                     </a:solidFill>
@@ -10964,7 +10967,7 @@
               </a:ln>
               <a:extLst>
                 <a:ext uri="{91240B29-F687-4f45-9708-019B960494DF}">
-                  <a14:hiddenLine xmlns:a14="http://schemas.microsoft.com/office/drawing/2010/main" xmlns="" w="9525">
+                  <a14:hiddenLine xmlns="" xmlns:a14="http://schemas.microsoft.com/office/drawing/2010/main" w="9525">
                     <a:solidFill>
                       <a:srgbClr val="000000"/>
                     </a:solidFill>
@@ -11084,7 +11087,7 @@
               </a:ln>
               <a:extLst>
                 <a:ext uri="{91240B29-F687-4f45-9708-019B960494DF}">
-                  <a14:hiddenLine xmlns:a14="http://schemas.microsoft.com/office/drawing/2010/main" xmlns="" w="9525">
+                  <a14:hiddenLine xmlns="" xmlns:a14="http://schemas.microsoft.com/office/drawing/2010/main" w="9525">
                     <a:solidFill>
                       <a:srgbClr val="000000"/>
                     </a:solidFill>
@@ -11182,7 +11185,7 @@
               </a:ln>
               <a:extLst>
                 <a:ext uri="{91240B29-F687-4f45-9708-019B960494DF}">
-                  <a14:hiddenLine xmlns:a14="http://schemas.microsoft.com/office/drawing/2010/main" xmlns="" w="9525">
+                  <a14:hiddenLine xmlns="" xmlns:a14="http://schemas.microsoft.com/office/drawing/2010/main" w="9525">
                     <a:solidFill>
                       <a:srgbClr val="000000"/>
                     </a:solidFill>
@@ -11297,7 +11300,7 @@
               </a:ln>
               <a:extLst>
                 <a:ext uri="{91240B29-F687-4f45-9708-019B960494DF}">
-                  <a14:hiddenLine xmlns:a14="http://schemas.microsoft.com/office/drawing/2010/main" xmlns="" w="9525">
+                  <a14:hiddenLine xmlns="" xmlns:a14="http://schemas.microsoft.com/office/drawing/2010/main" w="9525">
                     <a:solidFill>
                       <a:srgbClr val="000000"/>
                     </a:solidFill>
@@ -11387,7 +11390,7 @@
               </a:ln>
               <a:extLst>
                 <a:ext uri="{91240B29-F687-4f45-9708-019B960494DF}">
-                  <a14:hiddenLine xmlns:a14="http://schemas.microsoft.com/office/drawing/2010/main" xmlns="" w="9525">
+                  <a14:hiddenLine xmlns="" xmlns:a14="http://schemas.microsoft.com/office/drawing/2010/main" w="9525">
                     <a:solidFill>
                       <a:srgbClr val="000000"/>
                     </a:solidFill>
@@ -11452,7 +11455,7 @@
               </a:ln>
               <a:extLst>
                 <a:ext uri="{91240B29-F687-4f45-9708-019B960494DF}">
-                  <a14:hiddenLine xmlns:a14="http://schemas.microsoft.com/office/drawing/2010/main" xmlns="" w="9525">
+                  <a14:hiddenLine xmlns="" xmlns:a14="http://schemas.microsoft.com/office/drawing/2010/main" w="9525">
                     <a:solidFill>
                       <a:srgbClr val="000000"/>
                     </a:solidFill>
@@ -11542,7 +11545,7 @@
               </a:ln>
               <a:extLst>
                 <a:ext uri="{91240B29-F687-4f45-9708-019B960494DF}">
-                  <a14:hiddenLine xmlns:a14="http://schemas.microsoft.com/office/drawing/2010/main" xmlns="" w="9525">
+                  <a14:hiddenLine xmlns="" xmlns:a14="http://schemas.microsoft.com/office/drawing/2010/main" w="9525">
                     <a:solidFill>
                       <a:srgbClr val="000000"/>
                     </a:solidFill>
@@ -11610,7 +11613,7 @@
               </a:ln>
               <a:extLst>
                 <a:ext uri="{91240B29-F687-4f45-9708-019B960494DF}">
-                  <a14:hiddenLine xmlns:a14="http://schemas.microsoft.com/office/drawing/2010/main" xmlns="" w="9525">
+                  <a14:hiddenLine xmlns="" xmlns:a14="http://schemas.microsoft.com/office/drawing/2010/main" w="9525">
                     <a:solidFill>
                       <a:srgbClr val="000000"/>
                     </a:solidFill>
@@ -11700,7 +11703,7 @@
               </a:ln>
               <a:extLst>
                 <a:ext uri="{91240B29-F687-4f45-9708-019B960494DF}">
-                  <a14:hiddenLine xmlns:a14="http://schemas.microsoft.com/office/drawing/2010/main" xmlns="" w="9525">
+                  <a14:hiddenLine xmlns="" xmlns:a14="http://schemas.microsoft.com/office/drawing/2010/main" w="9525">
                     <a:solidFill>
                       <a:srgbClr val="000000"/>
                     </a:solidFill>
@@ -11768,7 +11771,7 @@
               </a:ln>
               <a:extLst>
                 <a:ext uri="{91240B29-F687-4f45-9708-019B960494DF}">
-                  <a14:hiddenLine xmlns:a14="http://schemas.microsoft.com/office/drawing/2010/main" xmlns="" w="9525">
+                  <a14:hiddenLine xmlns="" xmlns:a14="http://schemas.microsoft.com/office/drawing/2010/main" w="9525">
                     <a:solidFill>
                       <a:srgbClr val="000000"/>
                     </a:solidFill>
@@ -11858,7 +11861,7 @@
               </a:ln>
               <a:extLst>
                 <a:ext uri="{91240B29-F687-4f45-9708-019B960494DF}">
-                  <a14:hiddenLine xmlns:a14="http://schemas.microsoft.com/office/drawing/2010/main" xmlns="" w="9525">
+                  <a14:hiddenLine xmlns="" xmlns:a14="http://schemas.microsoft.com/office/drawing/2010/main" w="9525">
                     <a:solidFill>
                       <a:srgbClr val="000000"/>
                     </a:solidFill>
@@ -11892,7 +11895,7 @@
               </a:ln>
               <a:extLst>
                 <a:ext uri="{91240B29-F687-4f45-9708-019B960494DF}">
-                  <a14:hiddenLine xmlns:a14="http://schemas.microsoft.com/office/drawing/2010/main" xmlns="" w="9525">
+                  <a14:hiddenLine xmlns="" xmlns:a14="http://schemas.microsoft.com/office/drawing/2010/main" w="9525">
                     <a:solidFill>
                       <a:srgbClr val="000000"/>
                     </a:solidFill>
@@ -12032,7 +12035,7 @@
           <a:p>
             <a:fld id="{AFC0772B-B1F5-4297-B0F2-E59C48C63404}" type="datetimeFigureOut">
               <a:rPr lang="en-AU" smtClean="0"/>
-              <a:t>3/08/2023</a:t>
+              <a:t>10/08/2023</a:t>
             </a:fld>
             <a:endParaRPr lang="en-AU"/>
           </a:p>
@@ -12590,7 +12593,36 @@
           <a:bodyPr/>
           <a:lstStyle/>
           <a:p>
-            <a:endParaRPr lang="en-AU"/>
+            <a:r>
+              <a:rPr lang="en-US" dirty="0"/>
+              <a:t>This Gen includes games &amp; consoles released between 1987 – 1996</a:t>
+            </a:r>
+            <a:br>
+              <a:rPr lang="en-US" dirty="0"/>
+            </a:br>
+            <a:r>
+              <a:rPr lang="en-US" dirty="0"/>
+              <a:t>This Gen was also referred to as the ’16-bit era’</a:t>
+            </a:r>
+          </a:p>
+          <a:p>
+            <a:r>
+              <a:rPr lang="en-US" dirty="0"/>
+              <a:t> 16-bit microprocessors, 16-bit colour palettes (which provided up to 65,536 different colours)</a:t>
+            </a:r>
+          </a:p>
+          <a:p>
+            <a:r>
+              <a:rPr lang="en-US" dirty="0"/>
+              <a:t>Stereo audio was introduced, which allowed for separate left &amp; right channels.</a:t>
+            </a:r>
+          </a:p>
+          <a:p>
+            <a:r>
+              <a:rPr lang="en-US" dirty="0"/>
+              <a:t>Controllers featured more inputs than the previous gen.</a:t>
+            </a:r>
+            <a:endParaRPr lang="en-AU" dirty="0"/>
           </a:p>
         </p:txBody>
       </p:sp>
@@ -12645,7 +12677,11 @@
           <a:bodyPr/>
           <a:lstStyle/>
           <a:p>
-            <a:endParaRPr lang="en-AU"/>
+            <a:r>
+              <a:rPr lang="en-US" dirty="0"/>
+              <a:t>Introduction of 3D Graphics</a:t>
+            </a:r>
+            <a:endParaRPr lang="en-AU" dirty="0"/>
           </a:p>
         </p:txBody>
       </p:sp>
@@ -12670,7 +12706,29 @@
           <a:bodyPr/>
           <a:lstStyle/>
           <a:p>
-            <a:endParaRPr lang="en-AU"/>
+            <a:r>
+              <a:rPr lang="en-US" dirty="0"/>
+              <a:t>Social, emotional, and cognitive impacts of game play</a:t>
+            </a:r>
+          </a:p>
+          <a:p>
+            <a:r>
+              <a:rPr lang="en-US" dirty="0"/>
+              <a:t>Gamification across a range of industries</a:t>
+            </a:r>
+          </a:p>
+          <a:p>
+            <a:r>
+              <a:rPr lang="en-US" dirty="0"/>
+              <a:t>Game design principles, frameworks, and methodologies</a:t>
+            </a:r>
+          </a:p>
+          <a:p>
+            <a:r>
+              <a:rPr lang="en-US" dirty="0"/>
+              <a:t>Limitations of industry hardware and software</a:t>
+            </a:r>
+            <a:endParaRPr lang="en-AU" dirty="0"/>
           </a:p>
         </p:txBody>
       </p:sp>
@@ -12725,7 +12783,11 @@
           <a:bodyPr/>
           <a:lstStyle/>
           <a:p>
-            <a:endParaRPr lang="en-AU"/>
+            <a:r>
+              <a:rPr lang="en-US" dirty="0"/>
+              <a:t>Fifth Gen of Home Consoles</a:t>
+            </a:r>
+            <a:endParaRPr lang="en-AU" dirty="0"/>
           </a:p>
         </p:txBody>
       </p:sp>
@@ -12750,7 +12812,11 @@
           <a:bodyPr/>
           <a:lstStyle/>
           <a:p>
-            <a:endParaRPr lang="en-AU"/>
+            <a:r>
+              <a:rPr lang="en-US" dirty="0"/>
+              <a:t>This Gen includes games &amp; consoles released between</a:t>
+            </a:r>
+            <a:endParaRPr lang="en-AU" dirty="0"/>
           </a:p>
         </p:txBody>
       </p:sp>
@@ -12805,7 +12871,11 @@
           <a:bodyPr/>
           <a:lstStyle/>
           <a:p>
-            <a:endParaRPr lang="en-AU"/>
+            <a:r>
+              <a:rPr lang="en-US" dirty="0"/>
+              <a:t>1990’s</a:t>
+            </a:r>
+            <a:endParaRPr lang="en-AU" dirty="0"/>
           </a:p>
         </p:txBody>
       </p:sp>
@@ -12830,7 +12900,32 @@
           <a:bodyPr/>
           <a:lstStyle/>
           <a:p>
-            <a:endParaRPr lang="en-AU"/>
+            <a:r>
+              <a:rPr lang="en-US" dirty="0"/>
+              <a:t>Social, emotional, and cognitive impacts of game play</a:t>
+            </a:r>
+          </a:p>
+          <a:p>
+            <a:r>
+              <a:rPr lang="en-US" dirty="0"/>
+              <a:t>Gamification across a range of industries</a:t>
+            </a:r>
+          </a:p>
+          <a:p>
+            <a:r>
+              <a:rPr lang="en-US" dirty="0"/>
+              <a:t>Game design principles, frameworks, and methodologies</a:t>
+            </a:r>
+          </a:p>
+          <a:p>
+            <a:r>
+              <a:rPr lang="en-US" dirty="0"/>
+              <a:t>Limitations of industry hardware and software</a:t>
+            </a:r>
+            <a:endParaRPr lang="en-AU" dirty="0"/>
+          </a:p>
+          <a:p>
+            <a:endParaRPr lang="en-AU" dirty="0"/>
           </a:p>
         </p:txBody>
       </p:sp>
@@ -12885,7 +12980,11 @@
           <a:bodyPr/>
           <a:lstStyle/>
           <a:p>
-            <a:endParaRPr lang="en-AU"/>
+            <a:r>
+              <a:rPr lang="en-US" dirty="0"/>
+              <a:t>Sixth Gen of Home Consoles</a:t>
+            </a:r>
+            <a:endParaRPr lang="en-AU" dirty="0"/>
           </a:p>
         </p:txBody>
       </p:sp>
@@ -12910,7 +13009,11 @@
           <a:bodyPr/>
           <a:lstStyle/>
           <a:p>
-            <a:endParaRPr lang="en-AU"/>
+            <a:r>
+              <a:rPr lang="en-US" dirty="0"/>
+              <a:t>This Gen includes games &amp; consoles released between</a:t>
+            </a:r>
+            <a:endParaRPr lang="en-AU" dirty="0"/>
           </a:p>
         </p:txBody>
       </p:sp>
@@ -12949,7 +13052,7 @@
           <p:cNvPr id="2" name="Title 1">
             <a:extLst>
               <a:ext uri="{FF2B5EF4-FFF2-40B4-BE49-F238E27FC236}">
-                <a16:creationId xmlns:a16="http://schemas.microsoft.com/office/drawing/2014/main" id="{A1B24B7E-2122-D336-1588-95DD707811C6}"/>
+                <a16:creationId xmlns:a16="http://schemas.microsoft.com/office/drawing/2014/main" id="{37BC3D5A-B12A-8E95-8850-17DBF7315D46}"/>
               </a:ext>
             </a:extLst>
           </p:cNvPr>
@@ -12965,7 +13068,11 @@
           <a:bodyPr/>
           <a:lstStyle/>
           <a:p>
-            <a:endParaRPr lang="en-AU"/>
+            <a:r>
+              <a:rPr lang="en-US" dirty="0"/>
+              <a:t>Digital Market</a:t>
+            </a:r>
+            <a:endParaRPr lang="en-AU" dirty="0"/>
           </a:p>
         </p:txBody>
       </p:sp>
@@ -12974,7 +13081,7 @@
           <p:cNvPr id="3" name="Content Placeholder 2">
             <a:extLst>
               <a:ext uri="{FF2B5EF4-FFF2-40B4-BE49-F238E27FC236}">
-                <a16:creationId xmlns:a16="http://schemas.microsoft.com/office/drawing/2014/main" id="{89253CB5-6EAA-0FC5-F992-CEEE1DE1645C}"/>
+                <a16:creationId xmlns:a16="http://schemas.microsoft.com/office/drawing/2014/main" id="{0180C0E5-F33E-0FB5-A04C-2667C3219735}"/>
               </a:ext>
             </a:extLst>
           </p:cNvPr>
@@ -12990,14 +13097,39 @@
           <a:bodyPr/>
           <a:lstStyle/>
           <a:p>
-            <a:endParaRPr lang="en-AU"/>
+            <a:r>
+              <a:rPr lang="en-US" dirty="0"/>
+              <a:t>Social, emotional, and cognitive impacts of game play</a:t>
+            </a:r>
+          </a:p>
+          <a:p>
+            <a:r>
+              <a:rPr lang="en-US" dirty="0"/>
+              <a:t>Gamification across a range of industries</a:t>
+            </a:r>
+          </a:p>
+          <a:p>
+            <a:r>
+              <a:rPr lang="en-US" dirty="0"/>
+              <a:t>Game design principles, frameworks, and methodologies</a:t>
+            </a:r>
+          </a:p>
+          <a:p>
+            <a:r>
+              <a:rPr lang="en-US" dirty="0"/>
+              <a:t>Limitations of industry hardware and software</a:t>
+            </a:r>
+            <a:endParaRPr lang="en-AU" dirty="0"/>
+          </a:p>
+          <a:p>
+            <a:endParaRPr lang="en-AU" dirty="0"/>
           </a:p>
         </p:txBody>
       </p:sp>
     </p:spTree>
     <p:extLst>
       <p:ext uri="{BB962C8B-B14F-4D97-AF65-F5344CB8AC3E}">
-        <p14:creationId xmlns:p14="http://schemas.microsoft.com/office/powerpoint/2010/main" val="1219976343"/>
+        <p14:creationId xmlns:p14="http://schemas.microsoft.com/office/powerpoint/2010/main" val="161802378"/>
       </p:ext>
     </p:extLst>
   </p:cSld>
@@ -13029,7 +13161,7 @@
           <p:cNvPr id="2" name="Title 1">
             <a:extLst>
               <a:ext uri="{FF2B5EF4-FFF2-40B4-BE49-F238E27FC236}">
-                <a16:creationId xmlns:a16="http://schemas.microsoft.com/office/drawing/2014/main" id="{07070B6A-77B8-14C7-BFEC-B5B46664207F}"/>
+                <a16:creationId xmlns:a16="http://schemas.microsoft.com/office/drawing/2014/main" id="{3EB4DF29-0441-E105-B5E0-A7E180EDCAB1}"/>
               </a:ext>
             </a:extLst>
           </p:cNvPr>
@@ -13045,7 +13177,11 @@
           <a:bodyPr/>
           <a:lstStyle/>
           <a:p>
-            <a:endParaRPr lang="en-AU"/>
+            <a:r>
+              <a:rPr lang="en-US" dirty="0"/>
+              <a:t>Seventh Gen of Home Consoles</a:t>
+            </a:r>
+            <a:endParaRPr lang="en-AU" dirty="0"/>
           </a:p>
         </p:txBody>
       </p:sp>
@@ -13054,7 +13190,7 @@
           <p:cNvPr id="3" name="Content Placeholder 2">
             <a:extLst>
               <a:ext uri="{FF2B5EF4-FFF2-40B4-BE49-F238E27FC236}">
-                <a16:creationId xmlns:a16="http://schemas.microsoft.com/office/drawing/2014/main" id="{3DE84E49-9E40-40F0-8D9C-5335D339FD32}"/>
+                <a16:creationId xmlns:a16="http://schemas.microsoft.com/office/drawing/2014/main" id="{66550869-1328-FADD-2C8A-D6A6F3C9DE1B}"/>
               </a:ext>
             </a:extLst>
           </p:cNvPr>
@@ -13070,14 +13206,18 @@
           <a:bodyPr/>
           <a:lstStyle/>
           <a:p>
-            <a:endParaRPr lang="en-AU"/>
+            <a:r>
+              <a:rPr lang="en-US" dirty="0"/>
+              <a:t>This Gen includes games &amp; consoles released between</a:t>
+            </a:r>
+            <a:endParaRPr lang="en-AU" dirty="0"/>
           </a:p>
         </p:txBody>
       </p:sp>
     </p:spTree>
     <p:extLst>
       <p:ext uri="{BB962C8B-B14F-4D97-AF65-F5344CB8AC3E}">
-        <p14:creationId xmlns:p14="http://schemas.microsoft.com/office/powerpoint/2010/main" val="1663169755"/>
+        <p14:creationId xmlns:p14="http://schemas.microsoft.com/office/powerpoint/2010/main" val="2978001623"/>
       </p:ext>
     </p:extLst>
   </p:cSld>
@@ -13109,7 +13249,7 @@
           <p:cNvPr id="2" name="Title 1">
             <a:extLst>
               <a:ext uri="{FF2B5EF4-FFF2-40B4-BE49-F238E27FC236}">
-                <a16:creationId xmlns:a16="http://schemas.microsoft.com/office/drawing/2014/main" id="{DB0253E5-BBF5-0885-0DFE-4F3F8C552DEE}"/>
+                <a16:creationId xmlns:a16="http://schemas.microsoft.com/office/drawing/2014/main" id="{114CFCF1-9455-4A80-A964-E104EBFDEB81}"/>
               </a:ext>
             </a:extLst>
           </p:cNvPr>
@@ -13127,7 +13267,7 @@
           <a:p>
             <a:r>
               <a:rPr lang="en-US" dirty="0"/>
-              <a:t>References for information.</a:t>
+              <a:t>Eighth Gen of Home Consoles</a:t>
             </a:r>
             <a:endParaRPr lang="en-AU" dirty="0"/>
           </a:p>
@@ -13138,7 +13278,7 @@
           <p:cNvPr id="3" name="Content Placeholder 2">
             <a:extLst>
               <a:ext uri="{FF2B5EF4-FFF2-40B4-BE49-F238E27FC236}">
-                <a16:creationId xmlns:a16="http://schemas.microsoft.com/office/drawing/2014/main" id="{3EB98CB3-DDC1-226F-DE8D-AC5126187C12}"/>
+                <a16:creationId xmlns:a16="http://schemas.microsoft.com/office/drawing/2014/main" id="{5B832744-EE25-C478-F41E-0760430346F4}"/>
               </a:ext>
             </a:extLst>
           </p:cNvPr>
@@ -13156,79 +13296,219 @@
           <a:p>
             <a:r>
               <a:rPr lang="en-US" dirty="0"/>
-              <a:t>Before the first gen of home consoles:</a:t>
-            </a:r>
-          </a:p>
-          <a:p>
-            <a:pPr lvl="1"/>
-            <a:r>
-              <a:rPr lang="en-AU" dirty="0">
-                <a:hlinkClick r:id="rId2"/>
-              </a:rPr>
-              <a:t>https://www.computerhistory.org/timeline/1945/</a:t>
-            </a:r>
-            <a:r>
-              <a:rPr lang="en-US" dirty="0"/>
-              <a:t> </a:t>
-            </a:r>
-          </a:p>
-          <a:p>
-            <a:pPr lvl="1"/>
-            <a:r>
-              <a:rPr lang="en-AU" dirty="0">
-                <a:hlinkClick r:id="rId3"/>
-              </a:rPr>
-              <a:t>https://www.computerhistory.org/timeline/1947/</a:t>
-            </a:r>
-            <a:endParaRPr lang="en-US" dirty="0"/>
-          </a:p>
-          <a:p>
-            <a:pPr lvl="1"/>
-            <a:r>
-              <a:rPr lang="en-AU" dirty="0">
-                <a:hlinkClick r:id="rId4"/>
-              </a:rPr>
-              <a:t>https://www.computerhistory.org/timeline/1948/</a:t>
+              <a:t>This Gen includes games &amp; consoles released between</a:t>
             </a:r>
             <a:endParaRPr lang="en-AU" dirty="0"/>
-          </a:p>
-          <a:p>
-            <a:pPr lvl="1"/>
-            <a:r>
-              <a:rPr lang="en-AU" dirty="0">
-                <a:hlinkClick r:id="rId5"/>
-              </a:rPr>
-              <a:t>https://www.computerhistory.org/timeline/1949/</a:t>
-            </a:r>
-            <a:endParaRPr lang="en-AU" dirty="0"/>
-          </a:p>
-          <a:p>
-            <a:pPr lvl="1"/>
-            <a:r>
-              <a:rPr lang="en-AU" dirty="0">
-                <a:hlinkClick r:id="rId6"/>
-              </a:rPr>
-              <a:t>https://www.computerhistory.org/timeline/1952/</a:t>
-            </a:r>
-            <a:endParaRPr lang="en-AU" dirty="0"/>
-          </a:p>
-          <a:p>
-            <a:pPr lvl="1"/>
-            <a:r>
-              <a:rPr lang="en-AU" dirty="0" err="1"/>
-              <a:t>HistoryOfVideoGames</a:t>
-            </a:r>
-            <a:r>
-              <a:rPr lang="en-AU" dirty="0"/>
-              <a:t> PDF from the learning content on Blackboard.</a:t>
-            </a:r>
           </a:p>
         </p:txBody>
       </p:sp>
     </p:spTree>
     <p:extLst>
       <p:ext uri="{BB962C8B-B14F-4D97-AF65-F5344CB8AC3E}">
-        <p14:creationId xmlns:p14="http://schemas.microsoft.com/office/powerpoint/2010/main" val="58049170"/>
+        <p14:creationId xmlns:p14="http://schemas.microsoft.com/office/powerpoint/2010/main" val="1408206463"/>
+      </p:ext>
+    </p:extLst>
+  </p:cSld>
+  <p:clrMapOvr>
+    <a:masterClrMapping/>
+  </p:clrMapOvr>
+</p:sld>
+</file>
+
+<file path=ppt/slides/slide18.xml><?xml version="1.0" encoding="utf-8"?>
+<p:sld xmlns:a="http://schemas.openxmlformats.org/drawingml/2006/main" xmlns:r="http://schemas.openxmlformats.org/officeDocument/2006/relationships" xmlns:p="http://schemas.openxmlformats.org/presentationml/2006/main">
+  <p:cSld>
+    <p:spTree>
+      <p:nvGrpSpPr>
+        <p:cNvPr id="1" name=""/>
+        <p:cNvGrpSpPr/>
+        <p:nvPr/>
+      </p:nvGrpSpPr>
+      <p:grpSpPr>
+        <a:xfrm>
+          <a:off x="0" y="0"/>
+          <a:ext cx="0" cy="0"/>
+          <a:chOff x="0" y="0"/>
+          <a:chExt cx="0" cy="0"/>
+        </a:xfrm>
+      </p:grpSpPr>
+      <p:sp>
+        <p:nvSpPr>
+          <p:cNvPr id="2" name="Title 1">
+            <a:extLst>
+              <a:ext uri="{FF2B5EF4-FFF2-40B4-BE49-F238E27FC236}">
+                <a16:creationId xmlns:a16="http://schemas.microsoft.com/office/drawing/2014/main" id="{A1B24B7E-2122-D336-1588-95DD707811C6}"/>
+              </a:ext>
+            </a:extLst>
+          </p:cNvPr>
+          <p:cNvSpPr>
+            <a:spLocks noGrp="1"/>
+          </p:cNvSpPr>
+          <p:nvPr>
+            <p:ph type="title"/>
+          </p:nvPr>
+        </p:nvSpPr>
+        <p:spPr/>
+        <p:txBody>
+          <a:bodyPr/>
+          <a:lstStyle/>
+          <a:p>
+            <a:r>
+              <a:rPr lang="en-US" dirty="0"/>
+              <a:t>Ninth Gen of Home Consoles</a:t>
+            </a:r>
+            <a:endParaRPr lang="en-AU" dirty="0"/>
+          </a:p>
+        </p:txBody>
+      </p:sp>
+      <p:sp>
+        <p:nvSpPr>
+          <p:cNvPr id="3" name="Content Placeholder 2">
+            <a:extLst>
+              <a:ext uri="{FF2B5EF4-FFF2-40B4-BE49-F238E27FC236}">
+                <a16:creationId xmlns:a16="http://schemas.microsoft.com/office/drawing/2014/main" id="{89253CB5-6EAA-0FC5-F992-CEEE1DE1645C}"/>
+              </a:ext>
+            </a:extLst>
+          </p:cNvPr>
+          <p:cNvSpPr>
+            <a:spLocks noGrp="1"/>
+          </p:cNvSpPr>
+          <p:nvPr>
+            <p:ph idx="1"/>
+          </p:nvPr>
+        </p:nvSpPr>
+        <p:spPr/>
+        <p:txBody>
+          <a:bodyPr/>
+          <a:lstStyle/>
+          <a:p>
+            <a:r>
+              <a:rPr lang="en-US" dirty="0"/>
+              <a:t>This Gen includes games &amp; consoles released between</a:t>
+            </a:r>
+            <a:endParaRPr lang="en-AU" dirty="0"/>
+          </a:p>
+        </p:txBody>
+      </p:sp>
+    </p:spTree>
+    <p:extLst>
+      <p:ext uri="{BB962C8B-B14F-4D97-AF65-F5344CB8AC3E}">
+        <p14:creationId xmlns:p14="http://schemas.microsoft.com/office/powerpoint/2010/main" val="1219976343"/>
+      </p:ext>
+    </p:extLst>
+  </p:cSld>
+  <p:clrMapOvr>
+    <a:masterClrMapping/>
+  </p:clrMapOvr>
+</p:sld>
+</file>
+
+<file path=ppt/slides/slide19.xml><?xml version="1.0" encoding="utf-8"?>
+<p:sld xmlns:a="http://schemas.openxmlformats.org/drawingml/2006/main" xmlns:r="http://schemas.openxmlformats.org/officeDocument/2006/relationships" xmlns:p="http://schemas.openxmlformats.org/presentationml/2006/main">
+  <p:cSld>
+    <p:spTree>
+      <p:nvGrpSpPr>
+        <p:cNvPr id="1" name=""/>
+        <p:cNvGrpSpPr/>
+        <p:nvPr/>
+      </p:nvGrpSpPr>
+      <p:grpSpPr>
+        <a:xfrm>
+          <a:off x="0" y="0"/>
+          <a:ext cx="0" cy="0"/>
+          <a:chOff x="0" y="0"/>
+          <a:chExt cx="0" cy="0"/>
+        </a:xfrm>
+      </p:grpSpPr>
+      <p:sp>
+        <p:nvSpPr>
+          <p:cNvPr id="2" name="Title 1">
+            <a:extLst>
+              <a:ext uri="{FF2B5EF4-FFF2-40B4-BE49-F238E27FC236}">
+                <a16:creationId xmlns:a16="http://schemas.microsoft.com/office/drawing/2014/main" id="{07070B6A-77B8-14C7-BFEC-B5B46664207F}"/>
+              </a:ext>
+            </a:extLst>
+          </p:cNvPr>
+          <p:cNvSpPr>
+            <a:spLocks noGrp="1"/>
+          </p:cNvSpPr>
+          <p:nvPr>
+            <p:ph type="title"/>
+          </p:nvPr>
+        </p:nvSpPr>
+        <p:spPr/>
+        <p:txBody>
+          <a:bodyPr/>
+          <a:lstStyle/>
+          <a:p>
+            <a:r>
+              <a:rPr lang="en-US" dirty="0"/>
+              <a:t>The Future of the Games Industry</a:t>
+            </a:r>
+            <a:endParaRPr lang="en-AU" dirty="0"/>
+          </a:p>
+        </p:txBody>
+      </p:sp>
+      <p:sp>
+        <p:nvSpPr>
+          <p:cNvPr id="3" name="Content Placeholder 2">
+            <a:extLst>
+              <a:ext uri="{FF2B5EF4-FFF2-40B4-BE49-F238E27FC236}">
+                <a16:creationId xmlns:a16="http://schemas.microsoft.com/office/drawing/2014/main" id="{3DE84E49-9E40-40F0-8D9C-5335D339FD32}"/>
+              </a:ext>
+            </a:extLst>
+          </p:cNvPr>
+          <p:cNvSpPr>
+            <a:spLocks noGrp="1"/>
+          </p:cNvSpPr>
+          <p:nvPr>
+            <p:ph idx="1"/>
+          </p:nvPr>
+        </p:nvSpPr>
+        <p:spPr/>
+        <p:txBody>
+          <a:bodyPr/>
+          <a:lstStyle/>
+          <a:p>
+            <a:r>
+              <a:rPr lang="en-US" dirty="0"/>
+              <a:t>Social, emotional, and cognitive impacts of game play</a:t>
+            </a:r>
+          </a:p>
+          <a:p>
+            <a:r>
+              <a:rPr lang="en-US" dirty="0"/>
+              <a:t>Gamification across a range of industries</a:t>
+            </a:r>
+          </a:p>
+          <a:p>
+            <a:r>
+              <a:rPr lang="en-US" dirty="0"/>
+              <a:t>Game design principles, frameworks, and methodologies</a:t>
+            </a:r>
+          </a:p>
+          <a:p>
+            <a:r>
+              <a:rPr lang="en-US" dirty="0"/>
+              <a:t>Limitations of industry hardware and software</a:t>
+            </a:r>
+            <a:endParaRPr lang="en-AU" dirty="0"/>
+          </a:p>
+          <a:p>
+            <a:endParaRPr lang="en-AU" dirty="0"/>
+          </a:p>
+          <a:p>
+            <a:r>
+              <a:rPr lang="en-AU" dirty="0"/>
+              <a:t>VR</a:t>
+            </a:r>
+          </a:p>
+        </p:txBody>
+      </p:sp>
+    </p:spTree>
+    <p:extLst>
+      <p:ext uri="{BB962C8B-B14F-4D97-AF65-F5344CB8AC3E}">
+        <p14:creationId xmlns:p14="http://schemas.microsoft.com/office/powerpoint/2010/main" val="1663169755"/>
       </p:ext>
     </p:extLst>
   </p:cSld>
@@ -13361,6 +13641,157 @@
     <p:extLst>
       <p:ext uri="{BB962C8B-B14F-4D97-AF65-F5344CB8AC3E}">
         <p14:creationId xmlns:p14="http://schemas.microsoft.com/office/powerpoint/2010/main" val="2736236886"/>
+      </p:ext>
+    </p:extLst>
+  </p:cSld>
+  <p:clrMapOvr>
+    <a:masterClrMapping/>
+  </p:clrMapOvr>
+</p:sld>
+</file>
+
+<file path=ppt/slides/slide20.xml><?xml version="1.0" encoding="utf-8"?>
+<p:sld xmlns:a="http://schemas.openxmlformats.org/drawingml/2006/main" xmlns:r="http://schemas.openxmlformats.org/officeDocument/2006/relationships" xmlns:p="http://schemas.openxmlformats.org/presentationml/2006/main">
+  <p:cSld>
+    <p:spTree>
+      <p:nvGrpSpPr>
+        <p:cNvPr id="1" name=""/>
+        <p:cNvGrpSpPr/>
+        <p:nvPr/>
+      </p:nvGrpSpPr>
+      <p:grpSpPr>
+        <a:xfrm>
+          <a:off x="0" y="0"/>
+          <a:ext cx="0" cy="0"/>
+          <a:chOff x="0" y="0"/>
+          <a:chExt cx="0" cy="0"/>
+        </a:xfrm>
+      </p:grpSpPr>
+      <p:sp>
+        <p:nvSpPr>
+          <p:cNvPr id="2" name="Title 1">
+            <a:extLst>
+              <a:ext uri="{FF2B5EF4-FFF2-40B4-BE49-F238E27FC236}">
+                <a16:creationId xmlns:a16="http://schemas.microsoft.com/office/drawing/2014/main" id="{DB0253E5-BBF5-0885-0DFE-4F3F8C552DEE}"/>
+              </a:ext>
+            </a:extLst>
+          </p:cNvPr>
+          <p:cNvSpPr>
+            <a:spLocks noGrp="1"/>
+          </p:cNvSpPr>
+          <p:nvPr>
+            <p:ph type="title"/>
+          </p:nvPr>
+        </p:nvSpPr>
+        <p:spPr/>
+        <p:txBody>
+          <a:bodyPr/>
+          <a:lstStyle/>
+          <a:p>
+            <a:r>
+              <a:rPr lang="en-US" dirty="0"/>
+              <a:t>References for information.</a:t>
+            </a:r>
+            <a:endParaRPr lang="en-AU" dirty="0"/>
+          </a:p>
+        </p:txBody>
+      </p:sp>
+      <p:sp>
+        <p:nvSpPr>
+          <p:cNvPr id="3" name="Content Placeholder 2">
+            <a:extLst>
+              <a:ext uri="{FF2B5EF4-FFF2-40B4-BE49-F238E27FC236}">
+                <a16:creationId xmlns:a16="http://schemas.microsoft.com/office/drawing/2014/main" id="{3EB98CB3-DDC1-226F-DE8D-AC5126187C12}"/>
+              </a:ext>
+            </a:extLst>
+          </p:cNvPr>
+          <p:cNvSpPr>
+            <a:spLocks noGrp="1"/>
+          </p:cNvSpPr>
+          <p:nvPr>
+            <p:ph idx="1"/>
+          </p:nvPr>
+        </p:nvSpPr>
+        <p:spPr/>
+        <p:txBody>
+          <a:bodyPr/>
+          <a:lstStyle/>
+          <a:p>
+            <a:r>
+              <a:rPr lang="en-US" dirty="0"/>
+              <a:t>Before the first gen of home consoles:</a:t>
+            </a:r>
+          </a:p>
+          <a:p>
+            <a:pPr lvl="1"/>
+            <a:r>
+              <a:rPr lang="en-AU" dirty="0">
+                <a:hlinkClick r:id="rId2"/>
+              </a:rPr>
+              <a:t>https://www.computerhistory.org/timeline/1945/</a:t>
+            </a:r>
+            <a:r>
+              <a:rPr lang="en-US" dirty="0"/>
+              <a:t> </a:t>
+            </a:r>
+          </a:p>
+          <a:p>
+            <a:pPr lvl="1"/>
+            <a:r>
+              <a:rPr lang="en-AU" dirty="0">
+                <a:hlinkClick r:id="rId3"/>
+              </a:rPr>
+              <a:t>https://www.computerhistory.org/timeline/1947/</a:t>
+            </a:r>
+            <a:endParaRPr lang="en-US" dirty="0"/>
+          </a:p>
+          <a:p>
+            <a:pPr lvl="1"/>
+            <a:r>
+              <a:rPr lang="en-AU" dirty="0">
+                <a:hlinkClick r:id="rId4"/>
+              </a:rPr>
+              <a:t>https://www.computerhistory.org/timeline/1948/</a:t>
+            </a:r>
+            <a:endParaRPr lang="en-AU" dirty="0"/>
+          </a:p>
+          <a:p>
+            <a:pPr lvl="1"/>
+            <a:r>
+              <a:rPr lang="en-AU" dirty="0">
+                <a:hlinkClick r:id="rId5"/>
+              </a:rPr>
+              <a:t>https://www.computerhistory.org/timeline/1949/</a:t>
+            </a:r>
+            <a:endParaRPr lang="en-AU" dirty="0"/>
+          </a:p>
+          <a:p>
+            <a:pPr lvl="1"/>
+            <a:r>
+              <a:rPr lang="en-AU" dirty="0">
+                <a:hlinkClick r:id="rId6"/>
+              </a:rPr>
+              <a:t>https://www.computerhistory.org/timeline/1952/</a:t>
+            </a:r>
+            <a:endParaRPr lang="en-AU" dirty="0"/>
+          </a:p>
+          <a:p>
+            <a:pPr lvl="1"/>
+            <a:r>
+              <a:rPr lang="en-AU" dirty="0" err="1"/>
+              <a:t>HistoryOfVideoGames</a:t>
+            </a:r>
+            <a:r>
+              <a:rPr lang="en-AU" dirty="0"/>
+              <a:t> PDF from the learning content on Blackboard.</a:t>
+            </a:r>
+          </a:p>
+        </p:txBody>
+      </p:sp>
+    </p:spTree>
+    <p:extLst>
+      <p:ext uri="{BB962C8B-B14F-4D97-AF65-F5344CB8AC3E}">
+        <p14:creationId xmlns:p14="http://schemas.microsoft.com/office/powerpoint/2010/main" val="58049170"/>
       </p:ext>
     </p:extLst>
   </p:cSld>
@@ -13832,13 +14263,26 @@
           <a:p>
             <a:r>
               <a:rPr lang="en-US" dirty="0"/>
-              <a:t>Between the late 1970s &amp; early 1980s there was a period of rapid growth of technological advancement &amp; cultural influence </a:t>
-            </a:r>
-            <a:r>
-              <a:rPr lang="en-US"/>
-              <a:t>of arcade games.</a:t>
-            </a:r>
-            <a:endParaRPr lang="en-AU"/>
+              <a:t>Between the late 1970s &amp; early 1980s there was a period of rapid growth of technological advancement &amp; cultural influence of arcade games.</a:t>
+            </a:r>
+          </a:p>
+          <a:p>
+            <a:r>
+              <a:rPr lang="en-AU" dirty="0"/>
+              <a:t>This was the transition from black&amp;white graphics to colour graphics.</a:t>
+            </a:r>
+          </a:p>
+          <a:p>
+            <a:r>
+              <a:rPr lang="en-AU" dirty="0"/>
+              <a:t>When racing games were done it was done in 3D perspective (in 2D space).</a:t>
+            </a:r>
+          </a:p>
+          <a:p>
+            <a:r>
+              <a:rPr lang="en-AU" dirty="0"/>
+              <a:t>Full-motion video was introduced here as well.</a:t>
+            </a:r>
           </a:p>
         </p:txBody>
       </p:sp>
@@ -13922,7 +14366,42 @@
           <a:bodyPr/>
           <a:lstStyle/>
           <a:p>
-            <a:endParaRPr lang="en-AU"/>
+            <a:r>
+              <a:rPr lang="en-US" dirty="0"/>
+              <a:t>This Gen includes games &amp; consoles released between 1976 – 1992.</a:t>
+            </a:r>
+          </a:p>
+          <a:p>
+            <a:r>
+              <a:rPr lang="en-US" dirty="0"/>
+              <a:t>This coincides with the ‘Golden age’ of arcade games.</a:t>
+            </a:r>
+          </a:p>
+          <a:p>
+            <a:r>
+              <a:rPr lang="en-US" dirty="0"/>
+              <a:t>Early cartridge-based technology.</a:t>
+            </a:r>
+          </a:p>
+          <a:p>
+            <a:r>
+              <a:rPr lang="en-AU" dirty="0"/>
+              <a:t>Improved screen, colour, audio &amp; AI compared to the previous gen.</a:t>
+            </a:r>
+          </a:p>
+          <a:p>
+            <a:endParaRPr lang="en-AU" dirty="0"/>
+          </a:p>
+          <a:p>
+            <a:r>
+              <a:rPr lang="en-AU" dirty="0"/>
+              <a:t>Includes </a:t>
+            </a:r>
+            <a:r>
+              <a:rPr lang="en-AU" dirty="0" err="1"/>
+              <a:t>game&amp;watch</a:t>
+            </a:r>
+            <a:endParaRPr lang="en-US" dirty="0"/>
           </a:p>
         </p:txBody>
       </p:sp>
@@ -14006,7 +14485,28 @@
           <a:bodyPr/>
           <a:lstStyle/>
           <a:p>
-            <a:endParaRPr lang="en-AU"/>
+            <a:r>
+              <a:rPr lang="en-US" dirty="0"/>
+              <a:t>The global market fell to 1/3 of its original value.</a:t>
+            </a:r>
+          </a:p>
+          <a:p>
+            <a:r>
+              <a:rPr lang="en-US" dirty="0"/>
+              <a:t>Multiple companies either went bankrupt or left the games industry including some leading ones.</a:t>
+            </a:r>
+          </a:p>
+          <a:p>
+            <a:r>
+              <a:rPr lang="en-AU" dirty="0"/>
+              <a:t>Large quantities of poor-quality games were created. Which was a result of inexperienced programmers being backed by inexperienced capitalists attempting to capitalise on the industry.</a:t>
+            </a:r>
+          </a:p>
+          <a:p>
+            <a:r>
+              <a:rPr lang="en-AU" dirty="0"/>
+              <a:t>Home computers became as inexpensive as game consoles.</a:t>
+            </a:r>
           </a:p>
         </p:txBody>
       </p:sp>
@@ -14063,15 +14563,7 @@
           <a:p>
             <a:r>
               <a:rPr lang="en-US" dirty="0"/>
-              <a:t>Third </a:t>
-            </a:r>
-            <a:r>
-              <a:rPr lang="en-US" dirty="0" err="1"/>
-              <a:t>Genof</a:t>
-            </a:r>
-            <a:r>
-              <a:rPr lang="en-US" dirty="0"/>
-              <a:t> Home Consoles</a:t>
+              <a:t>Third Gen of Home Consoles</a:t>
             </a:r>
             <a:endParaRPr lang="en-AU" dirty="0"/>
           </a:p>
@@ -14098,7 +14590,33 @@
           <a:bodyPr/>
           <a:lstStyle/>
           <a:p>
-            <a:endParaRPr lang="en-AU"/>
+            <a:r>
+              <a:rPr lang="en-US" dirty="0"/>
+              <a:t>This Gen includes games &amp; consoles released between 1983 – 1995.</a:t>
+            </a:r>
+            <a:br>
+              <a:rPr lang="en-US" dirty="0"/>
+            </a:br>
+            <a:r>
+              <a:rPr lang="en-US" dirty="0"/>
+              <a:t>This Gen was also referred to as the ‘8-bit era’</a:t>
+            </a:r>
+          </a:p>
+          <a:p>
+            <a:r>
+              <a:rPr lang="en-US" dirty="0"/>
+              <a:t>Improved graphics via larger resolutions, increased colour pallets, &amp; improved pseudo-3D.</a:t>
+            </a:r>
+          </a:p>
+          <a:p>
+            <a:endParaRPr lang="en-US" dirty="0"/>
+          </a:p>
+          <a:p>
+            <a:r>
+              <a:rPr lang="en-US" dirty="0"/>
+              <a:t>(censorship history)</a:t>
+            </a:r>
+            <a:endParaRPr lang="en-AU" dirty="0"/>
           </a:p>
         </p:txBody>
       </p:sp>

--- a/Informational Technology (Game Design)/Part 1 Redo/Cluster - Introduction to Game Design/AT04/AT04 Video Game History By Richard Pountney.pptx
+++ b/Informational Technology (Game Design)/Part 1 Redo/Cluster - Introduction to Game Design/AT04/AT04 Video Game History By Richard Pountney.pptx
@@ -16,15 +16,18 @@
     <p:sldId id="265" r:id="rId10"/>
     <p:sldId id="266" r:id="rId11"/>
     <p:sldId id="267" r:id="rId12"/>
-    <p:sldId id="268" r:id="rId13"/>
-    <p:sldId id="269" r:id="rId14"/>
-    <p:sldId id="270" r:id="rId15"/>
-    <p:sldId id="273" r:id="rId16"/>
-    <p:sldId id="274" r:id="rId17"/>
-    <p:sldId id="275" r:id="rId18"/>
-    <p:sldId id="271" r:id="rId19"/>
-    <p:sldId id="272" r:id="rId20"/>
-    <p:sldId id="261" r:id="rId21"/>
+    <p:sldId id="276" r:id="rId13"/>
+    <p:sldId id="277" r:id="rId14"/>
+    <p:sldId id="268" r:id="rId15"/>
+    <p:sldId id="269" r:id="rId16"/>
+    <p:sldId id="270" r:id="rId17"/>
+    <p:sldId id="273" r:id="rId18"/>
+    <p:sldId id="278" r:id="rId19"/>
+    <p:sldId id="274" r:id="rId20"/>
+    <p:sldId id="275" r:id="rId21"/>
+    <p:sldId id="271" r:id="rId22"/>
+    <p:sldId id="272" r:id="rId23"/>
+    <p:sldId id="261" r:id="rId24"/>
   </p:sldIdLst>
   <p:sldSz cx="12192000" cy="6858000"/>
   <p:notesSz cx="6858000" cy="9144000"/>
@@ -181,7 +184,7 @@
           <a:noFill/>
           <a:extLst>
             <a:ext uri="{909E8E84-426E-40dd-AFC4-6F175D3DCCD1}">
-              <a14:hiddenFill xmlns="" xmlns:a14="http://schemas.microsoft.com/office/drawing/2010/main">
+              <a14:hiddenFill xmlns:a14="http://schemas.microsoft.com/office/drawing/2010/main" xmlns="">
                 <a:solidFill>
                   <a:srgbClr val="FFFFFF"/>
                 </a:solidFill>
@@ -241,7 +244,7 @@
             </a:ln>
             <a:extLst>
               <a:ext uri="{91240B29-F687-4f45-9708-019B960494DF}">
-                <a14:hiddenLine xmlns="" xmlns:a14="http://schemas.microsoft.com/office/drawing/2010/main" w="9525">
+                <a14:hiddenLine xmlns:a14="http://schemas.microsoft.com/office/drawing/2010/main" xmlns="" w="9525">
                   <a:solidFill>
                     <a:srgbClr val="000000"/>
                   </a:solidFill>
@@ -331,7 +334,7 @@
             </a:ln>
             <a:extLst>
               <a:ext uri="{91240B29-F687-4f45-9708-019B960494DF}">
-                <a14:hiddenLine xmlns="" xmlns:a14="http://schemas.microsoft.com/office/drawing/2010/main" w="9525">
+                <a14:hiddenLine xmlns:a14="http://schemas.microsoft.com/office/drawing/2010/main" xmlns="" w="9525">
                   <a:solidFill>
                     <a:srgbClr val="000000"/>
                   </a:solidFill>
@@ -421,7 +424,7 @@
             </a:ln>
             <a:extLst>
               <a:ext uri="{91240B29-F687-4f45-9708-019B960494DF}">
-                <a14:hiddenLine xmlns="" xmlns:a14="http://schemas.microsoft.com/office/drawing/2010/main" w="9525">
+                <a14:hiddenLine xmlns:a14="http://schemas.microsoft.com/office/drawing/2010/main" xmlns="" w="9525">
                   <a:solidFill>
                     <a:srgbClr val="000000"/>
                   </a:solidFill>
@@ -455,7 +458,7 @@
             </a:ln>
             <a:extLst>
               <a:ext uri="{91240B29-F687-4f45-9708-019B960494DF}">
-                <a14:hiddenLine xmlns="" xmlns:a14="http://schemas.microsoft.com/office/drawing/2010/main" w="9525">
+                <a14:hiddenLine xmlns:a14="http://schemas.microsoft.com/office/drawing/2010/main" xmlns="" w="9525">
                   <a:solidFill>
                     <a:srgbClr val="000000"/>
                   </a:solidFill>
@@ -545,7 +548,7 @@
             </a:ln>
             <a:extLst>
               <a:ext uri="{91240B29-F687-4f45-9708-019B960494DF}">
-                <a14:hiddenLine xmlns="" xmlns:a14="http://schemas.microsoft.com/office/drawing/2010/main" w="9525">
+                <a14:hiddenLine xmlns:a14="http://schemas.microsoft.com/office/drawing/2010/main" xmlns="" w="9525">
                   <a:solidFill>
                     <a:srgbClr val="000000"/>
                   </a:solidFill>
@@ -607,7 +610,7 @@
             </a:ln>
             <a:extLst>
               <a:ext uri="{91240B29-F687-4f45-9708-019B960494DF}">
-                <a14:hiddenLine xmlns="" xmlns:a14="http://schemas.microsoft.com/office/drawing/2010/main" w="9525">
+                <a14:hiddenLine xmlns:a14="http://schemas.microsoft.com/office/drawing/2010/main" xmlns="" w="9525">
                   <a:solidFill>
                     <a:srgbClr val="000000"/>
                   </a:solidFill>
@@ -669,7 +672,7 @@
             </a:ln>
             <a:extLst>
               <a:ext uri="{91240B29-F687-4f45-9708-019B960494DF}">
-                <a14:hiddenLine xmlns="" xmlns:a14="http://schemas.microsoft.com/office/drawing/2010/main" w="9525">
+                <a14:hiddenLine xmlns:a14="http://schemas.microsoft.com/office/drawing/2010/main" xmlns="" w="9525">
                   <a:solidFill>
                     <a:srgbClr val="000000"/>
                   </a:solidFill>
@@ -759,7 +762,7 @@
             </a:ln>
             <a:extLst>
               <a:ext uri="{91240B29-F687-4f45-9708-019B960494DF}">
-                <a14:hiddenLine xmlns="" xmlns:a14="http://schemas.microsoft.com/office/drawing/2010/main" w="9525">
+                <a14:hiddenLine xmlns:a14="http://schemas.microsoft.com/office/drawing/2010/main" xmlns="" w="9525">
                   <a:solidFill>
                     <a:srgbClr val="000000"/>
                   </a:solidFill>
@@ -821,7 +824,7 @@
             </a:ln>
             <a:extLst>
               <a:ext uri="{91240B29-F687-4f45-9708-019B960494DF}">
-                <a14:hiddenLine xmlns="" xmlns:a14="http://schemas.microsoft.com/office/drawing/2010/main" w="9525">
+                <a14:hiddenLine xmlns:a14="http://schemas.microsoft.com/office/drawing/2010/main" xmlns="" w="9525">
                   <a:solidFill>
                     <a:srgbClr val="000000"/>
                   </a:solidFill>
@@ -883,7 +886,7 @@
             </a:ln>
             <a:extLst>
               <a:ext uri="{91240B29-F687-4f45-9708-019B960494DF}">
-                <a14:hiddenLine xmlns="" xmlns:a14="http://schemas.microsoft.com/office/drawing/2010/main" w="9525">
+                <a14:hiddenLine xmlns:a14="http://schemas.microsoft.com/office/drawing/2010/main" xmlns="" w="9525">
                   <a:solidFill>
                     <a:srgbClr val="000000"/>
                   </a:solidFill>
@@ -973,7 +976,7 @@
             </a:ln>
             <a:extLst>
               <a:ext uri="{91240B29-F687-4f45-9708-019B960494DF}">
-                <a14:hiddenLine xmlns="" xmlns:a14="http://schemas.microsoft.com/office/drawing/2010/main" w="9525">
+                <a14:hiddenLine xmlns:a14="http://schemas.microsoft.com/office/drawing/2010/main" xmlns="" w="9525">
                   <a:solidFill>
                     <a:srgbClr val="000000"/>
                   </a:solidFill>
@@ -1063,7 +1066,7 @@
             </a:ln>
             <a:extLst>
               <a:ext uri="{91240B29-F687-4f45-9708-019B960494DF}">
-                <a14:hiddenLine xmlns="" xmlns:a14="http://schemas.microsoft.com/office/drawing/2010/main" w="9525">
+                <a14:hiddenLine xmlns:a14="http://schemas.microsoft.com/office/drawing/2010/main" xmlns="" w="9525">
                   <a:solidFill>
                     <a:srgbClr val="000000"/>
                   </a:solidFill>
@@ -1125,7 +1128,7 @@
             </a:ln>
             <a:extLst>
               <a:ext uri="{91240B29-F687-4f45-9708-019B960494DF}">
-                <a14:hiddenLine xmlns="" xmlns:a14="http://schemas.microsoft.com/office/drawing/2010/main" w="9525">
+                <a14:hiddenLine xmlns:a14="http://schemas.microsoft.com/office/drawing/2010/main" xmlns="" w="9525">
                   <a:solidFill>
                     <a:srgbClr val="000000"/>
                   </a:solidFill>
@@ -1235,7 +1238,7 @@
             </a:ln>
             <a:extLst>
               <a:ext uri="{91240B29-F687-4f45-9708-019B960494DF}">
-                <a14:hiddenLine xmlns="" xmlns:a14="http://schemas.microsoft.com/office/drawing/2010/main" w="9525">
+                <a14:hiddenLine xmlns:a14="http://schemas.microsoft.com/office/drawing/2010/main" xmlns="" w="9525">
                   <a:solidFill>
                     <a:srgbClr val="000000"/>
                   </a:solidFill>
@@ -1297,7 +1300,7 @@
             </a:ln>
             <a:extLst>
               <a:ext uri="{91240B29-F687-4f45-9708-019B960494DF}">
-                <a14:hiddenLine xmlns="" xmlns:a14="http://schemas.microsoft.com/office/drawing/2010/main" w="9525">
+                <a14:hiddenLine xmlns:a14="http://schemas.microsoft.com/office/drawing/2010/main" xmlns="" w="9525">
                   <a:solidFill>
                     <a:srgbClr val="000000"/>
                   </a:solidFill>
@@ -1387,7 +1390,7 @@
             </a:ln>
             <a:extLst>
               <a:ext uri="{91240B29-F687-4f45-9708-019B960494DF}">
-                <a14:hiddenLine xmlns="" xmlns:a14="http://schemas.microsoft.com/office/drawing/2010/main" w="9525">
+                <a14:hiddenLine xmlns:a14="http://schemas.microsoft.com/office/drawing/2010/main" xmlns="" w="9525">
                   <a:solidFill>
                     <a:srgbClr val="000000"/>
                   </a:solidFill>
@@ -1477,7 +1480,7 @@
             </a:ln>
             <a:extLst>
               <a:ext uri="{91240B29-F687-4f45-9708-019B960494DF}">
-                <a14:hiddenLine xmlns="" xmlns:a14="http://schemas.microsoft.com/office/drawing/2010/main" w="9525">
+                <a14:hiddenLine xmlns:a14="http://schemas.microsoft.com/office/drawing/2010/main" xmlns="" w="9525">
                   <a:solidFill>
                     <a:srgbClr val="000000"/>
                   </a:solidFill>
@@ -1539,7 +1542,7 @@
             </a:ln>
             <a:extLst>
               <a:ext uri="{91240B29-F687-4f45-9708-019B960494DF}">
-                <a14:hiddenLine xmlns="" xmlns:a14="http://schemas.microsoft.com/office/drawing/2010/main" w="9525">
+                <a14:hiddenLine xmlns:a14="http://schemas.microsoft.com/office/drawing/2010/main" xmlns="" w="9525">
                   <a:solidFill>
                     <a:srgbClr val="000000"/>
                   </a:solidFill>
@@ -1629,7 +1632,7 @@
             </a:ln>
             <a:extLst>
               <a:ext uri="{91240B29-F687-4f45-9708-019B960494DF}">
-                <a14:hiddenLine xmlns="" xmlns:a14="http://schemas.microsoft.com/office/drawing/2010/main" w="9525">
+                <a14:hiddenLine xmlns:a14="http://schemas.microsoft.com/office/drawing/2010/main" xmlns="" w="9525">
                   <a:solidFill>
                     <a:srgbClr val="000000"/>
                   </a:solidFill>
@@ -1719,7 +1722,7 @@
             </a:ln>
             <a:extLst>
               <a:ext uri="{91240B29-F687-4f45-9708-019B960494DF}">
-                <a14:hiddenLine xmlns="" xmlns:a14="http://schemas.microsoft.com/office/drawing/2010/main" w="9525">
+                <a14:hiddenLine xmlns:a14="http://schemas.microsoft.com/office/drawing/2010/main" xmlns="" w="9525">
                   <a:solidFill>
                     <a:srgbClr val="000000"/>
                   </a:solidFill>
@@ -1775,7 +1778,7 @@
             </a:ln>
             <a:extLst>
               <a:ext uri="{91240B29-F687-4f45-9708-019B960494DF}">
-                <a14:hiddenLine xmlns="" xmlns:a14="http://schemas.microsoft.com/office/drawing/2010/main" w="9525">
+                <a14:hiddenLine xmlns:a14="http://schemas.microsoft.com/office/drawing/2010/main" xmlns="" w="9525">
                   <a:solidFill>
                     <a:srgbClr val="000000"/>
                   </a:solidFill>
@@ -1865,7 +1868,7 @@
             </a:ln>
             <a:extLst>
               <a:ext uri="{91240B29-F687-4f45-9708-019B960494DF}">
-                <a14:hiddenLine xmlns="" xmlns:a14="http://schemas.microsoft.com/office/drawing/2010/main" w="9525">
+                <a14:hiddenLine xmlns:a14="http://schemas.microsoft.com/office/drawing/2010/main" xmlns="" w="9525">
                   <a:solidFill>
                     <a:srgbClr val="000000"/>
                   </a:solidFill>
@@ -1921,7 +1924,7 @@
             </a:ln>
             <a:extLst>
               <a:ext uri="{91240B29-F687-4f45-9708-019B960494DF}">
-                <a14:hiddenLine xmlns="" xmlns:a14="http://schemas.microsoft.com/office/drawing/2010/main" w="9525">
+                <a14:hiddenLine xmlns:a14="http://schemas.microsoft.com/office/drawing/2010/main" xmlns="" w="9525">
                   <a:solidFill>
                     <a:srgbClr val="000000"/>
                   </a:solidFill>
@@ -2011,7 +2014,7 @@
             </a:ln>
             <a:extLst>
               <a:ext uri="{91240B29-F687-4f45-9708-019B960494DF}">
-                <a14:hiddenLine xmlns="" xmlns:a14="http://schemas.microsoft.com/office/drawing/2010/main" w="9525">
+                <a14:hiddenLine xmlns:a14="http://schemas.microsoft.com/office/drawing/2010/main" xmlns="" w="9525">
                   <a:solidFill>
                     <a:srgbClr val="000000"/>
                   </a:solidFill>
@@ -2079,7 +2082,7 @@
             </a:ln>
             <a:extLst>
               <a:ext uri="{91240B29-F687-4f45-9708-019B960494DF}">
-                <a14:hiddenLine xmlns="" xmlns:a14="http://schemas.microsoft.com/office/drawing/2010/main" w="9525">
+                <a14:hiddenLine xmlns:a14="http://schemas.microsoft.com/office/drawing/2010/main" xmlns="" w="9525">
                   <a:solidFill>
                     <a:srgbClr val="000000"/>
                   </a:solidFill>
@@ -2169,7 +2172,7 @@
             </a:ln>
             <a:extLst>
               <a:ext uri="{91240B29-F687-4f45-9708-019B960494DF}">
-                <a14:hiddenLine xmlns="" xmlns:a14="http://schemas.microsoft.com/office/drawing/2010/main" w="9525">
+                <a14:hiddenLine xmlns:a14="http://schemas.microsoft.com/office/drawing/2010/main" xmlns="" w="9525">
                   <a:solidFill>
                     <a:srgbClr val="000000"/>
                   </a:solidFill>
@@ -2237,7 +2240,7 @@
             </a:ln>
             <a:extLst>
               <a:ext uri="{91240B29-F687-4f45-9708-019B960494DF}">
-                <a14:hiddenLine xmlns="" xmlns:a14="http://schemas.microsoft.com/office/drawing/2010/main" w="9525">
+                <a14:hiddenLine xmlns:a14="http://schemas.microsoft.com/office/drawing/2010/main" xmlns="" w="9525">
                   <a:solidFill>
                     <a:srgbClr val="000000"/>
                   </a:solidFill>
@@ -2327,7 +2330,7 @@
             </a:ln>
             <a:extLst>
               <a:ext uri="{91240B29-F687-4f45-9708-019B960494DF}">
-                <a14:hiddenLine xmlns="" xmlns:a14="http://schemas.microsoft.com/office/drawing/2010/main" w="9525">
+                <a14:hiddenLine xmlns:a14="http://schemas.microsoft.com/office/drawing/2010/main" xmlns="" w="9525">
                   <a:solidFill>
                     <a:srgbClr val="000000"/>
                   </a:solidFill>
@@ -2361,7 +2364,7 @@
             </a:ln>
             <a:extLst>
               <a:ext uri="{91240B29-F687-4f45-9708-019B960494DF}">
-                <a14:hiddenLine xmlns="" xmlns:a14="http://schemas.microsoft.com/office/drawing/2010/main" w="9525">
+                <a14:hiddenLine xmlns:a14="http://schemas.microsoft.com/office/drawing/2010/main" xmlns="" w="9525">
                   <a:solidFill>
                     <a:srgbClr val="000000"/>
                   </a:solidFill>
@@ -2451,7 +2454,7 @@
             </a:ln>
             <a:extLst>
               <a:ext uri="{91240B29-F687-4f45-9708-019B960494DF}">
-                <a14:hiddenLine xmlns="" xmlns:a14="http://schemas.microsoft.com/office/drawing/2010/main" w="9525">
+                <a14:hiddenLine xmlns:a14="http://schemas.microsoft.com/office/drawing/2010/main" xmlns="" w="9525">
                   <a:solidFill>
                     <a:srgbClr val="000000"/>
                   </a:solidFill>
@@ -2513,7 +2516,7 @@
             </a:ln>
             <a:extLst>
               <a:ext uri="{91240B29-F687-4f45-9708-019B960494DF}">
-                <a14:hiddenLine xmlns="" xmlns:a14="http://schemas.microsoft.com/office/drawing/2010/main" w="9525">
+                <a14:hiddenLine xmlns:a14="http://schemas.microsoft.com/office/drawing/2010/main" xmlns="" w="9525">
                   <a:solidFill>
                     <a:srgbClr val="000000"/>
                   </a:solidFill>
@@ -2575,7 +2578,7 @@
             </a:ln>
             <a:extLst>
               <a:ext uri="{91240B29-F687-4f45-9708-019B960494DF}">
-                <a14:hiddenLine xmlns="" xmlns:a14="http://schemas.microsoft.com/office/drawing/2010/main" w="9525">
+                <a14:hiddenLine xmlns:a14="http://schemas.microsoft.com/office/drawing/2010/main" xmlns="" w="9525">
                   <a:solidFill>
                     <a:srgbClr val="000000"/>
                   </a:solidFill>
@@ -2665,7 +2668,7 @@
             </a:ln>
             <a:extLst>
               <a:ext uri="{91240B29-F687-4f45-9708-019B960494DF}">
-                <a14:hiddenLine xmlns="" xmlns:a14="http://schemas.microsoft.com/office/drawing/2010/main" w="9525">
+                <a14:hiddenLine xmlns:a14="http://schemas.microsoft.com/office/drawing/2010/main" xmlns="" w="9525">
                   <a:solidFill>
                     <a:srgbClr val="000000"/>
                   </a:solidFill>
@@ -2733,7 +2736,7 @@
             </a:ln>
             <a:extLst>
               <a:ext uri="{91240B29-F687-4f45-9708-019B960494DF}">
-                <a14:hiddenLine xmlns="" xmlns:a14="http://schemas.microsoft.com/office/drawing/2010/main" w="9525">
+                <a14:hiddenLine xmlns:a14="http://schemas.microsoft.com/office/drawing/2010/main" xmlns="" w="9525">
                   <a:solidFill>
                     <a:srgbClr val="000000"/>
                   </a:solidFill>
@@ -2795,7 +2798,7 @@
             </a:ln>
             <a:extLst>
               <a:ext uri="{91240B29-F687-4f45-9708-019B960494DF}">
-                <a14:hiddenLine xmlns="" xmlns:a14="http://schemas.microsoft.com/office/drawing/2010/main" w="9525">
+                <a14:hiddenLine xmlns:a14="http://schemas.microsoft.com/office/drawing/2010/main" xmlns="" w="9525">
                   <a:solidFill>
                     <a:srgbClr val="000000"/>
                   </a:solidFill>
@@ -2885,7 +2888,7 @@
             </a:ln>
             <a:extLst>
               <a:ext uri="{91240B29-F687-4f45-9708-019B960494DF}">
-                <a14:hiddenLine xmlns="" xmlns:a14="http://schemas.microsoft.com/office/drawing/2010/main" w="9525">
+                <a14:hiddenLine xmlns:a14="http://schemas.microsoft.com/office/drawing/2010/main" xmlns="" w="9525">
                   <a:solidFill>
                     <a:srgbClr val="000000"/>
                   </a:solidFill>
@@ -2947,7 +2950,7 @@
             </a:ln>
             <a:extLst>
               <a:ext uri="{91240B29-F687-4f45-9708-019B960494DF}">
-                <a14:hiddenLine xmlns="" xmlns:a14="http://schemas.microsoft.com/office/drawing/2010/main" w="9525">
+                <a14:hiddenLine xmlns:a14="http://schemas.microsoft.com/office/drawing/2010/main" xmlns="" w="9525">
                   <a:solidFill>
                     <a:srgbClr val="000000"/>
                   </a:solidFill>
@@ -3037,7 +3040,7 @@
             </a:ln>
             <a:extLst>
               <a:ext uri="{91240B29-F687-4f45-9708-019B960494DF}">
-                <a14:hiddenLine xmlns="" xmlns:a14="http://schemas.microsoft.com/office/drawing/2010/main" w="9525">
+                <a14:hiddenLine xmlns:a14="http://schemas.microsoft.com/office/drawing/2010/main" xmlns="" w="9525">
                   <a:solidFill>
                     <a:srgbClr val="000000"/>
                   </a:solidFill>
@@ -3099,7 +3102,7 @@
             </a:ln>
             <a:extLst>
               <a:ext uri="{91240B29-F687-4f45-9708-019B960494DF}">
-                <a14:hiddenLine xmlns="" xmlns:a14="http://schemas.microsoft.com/office/drawing/2010/main" w="9525">
+                <a14:hiddenLine xmlns:a14="http://schemas.microsoft.com/office/drawing/2010/main" xmlns="" w="9525">
                   <a:solidFill>
                     <a:srgbClr val="000000"/>
                   </a:solidFill>
@@ -3189,7 +3192,7 @@
             </a:ln>
             <a:extLst>
               <a:ext uri="{91240B29-F687-4f45-9708-019B960494DF}">
-                <a14:hiddenLine xmlns="" xmlns:a14="http://schemas.microsoft.com/office/drawing/2010/main" w="9525">
+                <a14:hiddenLine xmlns:a14="http://schemas.microsoft.com/office/drawing/2010/main" xmlns="" w="9525">
                   <a:solidFill>
                     <a:srgbClr val="000000"/>
                   </a:solidFill>
@@ -3223,7 +3226,7 @@
             </a:ln>
             <a:extLst>
               <a:ext uri="{91240B29-F687-4f45-9708-019B960494DF}">
-                <a14:hiddenLine xmlns="" xmlns:a14="http://schemas.microsoft.com/office/drawing/2010/main" w="9525">
+                <a14:hiddenLine xmlns:a14="http://schemas.microsoft.com/office/drawing/2010/main" xmlns="" w="9525">
                   <a:solidFill>
                     <a:srgbClr val="000000"/>
                   </a:solidFill>
@@ -3288,7 +3291,7 @@
             </a:ln>
             <a:extLst>
               <a:ext uri="{91240B29-F687-4f45-9708-019B960494DF}">
-                <a14:hiddenLine xmlns="" xmlns:a14="http://schemas.microsoft.com/office/drawing/2010/main" w="9525">
+                <a14:hiddenLine xmlns:a14="http://schemas.microsoft.com/office/drawing/2010/main" xmlns="" w="9525">
                   <a:solidFill>
                     <a:srgbClr val="000000"/>
                   </a:solidFill>
@@ -3378,7 +3381,7 @@
             </a:ln>
             <a:extLst>
               <a:ext uri="{91240B29-F687-4f45-9708-019B960494DF}">
-                <a14:hiddenLine xmlns="" xmlns:a14="http://schemas.microsoft.com/office/drawing/2010/main" w="9525">
+                <a14:hiddenLine xmlns:a14="http://schemas.microsoft.com/office/drawing/2010/main" xmlns="" w="9525">
                   <a:solidFill>
                     <a:srgbClr val="000000"/>
                   </a:solidFill>
@@ -3440,7 +3443,7 @@
             </a:ln>
             <a:extLst>
               <a:ext uri="{91240B29-F687-4f45-9708-019B960494DF}">
-                <a14:hiddenLine xmlns="" xmlns:a14="http://schemas.microsoft.com/office/drawing/2010/main" w="9525">
+                <a14:hiddenLine xmlns:a14="http://schemas.microsoft.com/office/drawing/2010/main" xmlns="" w="9525">
                   <a:solidFill>
                     <a:srgbClr val="000000"/>
                   </a:solidFill>
@@ -3530,7 +3533,7 @@
             </a:ln>
             <a:extLst>
               <a:ext uri="{91240B29-F687-4f45-9708-019B960494DF}">
-                <a14:hiddenLine xmlns="" xmlns:a14="http://schemas.microsoft.com/office/drawing/2010/main" w="9525">
+                <a14:hiddenLine xmlns:a14="http://schemas.microsoft.com/office/drawing/2010/main" xmlns="" w="9525">
                   <a:solidFill>
                     <a:srgbClr val="000000"/>
                   </a:solidFill>
@@ -3620,7 +3623,7 @@
             </a:ln>
             <a:extLst>
               <a:ext uri="{91240B29-F687-4f45-9708-019B960494DF}">
-                <a14:hiddenLine xmlns="" xmlns:a14="http://schemas.microsoft.com/office/drawing/2010/main" w="9525">
+                <a14:hiddenLine xmlns:a14="http://schemas.microsoft.com/office/drawing/2010/main" xmlns="" w="9525">
                   <a:solidFill>
                     <a:srgbClr val="000000"/>
                   </a:solidFill>
@@ -3685,7 +3688,7 @@
             </a:ln>
             <a:extLst>
               <a:ext uri="{91240B29-F687-4f45-9708-019B960494DF}">
-                <a14:hiddenLine xmlns="" xmlns:a14="http://schemas.microsoft.com/office/drawing/2010/main" w="9525">
+                <a14:hiddenLine xmlns:a14="http://schemas.microsoft.com/office/drawing/2010/main" xmlns="" w="9525">
                   <a:solidFill>
                     <a:srgbClr val="000000"/>
                   </a:solidFill>
@@ -3747,7 +3750,7 @@
             </a:ln>
             <a:extLst>
               <a:ext uri="{91240B29-F687-4f45-9708-019B960494DF}">
-                <a14:hiddenLine xmlns="" xmlns:a14="http://schemas.microsoft.com/office/drawing/2010/main" w="9525">
+                <a14:hiddenLine xmlns:a14="http://schemas.microsoft.com/office/drawing/2010/main" xmlns="" w="9525">
                   <a:solidFill>
                     <a:srgbClr val="000000"/>
                   </a:solidFill>
@@ -3837,7 +3840,7 @@
             </a:ln>
             <a:extLst>
               <a:ext uri="{91240B29-F687-4f45-9708-019B960494DF}">
-                <a14:hiddenLine xmlns="" xmlns:a14="http://schemas.microsoft.com/office/drawing/2010/main" w="9525">
+                <a14:hiddenLine xmlns:a14="http://schemas.microsoft.com/office/drawing/2010/main" xmlns="" w="9525">
                   <a:solidFill>
                     <a:srgbClr val="000000"/>
                   </a:solidFill>
@@ -3927,7 +3930,7 @@
             </a:ln>
             <a:extLst>
               <a:ext uri="{91240B29-F687-4f45-9708-019B960494DF}">
-                <a14:hiddenLine xmlns="" xmlns:a14="http://schemas.microsoft.com/office/drawing/2010/main" w="9525">
+                <a14:hiddenLine xmlns:a14="http://schemas.microsoft.com/office/drawing/2010/main" xmlns="" w="9525">
                   <a:solidFill>
                     <a:srgbClr val="000000"/>
                   </a:solidFill>
@@ -3989,7 +3992,7 @@
             </a:ln>
             <a:extLst>
               <a:ext uri="{91240B29-F687-4f45-9708-019B960494DF}">
-                <a14:hiddenLine xmlns="" xmlns:a14="http://schemas.microsoft.com/office/drawing/2010/main" w="9525">
+                <a14:hiddenLine xmlns:a14="http://schemas.microsoft.com/office/drawing/2010/main" xmlns="" w="9525">
                   <a:solidFill>
                     <a:srgbClr val="000000"/>
                   </a:solidFill>
@@ -4109,7 +4112,7 @@
             </a:ln>
             <a:extLst>
               <a:ext uri="{91240B29-F687-4f45-9708-019B960494DF}">
-                <a14:hiddenLine xmlns="" xmlns:a14="http://schemas.microsoft.com/office/drawing/2010/main" w="9525">
+                <a14:hiddenLine xmlns:a14="http://schemas.microsoft.com/office/drawing/2010/main" xmlns="" w="9525">
                   <a:solidFill>
                     <a:srgbClr val="000000"/>
                   </a:solidFill>
@@ -4177,7 +4180,7 @@
             </a:ln>
             <a:extLst>
               <a:ext uri="{91240B29-F687-4f45-9708-019B960494DF}">
-                <a14:hiddenLine xmlns="" xmlns:a14="http://schemas.microsoft.com/office/drawing/2010/main" w="9525">
+                <a14:hiddenLine xmlns:a14="http://schemas.microsoft.com/office/drawing/2010/main" xmlns="" w="9525">
                   <a:solidFill>
                     <a:srgbClr val="000000"/>
                   </a:solidFill>
@@ -4267,7 +4270,7 @@
             </a:ln>
             <a:extLst>
               <a:ext uri="{91240B29-F687-4f45-9708-019B960494DF}">
-                <a14:hiddenLine xmlns="" xmlns:a14="http://schemas.microsoft.com/office/drawing/2010/main" w="9525">
+                <a14:hiddenLine xmlns:a14="http://schemas.microsoft.com/office/drawing/2010/main" xmlns="" w="9525">
                   <a:solidFill>
                     <a:srgbClr val="000000"/>
                   </a:solidFill>
@@ -4407,7 +4410,7 @@
           <a:p>
             <a:fld id="{AFC0772B-B1F5-4297-B0F2-E59C48C63404}" type="datetimeFigureOut">
               <a:rPr lang="en-AU" smtClean="0"/>
-              <a:t>10/08/2023</a:t>
+              <a:t>16/08/2023</a:t>
             </a:fld>
             <a:endParaRPr lang="en-AU"/>
           </a:p>
@@ -4674,7 +4677,7 @@
           <a:p>
             <a:fld id="{AFC0772B-B1F5-4297-B0F2-E59C48C63404}" type="datetimeFigureOut">
               <a:rPr lang="en-AU" smtClean="0"/>
-              <a:t>10/08/2023</a:t>
+              <a:t>16/08/2023</a:t>
             </a:fld>
             <a:endParaRPr lang="en-AU"/>
           </a:p>
@@ -4870,7 +4873,7 @@
           <a:p>
             <a:fld id="{AFC0772B-B1F5-4297-B0F2-E59C48C63404}" type="datetimeFigureOut">
               <a:rPr lang="en-AU" smtClean="0"/>
-              <a:t>10/08/2023</a:t>
+              <a:t>16/08/2023</a:t>
             </a:fld>
             <a:endParaRPr lang="en-AU"/>
           </a:p>
@@ -5133,7 +5136,7 @@
           <a:p>
             <a:fld id="{AFC0772B-B1F5-4297-B0F2-E59C48C63404}" type="datetimeFigureOut">
               <a:rPr lang="en-AU" smtClean="0"/>
-              <a:t>10/08/2023</a:t>
+              <a:t>16/08/2023</a:t>
             </a:fld>
             <a:endParaRPr lang="en-AU"/>
           </a:p>
@@ -5567,7 +5570,7 @@
           <a:p>
             <a:fld id="{AFC0772B-B1F5-4297-B0F2-E59C48C63404}" type="datetimeFigureOut">
               <a:rPr lang="en-AU" smtClean="0"/>
-              <a:t>10/08/2023</a:t>
+              <a:t>16/08/2023</a:t>
             </a:fld>
             <a:endParaRPr lang="en-AU"/>
           </a:p>
@@ -6113,7 +6116,7 @@
           <a:p>
             <a:fld id="{AFC0772B-B1F5-4297-B0F2-E59C48C63404}" type="datetimeFigureOut">
               <a:rPr lang="en-AU" smtClean="0"/>
-              <a:t>10/08/2023</a:t>
+              <a:t>16/08/2023</a:t>
             </a:fld>
             <a:endParaRPr lang="en-AU"/>
           </a:p>
@@ -6833,7 +6836,7 @@
           <a:p>
             <a:fld id="{AFC0772B-B1F5-4297-B0F2-E59C48C63404}" type="datetimeFigureOut">
               <a:rPr lang="en-AU" smtClean="0"/>
-              <a:t>10/08/2023</a:t>
+              <a:t>16/08/2023</a:t>
             </a:fld>
             <a:endParaRPr lang="en-AU"/>
           </a:p>
@@ -7003,7 +7006,7 @@
           <a:p>
             <a:fld id="{AFC0772B-B1F5-4297-B0F2-E59C48C63404}" type="datetimeFigureOut">
               <a:rPr lang="en-AU" smtClean="0"/>
-              <a:t>10/08/2023</a:t>
+              <a:t>16/08/2023</a:t>
             </a:fld>
             <a:endParaRPr lang="en-AU"/>
           </a:p>
@@ -7183,7 +7186,7 @@
           <a:p>
             <a:fld id="{AFC0772B-B1F5-4297-B0F2-E59C48C63404}" type="datetimeFigureOut">
               <a:rPr lang="en-AU" smtClean="0"/>
-              <a:t>10/08/2023</a:t>
+              <a:t>16/08/2023</a:t>
             </a:fld>
             <a:endParaRPr lang="en-AU"/>
           </a:p>
@@ -7353,7 +7356,7 @@
           <a:p>
             <a:fld id="{AFC0772B-B1F5-4297-B0F2-E59C48C63404}" type="datetimeFigureOut">
               <a:rPr lang="en-AU" smtClean="0"/>
-              <a:t>10/08/2023</a:t>
+              <a:t>16/08/2023</a:t>
             </a:fld>
             <a:endParaRPr lang="en-AU"/>
           </a:p>
@@ -7603,7 +7606,7 @@
           <a:p>
             <a:fld id="{AFC0772B-B1F5-4297-B0F2-E59C48C63404}" type="datetimeFigureOut">
               <a:rPr lang="en-AU" smtClean="0"/>
-              <a:t>10/08/2023</a:t>
+              <a:t>16/08/2023</a:t>
             </a:fld>
             <a:endParaRPr lang="en-AU"/>
           </a:p>
@@ -7835,7 +7838,7 @@
           <a:p>
             <a:fld id="{AFC0772B-B1F5-4297-B0F2-E59C48C63404}" type="datetimeFigureOut">
               <a:rPr lang="en-AU" smtClean="0"/>
-              <a:t>10/08/2023</a:t>
+              <a:t>16/08/2023</a:t>
             </a:fld>
             <a:endParaRPr lang="en-AU"/>
           </a:p>
@@ -8216,7 +8219,7 @@
           <a:p>
             <a:fld id="{AFC0772B-B1F5-4297-B0F2-E59C48C63404}" type="datetimeFigureOut">
               <a:rPr lang="en-AU" smtClean="0"/>
-              <a:t>10/08/2023</a:t>
+              <a:t>16/08/2023</a:t>
             </a:fld>
             <a:endParaRPr lang="en-AU"/>
           </a:p>
@@ -8334,7 +8337,7 @@
           <a:p>
             <a:fld id="{AFC0772B-B1F5-4297-B0F2-E59C48C63404}" type="datetimeFigureOut">
               <a:rPr lang="en-AU" smtClean="0"/>
-              <a:t>10/08/2023</a:t>
+              <a:t>16/08/2023</a:t>
             </a:fld>
             <a:endParaRPr lang="en-AU"/>
           </a:p>
@@ -8429,7 +8432,7 @@
           <a:p>
             <a:fld id="{AFC0772B-B1F5-4297-B0F2-E59C48C63404}" type="datetimeFigureOut">
               <a:rPr lang="en-AU" smtClean="0"/>
-              <a:t>10/08/2023</a:t>
+              <a:t>16/08/2023</a:t>
             </a:fld>
             <a:endParaRPr lang="en-AU"/>
           </a:p>
@@ -8678,7 +8681,7 @@
           <a:p>
             <a:fld id="{AFC0772B-B1F5-4297-B0F2-E59C48C63404}" type="datetimeFigureOut">
               <a:rPr lang="en-AU" smtClean="0"/>
-              <a:t>10/08/2023</a:t>
+              <a:t>16/08/2023</a:t>
             </a:fld>
             <a:endParaRPr lang="en-AU"/>
           </a:p>
@@ -8958,7 +8961,7 @@
           <a:p>
             <a:fld id="{AFC0772B-B1F5-4297-B0F2-E59C48C63404}" type="datetimeFigureOut">
               <a:rPr lang="en-AU" smtClean="0"/>
-              <a:t>10/08/2023</a:t>
+              <a:t>16/08/2023</a:t>
             </a:fld>
             <a:endParaRPr lang="en-AU"/>
           </a:p>
@@ -9074,7 +9077,7 @@
           <a:noFill/>
           <a:extLst>
             <a:ext uri="{909E8E84-426E-40dd-AFC4-6F175D3DCCD1}">
-              <a14:hiddenFill xmlns="" xmlns:a14="http://schemas.microsoft.com/office/drawing/2010/main">
+              <a14:hiddenFill xmlns:a14="http://schemas.microsoft.com/office/drawing/2010/main" xmlns="">
                 <a:solidFill>
                   <a:srgbClr val="FFFFFF"/>
                 </a:solidFill>
@@ -9148,7 +9151,7 @@
               </a:ln>
               <a:extLst>
                 <a:ext uri="{91240B29-F687-4f45-9708-019B960494DF}">
-                  <a14:hiddenLine xmlns="" xmlns:a14="http://schemas.microsoft.com/office/drawing/2010/main" w="9525">
+                  <a14:hiddenLine xmlns:a14="http://schemas.microsoft.com/office/drawing/2010/main" xmlns="" w="9525">
                     <a:solidFill>
                       <a:srgbClr val="000000"/>
                     </a:solidFill>
@@ -9238,7 +9241,7 @@
               </a:ln>
               <a:extLst>
                 <a:ext uri="{91240B29-F687-4f45-9708-019B960494DF}">
-                  <a14:hiddenLine xmlns="" xmlns:a14="http://schemas.microsoft.com/office/drawing/2010/main" w="9525">
+                  <a14:hiddenLine xmlns:a14="http://schemas.microsoft.com/office/drawing/2010/main" xmlns="" w="9525">
                     <a:solidFill>
                       <a:srgbClr val="000000"/>
                     </a:solidFill>
@@ -9328,7 +9331,7 @@
               </a:ln>
               <a:extLst>
                 <a:ext uri="{91240B29-F687-4f45-9708-019B960494DF}">
-                  <a14:hiddenLine xmlns="" xmlns:a14="http://schemas.microsoft.com/office/drawing/2010/main" w="9525">
+                  <a14:hiddenLine xmlns:a14="http://schemas.microsoft.com/office/drawing/2010/main" xmlns="" w="9525">
                     <a:solidFill>
                       <a:srgbClr val="000000"/>
                     </a:solidFill>
@@ -9390,7 +9393,7 @@
               </a:ln>
               <a:extLst>
                 <a:ext uri="{91240B29-F687-4f45-9708-019B960494DF}">
-                  <a14:hiddenLine xmlns="" xmlns:a14="http://schemas.microsoft.com/office/drawing/2010/main" w="9525">
+                  <a14:hiddenLine xmlns:a14="http://schemas.microsoft.com/office/drawing/2010/main" xmlns="" w="9525">
                     <a:solidFill>
                       <a:srgbClr val="000000"/>
                     </a:solidFill>
@@ -9480,7 +9483,7 @@
               </a:ln>
               <a:extLst>
                 <a:ext uri="{91240B29-F687-4f45-9708-019B960494DF}">
-                  <a14:hiddenLine xmlns="" xmlns:a14="http://schemas.microsoft.com/office/drawing/2010/main" w="9525">
+                  <a14:hiddenLine xmlns:a14="http://schemas.microsoft.com/office/drawing/2010/main" xmlns="" w="9525">
                     <a:solidFill>
                       <a:srgbClr val="000000"/>
                     </a:solidFill>
@@ -9542,7 +9545,7 @@
               </a:ln>
               <a:extLst>
                 <a:ext uri="{91240B29-F687-4f45-9708-019B960494DF}">
-                  <a14:hiddenLine xmlns="" xmlns:a14="http://schemas.microsoft.com/office/drawing/2010/main" w="9525">
+                  <a14:hiddenLine xmlns:a14="http://schemas.microsoft.com/office/drawing/2010/main" xmlns="" w="9525">
                     <a:solidFill>
                       <a:srgbClr val="000000"/>
                     </a:solidFill>
@@ -9604,7 +9607,7 @@
               </a:ln>
               <a:extLst>
                 <a:ext uri="{91240B29-F687-4f45-9708-019B960494DF}">
-                  <a14:hiddenLine xmlns="" xmlns:a14="http://schemas.microsoft.com/office/drawing/2010/main" w="9525">
+                  <a14:hiddenLine xmlns:a14="http://schemas.microsoft.com/office/drawing/2010/main" xmlns="" w="9525">
                     <a:solidFill>
                       <a:srgbClr val="000000"/>
                     </a:solidFill>
@@ -9694,7 +9697,7 @@
               </a:ln>
               <a:extLst>
                 <a:ext uri="{91240B29-F687-4f45-9708-019B960494DF}">
-                  <a14:hiddenLine xmlns="" xmlns:a14="http://schemas.microsoft.com/office/drawing/2010/main" w="9525">
+                  <a14:hiddenLine xmlns:a14="http://schemas.microsoft.com/office/drawing/2010/main" xmlns="" w="9525">
                     <a:solidFill>
                       <a:srgbClr val="000000"/>
                     </a:solidFill>
@@ -9784,7 +9787,7 @@
               </a:ln>
               <a:extLst>
                 <a:ext uri="{91240B29-F687-4f45-9708-019B960494DF}">
-                  <a14:hiddenLine xmlns="" xmlns:a14="http://schemas.microsoft.com/office/drawing/2010/main" w="9525">
+                  <a14:hiddenLine xmlns:a14="http://schemas.microsoft.com/office/drawing/2010/main" xmlns="" w="9525">
                     <a:solidFill>
                       <a:srgbClr val="000000"/>
                     </a:solidFill>
@@ -9846,7 +9849,7 @@
               </a:ln>
               <a:extLst>
                 <a:ext uri="{91240B29-F687-4f45-9708-019B960494DF}">
-                  <a14:hiddenLine xmlns="" xmlns:a14="http://schemas.microsoft.com/office/drawing/2010/main" w="9525">
+                  <a14:hiddenLine xmlns:a14="http://schemas.microsoft.com/office/drawing/2010/main" xmlns="" w="9525">
                     <a:solidFill>
                       <a:srgbClr val="000000"/>
                     </a:solidFill>
@@ -9956,7 +9959,7 @@
               </a:ln>
               <a:extLst>
                 <a:ext uri="{91240B29-F687-4f45-9708-019B960494DF}">
-                  <a14:hiddenLine xmlns="" xmlns:a14="http://schemas.microsoft.com/office/drawing/2010/main" w="9525">
+                  <a14:hiddenLine xmlns:a14="http://schemas.microsoft.com/office/drawing/2010/main" xmlns="" w="9525">
                     <a:solidFill>
                       <a:srgbClr val="000000"/>
                     </a:solidFill>
@@ -10040,7 +10043,7 @@
               </a:ln>
               <a:extLst>
                 <a:ext uri="{91240B29-F687-4f45-9708-019B960494DF}">
-                  <a14:hiddenLine xmlns="" xmlns:a14="http://schemas.microsoft.com/office/drawing/2010/main" w="9525">
+                  <a14:hiddenLine xmlns:a14="http://schemas.microsoft.com/office/drawing/2010/main" xmlns="" w="9525">
                     <a:solidFill>
                       <a:srgbClr val="000000"/>
                     </a:solidFill>
@@ -10102,7 +10105,7 @@
               </a:ln>
               <a:extLst>
                 <a:ext uri="{91240B29-F687-4f45-9708-019B960494DF}">
-                  <a14:hiddenLine xmlns="" xmlns:a14="http://schemas.microsoft.com/office/drawing/2010/main" w="9525">
+                  <a14:hiddenLine xmlns:a14="http://schemas.microsoft.com/office/drawing/2010/main" xmlns="" w="9525">
                     <a:solidFill>
                       <a:srgbClr val="000000"/>
                     </a:solidFill>
@@ -10164,7 +10167,7 @@
               </a:ln>
               <a:extLst>
                 <a:ext uri="{91240B29-F687-4f45-9708-019B960494DF}">
-                  <a14:hiddenLine xmlns="" xmlns:a14="http://schemas.microsoft.com/office/drawing/2010/main" w="9525">
+                  <a14:hiddenLine xmlns:a14="http://schemas.microsoft.com/office/drawing/2010/main" xmlns="" w="9525">
                     <a:solidFill>
                       <a:srgbClr val="000000"/>
                     </a:solidFill>
@@ -10254,7 +10257,7 @@
               </a:ln>
               <a:extLst>
                 <a:ext uri="{91240B29-F687-4f45-9708-019B960494DF}">
-                  <a14:hiddenLine xmlns="" xmlns:a14="http://schemas.microsoft.com/office/drawing/2010/main" w="9525">
+                  <a14:hiddenLine xmlns:a14="http://schemas.microsoft.com/office/drawing/2010/main" xmlns="" w="9525">
                     <a:solidFill>
                       <a:srgbClr val="000000"/>
                     </a:solidFill>
@@ -10288,7 +10291,7 @@
               </a:ln>
               <a:extLst>
                 <a:ext uri="{91240B29-F687-4f45-9708-019B960494DF}">
-                  <a14:hiddenLine xmlns="" xmlns:a14="http://schemas.microsoft.com/office/drawing/2010/main" w="9525">
+                  <a14:hiddenLine xmlns:a14="http://schemas.microsoft.com/office/drawing/2010/main" xmlns="" w="9525">
                     <a:solidFill>
                       <a:srgbClr val="000000"/>
                     </a:solidFill>
@@ -10353,7 +10356,7 @@
               </a:ln>
               <a:extLst>
                 <a:ext uri="{91240B29-F687-4f45-9708-019B960494DF}">
-                  <a14:hiddenLine xmlns="" xmlns:a14="http://schemas.microsoft.com/office/drawing/2010/main" w="9525">
+                  <a14:hiddenLine xmlns:a14="http://schemas.microsoft.com/office/drawing/2010/main" xmlns="" w="9525">
                     <a:solidFill>
                       <a:srgbClr val="000000"/>
                     </a:solidFill>
@@ -10443,7 +10446,7 @@
               </a:ln>
               <a:extLst>
                 <a:ext uri="{91240B29-F687-4f45-9708-019B960494DF}">
-                  <a14:hiddenLine xmlns="" xmlns:a14="http://schemas.microsoft.com/office/drawing/2010/main" w="9525">
+                  <a14:hiddenLine xmlns:a14="http://schemas.microsoft.com/office/drawing/2010/main" xmlns="" w="9525">
                     <a:solidFill>
                       <a:srgbClr val="000000"/>
                     </a:solidFill>
@@ -10505,7 +10508,7 @@
               </a:ln>
               <a:extLst>
                 <a:ext uri="{91240B29-F687-4f45-9708-019B960494DF}">
-                  <a14:hiddenLine xmlns="" xmlns:a14="http://schemas.microsoft.com/office/drawing/2010/main" w="9525">
+                  <a14:hiddenLine xmlns:a14="http://schemas.microsoft.com/office/drawing/2010/main" xmlns="" w="9525">
                     <a:solidFill>
                       <a:srgbClr val="000000"/>
                     </a:solidFill>
@@ -10595,7 +10598,7 @@
               </a:ln>
               <a:extLst>
                 <a:ext uri="{91240B29-F687-4f45-9708-019B960494DF}">
-                  <a14:hiddenLine xmlns="" xmlns:a14="http://schemas.microsoft.com/office/drawing/2010/main" w="9525">
+                  <a14:hiddenLine xmlns:a14="http://schemas.microsoft.com/office/drawing/2010/main" xmlns="" w="9525">
                     <a:solidFill>
                       <a:srgbClr val="000000"/>
                     </a:solidFill>
@@ -10660,7 +10663,7 @@
               </a:ln>
               <a:extLst>
                 <a:ext uri="{91240B29-F687-4f45-9708-019B960494DF}">
-                  <a14:hiddenLine xmlns="" xmlns:a14="http://schemas.microsoft.com/office/drawing/2010/main" w="9525">
+                  <a14:hiddenLine xmlns:a14="http://schemas.microsoft.com/office/drawing/2010/main" xmlns="" w="9525">
                     <a:solidFill>
                       <a:srgbClr val="000000"/>
                     </a:solidFill>
@@ -10722,7 +10725,7 @@
               </a:ln>
               <a:extLst>
                 <a:ext uri="{91240B29-F687-4f45-9708-019B960494DF}">
-                  <a14:hiddenLine xmlns="" xmlns:a14="http://schemas.microsoft.com/office/drawing/2010/main" w="9525">
+                  <a14:hiddenLine xmlns:a14="http://schemas.microsoft.com/office/drawing/2010/main" xmlns="" w="9525">
                     <a:solidFill>
                       <a:srgbClr val="000000"/>
                     </a:solidFill>
@@ -10812,7 +10815,7 @@
               </a:ln>
               <a:extLst>
                 <a:ext uri="{91240B29-F687-4f45-9708-019B960494DF}">
-                  <a14:hiddenLine xmlns="" xmlns:a14="http://schemas.microsoft.com/office/drawing/2010/main" w="9525">
+                  <a14:hiddenLine xmlns:a14="http://schemas.microsoft.com/office/drawing/2010/main" xmlns="" w="9525">
                     <a:solidFill>
                       <a:srgbClr val="000000"/>
                     </a:solidFill>
@@ -10902,7 +10905,7 @@
               </a:ln>
               <a:extLst>
                 <a:ext uri="{91240B29-F687-4f45-9708-019B960494DF}">
-                  <a14:hiddenLine xmlns="" xmlns:a14="http://schemas.microsoft.com/office/drawing/2010/main" w="9525">
+                  <a14:hiddenLine xmlns:a14="http://schemas.microsoft.com/office/drawing/2010/main" xmlns="" w="9525">
                     <a:solidFill>
                       <a:srgbClr val="000000"/>
                     </a:solidFill>
@@ -10967,7 +10970,7 @@
               </a:ln>
               <a:extLst>
                 <a:ext uri="{91240B29-F687-4f45-9708-019B960494DF}">
-                  <a14:hiddenLine xmlns="" xmlns:a14="http://schemas.microsoft.com/office/drawing/2010/main" w="9525">
+                  <a14:hiddenLine xmlns:a14="http://schemas.microsoft.com/office/drawing/2010/main" xmlns="" w="9525">
                     <a:solidFill>
                       <a:srgbClr val="000000"/>
                     </a:solidFill>
@@ -11087,7 +11090,7 @@
               </a:ln>
               <a:extLst>
                 <a:ext uri="{91240B29-F687-4f45-9708-019B960494DF}">
-                  <a14:hiddenLine xmlns="" xmlns:a14="http://schemas.microsoft.com/office/drawing/2010/main" w="9525">
+                  <a14:hiddenLine xmlns:a14="http://schemas.microsoft.com/office/drawing/2010/main" xmlns="" w="9525">
                     <a:solidFill>
                       <a:srgbClr val="000000"/>
                     </a:solidFill>
@@ -11185,7 +11188,7 @@
               </a:ln>
               <a:extLst>
                 <a:ext uri="{91240B29-F687-4f45-9708-019B960494DF}">
-                  <a14:hiddenLine xmlns="" xmlns:a14="http://schemas.microsoft.com/office/drawing/2010/main" w="9525">
+                  <a14:hiddenLine xmlns:a14="http://schemas.microsoft.com/office/drawing/2010/main" xmlns="" w="9525">
                     <a:solidFill>
                       <a:srgbClr val="000000"/>
                     </a:solidFill>
@@ -11300,7 +11303,7 @@
               </a:ln>
               <a:extLst>
                 <a:ext uri="{91240B29-F687-4f45-9708-019B960494DF}">
-                  <a14:hiddenLine xmlns="" xmlns:a14="http://schemas.microsoft.com/office/drawing/2010/main" w="9525">
+                  <a14:hiddenLine xmlns:a14="http://schemas.microsoft.com/office/drawing/2010/main" xmlns="" w="9525">
                     <a:solidFill>
                       <a:srgbClr val="000000"/>
                     </a:solidFill>
@@ -11390,7 +11393,7 @@
               </a:ln>
               <a:extLst>
                 <a:ext uri="{91240B29-F687-4f45-9708-019B960494DF}">
-                  <a14:hiddenLine xmlns="" xmlns:a14="http://schemas.microsoft.com/office/drawing/2010/main" w="9525">
+                  <a14:hiddenLine xmlns:a14="http://schemas.microsoft.com/office/drawing/2010/main" xmlns="" w="9525">
                     <a:solidFill>
                       <a:srgbClr val="000000"/>
                     </a:solidFill>
@@ -11455,7 +11458,7 @@
               </a:ln>
               <a:extLst>
                 <a:ext uri="{91240B29-F687-4f45-9708-019B960494DF}">
-                  <a14:hiddenLine xmlns="" xmlns:a14="http://schemas.microsoft.com/office/drawing/2010/main" w="9525">
+                  <a14:hiddenLine xmlns:a14="http://schemas.microsoft.com/office/drawing/2010/main" xmlns="" w="9525">
                     <a:solidFill>
                       <a:srgbClr val="000000"/>
                     </a:solidFill>
@@ -11545,7 +11548,7 @@
               </a:ln>
               <a:extLst>
                 <a:ext uri="{91240B29-F687-4f45-9708-019B960494DF}">
-                  <a14:hiddenLine xmlns="" xmlns:a14="http://schemas.microsoft.com/office/drawing/2010/main" w="9525">
+                  <a14:hiddenLine xmlns:a14="http://schemas.microsoft.com/office/drawing/2010/main" xmlns="" w="9525">
                     <a:solidFill>
                       <a:srgbClr val="000000"/>
                     </a:solidFill>
@@ -11613,7 +11616,7 @@
               </a:ln>
               <a:extLst>
                 <a:ext uri="{91240B29-F687-4f45-9708-019B960494DF}">
-                  <a14:hiddenLine xmlns="" xmlns:a14="http://schemas.microsoft.com/office/drawing/2010/main" w="9525">
+                  <a14:hiddenLine xmlns:a14="http://schemas.microsoft.com/office/drawing/2010/main" xmlns="" w="9525">
                     <a:solidFill>
                       <a:srgbClr val="000000"/>
                     </a:solidFill>
@@ -11703,7 +11706,7 @@
               </a:ln>
               <a:extLst>
                 <a:ext uri="{91240B29-F687-4f45-9708-019B960494DF}">
-                  <a14:hiddenLine xmlns="" xmlns:a14="http://schemas.microsoft.com/office/drawing/2010/main" w="9525">
+                  <a14:hiddenLine xmlns:a14="http://schemas.microsoft.com/office/drawing/2010/main" xmlns="" w="9525">
                     <a:solidFill>
                       <a:srgbClr val="000000"/>
                     </a:solidFill>
@@ -11771,7 +11774,7 @@
               </a:ln>
               <a:extLst>
                 <a:ext uri="{91240B29-F687-4f45-9708-019B960494DF}">
-                  <a14:hiddenLine xmlns="" xmlns:a14="http://schemas.microsoft.com/office/drawing/2010/main" w="9525">
+                  <a14:hiddenLine xmlns:a14="http://schemas.microsoft.com/office/drawing/2010/main" xmlns="" w="9525">
                     <a:solidFill>
                       <a:srgbClr val="000000"/>
                     </a:solidFill>
@@ -11861,7 +11864,7 @@
               </a:ln>
               <a:extLst>
                 <a:ext uri="{91240B29-F687-4f45-9708-019B960494DF}">
-                  <a14:hiddenLine xmlns="" xmlns:a14="http://schemas.microsoft.com/office/drawing/2010/main" w="9525">
+                  <a14:hiddenLine xmlns:a14="http://schemas.microsoft.com/office/drawing/2010/main" xmlns="" w="9525">
                     <a:solidFill>
                       <a:srgbClr val="000000"/>
                     </a:solidFill>
@@ -11895,7 +11898,7 @@
               </a:ln>
               <a:extLst>
                 <a:ext uri="{91240B29-F687-4f45-9708-019B960494DF}">
-                  <a14:hiddenLine xmlns="" xmlns:a14="http://schemas.microsoft.com/office/drawing/2010/main" w="9525">
+                  <a14:hiddenLine xmlns:a14="http://schemas.microsoft.com/office/drawing/2010/main" xmlns="" w="9525">
                     <a:solidFill>
                       <a:srgbClr val="000000"/>
                     </a:solidFill>
@@ -12035,7 +12038,7 @@
           <a:p>
             <a:fld id="{AFC0772B-B1F5-4297-B0F2-E59C48C63404}" type="datetimeFigureOut">
               <a:rPr lang="en-AU" smtClean="0"/>
-              <a:t>10/08/2023</a:t>
+              <a:t>16/08/2023</a:t>
             </a:fld>
             <a:endParaRPr lang="en-AU"/>
           </a:p>
@@ -12588,7 +12591,12 @@
             <p:ph idx="1"/>
           </p:nvPr>
         </p:nvSpPr>
-        <p:spPr/>
+        <p:spPr>
+          <a:xfrm>
+            <a:off x="293218" y="2097088"/>
+            <a:ext cx="8745851" cy="3541714"/>
+          </a:xfrm>
+        </p:spPr>
         <p:txBody>
           <a:bodyPr/>
           <a:lstStyle/>
@@ -12623,6 +12631,241 @@
               <a:t>Controllers featured more inputs than the previous gen.</a:t>
             </a:r>
             <a:endParaRPr lang="en-AU" dirty="0"/>
+          </a:p>
+        </p:txBody>
+      </p:sp>
+      <p:sp>
+        <p:nvSpPr>
+          <p:cNvPr id="4" name="Content Placeholder 2">
+            <a:extLst>
+              <a:ext uri="{FF2B5EF4-FFF2-40B4-BE49-F238E27FC236}">
+                <a16:creationId xmlns:a16="http://schemas.microsoft.com/office/drawing/2014/main" id="{48BF718B-5635-EAEA-E78A-962C4787D2C2}"/>
+              </a:ext>
+            </a:extLst>
+          </p:cNvPr>
+          <p:cNvSpPr txBox="1">
+            <a:spLocks/>
+          </p:cNvSpPr>
+          <p:nvPr/>
+        </p:nvSpPr>
+        <p:spPr>
+          <a:xfrm>
+            <a:off x="9039069" y="2098051"/>
+            <a:ext cx="2856537" cy="3541714"/>
+          </a:xfrm>
+          <a:prstGeom prst="rect">
+            <a:avLst/>
+          </a:prstGeom>
+        </p:spPr>
+        <p:txBody>
+          <a:bodyPr vert="horz" lIns="91440" tIns="45720" rIns="91440" bIns="45720" rtlCol="0">
+            <a:normAutofit fontScale="92500" lnSpcReduction="10000"/>
+          </a:bodyPr>
+          <a:lstStyle>
+            <a:lvl1pPr marL="228600" indent="-228600" algn="l" defTabSz="914400" rtl="0" eaLnBrk="1" latinLnBrk="0" hangingPunct="1">
+              <a:lnSpc>
+                <a:spcPct val="120000"/>
+              </a:lnSpc>
+              <a:spcBef>
+                <a:spcPts val="1000"/>
+              </a:spcBef>
+              <a:buSzPct val="125000"/>
+              <a:buFont typeface="Arial" panose="020B0604020202020204" pitchFamily="34" charset="0"/>
+              <a:buChar char="•"/>
+              <a:defRPr sz="2400" kern="1200">
+                <a:solidFill>
+                  <a:schemeClr val="tx1"/>
+                </a:solidFill>
+                <a:latin typeface="+mn-lt"/>
+                <a:ea typeface="+mn-ea"/>
+                <a:cs typeface="+mn-cs"/>
+              </a:defRPr>
+            </a:lvl1pPr>
+            <a:lvl2pPr marL="685800" indent="-228600" algn="l" defTabSz="914400" rtl="0" eaLnBrk="1" latinLnBrk="0" hangingPunct="1">
+              <a:lnSpc>
+                <a:spcPct val="120000"/>
+              </a:lnSpc>
+              <a:spcBef>
+                <a:spcPts val="500"/>
+              </a:spcBef>
+              <a:buSzPct val="125000"/>
+              <a:buFont typeface="Arial" panose="020B0604020202020204" pitchFamily="34" charset="0"/>
+              <a:buChar char="•"/>
+              <a:defRPr sz="2000" kern="1200">
+                <a:solidFill>
+                  <a:schemeClr val="tx1"/>
+                </a:solidFill>
+                <a:latin typeface="+mn-lt"/>
+                <a:ea typeface="+mn-ea"/>
+                <a:cs typeface="+mn-cs"/>
+              </a:defRPr>
+            </a:lvl2pPr>
+            <a:lvl3pPr marL="1143000" indent="-228600" algn="l" defTabSz="914400" rtl="0" eaLnBrk="1" latinLnBrk="0" hangingPunct="1">
+              <a:lnSpc>
+                <a:spcPct val="120000"/>
+              </a:lnSpc>
+              <a:spcBef>
+                <a:spcPts val="500"/>
+              </a:spcBef>
+              <a:buSzPct val="125000"/>
+              <a:buFont typeface="Arial" panose="020B0604020202020204" pitchFamily="34" charset="0"/>
+              <a:buChar char="•"/>
+              <a:defRPr sz="1800" kern="1200">
+                <a:solidFill>
+                  <a:schemeClr val="tx1"/>
+                </a:solidFill>
+                <a:latin typeface="+mn-lt"/>
+                <a:ea typeface="+mn-ea"/>
+                <a:cs typeface="+mn-cs"/>
+              </a:defRPr>
+            </a:lvl3pPr>
+            <a:lvl4pPr marL="1600200" indent="-228600" algn="l" defTabSz="914400" rtl="0" eaLnBrk="1" latinLnBrk="0" hangingPunct="1">
+              <a:lnSpc>
+                <a:spcPct val="120000"/>
+              </a:lnSpc>
+              <a:spcBef>
+                <a:spcPts val="500"/>
+              </a:spcBef>
+              <a:buSzPct val="125000"/>
+              <a:buFont typeface="Arial" panose="020B0604020202020204" pitchFamily="34" charset="0"/>
+              <a:buChar char="•"/>
+              <a:defRPr sz="1600" kern="1200">
+                <a:solidFill>
+                  <a:schemeClr val="tx1"/>
+                </a:solidFill>
+                <a:latin typeface="+mn-lt"/>
+                <a:ea typeface="+mn-ea"/>
+                <a:cs typeface="+mn-cs"/>
+              </a:defRPr>
+            </a:lvl4pPr>
+            <a:lvl5pPr marL="2057400" indent="-228600" algn="l" defTabSz="914400" rtl="0" eaLnBrk="1" latinLnBrk="0" hangingPunct="1">
+              <a:lnSpc>
+                <a:spcPct val="120000"/>
+              </a:lnSpc>
+              <a:spcBef>
+                <a:spcPts val="500"/>
+              </a:spcBef>
+              <a:buSzPct val="125000"/>
+              <a:buFont typeface="Arial" panose="020B0604020202020204" pitchFamily="34" charset="0"/>
+              <a:buChar char="•"/>
+              <a:defRPr sz="1600" kern="1200">
+                <a:solidFill>
+                  <a:schemeClr val="tx1"/>
+                </a:solidFill>
+                <a:latin typeface="+mn-lt"/>
+                <a:ea typeface="+mn-ea"/>
+                <a:cs typeface="+mn-cs"/>
+              </a:defRPr>
+            </a:lvl5pPr>
+            <a:lvl6pPr marL="2514600" indent="-228600" algn="l" defTabSz="914400" rtl="0" eaLnBrk="1" latinLnBrk="0" hangingPunct="1">
+              <a:lnSpc>
+                <a:spcPct val="120000"/>
+              </a:lnSpc>
+              <a:spcBef>
+                <a:spcPts val="500"/>
+              </a:spcBef>
+              <a:buSzPct val="125000"/>
+              <a:buFont typeface="Arial" panose="020B0604020202020204" pitchFamily="34" charset="0"/>
+              <a:buChar char="•"/>
+              <a:defRPr sz="1400" kern="1200">
+                <a:solidFill>
+                  <a:schemeClr val="tx1"/>
+                </a:solidFill>
+                <a:latin typeface="+mn-lt"/>
+                <a:ea typeface="+mn-ea"/>
+                <a:cs typeface="+mn-cs"/>
+              </a:defRPr>
+            </a:lvl6pPr>
+            <a:lvl7pPr marL="2971800" indent="-228600" algn="l" defTabSz="914400" rtl="0" eaLnBrk="1" latinLnBrk="0" hangingPunct="1">
+              <a:lnSpc>
+                <a:spcPct val="120000"/>
+              </a:lnSpc>
+              <a:spcBef>
+                <a:spcPts val="500"/>
+              </a:spcBef>
+              <a:buSzPct val="125000"/>
+              <a:buFont typeface="Arial" panose="020B0604020202020204" pitchFamily="34" charset="0"/>
+              <a:buChar char="•"/>
+              <a:defRPr sz="1400" kern="1200">
+                <a:solidFill>
+                  <a:schemeClr val="tx1"/>
+                </a:solidFill>
+                <a:latin typeface="+mn-lt"/>
+                <a:ea typeface="+mn-ea"/>
+                <a:cs typeface="+mn-cs"/>
+              </a:defRPr>
+            </a:lvl7pPr>
+            <a:lvl8pPr marL="3429000" indent="-228600" algn="l" defTabSz="914400" rtl="0" eaLnBrk="1" latinLnBrk="0" hangingPunct="1">
+              <a:lnSpc>
+                <a:spcPct val="120000"/>
+              </a:lnSpc>
+              <a:spcBef>
+                <a:spcPts val="500"/>
+              </a:spcBef>
+              <a:buSzPct val="125000"/>
+              <a:buFont typeface="Arial" panose="020B0604020202020204" pitchFamily="34" charset="0"/>
+              <a:buChar char="•"/>
+              <a:defRPr sz="1400" kern="1200">
+                <a:solidFill>
+                  <a:schemeClr val="tx1"/>
+                </a:solidFill>
+                <a:latin typeface="+mn-lt"/>
+                <a:ea typeface="+mn-ea"/>
+                <a:cs typeface="+mn-cs"/>
+              </a:defRPr>
+            </a:lvl8pPr>
+            <a:lvl9pPr marL="3886200" indent="-228600" algn="l" defTabSz="914400" rtl="0" eaLnBrk="1" latinLnBrk="0" hangingPunct="1">
+              <a:lnSpc>
+                <a:spcPct val="120000"/>
+              </a:lnSpc>
+              <a:spcBef>
+                <a:spcPts val="500"/>
+              </a:spcBef>
+              <a:buSzPct val="125000"/>
+              <a:buFont typeface="Arial" panose="020B0604020202020204" pitchFamily="34" charset="0"/>
+              <a:buChar char="•"/>
+              <a:defRPr sz="1400" kern="1200">
+                <a:solidFill>
+                  <a:schemeClr val="tx1"/>
+                </a:solidFill>
+                <a:latin typeface="+mn-lt"/>
+                <a:ea typeface="+mn-ea"/>
+                <a:cs typeface="+mn-cs"/>
+              </a:defRPr>
+            </a:lvl9pPr>
+          </a:lstStyle>
+          <a:p>
+            <a:pPr marL="0" indent="0">
+              <a:buNone/>
+            </a:pPr>
+            <a:r>
+              <a:rPr lang="en-US" dirty="0"/>
+              <a:t>Consoles:</a:t>
+            </a:r>
+          </a:p>
+          <a:p>
+            <a:r>
+              <a:rPr lang="en-AU" dirty="0"/>
+              <a:t>Sega Genesis/Sega Mega Drive</a:t>
+            </a:r>
+          </a:p>
+          <a:p>
+            <a:r>
+              <a:rPr lang="en-AU" dirty="0"/>
+              <a:t>Super Nintendo Entertainment System (SNES)</a:t>
+            </a:r>
+          </a:p>
+          <a:p>
+            <a:r>
+              <a:rPr lang="en-AU" dirty="0"/>
+              <a:t>Nintendo Game Boy</a:t>
+            </a:r>
+          </a:p>
+          <a:p>
+            <a:r>
+              <a:rPr lang="en-AU" dirty="0"/>
+              <a:t>Neo Geo</a:t>
+            </a:r>
           </a:p>
         </p:txBody>
       </p:sp>
@@ -12701,34 +12944,219 @@
             <p:ph idx="1"/>
           </p:nvPr>
         </p:nvSpPr>
-        <p:spPr/>
+        <p:spPr>
+          <a:xfrm>
+            <a:off x="302302" y="2097088"/>
+            <a:ext cx="8586865" cy="4286224"/>
+          </a:xfrm>
+        </p:spPr>
         <p:txBody>
-          <a:bodyPr/>
+          <a:bodyPr>
+            <a:normAutofit/>
+          </a:bodyPr>
           <a:lstStyle/>
           <a:p>
             <a:r>
               <a:rPr lang="en-US" dirty="0"/>
-              <a:t>Social, emotional, and cognitive impacts of game play</a:t>
+              <a:t>Texture mapping &amp; 3D lighting which allowed for 3D polygonal graphical rendering in real-time.</a:t>
             </a:r>
           </a:p>
           <a:p>
             <a:r>
               <a:rPr lang="en-US" dirty="0"/>
-              <a:t>Gamification across a range of industries</a:t>
-            </a:r>
-          </a:p>
-          <a:p>
+              <a:t>this replaced the 2.5D graphics that were used to emulate 3D graphics.</a:t>
+            </a:r>
+          </a:p>
+          <a:p>
+            <a:r>
+              <a:rPr lang="en-US" dirty="0" err="1"/>
+              <a:t>iD</a:t>
+            </a:r>
             <a:r>
               <a:rPr lang="en-US" dirty="0"/>
-              <a:t>Game design principles, frameworks, and methodologies</a:t>
-            </a:r>
-          </a:p>
+              <a:t> software made one of the first game engines that separated the gameplay &amp; rendering from each other.</a:t>
+            </a:r>
+          </a:p>
+        </p:txBody>
+      </p:sp>
+      <p:sp>
+        <p:nvSpPr>
+          <p:cNvPr id="4" name="TextBox 3">
+            <a:extLst>
+              <a:ext uri="{FF2B5EF4-FFF2-40B4-BE49-F238E27FC236}">
+                <a16:creationId xmlns:a16="http://schemas.microsoft.com/office/drawing/2014/main" id="{301407CD-8E55-2392-2FA9-B89D4EC6C2C7}"/>
+              </a:ext>
+            </a:extLst>
+          </p:cNvPr>
+          <p:cNvSpPr txBox="1"/>
+          <p:nvPr/>
+        </p:nvSpPr>
+        <p:spPr>
+          <a:xfrm>
+            <a:off x="8889167" y="2255041"/>
+            <a:ext cx="2997355" cy="3970318"/>
+          </a:xfrm>
+          <a:prstGeom prst="rect">
+            <a:avLst/>
+          </a:prstGeom>
+          <a:noFill/>
+        </p:spPr>
+        <p:txBody>
+          <a:bodyPr wrap="square" rtlCol="0">
+            <a:spAutoFit/>
+          </a:bodyPr>
+          <a:lstStyle/>
           <a:p>
             <a:r>
               <a:rPr lang="en-US" dirty="0"/>
-              <a:t>Limitations of industry hardware and software</a:t>
-            </a:r>
-            <a:endParaRPr lang="en-AU" dirty="0"/>
+              <a:t>Some early 3D games:</a:t>
+            </a:r>
+          </a:p>
+          <a:p>
+            <a:pPr marL="285750" indent="-285750">
+              <a:buFont typeface="Arial" panose="020B0604020202020204" pitchFamily="34" charset="0"/>
+              <a:buChar char="•"/>
+            </a:pPr>
+            <a:r>
+              <a:rPr lang="en-AU" dirty="0"/>
+              <a:t>Virtua Racing (Sega AM2)</a:t>
+            </a:r>
+          </a:p>
+          <a:p>
+            <a:pPr marL="285750" indent="-285750">
+              <a:buFont typeface="Arial" panose="020B0604020202020204" pitchFamily="34" charset="0"/>
+              <a:buChar char="•"/>
+            </a:pPr>
+            <a:r>
+              <a:rPr lang="en-AU" dirty="0" err="1"/>
+              <a:t>Hovertank</a:t>
+            </a:r>
+            <a:r>
+              <a:rPr lang="en-AU" dirty="0"/>
+              <a:t> 3D (</a:t>
+            </a:r>
+            <a:r>
+              <a:rPr lang="en-AU" dirty="0" err="1"/>
+              <a:t>iD</a:t>
+            </a:r>
+            <a:r>
+              <a:rPr lang="en-AU" dirty="0"/>
+              <a:t> Software)</a:t>
+            </a:r>
+          </a:p>
+          <a:p>
+            <a:pPr marL="285750" indent="-285750">
+              <a:buFont typeface="Arial" panose="020B0604020202020204" pitchFamily="34" charset="0"/>
+              <a:buChar char="•"/>
+            </a:pPr>
+            <a:r>
+              <a:rPr lang="en-AU" dirty="0"/>
+              <a:t>Catacomb 3-D (</a:t>
+            </a:r>
+            <a:r>
+              <a:rPr lang="en-AU" dirty="0" err="1"/>
+              <a:t>iD</a:t>
+            </a:r>
+            <a:r>
+              <a:rPr lang="en-AU" dirty="0"/>
+              <a:t> Software)</a:t>
+            </a:r>
+          </a:p>
+          <a:p>
+            <a:pPr marL="285750" indent="-285750">
+              <a:buFont typeface="Arial" panose="020B0604020202020204" pitchFamily="34" charset="0"/>
+              <a:buChar char="•"/>
+            </a:pPr>
+            <a:r>
+              <a:rPr lang="en-AU" dirty="0" err="1"/>
+              <a:t>Wofenstein</a:t>
+            </a:r>
+            <a:r>
+              <a:rPr lang="en-AU" dirty="0"/>
+              <a:t> 3D (</a:t>
+            </a:r>
+            <a:r>
+              <a:rPr lang="en-AU" dirty="0" err="1"/>
+              <a:t>iD</a:t>
+            </a:r>
+            <a:r>
+              <a:rPr lang="en-AU" dirty="0"/>
+              <a:t> Software)</a:t>
+            </a:r>
+          </a:p>
+          <a:p>
+            <a:pPr marL="285750" indent="-285750">
+              <a:buFont typeface="Arial" panose="020B0604020202020204" pitchFamily="34" charset="0"/>
+              <a:buChar char="•"/>
+            </a:pPr>
+            <a:r>
+              <a:rPr lang="en-AU" dirty="0"/>
+              <a:t>Doom (</a:t>
+            </a:r>
+            <a:r>
+              <a:rPr lang="en-AU" dirty="0" err="1"/>
+              <a:t>iD</a:t>
+            </a:r>
+            <a:r>
+              <a:rPr lang="en-AU" dirty="0"/>
+              <a:t> Software)</a:t>
+            </a:r>
+          </a:p>
+          <a:p>
+            <a:pPr marL="285750" indent="-285750">
+              <a:buFont typeface="Arial" panose="020B0604020202020204" pitchFamily="34" charset="0"/>
+              <a:buChar char="•"/>
+            </a:pPr>
+            <a:r>
+              <a:rPr lang="en-AU" dirty="0"/>
+              <a:t>Ultima Underworld (Blue Sky Productions)</a:t>
+            </a:r>
+          </a:p>
+          <a:p>
+            <a:pPr marL="285750" indent="-285750">
+              <a:buFont typeface="Arial" panose="020B0604020202020204" pitchFamily="34" charset="0"/>
+              <a:buChar char="•"/>
+            </a:pPr>
+            <a:r>
+              <a:rPr lang="en-AU" dirty="0"/>
+              <a:t>Duke </a:t>
+            </a:r>
+            <a:r>
+              <a:rPr lang="en-AU" dirty="0" err="1"/>
+              <a:t>Nukem</a:t>
+            </a:r>
+            <a:r>
+              <a:rPr lang="en-AU" dirty="0"/>
+              <a:t> 3D (3D Realms)</a:t>
+            </a:r>
+          </a:p>
+          <a:p>
+            <a:pPr marL="285750" indent="-285750">
+              <a:buFont typeface="Arial" panose="020B0604020202020204" pitchFamily="34" charset="0"/>
+              <a:buChar char="•"/>
+            </a:pPr>
+            <a:r>
+              <a:rPr lang="en-AU" dirty="0"/>
+              <a:t>Marathon (Bungie)</a:t>
+            </a:r>
+          </a:p>
+          <a:p>
+            <a:pPr marL="285750" indent="-285750">
+              <a:buFont typeface="Arial" panose="020B0604020202020204" pitchFamily="34" charset="0"/>
+              <a:buChar char="•"/>
+            </a:pPr>
+            <a:r>
+              <a:rPr lang="en-AU" dirty="0"/>
+              <a:t>Quake (</a:t>
+            </a:r>
+            <a:r>
+              <a:rPr lang="en-AU" dirty="0" err="1"/>
+              <a:t>iD</a:t>
+            </a:r>
+            <a:r>
+              <a:rPr lang="en-AU" dirty="0"/>
+              <a:t> Software)</a:t>
+            </a:r>
           </a:p>
         </p:txBody>
       </p:sp>
@@ -12767,6 +13195,201 @@
           <p:cNvPr id="2" name="Title 1">
             <a:extLst>
               <a:ext uri="{FF2B5EF4-FFF2-40B4-BE49-F238E27FC236}">
+                <a16:creationId xmlns:a16="http://schemas.microsoft.com/office/drawing/2014/main" id="{371D350F-3D97-83E9-618B-F853B677A354}"/>
+              </a:ext>
+            </a:extLst>
+          </p:cNvPr>
+          <p:cNvSpPr>
+            <a:spLocks noGrp="1"/>
+          </p:cNvSpPr>
+          <p:nvPr>
+            <p:ph type="title"/>
+          </p:nvPr>
+        </p:nvSpPr>
+        <p:spPr/>
+        <p:txBody>
+          <a:bodyPr/>
+          <a:lstStyle/>
+          <a:p>
+            <a:r>
+              <a:rPr lang="en-US" dirty="0"/>
+              <a:t>What I call the Doom crash</a:t>
+            </a:r>
+            <a:endParaRPr lang="en-AU" dirty="0"/>
+          </a:p>
+        </p:txBody>
+      </p:sp>
+      <p:sp>
+        <p:nvSpPr>
+          <p:cNvPr id="3" name="Content Placeholder 2">
+            <a:extLst>
+              <a:ext uri="{FF2B5EF4-FFF2-40B4-BE49-F238E27FC236}">
+                <a16:creationId xmlns:a16="http://schemas.microsoft.com/office/drawing/2014/main" id="{9E53F04C-1A9C-93C1-6B16-915BA36D2158}"/>
+              </a:ext>
+            </a:extLst>
+          </p:cNvPr>
+          <p:cNvSpPr>
+            <a:spLocks noGrp="1"/>
+          </p:cNvSpPr>
+          <p:nvPr>
+            <p:ph idx="1"/>
+          </p:nvPr>
+        </p:nvSpPr>
+        <p:spPr/>
+        <p:txBody>
+          <a:bodyPr/>
+          <a:lstStyle/>
+          <a:p>
+            <a:r>
+              <a:rPr lang="en-US" dirty="0"/>
+              <a:t>The game Doom caused a network crash when it was initially released.</a:t>
+            </a:r>
+          </a:p>
+          <a:p>
+            <a:r>
+              <a:rPr lang="en-US" dirty="0"/>
+              <a:t>This was because of how many people tried to download it at once which caused an overload on the network causing it to crash.</a:t>
+            </a:r>
+            <a:endParaRPr lang="en-AU" dirty="0"/>
+          </a:p>
+        </p:txBody>
+      </p:sp>
+    </p:spTree>
+    <p:extLst>
+      <p:ext uri="{BB962C8B-B14F-4D97-AF65-F5344CB8AC3E}">
+        <p14:creationId xmlns:p14="http://schemas.microsoft.com/office/powerpoint/2010/main" val="3590084660"/>
+      </p:ext>
+    </p:extLst>
+  </p:cSld>
+  <p:clrMapOvr>
+    <a:masterClrMapping/>
+  </p:clrMapOvr>
+</p:sld>
+</file>
+
+<file path=ppt/slides/slide13.xml><?xml version="1.0" encoding="utf-8"?>
+<p:sld xmlns:a="http://schemas.openxmlformats.org/drawingml/2006/main" xmlns:r="http://schemas.openxmlformats.org/officeDocument/2006/relationships" xmlns:p="http://schemas.openxmlformats.org/presentationml/2006/main">
+  <p:cSld>
+    <p:spTree>
+      <p:nvGrpSpPr>
+        <p:cNvPr id="1" name=""/>
+        <p:cNvGrpSpPr/>
+        <p:nvPr/>
+      </p:nvGrpSpPr>
+      <p:grpSpPr>
+        <a:xfrm>
+          <a:off x="0" y="0"/>
+          <a:ext cx="0" cy="0"/>
+          <a:chOff x="0" y="0"/>
+          <a:chExt cx="0" cy="0"/>
+        </a:xfrm>
+      </p:grpSpPr>
+      <p:sp>
+        <p:nvSpPr>
+          <p:cNvPr id="2" name="Title 1">
+            <a:extLst>
+              <a:ext uri="{FF2B5EF4-FFF2-40B4-BE49-F238E27FC236}">
+                <a16:creationId xmlns:a16="http://schemas.microsoft.com/office/drawing/2014/main" id="{2070F962-1B23-D2AB-DB83-C9BF90A7A287}"/>
+              </a:ext>
+            </a:extLst>
+          </p:cNvPr>
+          <p:cNvSpPr>
+            <a:spLocks noGrp="1"/>
+          </p:cNvSpPr>
+          <p:nvPr>
+            <p:ph type="title"/>
+          </p:nvPr>
+        </p:nvSpPr>
+        <p:spPr/>
+        <p:txBody>
+          <a:bodyPr/>
+          <a:lstStyle/>
+          <a:p>
+            <a:r>
+              <a:rPr lang="en-US" dirty="0"/>
+              <a:t>The impact of 3D Graphics</a:t>
+            </a:r>
+            <a:endParaRPr lang="en-AU" dirty="0"/>
+          </a:p>
+        </p:txBody>
+      </p:sp>
+      <p:sp>
+        <p:nvSpPr>
+          <p:cNvPr id="3" name="Content Placeholder 2">
+            <a:extLst>
+              <a:ext uri="{FF2B5EF4-FFF2-40B4-BE49-F238E27FC236}">
+                <a16:creationId xmlns:a16="http://schemas.microsoft.com/office/drawing/2014/main" id="{701D9E93-1BE8-8B14-7999-4354B1EAC5F9}"/>
+              </a:ext>
+            </a:extLst>
+          </p:cNvPr>
+          <p:cNvSpPr>
+            <a:spLocks noGrp="1"/>
+          </p:cNvSpPr>
+          <p:nvPr>
+            <p:ph idx="1"/>
+          </p:nvPr>
+        </p:nvSpPr>
+        <p:spPr>
+          <a:xfrm>
+            <a:off x="1141412" y="2249486"/>
+            <a:ext cx="9905999" cy="3989995"/>
+          </a:xfrm>
+        </p:spPr>
+        <p:txBody>
+          <a:bodyPr>
+            <a:normAutofit/>
+          </a:bodyPr>
+          <a:lstStyle/>
+          <a:p>
+            <a:r>
+              <a:rPr lang="en-US" dirty="0"/>
+              <a:t>Thanks to 3D graphics, a lot of the industry started moving towards mostly using 3D assets in their games.</a:t>
+            </a:r>
+            <a:endParaRPr lang="en-AU" dirty="0"/>
+          </a:p>
+          <a:p>
+            <a:r>
+              <a:rPr lang="en-AU" dirty="0"/>
+              <a:t>Though the hardware at the time was still limiting what could be done. </a:t>
+            </a:r>
+          </a:p>
+        </p:txBody>
+      </p:sp>
+    </p:spTree>
+    <p:extLst>
+      <p:ext uri="{BB962C8B-B14F-4D97-AF65-F5344CB8AC3E}">
+        <p14:creationId xmlns:p14="http://schemas.microsoft.com/office/powerpoint/2010/main" val="4262386646"/>
+      </p:ext>
+    </p:extLst>
+  </p:cSld>
+  <p:clrMapOvr>
+    <a:masterClrMapping/>
+  </p:clrMapOvr>
+</p:sld>
+</file>
+
+<file path=ppt/slides/slide14.xml><?xml version="1.0" encoding="utf-8"?>
+<p:sld xmlns:a="http://schemas.openxmlformats.org/drawingml/2006/main" xmlns:r="http://schemas.openxmlformats.org/officeDocument/2006/relationships" xmlns:p="http://schemas.openxmlformats.org/presentationml/2006/main">
+  <p:cSld>
+    <p:spTree>
+      <p:nvGrpSpPr>
+        <p:cNvPr id="1" name=""/>
+        <p:cNvGrpSpPr/>
+        <p:nvPr/>
+      </p:nvGrpSpPr>
+      <p:grpSpPr>
+        <a:xfrm>
+          <a:off x="0" y="0"/>
+          <a:ext cx="0" cy="0"/>
+          <a:chOff x="0" y="0"/>
+          <a:chExt cx="0" cy="0"/>
+        </a:xfrm>
+      </p:grpSpPr>
+      <p:sp>
+        <p:nvSpPr>
+          <p:cNvPr id="2" name="Title 1">
+            <a:extLst>
+              <a:ext uri="{FF2B5EF4-FFF2-40B4-BE49-F238E27FC236}">
                 <a16:creationId xmlns:a16="http://schemas.microsoft.com/office/drawing/2014/main" id="{33FDC906-82C1-883D-3A09-E2D11034A801}"/>
               </a:ext>
             </a:extLst>
@@ -12807,16 +13430,321 @@
             <p:ph idx="1"/>
           </p:nvPr>
         </p:nvSpPr>
-        <p:spPr/>
+        <p:spPr>
+          <a:xfrm>
+            <a:off x="398149" y="2097088"/>
+            <a:ext cx="8745851" cy="4273732"/>
+          </a:xfrm>
+        </p:spPr>
         <p:txBody>
-          <a:bodyPr/>
+          <a:bodyPr>
+            <a:normAutofit/>
+          </a:bodyPr>
           <a:lstStyle/>
           <a:p>
             <a:r>
               <a:rPr lang="en-US" dirty="0"/>
-              <a:t>This Gen includes games &amp; consoles released between</a:t>
+              <a:t>This Gen includes games &amp; consoles released between 1993 – 2000</a:t>
+            </a:r>
+            <a:br>
+              <a:rPr lang="en-US" dirty="0"/>
+            </a:br>
+            <a:r>
+              <a:rPr lang="en-US" dirty="0"/>
+              <a:t>This Gen was also referred to as the 32-bit or 64-bit era</a:t>
+            </a:r>
+          </a:p>
+          <a:p>
+            <a:r>
+              <a:rPr lang="en-US" dirty="0"/>
+              <a:t>3D games become prevalent.</a:t>
+            </a:r>
+          </a:p>
+          <a:p>
+            <a:r>
+              <a:rPr lang="en-US" dirty="0"/>
+              <a:t>Most companies transitioned to storing games on CDs except for Nintendo who stayed with cartridges.</a:t>
+            </a:r>
+          </a:p>
+          <a:p>
+            <a:r>
+              <a:rPr lang="en-US" dirty="0"/>
+              <a:t>Analogue joysticks on controllers started being prevalent.</a:t>
+            </a:r>
+          </a:p>
+          <a:p>
+            <a:r>
+              <a:rPr lang="en-US" dirty="0"/>
+              <a:t>CD-quality audio was being used.</a:t>
             </a:r>
             <a:endParaRPr lang="en-AU" dirty="0"/>
+          </a:p>
+        </p:txBody>
+      </p:sp>
+      <p:sp>
+        <p:nvSpPr>
+          <p:cNvPr id="4" name="Content Placeholder 2">
+            <a:extLst>
+              <a:ext uri="{FF2B5EF4-FFF2-40B4-BE49-F238E27FC236}">
+                <a16:creationId xmlns:a16="http://schemas.microsoft.com/office/drawing/2014/main" id="{0FC5FD67-CC4D-4149-61A9-853ACCC4C5B1}"/>
+              </a:ext>
+            </a:extLst>
+          </p:cNvPr>
+          <p:cNvSpPr txBox="1">
+            <a:spLocks/>
+          </p:cNvSpPr>
+          <p:nvPr/>
+        </p:nvSpPr>
+        <p:spPr>
+          <a:xfrm>
+            <a:off x="9144000" y="2097088"/>
+            <a:ext cx="2646675" cy="4273732"/>
+          </a:xfrm>
+          <a:prstGeom prst="rect">
+            <a:avLst/>
+          </a:prstGeom>
+          <a:noFill/>
+          <a:ln w="9525" cap="flat" cmpd="sng" algn="ctr">
+            <a:solidFill>
+              <a:schemeClr val="dk1"/>
+            </a:solidFill>
+            <a:prstDash val="solid"/>
+            <a:round/>
+            <a:headEnd type="none" w="med" len="med"/>
+            <a:tailEnd type="none" w="med" len="med"/>
+          </a:ln>
+        </p:spPr>
+        <p:style>
+          <a:lnRef idx="0">
+            <a:scrgbClr r="0" g="0" b="0"/>
+          </a:lnRef>
+          <a:fillRef idx="0">
+            <a:scrgbClr r="0" g="0" b="0"/>
+          </a:fillRef>
+          <a:effectRef idx="0">
+            <a:scrgbClr r="0" g="0" b="0"/>
+          </a:effectRef>
+          <a:fontRef idx="minor">
+            <a:schemeClr val="dk1"/>
+          </a:fontRef>
+        </p:style>
+        <p:txBody>
+          <a:bodyPr vert="horz" lIns="91440" tIns="45720" rIns="91440" bIns="45720" rtlCol="0">
+            <a:normAutofit fontScale="92500" lnSpcReduction="20000"/>
+          </a:bodyPr>
+          <a:lstStyle>
+            <a:lvl1pPr marL="228600" indent="-228600" algn="l" defTabSz="914400" rtl="0" eaLnBrk="1" latinLnBrk="0" hangingPunct="1">
+              <a:lnSpc>
+                <a:spcPct val="120000"/>
+              </a:lnSpc>
+              <a:spcBef>
+                <a:spcPts val="1000"/>
+              </a:spcBef>
+              <a:buSzPct val="125000"/>
+              <a:buFont typeface="Arial" panose="020B0604020202020204" pitchFamily="34" charset="0"/>
+              <a:buChar char="•"/>
+              <a:defRPr sz="2400" kern="1200">
+                <a:solidFill>
+                  <a:schemeClr val="tx1"/>
+                </a:solidFill>
+                <a:latin typeface="+mn-lt"/>
+                <a:ea typeface="+mn-ea"/>
+                <a:cs typeface="+mn-cs"/>
+              </a:defRPr>
+            </a:lvl1pPr>
+            <a:lvl2pPr marL="685800" indent="-228600" algn="l" defTabSz="914400" rtl="0" eaLnBrk="1" latinLnBrk="0" hangingPunct="1">
+              <a:lnSpc>
+                <a:spcPct val="120000"/>
+              </a:lnSpc>
+              <a:spcBef>
+                <a:spcPts val="500"/>
+              </a:spcBef>
+              <a:buSzPct val="125000"/>
+              <a:buFont typeface="Arial" panose="020B0604020202020204" pitchFamily="34" charset="0"/>
+              <a:buChar char="•"/>
+              <a:defRPr sz="2000" kern="1200">
+                <a:solidFill>
+                  <a:schemeClr val="tx1"/>
+                </a:solidFill>
+                <a:latin typeface="+mn-lt"/>
+                <a:ea typeface="+mn-ea"/>
+                <a:cs typeface="+mn-cs"/>
+              </a:defRPr>
+            </a:lvl2pPr>
+            <a:lvl3pPr marL="1143000" indent="-228600" algn="l" defTabSz="914400" rtl="0" eaLnBrk="1" latinLnBrk="0" hangingPunct="1">
+              <a:lnSpc>
+                <a:spcPct val="120000"/>
+              </a:lnSpc>
+              <a:spcBef>
+                <a:spcPts val="500"/>
+              </a:spcBef>
+              <a:buSzPct val="125000"/>
+              <a:buFont typeface="Arial" panose="020B0604020202020204" pitchFamily="34" charset="0"/>
+              <a:buChar char="•"/>
+              <a:defRPr sz="1800" kern="1200">
+                <a:solidFill>
+                  <a:schemeClr val="tx1"/>
+                </a:solidFill>
+                <a:latin typeface="+mn-lt"/>
+                <a:ea typeface="+mn-ea"/>
+                <a:cs typeface="+mn-cs"/>
+              </a:defRPr>
+            </a:lvl3pPr>
+            <a:lvl4pPr marL="1600200" indent="-228600" algn="l" defTabSz="914400" rtl="0" eaLnBrk="1" latinLnBrk="0" hangingPunct="1">
+              <a:lnSpc>
+                <a:spcPct val="120000"/>
+              </a:lnSpc>
+              <a:spcBef>
+                <a:spcPts val="500"/>
+              </a:spcBef>
+              <a:buSzPct val="125000"/>
+              <a:buFont typeface="Arial" panose="020B0604020202020204" pitchFamily="34" charset="0"/>
+              <a:buChar char="•"/>
+              <a:defRPr sz="1600" kern="1200">
+                <a:solidFill>
+                  <a:schemeClr val="tx1"/>
+                </a:solidFill>
+                <a:latin typeface="+mn-lt"/>
+                <a:ea typeface="+mn-ea"/>
+                <a:cs typeface="+mn-cs"/>
+              </a:defRPr>
+            </a:lvl4pPr>
+            <a:lvl5pPr marL="2057400" indent="-228600" algn="l" defTabSz="914400" rtl="0" eaLnBrk="1" latinLnBrk="0" hangingPunct="1">
+              <a:lnSpc>
+                <a:spcPct val="120000"/>
+              </a:lnSpc>
+              <a:spcBef>
+                <a:spcPts val="500"/>
+              </a:spcBef>
+              <a:buSzPct val="125000"/>
+              <a:buFont typeface="Arial" panose="020B0604020202020204" pitchFamily="34" charset="0"/>
+              <a:buChar char="•"/>
+              <a:defRPr sz="1600" kern="1200">
+                <a:solidFill>
+                  <a:schemeClr val="tx1"/>
+                </a:solidFill>
+                <a:latin typeface="+mn-lt"/>
+                <a:ea typeface="+mn-ea"/>
+                <a:cs typeface="+mn-cs"/>
+              </a:defRPr>
+            </a:lvl5pPr>
+            <a:lvl6pPr marL="2514600" indent="-228600" algn="l" defTabSz="914400" rtl="0" eaLnBrk="1" latinLnBrk="0" hangingPunct="1">
+              <a:lnSpc>
+                <a:spcPct val="120000"/>
+              </a:lnSpc>
+              <a:spcBef>
+                <a:spcPts val="500"/>
+              </a:spcBef>
+              <a:buSzPct val="125000"/>
+              <a:buFont typeface="Arial" panose="020B0604020202020204" pitchFamily="34" charset="0"/>
+              <a:buChar char="•"/>
+              <a:defRPr sz="1400" kern="1200">
+                <a:solidFill>
+                  <a:schemeClr val="tx1"/>
+                </a:solidFill>
+                <a:latin typeface="+mn-lt"/>
+                <a:ea typeface="+mn-ea"/>
+                <a:cs typeface="+mn-cs"/>
+              </a:defRPr>
+            </a:lvl6pPr>
+            <a:lvl7pPr marL="2971800" indent="-228600" algn="l" defTabSz="914400" rtl="0" eaLnBrk="1" latinLnBrk="0" hangingPunct="1">
+              <a:lnSpc>
+                <a:spcPct val="120000"/>
+              </a:lnSpc>
+              <a:spcBef>
+                <a:spcPts val="500"/>
+              </a:spcBef>
+              <a:buSzPct val="125000"/>
+              <a:buFont typeface="Arial" panose="020B0604020202020204" pitchFamily="34" charset="0"/>
+              <a:buChar char="•"/>
+              <a:defRPr sz="1400" kern="1200">
+                <a:solidFill>
+                  <a:schemeClr val="tx1"/>
+                </a:solidFill>
+                <a:latin typeface="+mn-lt"/>
+                <a:ea typeface="+mn-ea"/>
+                <a:cs typeface="+mn-cs"/>
+              </a:defRPr>
+            </a:lvl7pPr>
+            <a:lvl8pPr marL="3429000" indent="-228600" algn="l" defTabSz="914400" rtl="0" eaLnBrk="1" latinLnBrk="0" hangingPunct="1">
+              <a:lnSpc>
+                <a:spcPct val="120000"/>
+              </a:lnSpc>
+              <a:spcBef>
+                <a:spcPts val="500"/>
+              </a:spcBef>
+              <a:buSzPct val="125000"/>
+              <a:buFont typeface="Arial" panose="020B0604020202020204" pitchFamily="34" charset="0"/>
+              <a:buChar char="•"/>
+              <a:defRPr sz="1400" kern="1200">
+                <a:solidFill>
+                  <a:schemeClr val="tx1"/>
+                </a:solidFill>
+                <a:latin typeface="+mn-lt"/>
+                <a:ea typeface="+mn-ea"/>
+                <a:cs typeface="+mn-cs"/>
+              </a:defRPr>
+            </a:lvl8pPr>
+            <a:lvl9pPr marL="3886200" indent="-228600" algn="l" defTabSz="914400" rtl="0" eaLnBrk="1" latinLnBrk="0" hangingPunct="1">
+              <a:lnSpc>
+                <a:spcPct val="120000"/>
+              </a:lnSpc>
+              <a:spcBef>
+                <a:spcPts val="500"/>
+              </a:spcBef>
+              <a:buSzPct val="125000"/>
+              <a:buFont typeface="Arial" panose="020B0604020202020204" pitchFamily="34" charset="0"/>
+              <a:buChar char="•"/>
+              <a:defRPr sz="1400" kern="1200">
+                <a:solidFill>
+                  <a:schemeClr val="tx1"/>
+                </a:solidFill>
+                <a:latin typeface="+mn-lt"/>
+                <a:ea typeface="+mn-ea"/>
+                <a:cs typeface="+mn-cs"/>
+              </a:defRPr>
+            </a:lvl9pPr>
+          </a:lstStyle>
+          <a:p>
+            <a:r>
+              <a:rPr lang="en-US" dirty="0"/>
+              <a:t>The consoles:</a:t>
+            </a:r>
+          </a:p>
+          <a:p>
+            <a:r>
+              <a:rPr lang="en-AU" dirty="0"/>
+              <a:t>Sony PlayStation</a:t>
+            </a:r>
+          </a:p>
+          <a:p>
+            <a:r>
+              <a:rPr lang="en-AU" dirty="0"/>
+              <a:t>Nintendo 64</a:t>
+            </a:r>
+          </a:p>
+          <a:p>
+            <a:r>
+              <a:rPr lang="en-AU" dirty="0"/>
+              <a:t>Nintendo Virtual Boy (The predecessor of all VR)</a:t>
+            </a:r>
+          </a:p>
+          <a:p>
+            <a:r>
+              <a:rPr lang="en-AU" dirty="0"/>
+              <a:t>Nintendo Game Boy </a:t>
+            </a:r>
+            <a:r>
+              <a:rPr lang="en-AU" dirty="0" err="1"/>
+              <a:t>Color</a:t>
+            </a:r>
+            <a:endParaRPr lang="en-AU" dirty="0"/>
+          </a:p>
+          <a:p>
+            <a:r>
+              <a:rPr lang="en-AU" dirty="0"/>
+              <a:t>Sega Saturn</a:t>
+            </a:r>
           </a:p>
         </p:txBody>
       </p:sp>
@@ -12833,7 +13761,7 @@
 </p:sld>
 </file>
 
-<file path=ppt/slides/slide13.xml><?xml version="1.0" encoding="utf-8"?>
+<file path=ppt/slides/slide15.xml><?xml version="1.0" encoding="utf-8"?>
 <p:sld xmlns:a="http://schemas.openxmlformats.org/drawingml/2006/main" xmlns:r="http://schemas.openxmlformats.org/officeDocument/2006/relationships" xmlns:p="http://schemas.openxmlformats.org/presentationml/2006/main">
   <p:cSld>
     <p:spTree>
@@ -12897,35 +13825,52 @@
         </p:nvSpPr>
         <p:spPr/>
         <p:txBody>
-          <a:bodyPr/>
+          <a:bodyPr>
+            <a:normAutofit/>
+          </a:bodyPr>
           <a:lstStyle/>
           <a:p>
             <a:r>
-              <a:rPr lang="en-US" dirty="0"/>
+              <a:rPr lang="en-US" sz="1000" dirty="0"/>
               <a:t>Social, emotional, and cognitive impacts of game play</a:t>
             </a:r>
           </a:p>
           <a:p>
             <a:r>
-              <a:rPr lang="en-US" dirty="0"/>
+              <a:rPr lang="en-US" sz="1000" dirty="0"/>
               <a:t>Gamification across a range of industries</a:t>
             </a:r>
           </a:p>
           <a:p>
             <a:r>
-              <a:rPr lang="en-US" dirty="0"/>
+              <a:rPr lang="en-US" sz="1000" dirty="0"/>
               <a:t>Game design principles, frameworks, and methodologies</a:t>
             </a:r>
           </a:p>
           <a:p>
             <a:r>
-              <a:rPr lang="en-US" dirty="0"/>
+              <a:rPr lang="en-US" sz="1000" dirty="0"/>
               <a:t>Limitations of industry hardware and software</a:t>
             </a:r>
-            <a:endParaRPr lang="en-AU" dirty="0"/>
-          </a:p>
-          <a:p>
-            <a:endParaRPr lang="en-AU" dirty="0"/>
+            <a:endParaRPr lang="en-AU" sz="1000" dirty="0"/>
+          </a:p>
+          <a:p>
+            <a:r>
+              <a:rPr lang="en-AU" dirty="0"/>
+              <a:t>PC gaming gains more traction</a:t>
+            </a:r>
+          </a:p>
+          <a:p>
+            <a:r>
+              <a:rPr lang="en-AU" dirty="0"/>
+              <a:t>Emergence of game genres</a:t>
+            </a:r>
+          </a:p>
+          <a:p>
+            <a:r>
+              <a:rPr lang="en-AU" dirty="0"/>
+              <a:t>Modding communities started to grow</a:t>
+            </a:r>
           </a:p>
         </p:txBody>
       </p:sp>
@@ -12942,7 +13887,7 @@
 </p:sld>
 </file>
 
-<file path=ppt/slides/slide14.xml><?xml version="1.0" encoding="utf-8"?>
+<file path=ppt/slides/slide16.xml><?xml version="1.0" encoding="utf-8"?>
 <p:sld xmlns:a="http://schemas.openxmlformats.org/drawingml/2006/main" xmlns:r="http://schemas.openxmlformats.org/officeDocument/2006/relationships" xmlns:p="http://schemas.openxmlformats.org/presentationml/2006/main">
   <p:cSld>
     <p:spTree>
@@ -13004,16 +13949,307 @@
             <p:ph idx="1"/>
           </p:nvPr>
         </p:nvSpPr>
-        <p:spPr/>
+        <p:spPr>
+          <a:xfrm>
+            <a:off x="270733" y="2097088"/>
+            <a:ext cx="8723365" cy="4142394"/>
+          </a:xfrm>
+        </p:spPr>
         <p:txBody>
           <a:bodyPr/>
           <a:lstStyle/>
           <a:p>
             <a:r>
               <a:rPr lang="en-US" dirty="0"/>
-              <a:t>This Gen includes games &amp; consoles released between</a:t>
-            </a:r>
-            <a:endParaRPr lang="en-AU" dirty="0"/>
+              <a:t>This Gen includes games &amp; consoles released between 1998 – 2013</a:t>
+            </a:r>
+            <a:br>
+              <a:rPr lang="en-AU" dirty="0"/>
+            </a:br>
+            <a:r>
+              <a:rPr lang="en-AU" dirty="0"/>
+              <a:t>This Gen sometimes is referred to as the 128-bit era</a:t>
+            </a:r>
+          </a:p>
+          <a:p>
+            <a:r>
+              <a:rPr lang="en-AU" dirty="0"/>
+              <a:t>In 2000 China bans game consoles</a:t>
+            </a:r>
+          </a:p>
+          <a:p>
+            <a:r>
+              <a:rPr lang="en-AU" dirty="0"/>
+              <a:t>Online gaming services start becoming accessible</a:t>
+            </a:r>
+          </a:p>
+          <a:p>
+            <a:pPr lvl="1"/>
+            <a:r>
+              <a:rPr lang="en-AU" dirty="0"/>
+              <a:t>Full online gaming experience (Xbox Live)</a:t>
+            </a:r>
+          </a:p>
+          <a:p>
+            <a:pPr lvl="1"/>
+            <a:r>
+              <a:rPr lang="en-AU" dirty="0"/>
+              <a:t>Game download directly over the internet.</a:t>
+            </a:r>
+          </a:p>
+          <a:p>
+            <a:r>
+              <a:rPr lang="en-AU" dirty="0"/>
+              <a:t>Saving games directly to a hard disk had become possible.</a:t>
+            </a:r>
+          </a:p>
+          <a:p>
+            <a:r>
+              <a:rPr lang="en-AU" dirty="0"/>
+              <a:t>First phone game Snake was introduced by Nokia phones.</a:t>
+            </a:r>
+            <a:endParaRPr lang="en-US" dirty="0"/>
+          </a:p>
+        </p:txBody>
+      </p:sp>
+      <p:sp>
+        <p:nvSpPr>
+          <p:cNvPr id="4" name="Content Placeholder 2">
+            <a:extLst>
+              <a:ext uri="{FF2B5EF4-FFF2-40B4-BE49-F238E27FC236}">
+                <a16:creationId xmlns:a16="http://schemas.microsoft.com/office/drawing/2014/main" id="{5F1C83B0-7AEE-4EFE-B13F-A5FD222E5147}"/>
+              </a:ext>
+            </a:extLst>
+          </p:cNvPr>
+          <p:cNvSpPr txBox="1">
+            <a:spLocks/>
+          </p:cNvSpPr>
+          <p:nvPr/>
+        </p:nvSpPr>
+        <p:spPr>
+          <a:xfrm>
+            <a:off x="8994098" y="2097088"/>
+            <a:ext cx="2923993" cy="4142394"/>
+          </a:xfrm>
+          <a:prstGeom prst="rect">
+            <a:avLst/>
+          </a:prstGeom>
+        </p:spPr>
+        <p:txBody>
+          <a:bodyPr vert="horz" lIns="91440" tIns="45720" rIns="91440" bIns="45720" rtlCol="0">
+            <a:normAutofit lnSpcReduction="10000"/>
+          </a:bodyPr>
+          <a:lstStyle>
+            <a:lvl1pPr marL="228600" indent="-228600" algn="l" defTabSz="914400" rtl="0" eaLnBrk="1" latinLnBrk="0" hangingPunct="1">
+              <a:lnSpc>
+                <a:spcPct val="120000"/>
+              </a:lnSpc>
+              <a:spcBef>
+                <a:spcPts val="1000"/>
+              </a:spcBef>
+              <a:buSzPct val="125000"/>
+              <a:buFont typeface="Arial" panose="020B0604020202020204" pitchFamily="34" charset="0"/>
+              <a:buChar char="•"/>
+              <a:defRPr sz="2400" kern="1200">
+                <a:solidFill>
+                  <a:schemeClr val="tx1"/>
+                </a:solidFill>
+                <a:latin typeface="+mn-lt"/>
+                <a:ea typeface="+mn-ea"/>
+                <a:cs typeface="+mn-cs"/>
+              </a:defRPr>
+            </a:lvl1pPr>
+            <a:lvl2pPr marL="685800" indent="-228600" algn="l" defTabSz="914400" rtl="0" eaLnBrk="1" latinLnBrk="0" hangingPunct="1">
+              <a:lnSpc>
+                <a:spcPct val="120000"/>
+              </a:lnSpc>
+              <a:spcBef>
+                <a:spcPts val="500"/>
+              </a:spcBef>
+              <a:buSzPct val="125000"/>
+              <a:buFont typeface="Arial" panose="020B0604020202020204" pitchFamily="34" charset="0"/>
+              <a:buChar char="•"/>
+              <a:defRPr sz="2000" kern="1200">
+                <a:solidFill>
+                  <a:schemeClr val="tx1"/>
+                </a:solidFill>
+                <a:latin typeface="+mn-lt"/>
+                <a:ea typeface="+mn-ea"/>
+                <a:cs typeface="+mn-cs"/>
+              </a:defRPr>
+            </a:lvl2pPr>
+            <a:lvl3pPr marL="1143000" indent="-228600" algn="l" defTabSz="914400" rtl="0" eaLnBrk="1" latinLnBrk="0" hangingPunct="1">
+              <a:lnSpc>
+                <a:spcPct val="120000"/>
+              </a:lnSpc>
+              <a:spcBef>
+                <a:spcPts val="500"/>
+              </a:spcBef>
+              <a:buSzPct val="125000"/>
+              <a:buFont typeface="Arial" panose="020B0604020202020204" pitchFamily="34" charset="0"/>
+              <a:buChar char="•"/>
+              <a:defRPr sz="1800" kern="1200">
+                <a:solidFill>
+                  <a:schemeClr val="tx1"/>
+                </a:solidFill>
+                <a:latin typeface="+mn-lt"/>
+                <a:ea typeface="+mn-ea"/>
+                <a:cs typeface="+mn-cs"/>
+              </a:defRPr>
+            </a:lvl3pPr>
+            <a:lvl4pPr marL="1600200" indent="-228600" algn="l" defTabSz="914400" rtl="0" eaLnBrk="1" latinLnBrk="0" hangingPunct="1">
+              <a:lnSpc>
+                <a:spcPct val="120000"/>
+              </a:lnSpc>
+              <a:spcBef>
+                <a:spcPts val="500"/>
+              </a:spcBef>
+              <a:buSzPct val="125000"/>
+              <a:buFont typeface="Arial" panose="020B0604020202020204" pitchFamily="34" charset="0"/>
+              <a:buChar char="•"/>
+              <a:defRPr sz="1600" kern="1200">
+                <a:solidFill>
+                  <a:schemeClr val="tx1"/>
+                </a:solidFill>
+                <a:latin typeface="+mn-lt"/>
+                <a:ea typeface="+mn-ea"/>
+                <a:cs typeface="+mn-cs"/>
+              </a:defRPr>
+            </a:lvl4pPr>
+            <a:lvl5pPr marL="2057400" indent="-228600" algn="l" defTabSz="914400" rtl="0" eaLnBrk="1" latinLnBrk="0" hangingPunct="1">
+              <a:lnSpc>
+                <a:spcPct val="120000"/>
+              </a:lnSpc>
+              <a:spcBef>
+                <a:spcPts val="500"/>
+              </a:spcBef>
+              <a:buSzPct val="125000"/>
+              <a:buFont typeface="Arial" panose="020B0604020202020204" pitchFamily="34" charset="0"/>
+              <a:buChar char="•"/>
+              <a:defRPr sz="1600" kern="1200">
+                <a:solidFill>
+                  <a:schemeClr val="tx1"/>
+                </a:solidFill>
+                <a:latin typeface="+mn-lt"/>
+                <a:ea typeface="+mn-ea"/>
+                <a:cs typeface="+mn-cs"/>
+              </a:defRPr>
+            </a:lvl5pPr>
+            <a:lvl6pPr marL="2514600" indent="-228600" algn="l" defTabSz="914400" rtl="0" eaLnBrk="1" latinLnBrk="0" hangingPunct="1">
+              <a:lnSpc>
+                <a:spcPct val="120000"/>
+              </a:lnSpc>
+              <a:spcBef>
+                <a:spcPts val="500"/>
+              </a:spcBef>
+              <a:buSzPct val="125000"/>
+              <a:buFont typeface="Arial" panose="020B0604020202020204" pitchFamily="34" charset="0"/>
+              <a:buChar char="•"/>
+              <a:defRPr sz="1400" kern="1200">
+                <a:solidFill>
+                  <a:schemeClr val="tx1"/>
+                </a:solidFill>
+                <a:latin typeface="+mn-lt"/>
+                <a:ea typeface="+mn-ea"/>
+                <a:cs typeface="+mn-cs"/>
+              </a:defRPr>
+            </a:lvl6pPr>
+            <a:lvl7pPr marL="2971800" indent="-228600" algn="l" defTabSz="914400" rtl="0" eaLnBrk="1" latinLnBrk="0" hangingPunct="1">
+              <a:lnSpc>
+                <a:spcPct val="120000"/>
+              </a:lnSpc>
+              <a:spcBef>
+                <a:spcPts val="500"/>
+              </a:spcBef>
+              <a:buSzPct val="125000"/>
+              <a:buFont typeface="Arial" panose="020B0604020202020204" pitchFamily="34" charset="0"/>
+              <a:buChar char="•"/>
+              <a:defRPr sz="1400" kern="1200">
+                <a:solidFill>
+                  <a:schemeClr val="tx1"/>
+                </a:solidFill>
+                <a:latin typeface="+mn-lt"/>
+                <a:ea typeface="+mn-ea"/>
+                <a:cs typeface="+mn-cs"/>
+              </a:defRPr>
+            </a:lvl7pPr>
+            <a:lvl8pPr marL="3429000" indent="-228600" algn="l" defTabSz="914400" rtl="0" eaLnBrk="1" latinLnBrk="0" hangingPunct="1">
+              <a:lnSpc>
+                <a:spcPct val="120000"/>
+              </a:lnSpc>
+              <a:spcBef>
+                <a:spcPts val="500"/>
+              </a:spcBef>
+              <a:buSzPct val="125000"/>
+              <a:buFont typeface="Arial" panose="020B0604020202020204" pitchFamily="34" charset="0"/>
+              <a:buChar char="•"/>
+              <a:defRPr sz="1400" kern="1200">
+                <a:solidFill>
+                  <a:schemeClr val="tx1"/>
+                </a:solidFill>
+                <a:latin typeface="+mn-lt"/>
+                <a:ea typeface="+mn-ea"/>
+                <a:cs typeface="+mn-cs"/>
+              </a:defRPr>
+            </a:lvl8pPr>
+            <a:lvl9pPr marL="3886200" indent="-228600" algn="l" defTabSz="914400" rtl="0" eaLnBrk="1" latinLnBrk="0" hangingPunct="1">
+              <a:lnSpc>
+                <a:spcPct val="120000"/>
+              </a:lnSpc>
+              <a:spcBef>
+                <a:spcPts val="500"/>
+              </a:spcBef>
+              <a:buSzPct val="125000"/>
+              <a:buFont typeface="Arial" panose="020B0604020202020204" pitchFamily="34" charset="0"/>
+              <a:buChar char="•"/>
+              <a:defRPr sz="1400" kern="1200">
+                <a:solidFill>
+                  <a:schemeClr val="tx1"/>
+                </a:solidFill>
+                <a:latin typeface="+mn-lt"/>
+                <a:ea typeface="+mn-ea"/>
+                <a:cs typeface="+mn-cs"/>
+              </a:defRPr>
+            </a:lvl9pPr>
+          </a:lstStyle>
+          <a:p>
+            <a:pPr marL="0" indent="0">
+              <a:buNone/>
+            </a:pPr>
+            <a:r>
+              <a:rPr lang="en-US" dirty="0"/>
+              <a:t>Consoles:</a:t>
+            </a:r>
+          </a:p>
+          <a:p>
+            <a:r>
+              <a:rPr lang="en-US" dirty="0"/>
+              <a:t>Sega Dreamcast</a:t>
+            </a:r>
+          </a:p>
+          <a:p>
+            <a:r>
+              <a:rPr lang="en-US" dirty="0"/>
+              <a:t>Sony PlayStation 2</a:t>
+            </a:r>
+          </a:p>
+          <a:p>
+            <a:r>
+              <a:rPr lang="en-US" dirty="0"/>
+              <a:t>Nintendo GameCube</a:t>
+            </a:r>
+          </a:p>
+          <a:p>
+            <a:r>
+              <a:rPr lang="en-US" dirty="0"/>
+              <a:t>Microsoft Xbox</a:t>
+            </a:r>
+          </a:p>
+          <a:p>
+            <a:r>
+              <a:rPr lang="en-US" dirty="0"/>
+              <a:t>Nintendo Gameboy Advanced (&amp; SP)</a:t>
+            </a:r>
           </a:p>
         </p:txBody>
       </p:sp>
@@ -13030,7 +14266,7 @@
 </p:sld>
 </file>
 
-<file path=ppt/slides/slide15.xml><?xml version="1.0" encoding="utf-8"?>
+<file path=ppt/slides/slide17.xml><?xml version="1.0" encoding="utf-8"?>
 <p:sld xmlns:a="http://schemas.openxmlformats.org/drawingml/2006/main" xmlns:r="http://schemas.openxmlformats.org/officeDocument/2006/relationships" xmlns:p="http://schemas.openxmlformats.org/presentationml/2006/main">
   <p:cSld>
     <p:spTree>
@@ -13092,37 +14328,53 @@
             <p:ph idx="1"/>
           </p:nvPr>
         </p:nvSpPr>
-        <p:spPr/>
+        <p:spPr>
+          <a:xfrm>
+            <a:off x="353179" y="2097088"/>
+            <a:ext cx="11482465" cy="4211274"/>
+          </a:xfrm>
+        </p:spPr>
         <p:txBody>
-          <a:bodyPr/>
+          <a:bodyPr>
+            <a:normAutofit fontScale="92500" lnSpcReduction="10000"/>
+          </a:bodyPr>
           <a:lstStyle/>
           <a:p>
             <a:r>
               <a:rPr lang="en-US" dirty="0"/>
-              <a:t>Social, emotional, and cognitive impacts of game play</a:t>
-            </a:r>
-          </a:p>
-          <a:p>
-            <a:r>
-              <a:rPr lang="en-US" dirty="0"/>
-              <a:t>Gamification across a range of industries</a:t>
-            </a:r>
-          </a:p>
-          <a:p>
-            <a:r>
-              <a:rPr lang="en-US" dirty="0"/>
-              <a:t>Game design principles, frameworks, and methodologies</a:t>
-            </a:r>
-          </a:p>
-          <a:p>
-            <a:r>
-              <a:rPr lang="en-US" dirty="0"/>
-              <a:t>Limitations of industry hardware and software</a:t>
+              <a:t>The Digital Market was created as a way to distribute updates to published games &amp; to implement stronger anti-cheat &amp; anti-piracy measures.</a:t>
             </a:r>
             <a:endParaRPr lang="en-AU" dirty="0"/>
           </a:p>
           <a:p>
-            <a:endParaRPr lang="en-AU" dirty="0"/>
+            <a:r>
+              <a:rPr lang="en-AU" dirty="0"/>
+              <a:t>2003 was the Launch of Steam which was created to publish &amp; distribute games made by Valve on PC.</a:t>
+            </a:r>
+          </a:p>
+          <a:p>
+            <a:r>
+              <a:rPr lang="en-AU" dirty="0"/>
+              <a:t> In 2005, negotiations started for third-party publishers to distribute their games on Steam.</a:t>
+            </a:r>
+          </a:p>
+          <a:p>
+            <a:r>
+              <a:rPr lang="en-AU" dirty="0"/>
+              <a:t>From 2007 onward, Larger publishers distribute their games on Steam.</a:t>
+            </a:r>
+          </a:p>
+          <a:p>
+            <a:r>
+              <a:rPr lang="en-AU" dirty="0"/>
+              <a:t>There were 13 Million Steam accounts created &amp; 150 games were available for purchase by May 2007.</a:t>
+            </a:r>
+          </a:p>
+          <a:p>
+            <a:r>
+              <a:rPr lang="en-AU" dirty="0"/>
+              <a:t> In 2012 &amp; onwards, AAA publishers started creating their own digital platforms.</a:t>
+            </a:r>
           </a:p>
         </p:txBody>
       </p:sp>
@@ -13139,7 +14391,123 @@
 </p:sld>
 </file>
 
-<file path=ppt/slides/slide16.xml><?xml version="1.0" encoding="utf-8"?>
+<file path=ppt/slides/slide18.xml><?xml version="1.0" encoding="utf-8"?>
+<p:sld xmlns:a="http://schemas.openxmlformats.org/drawingml/2006/main" xmlns:r="http://schemas.openxmlformats.org/officeDocument/2006/relationships" xmlns:p="http://schemas.openxmlformats.org/presentationml/2006/main">
+  <p:cSld>
+    <p:spTree>
+      <p:nvGrpSpPr>
+        <p:cNvPr id="1" name=""/>
+        <p:cNvGrpSpPr/>
+        <p:nvPr/>
+      </p:nvGrpSpPr>
+      <p:grpSpPr>
+        <a:xfrm>
+          <a:off x="0" y="0"/>
+          <a:ext cx="0" cy="0"/>
+          <a:chOff x="0" y="0"/>
+          <a:chExt cx="0" cy="0"/>
+        </a:xfrm>
+      </p:grpSpPr>
+      <p:sp>
+        <p:nvSpPr>
+          <p:cNvPr id="2" name="Title 1">
+            <a:extLst>
+              <a:ext uri="{FF2B5EF4-FFF2-40B4-BE49-F238E27FC236}">
+                <a16:creationId xmlns:a16="http://schemas.microsoft.com/office/drawing/2014/main" id="{AE77EBB8-C92F-05AE-B42C-5D53B3D095C0}"/>
+              </a:ext>
+            </a:extLst>
+          </p:cNvPr>
+          <p:cNvSpPr>
+            <a:spLocks noGrp="1"/>
+          </p:cNvSpPr>
+          <p:nvPr>
+            <p:ph type="title"/>
+          </p:nvPr>
+        </p:nvSpPr>
+        <p:spPr/>
+        <p:txBody>
+          <a:bodyPr/>
+          <a:lstStyle/>
+          <a:p>
+            <a:r>
+              <a:rPr lang="en-US" dirty="0"/>
+              <a:t>Impacts of Digital Markets</a:t>
+            </a:r>
+            <a:endParaRPr lang="en-AU" dirty="0"/>
+          </a:p>
+        </p:txBody>
+      </p:sp>
+      <p:sp>
+        <p:nvSpPr>
+          <p:cNvPr id="3" name="Content Placeholder 2">
+            <a:extLst>
+              <a:ext uri="{FF2B5EF4-FFF2-40B4-BE49-F238E27FC236}">
+                <a16:creationId xmlns:a16="http://schemas.microsoft.com/office/drawing/2014/main" id="{C5DB290C-B2A0-18C6-1DBC-51A3725818A9}"/>
+              </a:ext>
+            </a:extLst>
+          </p:cNvPr>
+          <p:cNvSpPr>
+            <a:spLocks noGrp="1"/>
+          </p:cNvSpPr>
+          <p:nvPr>
+            <p:ph idx="1"/>
+          </p:nvPr>
+        </p:nvSpPr>
+        <p:spPr>
+          <a:xfrm>
+            <a:off x="300713" y="2097088"/>
+            <a:ext cx="11587397" cy="4258742"/>
+          </a:xfrm>
+        </p:spPr>
+        <p:txBody>
+          <a:bodyPr>
+            <a:normAutofit/>
+          </a:bodyPr>
+          <a:lstStyle/>
+          <a:p>
+            <a:r>
+              <a:rPr lang="en-AU"/>
+              <a:t>Thanks </a:t>
+            </a:r>
+            <a:r>
+              <a:rPr lang="en-AU" dirty="0"/>
+              <a:t>to digital markets, games had gotten easier to obtain because you didn’t need to always go to stores to search for the game you wanted.</a:t>
+            </a:r>
+          </a:p>
+          <a:p>
+            <a:r>
+              <a:rPr lang="en-AU" dirty="0"/>
+              <a:t>Digital Market platforms/applications have layouts that are good to navigate through &amp; to access what you’d need.</a:t>
+            </a:r>
+          </a:p>
+          <a:p>
+            <a:r>
+              <a:rPr lang="en-AU" dirty="0"/>
+              <a:t>The hardware limitations are the hardware components in your computer.</a:t>
+            </a:r>
+          </a:p>
+          <a:p>
+            <a:r>
+              <a:rPr lang="en-AU" dirty="0"/>
+              <a:t>The software limitations are the app version &amp; if it is compatible with your system software.</a:t>
+            </a:r>
+          </a:p>
+        </p:txBody>
+      </p:sp>
+    </p:spTree>
+    <p:extLst>
+      <p:ext uri="{BB962C8B-B14F-4D97-AF65-F5344CB8AC3E}">
+        <p14:creationId xmlns:p14="http://schemas.microsoft.com/office/powerpoint/2010/main" val="500892130"/>
+      </p:ext>
+    </p:extLst>
+  </p:cSld>
+  <p:clrMapOvr>
+    <a:masterClrMapping/>
+  </p:clrMapOvr>
+</p:sld>
+</file>
+
+<file path=ppt/slides/slide19.xml><?xml version="1.0" encoding="utf-8"?>
 <p:sld xmlns:a="http://schemas.openxmlformats.org/drawingml/2006/main" xmlns:r="http://schemas.openxmlformats.org/officeDocument/2006/relationships" xmlns:p="http://schemas.openxmlformats.org/presentationml/2006/main">
   <p:cSld>
     <p:spTree>
@@ -13218,297 +14586,6 @@
     <p:extLst>
       <p:ext uri="{BB962C8B-B14F-4D97-AF65-F5344CB8AC3E}">
         <p14:creationId xmlns:p14="http://schemas.microsoft.com/office/powerpoint/2010/main" val="2978001623"/>
-      </p:ext>
-    </p:extLst>
-  </p:cSld>
-  <p:clrMapOvr>
-    <a:masterClrMapping/>
-  </p:clrMapOvr>
-</p:sld>
-</file>
-
-<file path=ppt/slides/slide17.xml><?xml version="1.0" encoding="utf-8"?>
-<p:sld xmlns:a="http://schemas.openxmlformats.org/drawingml/2006/main" xmlns:r="http://schemas.openxmlformats.org/officeDocument/2006/relationships" xmlns:p="http://schemas.openxmlformats.org/presentationml/2006/main">
-  <p:cSld>
-    <p:spTree>
-      <p:nvGrpSpPr>
-        <p:cNvPr id="1" name=""/>
-        <p:cNvGrpSpPr/>
-        <p:nvPr/>
-      </p:nvGrpSpPr>
-      <p:grpSpPr>
-        <a:xfrm>
-          <a:off x="0" y="0"/>
-          <a:ext cx="0" cy="0"/>
-          <a:chOff x="0" y="0"/>
-          <a:chExt cx="0" cy="0"/>
-        </a:xfrm>
-      </p:grpSpPr>
-      <p:sp>
-        <p:nvSpPr>
-          <p:cNvPr id="2" name="Title 1">
-            <a:extLst>
-              <a:ext uri="{FF2B5EF4-FFF2-40B4-BE49-F238E27FC236}">
-                <a16:creationId xmlns:a16="http://schemas.microsoft.com/office/drawing/2014/main" id="{114CFCF1-9455-4A80-A964-E104EBFDEB81}"/>
-              </a:ext>
-            </a:extLst>
-          </p:cNvPr>
-          <p:cNvSpPr>
-            <a:spLocks noGrp="1"/>
-          </p:cNvSpPr>
-          <p:nvPr>
-            <p:ph type="title"/>
-          </p:nvPr>
-        </p:nvSpPr>
-        <p:spPr/>
-        <p:txBody>
-          <a:bodyPr/>
-          <a:lstStyle/>
-          <a:p>
-            <a:r>
-              <a:rPr lang="en-US" dirty="0"/>
-              <a:t>Eighth Gen of Home Consoles</a:t>
-            </a:r>
-            <a:endParaRPr lang="en-AU" dirty="0"/>
-          </a:p>
-        </p:txBody>
-      </p:sp>
-      <p:sp>
-        <p:nvSpPr>
-          <p:cNvPr id="3" name="Content Placeholder 2">
-            <a:extLst>
-              <a:ext uri="{FF2B5EF4-FFF2-40B4-BE49-F238E27FC236}">
-                <a16:creationId xmlns:a16="http://schemas.microsoft.com/office/drawing/2014/main" id="{5B832744-EE25-C478-F41E-0760430346F4}"/>
-              </a:ext>
-            </a:extLst>
-          </p:cNvPr>
-          <p:cNvSpPr>
-            <a:spLocks noGrp="1"/>
-          </p:cNvSpPr>
-          <p:nvPr>
-            <p:ph idx="1"/>
-          </p:nvPr>
-        </p:nvSpPr>
-        <p:spPr/>
-        <p:txBody>
-          <a:bodyPr/>
-          <a:lstStyle/>
-          <a:p>
-            <a:r>
-              <a:rPr lang="en-US" dirty="0"/>
-              <a:t>This Gen includes games &amp; consoles released between</a:t>
-            </a:r>
-            <a:endParaRPr lang="en-AU" dirty="0"/>
-          </a:p>
-        </p:txBody>
-      </p:sp>
-    </p:spTree>
-    <p:extLst>
-      <p:ext uri="{BB962C8B-B14F-4D97-AF65-F5344CB8AC3E}">
-        <p14:creationId xmlns:p14="http://schemas.microsoft.com/office/powerpoint/2010/main" val="1408206463"/>
-      </p:ext>
-    </p:extLst>
-  </p:cSld>
-  <p:clrMapOvr>
-    <a:masterClrMapping/>
-  </p:clrMapOvr>
-</p:sld>
-</file>
-
-<file path=ppt/slides/slide18.xml><?xml version="1.0" encoding="utf-8"?>
-<p:sld xmlns:a="http://schemas.openxmlformats.org/drawingml/2006/main" xmlns:r="http://schemas.openxmlformats.org/officeDocument/2006/relationships" xmlns:p="http://schemas.openxmlformats.org/presentationml/2006/main">
-  <p:cSld>
-    <p:spTree>
-      <p:nvGrpSpPr>
-        <p:cNvPr id="1" name=""/>
-        <p:cNvGrpSpPr/>
-        <p:nvPr/>
-      </p:nvGrpSpPr>
-      <p:grpSpPr>
-        <a:xfrm>
-          <a:off x="0" y="0"/>
-          <a:ext cx="0" cy="0"/>
-          <a:chOff x="0" y="0"/>
-          <a:chExt cx="0" cy="0"/>
-        </a:xfrm>
-      </p:grpSpPr>
-      <p:sp>
-        <p:nvSpPr>
-          <p:cNvPr id="2" name="Title 1">
-            <a:extLst>
-              <a:ext uri="{FF2B5EF4-FFF2-40B4-BE49-F238E27FC236}">
-                <a16:creationId xmlns:a16="http://schemas.microsoft.com/office/drawing/2014/main" id="{A1B24B7E-2122-D336-1588-95DD707811C6}"/>
-              </a:ext>
-            </a:extLst>
-          </p:cNvPr>
-          <p:cNvSpPr>
-            <a:spLocks noGrp="1"/>
-          </p:cNvSpPr>
-          <p:nvPr>
-            <p:ph type="title"/>
-          </p:nvPr>
-        </p:nvSpPr>
-        <p:spPr/>
-        <p:txBody>
-          <a:bodyPr/>
-          <a:lstStyle/>
-          <a:p>
-            <a:r>
-              <a:rPr lang="en-US" dirty="0"/>
-              <a:t>Ninth Gen of Home Consoles</a:t>
-            </a:r>
-            <a:endParaRPr lang="en-AU" dirty="0"/>
-          </a:p>
-        </p:txBody>
-      </p:sp>
-      <p:sp>
-        <p:nvSpPr>
-          <p:cNvPr id="3" name="Content Placeholder 2">
-            <a:extLst>
-              <a:ext uri="{FF2B5EF4-FFF2-40B4-BE49-F238E27FC236}">
-                <a16:creationId xmlns:a16="http://schemas.microsoft.com/office/drawing/2014/main" id="{89253CB5-6EAA-0FC5-F992-CEEE1DE1645C}"/>
-              </a:ext>
-            </a:extLst>
-          </p:cNvPr>
-          <p:cNvSpPr>
-            <a:spLocks noGrp="1"/>
-          </p:cNvSpPr>
-          <p:nvPr>
-            <p:ph idx="1"/>
-          </p:nvPr>
-        </p:nvSpPr>
-        <p:spPr/>
-        <p:txBody>
-          <a:bodyPr/>
-          <a:lstStyle/>
-          <a:p>
-            <a:r>
-              <a:rPr lang="en-US" dirty="0"/>
-              <a:t>This Gen includes games &amp; consoles released between</a:t>
-            </a:r>
-            <a:endParaRPr lang="en-AU" dirty="0"/>
-          </a:p>
-        </p:txBody>
-      </p:sp>
-    </p:spTree>
-    <p:extLst>
-      <p:ext uri="{BB962C8B-B14F-4D97-AF65-F5344CB8AC3E}">
-        <p14:creationId xmlns:p14="http://schemas.microsoft.com/office/powerpoint/2010/main" val="1219976343"/>
-      </p:ext>
-    </p:extLst>
-  </p:cSld>
-  <p:clrMapOvr>
-    <a:masterClrMapping/>
-  </p:clrMapOvr>
-</p:sld>
-</file>
-
-<file path=ppt/slides/slide19.xml><?xml version="1.0" encoding="utf-8"?>
-<p:sld xmlns:a="http://schemas.openxmlformats.org/drawingml/2006/main" xmlns:r="http://schemas.openxmlformats.org/officeDocument/2006/relationships" xmlns:p="http://schemas.openxmlformats.org/presentationml/2006/main">
-  <p:cSld>
-    <p:spTree>
-      <p:nvGrpSpPr>
-        <p:cNvPr id="1" name=""/>
-        <p:cNvGrpSpPr/>
-        <p:nvPr/>
-      </p:nvGrpSpPr>
-      <p:grpSpPr>
-        <a:xfrm>
-          <a:off x="0" y="0"/>
-          <a:ext cx="0" cy="0"/>
-          <a:chOff x="0" y="0"/>
-          <a:chExt cx="0" cy="0"/>
-        </a:xfrm>
-      </p:grpSpPr>
-      <p:sp>
-        <p:nvSpPr>
-          <p:cNvPr id="2" name="Title 1">
-            <a:extLst>
-              <a:ext uri="{FF2B5EF4-FFF2-40B4-BE49-F238E27FC236}">
-                <a16:creationId xmlns:a16="http://schemas.microsoft.com/office/drawing/2014/main" id="{07070B6A-77B8-14C7-BFEC-B5B46664207F}"/>
-              </a:ext>
-            </a:extLst>
-          </p:cNvPr>
-          <p:cNvSpPr>
-            <a:spLocks noGrp="1"/>
-          </p:cNvSpPr>
-          <p:nvPr>
-            <p:ph type="title"/>
-          </p:nvPr>
-        </p:nvSpPr>
-        <p:spPr/>
-        <p:txBody>
-          <a:bodyPr/>
-          <a:lstStyle/>
-          <a:p>
-            <a:r>
-              <a:rPr lang="en-US" dirty="0"/>
-              <a:t>The Future of the Games Industry</a:t>
-            </a:r>
-            <a:endParaRPr lang="en-AU" dirty="0"/>
-          </a:p>
-        </p:txBody>
-      </p:sp>
-      <p:sp>
-        <p:nvSpPr>
-          <p:cNvPr id="3" name="Content Placeholder 2">
-            <a:extLst>
-              <a:ext uri="{FF2B5EF4-FFF2-40B4-BE49-F238E27FC236}">
-                <a16:creationId xmlns:a16="http://schemas.microsoft.com/office/drawing/2014/main" id="{3DE84E49-9E40-40F0-8D9C-5335D339FD32}"/>
-              </a:ext>
-            </a:extLst>
-          </p:cNvPr>
-          <p:cNvSpPr>
-            <a:spLocks noGrp="1"/>
-          </p:cNvSpPr>
-          <p:nvPr>
-            <p:ph idx="1"/>
-          </p:nvPr>
-        </p:nvSpPr>
-        <p:spPr/>
-        <p:txBody>
-          <a:bodyPr/>
-          <a:lstStyle/>
-          <a:p>
-            <a:r>
-              <a:rPr lang="en-US" dirty="0"/>
-              <a:t>Social, emotional, and cognitive impacts of game play</a:t>
-            </a:r>
-          </a:p>
-          <a:p>
-            <a:r>
-              <a:rPr lang="en-US" dirty="0"/>
-              <a:t>Gamification across a range of industries</a:t>
-            </a:r>
-          </a:p>
-          <a:p>
-            <a:r>
-              <a:rPr lang="en-US" dirty="0"/>
-              <a:t>Game design principles, frameworks, and methodologies</a:t>
-            </a:r>
-          </a:p>
-          <a:p>
-            <a:r>
-              <a:rPr lang="en-US" dirty="0"/>
-              <a:t>Limitations of industry hardware and software</a:t>
-            </a:r>
-            <a:endParaRPr lang="en-AU" dirty="0"/>
-          </a:p>
-          <a:p>
-            <a:endParaRPr lang="en-AU" dirty="0"/>
-          </a:p>
-          <a:p>
-            <a:r>
-              <a:rPr lang="en-AU" dirty="0"/>
-              <a:t>VR</a:t>
-            </a:r>
-          </a:p>
-        </p:txBody>
-      </p:sp>
-    </p:spTree>
-    <p:extLst>
-      <p:ext uri="{BB962C8B-B14F-4D97-AF65-F5344CB8AC3E}">
-        <p14:creationId xmlns:p14="http://schemas.microsoft.com/office/powerpoint/2010/main" val="1663169755"/>
       </p:ext>
     </p:extLst>
   </p:cSld>
@@ -13651,6 +14728,297 @@
 </file>
 
 <file path=ppt/slides/slide20.xml><?xml version="1.0" encoding="utf-8"?>
+<p:sld xmlns:a="http://schemas.openxmlformats.org/drawingml/2006/main" xmlns:r="http://schemas.openxmlformats.org/officeDocument/2006/relationships" xmlns:p="http://schemas.openxmlformats.org/presentationml/2006/main">
+  <p:cSld>
+    <p:spTree>
+      <p:nvGrpSpPr>
+        <p:cNvPr id="1" name=""/>
+        <p:cNvGrpSpPr/>
+        <p:nvPr/>
+      </p:nvGrpSpPr>
+      <p:grpSpPr>
+        <a:xfrm>
+          <a:off x="0" y="0"/>
+          <a:ext cx="0" cy="0"/>
+          <a:chOff x="0" y="0"/>
+          <a:chExt cx="0" cy="0"/>
+        </a:xfrm>
+      </p:grpSpPr>
+      <p:sp>
+        <p:nvSpPr>
+          <p:cNvPr id="2" name="Title 1">
+            <a:extLst>
+              <a:ext uri="{FF2B5EF4-FFF2-40B4-BE49-F238E27FC236}">
+                <a16:creationId xmlns:a16="http://schemas.microsoft.com/office/drawing/2014/main" id="{114CFCF1-9455-4A80-A964-E104EBFDEB81}"/>
+              </a:ext>
+            </a:extLst>
+          </p:cNvPr>
+          <p:cNvSpPr>
+            <a:spLocks noGrp="1"/>
+          </p:cNvSpPr>
+          <p:nvPr>
+            <p:ph type="title"/>
+          </p:nvPr>
+        </p:nvSpPr>
+        <p:spPr/>
+        <p:txBody>
+          <a:bodyPr/>
+          <a:lstStyle/>
+          <a:p>
+            <a:r>
+              <a:rPr lang="en-US" dirty="0"/>
+              <a:t>Eighth Gen of Home Consoles</a:t>
+            </a:r>
+            <a:endParaRPr lang="en-AU" dirty="0"/>
+          </a:p>
+        </p:txBody>
+      </p:sp>
+      <p:sp>
+        <p:nvSpPr>
+          <p:cNvPr id="3" name="Content Placeholder 2">
+            <a:extLst>
+              <a:ext uri="{FF2B5EF4-FFF2-40B4-BE49-F238E27FC236}">
+                <a16:creationId xmlns:a16="http://schemas.microsoft.com/office/drawing/2014/main" id="{5B832744-EE25-C478-F41E-0760430346F4}"/>
+              </a:ext>
+            </a:extLst>
+          </p:cNvPr>
+          <p:cNvSpPr>
+            <a:spLocks noGrp="1"/>
+          </p:cNvSpPr>
+          <p:nvPr>
+            <p:ph idx="1"/>
+          </p:nvPr>
+        </p:nvSpPr>
+        <p:spPr/>
+        <p:txBody>
+          <a:bodyPr/>
+          <a:lstStyle/>
+          <a:p>
+            <a:r>
+              <a:rPr lang="en-US" dirty="0"/>
+              <a:t>This Gen includes games &amp; consoles released between</a:t>
+            </a:r>
+            <a:endParaRPr lang="en-AU" dirty="0"/>
+          </a:p>
+        </p:txBody>
+      </p:sp>
+    </p:spTree>
+    <p:extLst>
+      <p:ext uri="{BB962C8B-B14F-4D97-AF65-F5344CB8AC3E}">
+        <p14:creationId xmlns:p14="http://schemas.microsoft.com/office/powerpoint/2010/main" val="1408206463"/>
+      </p:ext>
+    </p:extLst>
+  </p:cSld>
+  <p:clrMapOvr>
+    <a:masterClrMapping/>
+  </p:clrMapOvr>
+</p:sld>
+</file>
+
+<file path=ppt/slides/slide21.xml><?xml version="1.0" encoding="utf-8"?>
+<p:sld xmlns:a="http://schemas.openxmlformats.org/drawingml/2006/main" xmlns:r="http://schemas.openxmlformats.org/officeDocument/2006/relationships" xmlns:p="http://schemas.openxmlformats.org/presentationml/2006/main">
+  <p:cSld>
+    <p:spTree>
+      <p:nvGrpSpPr>
+        <p:cNvPr id="1" name=""/>
+        <p:cNvGrpSpPr/>
+        <p:nvPr/>
+      </p:nvGrpSpPr>
+      <p:grpSpPr>
+        <a:xfrm>
+          <a:off x="0" y="0"/>
+          <a:ext cx="0" cy="0"/>
+          <a:chOff x="0" y="0"/>
+          <a:chExt cx="0" cy="0"/>
+        </a:xfrm>
+      </p:grpSpPr>
+      <p:sp>
+        <p:nvSpPr>
+          <p:cNvPr id="2" name="Title 1">
+            <a:extLst>
+              <a:ext uri="{FF2B5EF4-FFF2-40B4-BE49-F238E27FC236}">
+                <a16:creationId xmlns:a16="http://schemas.microsoft.com/office/drawing/2014/main" id="{A1B24B7E-2122-D336-1588-95DD707811C6}"/>
+              </a:ext>
+            </a:extLst>
+          </p:cNvPr>
+          <p:cNvSpPr>
+            <a:spLocks noGrp="1"/>
+          </p:cNvSpPr>
+          <p:nvPr>
+            <p:ph type="title"/>
+          </p:nvPr>
+        </p:nvSpPr>
+        <p:spPr/>
+        <p:txBody>
+          <a:bodyPr/>
+          <a:lstStyle/>
+          <a:p>
+            <a:r>
+              <a:rPr lang="en-US" dirty="0"/>
+              <a:t>Ninth Gen of Home Consoles</a:t>
+            </a:r>
+            <a:endParaRPr lang="en-AU" dirty="0"/>
+          </a:p>
+        </p:txBody>
+      </p:sp>
+      <p:sp>
+        <p:nvSpPr>
+          <p:cNvPr id="3" name="Content Placeholder 2">
+            <a:extLst>
+              <a:ext uri="{FF2B5EF4-FFF2-40B4-BE49-F238E27FC236}">
+                <a16:creationId xmlns:a16="http://schemas.microsoft.com/office/drawing/2014/main" id="{89253CB5-6EAA-0FC5-F992-CEEE1DE1645C}"/>
+              </a:ext>
+            </a:extLst>
+          </p:cNvPr>
+          <p:cNvSpPr>
+            <a:spLocks noGrp="1"/>
+          </p:cNvSpPr>
+          <p:nvPr>
+            <p:ph idx="1"/>
+          </p:nvPr>
+        </p:nvSpPr>
+        <p:spPr/>
+        <p:txBody>
+          <a:bodyPr/>
+          <a:lstStyle/>
+          <a:p>
+            <a:r>
+              <a:rPr lang="en-US" dirty="0"/>
+              <a:t>This Gen includes games &amp; consoles released between</a:t>
+            </a:r>
+            <a:endParaRPr lang="en-AU" dirty="0"/>
+          </a:p>
+        </p:txBody>
+      </p:sp>
+    </p:spTree>
+    <p:extLst>
+      <p:ext uri="{BB962C8B-B14F-4D97-AF65-F5344CB8AC3E}">
+        <p14:creationId xmlns:p14="http://schemas.microsoft.com/office/powerpoint/2010/main" val="1219976343"/>
+      </p:ext>
+    </p:extLst>
+  </p:cSld>
+  <p:clrMapOvr>
+    <a:masterClrMapping/>
+  </p:clrMapOvr>
+</p:sld>
+</file>
+
+<file path=ppt/slides/slide22.xml><?xml version="1.0" encoding="utf-8"?>
+<p:sld xmlns:a="http://schemas.openxmlformats.org/drawingml/2006/main" xmlns:r="http://schemas.openxmlformats.org/officeDocument/2006/relationships" xmlns:p="http://schemas.openxmlformats.org/presentationml/2006/main">
+  <p:cSld>
+    <p:spTree>
+      <p:nvGrpSpPr>
+        <p:cNvPr id="1" name=""/>
+        <p:cNvGrpSpPr/>
+        <p:nvPr/>
+      </p:nvGrpSpPr>
+      <p:grpSpPr>
+        <a:xfrm>
+          <a:off x="0" y="0"/>
+          <a:ext cx="0" cy="0"/>
+          <a:chOff x="0" y="0"/>
+          <a:chExt cx="0" cy="0"/>
+        </a:xfrm>
+      </p:grpSpPr>
+      <p:sp>
+        <p:nvSpPr>
+          <p:cNvPr id="2" name="Title 1">
+            <a:extLst>
+              <a:ext uri="{FF2B5EF4-FFF2-40B4-BE49-F238E27FC236}">
+                <a16:creationId xmlns:a16="http://schemas.microsoft.com/office/drawing/2014/main" id="{07070B6A-77B8-14C7-BFEC-B5B46664207F}"/>
+              </a:ext>
+            </a:extLst>
+          </p:cNvPr>
+          <p:cNvSpPr>
+            <a:spLocks noGrp="1"/>
+          </p:cNvSpPr>
+          <p:nvPr>
+            <p:ph type="title"/>
+          </p:nvPr>
+        </p:nvSpPr>
+        <p:spPr/>
+        <p:txBody>
+          <a:bodyPr/>
+          <a:lstStyle/>
+          <a:p>
+            <a:r>
+              <a:rPr lang="en-US" dirty="0"/>
+              <a:t>The Future of the Games Industry</a:t>
+            </a:r>
+            <a:endParaRPr lang="en-AU" dirty="0"/>
+          </a:p>
+        </p:txBody>
+      </p:sp>
+      <p:sp>
+        <p:nvSpPr>
+          <p:cNvPr id="3" name="Content Placeholder 2">
+            <a:extLst>
+              <a:ext uri="{FF2B5EF4-FFF2-40B4-BE49-F238E27FC236}">
+                <a16:creationId xmlns:a16="http://schemas.microsoft.com/office/drawing/2014/main" id="{3DE84E49-9E40-40F0-8D9C-5335D339FD32}"/>
+              </a:ext>
+            </a:extLst>
+          </p:cNvPr>
+          <p:cNvSpPr>
+            <a:spLocks noGrp="1"/>
+          </p:cNvSpPr>
+          <p:nvPr>
+            <p:ph idx="1"/>
+          </p:nvPr>
+        </p:nvSpPr>
+        <p:spPr/>
+        <p:txBody>
+          <a:bodyPr/>
+          <a:lstStyle/>
+          <a:p>
+            <a:r>
+              <a:rPr lang="en-US" dirty="0"/>
+              <a:t>Social, emotional, and cognitive impacts of game play</a:t>
+            </a:r>
+          </a:p>
+          <a:p>
+            <a:r>
+              <a:rPr lang="en-US" dirty="0"/>
+              <a:t>Gamification across a range of industries</a:t>
+            </a:r>
+          </a:p>
+          <a:p>
+            <a:r>
+              <a:rPr lang="en-US" dirty="0"/>
+              <a:t>Game design principles, frameworks, and methodologies</a:t>
+            </a:r>
+          </a:p>
+          <a:p>
+            <a:r>
+              <a:rPr lang="en-US" dirty="0"/>
+              <a:t>Limitations of industry hardware and software</a:t>
+            </a:r>
+            <a:endParaRPr lang="en-AU" dirty="0"/>
+          </a:p>
+          <a:p>
+            <a:endParaRPr lang="en-AU" dirty="0"/>
+          </a:p>
+          <a:p>
+            <a:r>
+              <a:rPr lang="en-AU" dirty="0"/>
+              <a:t>VR</a:t>
+            </a:r>
+          </a:p>
+        </p:txBody>
+      </p:sp>
+    </p:spTree>
+    <p:extLst>
+      <p:ext uri="{BB962C8B-B14F-4D97-AF65-F5344CB8AC3E}">
+        <p14:creationId xmlns:p14="http://schemas.microsoft.com/office/powerpoint/2010/main" val="1663169755"/>
+      </p:ext>
+    </p:extLst>
+  </p:cSld>
+  <p:clrMapOvr>
+    <a:masterClrMapping/>
+  </p:clrMapOvr>
+</p:sld>
+</file>
+
+<file path=ppt/slides/slide23.xml><?xml version="1.0" encoding="utf-8"?>
 <p:sld xmlns:a="http://schemas.openxmlformats.org/drawingml/2006/main" xmlns:r="http://schemas.openxmlformats.org/officeDocument/2006/relationships" xmlns:p="http://schemas.openxmlformats.org/presentationml/2006/main">
   <p:cSld>
     <p:spTree>
@@ -14361,7 +15729,12 @@
             <p:ph idx="1"/>
           </p:nvPr>
         </p:nvSpPr>
-        <p:spPr/>
+        <p:spPr>
+          <a:xfrm>
+            <a:off x="368170" y="2097088"/>
+            <a:ext cx="8820800" cy="4348682"/>
+          </a:xfrm>
+        </p:spPr>
         <p:txBody>
           <a:bodyPr/>
           <a:lstStyle/>
@@ -14389,19 +15762,284 @@
               <a:t>Improved screen, colour, audio &amp; AI compared to the previous gen.</a:t>
             </a:r>
           </a:p>
-          <a:p>
+        </p:txBody>
+      </p:sp>
+      <p:sp>
+        <p:nvSpPr>
+          <p:cNvPr id="6" name="Content Placeholder 2">
+            <a:extLst>
+              <a:ext uri="{FF2B5EF4-FFF2-40B4-BE49-F238E27FC236}">
+                <a16:creationId xmlns:a16="http://schemas.microsoft.com/office/drawing/2014/main" id="{CB1E3AF5-01E7-6A48-3E48-4F189F485693}"/>
+              </a:ext>
+            </a:extLst>
+          </p:cNvPr>
+          <p:cNvSpPr txBox="1">
+            <a:spLocks/>
+          </p:cNvSpPr>
+          <p:nvPr/>
+        </p:nvSpPr>
+        <p:spPr>
+          <a:xfrm>
+            <a:off x="9188970" y="2143022"/>
+            <a:ext cx="2634860" cy="4348682"/>
+          </a:xfrm>
+          <a:prstGeom prst="rect">
+            <a:avLst/>
+          </a:prstGeom>
+          <a:noFill/>
+          <a:ln w="9525" cap="flat" cmpd="sng" algn="ctr">
+            <a:solidFill>
+              <a:schemeClr val="dk1"/>
+            </a:solidFill>
+            <a:prstDash val="solid"/>
+            <a:round/>
+            <a:headEnd type="none" w="med" len="med"/>
+            <a:tailEnd type="none" w="med" len="med"/>
+          </a:ln>
+        </p:spPr>
+        <p:style>
+          <a:lnRef idx="0">
+            <a:scrgbClr r="0" g="0" b="0"/>
+          </a:lnRef>
+          <a:fillRef idx="0">
+            <a:scrgbClr r="0" g="0" b="0"/>
+          </a:fillRef>
+          <a:effectRef idx="0">
+            <a:scrgbClr r="0" g="0" b="0"/>
+          </a:effectRef>
+          <a:fontRef idx="minor">
+            <a:schemeClr val="dk1"/>
+          </a:fontRef>
+        </p:style>
+        <p:txBody>
+          <a:bodyPr vert="horz" lIns="91440" tIns="45720" rIns="91440" bIns="45720" rtlCol="0">
+            <a:normAutofit/>
+          </a:bodyPr>
+          <a:lstStyle>
+            <a:lvl1pPr marL="228600" indent="-228600" algn="l" defTabSz="914400" rtl="0" eaLnBrk="1" latinLnBrk="0" hangingPunct="1">
+              <a:lnSpc>
+                <a:spcPct val="120000"/>
+              </a:lnSpc>
+              <a:spcBef>
+                <a:spcPts val="1000"/>
+              </a:spcBef>
+              <a:buSzPct val="125000"/>
+              <a:buFont typeface="Arial" panose="020B0604020202020204" pitchFamily="34" charset="0"/>
+              <a:buChar char="•"/>
+              <a:defRPr sz="2400" kern="1200">
+                <a:solidFill>
+                  <a:schemeClr val="tx1"/>
+                </a:solidFill>
+                <a:latin typeface="+mn-lt"/>
+                <a:ea typeface="+mn-ea"/>
+                <a:cs typeface="+mn-cs"/>
+              </a:defRPr>
+            </a:lvl1pPr>
+            <a:lvl2pPr marL="685800" indent="-228600" algn="l" defTabSz="914400" rtl="0" eaLnBrk="1" latinLnBrk="0" hangingPunct="1">
+              <a:lnSpc>
+                <a:spcPct val="120000"/>
+              </a:lnSpc>
+              <a:spcBef>
+                <a:spcPts val="500"/>
+              </a:spcBef>
+              <a:buSzPct val="125000"/>
+              <a:buFont typeface="Arial" panose="020B0604020202020204" pitchFamily="34" charset="0"/>
+              <a:buChar char="•"/>
+              <a:defRPr sz="2000" kern="1200">
+                <a:solidFill>
+                  <a:schemeClr val="tx1"/>
+                </a:solidFill>
+                <a:latin typeface="+mn-lt"/>
+                <a:ea typeface="+mn-ea"/>
+                <a:cs typeface="+mn-cs"/>
+              </a:defRPr>
+            </a:lvl2pPr>
+            <a:lvl3pPr marL="1143000" indent="-228600" algn="l" defTabSz="914400" rtl="0" eaLnBrk="1" latinLnBrk="0" hangingPunct="1">
+              <a:lnSpc>
+                <a:spcPct val="120000"/>
+              </a:lnSpc>
+              <a:spcBef>
+                <a:spcPts val="500"/>
+              </a:spcBef>
+              <a:buSzPct val="125000"/>
+              <a:buFont typeface="Arial" panose="020B0604020202020204" pitchFamily="34" charset="0"/>
+              <a:buChar char="•"/>
+              <a:defRPr sz="1800" kern="1200">
+                <a:solidFill>
+                  <a:schemeClr val="tx1"/>
+                </a:solidFill>
+                <a:latin typeface="+mn-lt"/>
+                <a:ea typeface="+mn-ea"/>
+                <a:cs typeface="+mn-cs"/>
+              </a:defRPr>
+            </a:lvl3pPr>
+            <a:lvl4pPr marL="1600200" indent="-228600" algn="l" defTabSz="914400" rtl="0" eaLnBrk="1" latinLnBrk="0" hangingPunct="1">
+              <a:lnSpc>
+                <a:spcPct val="120000"/>
+              </a:lnSpc>
+              <a:spcBef>
+                <a:spcPts val="500"/>
+              </a:spcBef>
+              <a:buSzPct val="125000"/>
+              <a:buFont typeface="Arial" panose="020B0604020202020204" pitchFamily="34" charset="0"/>
+              <a:buChar char="•"/>
+              <a:defRPr sz="1600" kern="1200">
+                <a:solidFill>
+                  <a:schemeClr val="tx1"/>
+                </a:solidFill>
+                <a:latin typeface="+mn-lt"/>
+                <a:ea typeface="+mn-ea"/>
+                <a:cs typeface="+mn-cs"/>
+              </a:defRPr>
+            </a:lvl4pPr>
+            <a:lvl5pPr marL="2057400" indent="-228600" algn="l" defTabSz="914400" rtl="0" eaLnBrk="1" latinLnBrk="0" hangingPunct="1">
+              <a:lnSpc>
+                <a:spcPct val="120000"/>
+              </a:lnSpc>
+              <a:spcBef>
+                <a:spcPts val="500"/>
+              </a:spcBef>
+              <a:buSzPct val="125000"/>
+              <a:buFont typeface="Arial" panose="020B0604020202020204" pitchFamily="34" charset="0"/>
+              <a:buChar char="•"/>
+              <a:defRPr sz="1600" kern="1200">
+                <a:solidFill>
+                  <a:schemeClr val="tx1"/>
+                </a:solidFill>
+                <a:latin typeface="+mn-lt"/>
+                <a:ea typeface="+mn-ea"/>
+                <a:cs typeface="+mn-cs"/>
+              </a:defRPr>
+            </a:lvl5pPr>
+            <a:lvl6pPr marL="2514600" indent="-228600" algn="l" defTabSz="914400" rtl="0" eaLnBrk="1" latinLnBrk="0" hangingPunct="1">
+              <a:lnSpc>
+                <a:spcPct val="120000"/>
+              </a:lnSpc>
+              <a:spcBef>
+                <a:spcPts val="500"/>
+              </a:spcBef>
+              <a:buSzPct val="125000"/>
+              <a:buFont typeface="Arial" panose="020B0604020202020204" pitchFamily="34" charset="0"/>
+              <a:buChar char="•"/>
+              <a:defRPr sz="1400" kern="1200">
+                <a:solidFill>
+                  <a:schemeClr val="tx1"/>
+                </a:solidFill>
+                <a:latin typeface="+mn-lt"/>
+                <a:ea typeface="+mn-ea"/>
+                <a:cs typeface="+mn-cs"/>
+              </a:defRPr>
+            </a:lvl6pPr>
+            <a:lvl7pPr marL="2971800" indent="-228600" algn="l" defTabSz="914400" rtl="0" eaLnBrk="1" latinLnBrk="0" hangingPunct="1">
+              <a:lnSpc>
+                <a:spcPct val="120000"/>
+              </a:lnSpc>
+              <a:spcBef>
+                <a:spcPts val="500"/>
+              </a:spcBef>
+              <a:buSzPct val="125000"/>
+              <a:buFont typeface="Arial" panose="020B0604020202020204" pitchFamily="34" charset="0"/>
+              <a:buChar char="•"/>
+              <a:defRPr sz="1400" kern="1200">
+                <a:solidFill>
+                  <a:schemeClr val="tx1"/>
+                </a:solidFill>
+                <a:latin typeface="+mn-lt"/>
+                <a:ea typeface="+mn-ea"/>
+                <a:cs typeface="+mn-cs"/>
+              </a:defRPr>
+            </a:lvl7pPr>
+            <a:lvl8pPr marL="3429000" indent="-228600" algn="l" defTabSz="914400" rtl="0" eaLnBrk="1" latinLnBrk="0" hangingPunct="1">
+              <a:lnSpc>
+                <a:spcPct val="120000"/>
+              </a:lnSpc>
+              <a:spcBef>
+                <a:spcPts val="500"/>
+              </a:spcBef>
+              <a:buSzPct val="125000"/>
+              <a:buFont typeface="Arial" panose="020B0604020202020204" pitchFamily="34" charset="0"/>
+              <a:buChar char="•"/>
+              <a:defRPr sz="1400" kern="1200">
+                <a:solidFill>
+                  <a:schemeClr val="tx1"/>
+                </a:solidFill>
+                <a:latin typeface="+mn-lt"/>
+                <a:ea typeface="+mn-ea"/>
+                <a:cs typeface="+mn-cs"/>
+              </a:defRPr>
+            </a:lvl8pPr>
+            <a:lvl9pPr marL="3886200" indent="-228600" algn="l" defTabSz="914400" rtl="0" eaLnBrk="1" latinLnBrk="0" hangingPunct="1">
+              <a:lnSpc>
+                <a:spcPct val="120000"/>
+              </a:lnSpc>
+              <a:spcBef>
+                <a:spcPts val="500"/>
+              </a:spcBef>
+              <a:buSzPct val="125000"/>
+              <a:buFont typeface="Arial" panose="020B0604020202020204" pitchFamily="34" charset="0"/>
+              <a:buChar char="•"/>
+              <a:defRPr sz="1400" kern="1200">
+                <a:solidFill>
+                  <a:schemeClr val="tx1"/>
+                </a:solidFill>
+                <a:latin typeface="+mn-lt"/>
+                <a:ea typeface="+mn-ea"/>
+                <a:cs typeface="+mn-cs"/>
+              </a:defRPr>
+            </a:lvl9pPr>
+          </a:lstStyle>
+          <a:p>
+            <a:pPr marL="0" indent="0">
+              <a:buNone/>
+            </a:pPr>
+            <a:r>
+              <a:rPr lang="en-AU" dirty="0"/>
+              <a:t>Consoles:</a:t>
+            </a:r>
+          </a:p>
+          <a:p>
+            <a:r>
+              <a:rPr lang="en-AU" dirty="0"/>
+              <a:t>Atari 2600</a:t>
+            </a:r>
+          </a:p>
+          <a:p>
+            <a:r>
+              <a:rPr lang="en-AU" dirty="0" err="1"/>
+              <a:t>ColecoVision</a:t>
+            </a:r>
             <a:endParaRPr lang="en-AU" dirty="0"/>
           </a:p>
           <a:p>
             <a:r>
               <a:rPr lang="en-AU" dirty="0"/>
-              <a:t>Includes </a:t>
+              <a:t>Magnavox Odyssey 2</a:t>
+            </a:r>
+          </a:p>
+          <a:p>
+            <a:r>
+              <a:rPr lang="en-AU" dirty="0"/>
+              <a:t>Mattel </a:t>
             </a:r>
             <a:r>
               <a:rPr lang="en-AU" dirty="0" err="1"/>
-              <a:t>game&amp;watch</a:t>
-            </a:r>
-            <a:endParaRPr lang="en-US" dirty="0"/>
+              <a:t>Intellivision</a:t>
+            </a:r>
+            <a:endParaRPr lang="en-AU" dirty="0"/>
+          </a:p>
+          <a:p>
+            <a:r>
+              <a:rPr lang="en-AU" dirty="0" err="1"/>
+              <a:t>Microvision</a:t>
+            </a:r>
+            <a:endParaRPr lang="en-AU" dirty="0"/>
+          </a:p>
+          <a:p>
+            <a:r>
+              <a:rPr lang="en-AU" dirty="0" err="1"/>
+              <a:t>Game&amp;Watch</a:t>
+            </a:r>
+            <a:endParaRPr lang="en-AU" dirty="0"/>
           </a:p>
         </p:txBody>
       </p:sp>
@@ -14585,7 +16223,12 @@
             <p:ph idx="1"/>
           </p:nvPr>
         </p:nvSpPr>
-        <p:spPr/>
+        <p:spPr>
+          <a:xfrm>
+            <a:off x="308209" y="2097088"/>
+            <a:ext cx="8805812" cy="3541714"/>
+          </a:xfrm>
+        </p:spPr>
         <p:txBody>
           <a:bodyPr/>
           <a:lstStyle/>
@@ -14615,6 +16258,244 @@
             <a:r>
               <a:rPr lang="en-US" dirty="0"/>
               <a:t>(censorship history)</a:t>
+            </a:r>
+            <a:endParaRPr lang="en-AU" dirty="0"/>
+          </a:p>
+        </p:txBody>
+      </p:sp>
+      <p:sp>
+        <p:nvSpPr>
+          <p:cNvPr id="4" name="Content Placeholder 2">
+            <a:extLst>
+              <a:ext uri="{FF2B5EF4-FFF2-40B4-BE49-F238E27FC236}">
+                <a16:creationId xmlns:a16="http://schemas.microsoft.com/office/drawing/2014/main" id="{F97E540D-A969-D6B5-50C7-8D41E23AEDB7}"/>
+              </a:ext>
+            </a:extLst>
+          </p:cNvPr>
+          <p:cNvSpPr txBox="1">
+            <a:spLocks/>
+          </p:cNvSpPr>
+          <p:nvPr/>
+        </p:nvSpPr>
+        <p:spPr>
+          <a:xfrm>
+            <a:off x="9114021" y="2097088"/>
+            <a:ext cx="2766594" cy="3541714"/>
+          </a:xfrm>
+          <a:prstGeom prst="rect">
+            <a:avLst/>
+          </a:prstGeom>
+        </p:spPr>
+        <p:txBody>
+          <a:bodyPr vert="horz" lIns="91440" tIns="45720" rIns="91440" bIns="45720" rtlCol="0">
+            <a:normAutofit fontScale="92500"/>
+          </a:bodyPr>
+          <a:lstStyle>
+            <a:lvl1pPr marL="228600" indent="-228600" algn="l" defTabSz="914400" rtl="0" eaLnBrk="1" latinLnBrk="0" hangingPunct="1">
+              <a:lnSpc>
+                <a:spcPct val="120000"/>
+              </a:lnSpc>
+              <a:spcBef>
+                <a:spcPts val="1000"/>
+              </a:spcBef>
+              <a:buSzPct val="125000"/>
+              <a:buFont typeface="Arial" panose="020B0604020202020204" pitchFamily="34" charset="0"/>
+              <a:buChar char="•"/>
+              <a:defRPr sz="2400" kern="1200">
+                <a:solidFill>
+                  <a:schemeClr val="tx1"/>
+                </a:solidFill>
+                <a:latin typeface="+mn-lt"/>
+                <a:ea typeface="+mn-ea"/>
+                <a:cs typeface="+mn-cs"/>
+              </a:defRPr>
+            </a:lvl1pPr>
+            <a:lvl2pPr marL="685800" indent="-228600" algn="l" defTabSz="914400" rtl="0" eaLnBrk="1" latinLnBrk="0" hangingPunct="1">
+              <a:lnSpc>
+                <a:spcPct val="120000"/>
+              </a:lnSpc>
+              <a:spcBef>
+                <a:spcPts val="500"/>
+              </a:spcBef>
+              <a:buSzPct val="125000"/>
+              <a:buFont typeface="Arial" panose="020B0604020202020204" pitchFamily="34" charset="0"/>
+              <a:buChar char="•"/>
+              <a:defRPr sz="2000" kern="1200">
+                <a:solidFill>
+                  <a:schemeClr val="tx1"/>
+                </a:solidFill>
+                <a:latin typeface="+mn-lt"/>
+                <a:ea typeface="+mn-ea"/>
+                <a:cs typeface="+mn-cs"/>
+              </a:defRPr>
+            </a:lvl2pPr>
+            <a:lvl3pPr marL="1143000" indent="-228600" algn="l" defTabSz="914400" rtl="0" eaLnBrk="1" latinLnBrk="0" hangingPunct="1">
+              <a:lnSpc>
+                <a:spcPct val="120000"/>
+              </a:lnSpc>
+              <a:spcBef>
+                <a:spcPts val="500"/>
+              </a:spcBef>
+              <a:buSzPct val="125000"/>
+              <a:buFont typeface="Arial" panose="020B0604020202020204" pitchFamily="34" charset="0"/>
+              <a:buChar char="•"/>
+              <a:defRPr sz="1800" kern="1200">
+                <a:solidFill>
+                  <a:schemeClr val="tx1"/>
+                </a:solidFill>
+                <a:latin typeface="+mn-lt"/>
+                <a:ea typeface="+mn-ea"/>
+                <a:cs typeface="+mn-cs"/>
+              </a:defRPr>
+            </a:lvl3pPr>
+            <a:lvl4pPr marL="1600200" indent="-228600" algn="l" defTabSz="914400" rtl="0" eaLnBrk="1" latinLnBrk="0" hangingPunct="1">
+              <a:lnSpc>
+                <a:spcPct val="120000"/>
+              </a:lnSpc>
+              <a:spcBef>
+                <a:spcPts val="500"/>
+              </a:spcBef>
+              <a:buSzPct val="125000"/>
+              <a:buFont typeface="Arial" panose="020B0604020202020204" pitchFamily="34" charset="0"/>
+              <a:buChar char="•"/>
+              <a:defRPr sz="1600" kern="1200">
+                <a:solidFill>
+                  <a:schemeClr val="tx1"/>
+                </a:solidFill>
+                <a:latin typeface="+mn-lt"/>
+                <a:ea typeface="+mn-ea"/>
+                <a:cs typeface="+mn-cs"/>
+              </a:defRPr>
+            </a:lvl4pPr>
+            <a:lvl5pPr marL="2057400" indent="-228600" algn="l" defTabSz="914400" rtl="0" eaLnBrk="1" latinLnBrk="0" hangingPunct="1">
+              <a:lnSpc>
+                <a:spcPct val="120000"/>
+              </a:lnSpc>
+              <a:spcBef>
+                <a:spcPts val="500"/>
+              </a:spcBef>
+              <a:buSzPct val="125000"/>
+              <a:buFont typeface="Arial" panose="020B0604020202020204" pitchFamily="34" charset="0"/>
+              <a:buChar char="•"/>
+              <a:defRPr sz="1600" kern="1200">
+                <a:solidFill>
+                  <a:schemeClr val="tx1"/>
+                </a:solidFill>
+                <a:latin typeface="+mn-lt"/>
+                <a:ea typeface="+mn-ea"/>
+                <a:cs typeface="+mn-cs"/>
+              </a:defRPr>
+            </a:lvl5pPr>
+            <a:lvl6pPr marL="2514600" indent="-228600" algn="l" defTabSz="914400" rtl="0" eaLnBrk="1" latinLnBrk="0" hangingPunct="1">
+              <a:lnSpc>
+                <a:spcPct val="120000"/>
+              </a:lnSpc>
+              <a:spcBef>
+                <a:spcPts val="500"/>
+              </a:spcBef>
+              <a:buSzPct val="125000"/>
+              <a:buFont typeface="Arial" panose="020B0604020202020204" pitchFamily="34" charset="0"/>
+              <a:buChar char="•"/>
+              <a:defRPr sz="1400" kern="1200">
+                <a:solidFill>
+                  <a:schemeClr val="tx1"/>
+                </a:solidFill>
+                <a:latin typeface="+mn-lt"/>
+                <a:ea typeface="+mn-ea"/>
+                <a:cs typeface="+mn-cs"/>
+              </a:defRPr>
+            </a:lvl6pPr>
+            <a:lvl7pPr marL="2971800" indent="-228600" algn="l" defTabSz="914400" rtl="0" eaLnBrk="1" latinLnBrk="0" hangingPunct="1">
+              <a:lnSpc>
+                <a:spcPct val="120000"/>
+              </a:lnSpc>
+              <a:spcBef>
+                <a:spcPts val="500"/>
+              </a:spcBef>
+              <a:buSzPct val="125000"/>
+              <a:buFont typeface="Arial" panose="020B0604020202020204" pitchFamily="34" charset="0"/>
+              <a:buChar char="•"/>
+              <a:defRPr sz="1400" kern="1200">
+                <a:solidFill>
+                  <a:schemeClr val="tx1"/>
+                </a:solidFill>
+                <a:latin typeface="+mn-lt"/>
+                <a:ea typeface="+mn-ea"/>
+                <a:cs typeface="+mn-cs"/>
+              </a:defRPr>
+            </a:lvl7pPr>
+            <a:lvl8pPr marL="3429000" indent="-228600" algn="l" defTabSz="914400" rtl="0" eaLnBrk="1" latinLnBrk="0" hangingPunct="1">
+              <a:lnSpc>
+                <a:spcPct val="120000"/>
+              </a:lnSpc>
+              <a:spcBef>
+                <a:spcPts val="500"/>
+              </a:spcBef>
+              <a:buSzPct val="125000"/>
+              <a:buFont typeface="Arial" panose="020B0604020202020204" pitchFamily="34" charset="0"/>
+              <a:buChar char="•"/>
+              <a:defRPr sz="1400" kern="1200">
+                <a:solidFill>
+                  <a:schemeClr val="tx1"/>
+                </a:solidFill>
+                <a:latin typeface="+mn-lt"/>
+                <a:ea typeface="+mn-ea"/>
+                <a:cs typeface="+mn-cs"/>
+              </a:defRPr>
+            </a:lvl8pPr>
+            <a:lvl9pPr marL="3886200" indent="-228600" algn="l" defTabSz="914400" rtl="0" eaLnBrk="1" latinLnBrk="0" hangingPunct="1">
+              <a:lnSpc>
+                <a:spcPct val="120000"/>
+              </a:lnSpc>
+              <a:spcBef>
+                <a:spcPts val="500"/>
+              </a:spcBef>
+              <a:buSzPct val="125000"/>
+              <a:buFont typeface="Arial" panose="020B0604020202020204" pitchFamily="34" charset="0"/>
+              <a:buChar char="•"/>
+              <a:defRPr sz="1400" kern="1200">
+                <a:solidFill>
+                  <a:schemeClr val="tx1"/>
+                </a:solidFill>
+                <a:latin typeface="+mn-lt"/>
+                <a:ea typeface="+mn-ea"/>
+                <a:cs typeface="+mn-cs"/>
+              </a:defRPr>
+            </a:lvl9pPr>
+          </a:lstStyle>
+          <a:p>
+            <a:pPr marL="0" indent="0">
+              <a:buNone/>
+            </a:pPr>
+            <a:r>
+              <a:rPr lang="en-US" dirty="0"/>
+              <a:t>Consoles:</a:t>
+            </a:r>
+          </a:p>
+          <a:p>
+            <a:r>
+              <a:rPr lang="en-US" dirty="0"/>
+              <a:t>Nintendo Entertainment System (NES or </a:t>
+            </a:r>
+            <a:r>
+              <a:rPr lang="en-US" dirty="0" err="1"/>
+              <a:t>Famicom</a:t>
+            </a:r>
+            <a:r>
+              <a:rPr lang="en-US" dirty="0"/>
+              <a:t>)</a:t>
+            </a:r>
+          </a:p>
+          <a:p>
+            <a:r>
+              <a:rPr lang="en-US" dirty="0"/>
+              <a:t>Sega Master System</a:t>
+            </a:r>
+          </a:p>
+          <a:p>
+            <a:r>
+              <a:rPr lang="en-US" dirty="0"/>
+              <a:t>Atari 7800</a:t>
             </a:r>
             <a:endParaRPr lang="en-AU" dirty="0"/>
           </a:p>
